--- a/docs/Matt_Farrow_Megan_Ball_DS6306_EDA.pptx
+++ b/docs/Matt_Farrow_Megan_Ball_DS6306_EDA.pptx
@@ -6,10 +6,12 @@
   </p:sldMasterIdLst>
   <p:sldIdLst>
     <p:sldId id="256" r:id="rId2"/>
-    <p:sldId id="257" r:id="rId3"/>
-    <p:sldId id="258" r:id="rId4"/>
-    <p:sldId id="259" r:id="rId5"/>
-    <p:sldId id="260" r:id="rId6"/>
+    <p:sldId id="261" r:id="rId3"/>
+    <p:sldId id="262" r:id="rId4"/>
+    <p:sldId id="257" r:id="rId5"/>
+    <p:sldId id="258" r:id="rId6"/>
+    <p:sldId id="259" r:id="rId7"/>
+    <p:sldId id="260" r:id="rId8"/>
   </p:sldIdLst>
   <p:sldSz cx="12192000" cy="6858000"/>
   <p:notesSz cx="6858000" cy="9144000"/>
@@ -108,6 +110,11 @@
       </a:defRPr>
     </a:lvl9pPr>
   </p:defaultTextStyle>
+  <p:extLst>
+    <p:ext uri="{EFAFB233-063F-42B5-8137-9DF3F51BA10A}">
+      <p15:sldGuideLst xmlns:p15="http://schemas.microsoft.com/office/powerpoint/2012/main"/>
+    </p:ext>
+  </p:extLst>
 </p:presentation>
 </file>
 
@@ -1333,7 +1340,7 @@
           <a:p>
             <a:fld id="{1160EA64-D806-43AC-9DF2-F8C432F32B4C}" type="datetimeFigureOut">
               <a:rPr lang="en-US" smtClean="0"/>
-              <a:t>10/9/2020</a:t>
+              <a:t>10/11/20</a:t>
             </a:fld>
             <a:endParaRPr lang="en-US" dirty="0"/>
           </a:p>
@@ -1577,7 +1584,7 @@
           <a:p>
             <a:fld id="{E9F9C37B-1D36-470B-8223-D6C91242EC14}" type="datetimeFigureOut">
               <a:rPr lang="en-US" smtClean="0"/>
-              <a:t>10/9/2020</a:t>
+              <a:t>10/11/20</a:t>
             </a:fld>
             <a:endParaRPr lang="en-US" dirty="0"/>
           </a:p>
@@ -1757,7 +1764,7 @@
           <a:p>
             <a:fld id="{67C6F52A-A82B-47A2-A83A-8C4C91F2D59F}" type="datetimeFigureOut">
               <a:rPr lang="en-US" smtClean="0"/>
-              <a:t>10/9/2020</a:t>
+              <a:t>10/11/20</a:t>
             </a:fld>
             <a:endParaRPr lang="en-US" dirty="0"/>
           </a:p>
@@ -1927,7 +1934,7 @@
           <a:p>
             <a:fld id="{F070A7B3-6521-4DCA-87E5-044747A908C1}" type="datetimeFigureOut">
               <a:rPr lang="en-US" smtClean="0"/>
-              <a:t>10/9/2020</a:t>
+              <a:t>10/11/20</a:t>
             </a:fld>
             <a:endParaRPr lang="en-US" dirty="0"/>
           </a:p>
@@ -2207,7 +2214,7 @@
           <a:p>
             <a:fld id="{1160EA64-D806-43AC-9DF2-F8C432F32B4C}" type="datetimeFigureOut">
               <a:rPr lang="en-US" smtClean="0"/>
-              <a:t>10/9/2020</a:t>
+              <a:t>10/11/20</a:t>
             </a:fld>
             <a:endParaRPr lang="en-US" dirty="0"/>
           </a:p>
@@ -3409,7 +3416,7 @@
           <a:p>
             <a:fld id="{AB134690-1557-4C89-A502-4959FE7FAD70}" type="datetimeFigureOut">
               <a:rPr lang="en-US" smtClean="0"/>
-              <a:t>10/9/2020</a:t>
+              <a:t>10/11/20</a:t>
             </a:fld>
             <a:endParaRPr lang="en-US" dirty="0"/>
           </a:p>
@@ -3805,7 +3812,7 @@
           <a:p>
             <a:fld id="{1160EA64-D806-43AC-9DF2-F8C432F32B4C}" type="datetimeFigureOut">
               <a:rPr lang="en-US" smtClean="0"/>
-              <a:t>10/9/2020</a:t>
+              <a:t>10/11/20</a:t>
             </a:fld>
             <a:endParaRPr lang="en-US" dirty="0"/>
           </a:p>
@@ -3930,7 +3937,7 @@
           <a:p>
             <a:fld id="{E1037C31-9E7A-4F99-8774-A0E530DE1A42}" type="datetimeFigureOut">
               <a:rPr lang="en-US" smtClean="0"/>
-              <a:t>10/9/2020</a:t>
+              <a:t>10/11/20</a:t>
             </a:fld>
             <a:endParaRPr lang="en-US" dirty="0"/>
           </a:p>
@@ -4025,7 +4032,7 @@
           <a:p>
             <a:fld id="{C278504F-A551-4DE0-9316-4DCD1D8CC752}" type="datetimeFigureOut">
               <a:rPr lang="en-US" smtClean="0"/>
-              <a:t>10/9/2020</a:t>
+              <a:t>10/11/20</a:t>
             </a:fld>
             <a:endParaRPr lang="en-US" dirty="0"/>
           </a:p>
@@ -4791,7 +4798,7 @@
           <a:p>
             <a:fld id="{D1BE4249-C0D0-4B06-8692-E8BB871AF643}" type="datetimeFigureOut">
               <a:rPr lang="en-US" smtClean="0"/>
-              <a:t>10/9/2020</a:t>
+              <a:t>10/11/20</a:t>
             </a:fld>
             <a:endParaRPr lang="en-US" dirty="0"/>
           </a:p>
@@ -5634,7 +5641,7 @@
           <a:p>
             <a:fld id="{042B0DB6-F5C7-45FB-8CF3-31B45F9C2DAC}" type="datetimeFigureOut">
               <a:rPr lang="en-US" smtClean="0"/>
-              <a:t>10/9/2020</a:t>
+              <a:t>10/11/20</a:t>
             </a:fld>
             <a:endParaRPr lang="en-US" dirty="0"/>
           </a:p>
@@ -5861,7 +5868,7 @@
           <a:p>
             <a:fld id="{1160EA64-D806-43AC-9DF2-F8C432F32B4C}" type="datetimeFigureOut">
               <a:rPr lang="en-US" smtClean="0"/>
-              <a:t>10/9/2020</a:t>
+              <a:t>10/11/20</a:t>
             </a:fld>
             <a:endParaRPr lang="en-US" dirty="0"/>
           </a:p>
@@ -6964,10 +6971,10 @@
       </p:grpSpPr>
       <p:sp>
         <p:nvSpPr>
-          <p:cNvPr id="4" name="Title 3">
+          <p:cNvPr id="2" name="Title 1">
             <a:extLst>
               <a:ext uri="{FF2B5EF4-FFF2-40B4-BE49-F238E27FC236}">
-                <a16:creationId xmlns:a16="http://schemas.microsoft.com/office/drawing/2014/main" id="{4C3134FF-79B4-42CA-A2F5-91CC95A961A7}"/>
+                <a16:creationId xmlns:a16="http://schemas.microsoft.com/office/drawing/2014/main" id="{4DDC225C-F2E3-7244-B66C-495FB35B41D0}"/>
               </a:ext>
             </a:extLst>
           </p:cNvPr>
@@ -6985,17 +6992,17 @@
           <a:p>
             <a:r>
               <a:rPr lang="en-US" dirty="0"/>
-              <a:t>Breweries by state</a:t>
+              <a:t>Data Description</a:t>
             </a:r>
           </a:p>
         </p:txBody>
       </p:sp>
       <p:sp>
         <p:nvSpPr>
-          <p:cNvPr id="5" name="Content Placeholder 4">
+          <p:cNvPr id="3" name="Content Placeholder 2">
             <a:extLst>
               <a:ext uri="{FF2B5EF4-FFF2-40B4-BE49-F238E27FC236}">
-                <a16:creationId xmlns:a16="http://schemas.microsoft.com/office/drawing/2014/main" id="{B7ACF7BF-27A0-4D9E-B849-059E32A7DADE}"/>
+                <a16:creationId xmlns:a16="http://schemas.microsoft.com/office/drawing/2014/main" id="{FD2E9094-C586-8C4A-9C85-1942711D6692}"/>
               </a:ext>
             </a:extLst>
           </p:cNvPr>
@@ -7003,7 +7010,7 @@
             <a:spLocks noGrp="1"/>
           </p:cNvSpPr>
           <p:nvPr>
-            <p:ph sz="half" idx="1"/>
+            <p:ph idx="1"/>
           </p:nvPr>
         </p:nvSpPr>
         <p:spPr/>
@@ -7011,96 +7018,14 @@
           <a:bodyPr/>
           <a:lstStyle/>
           <a:p>
-            <a:r>
-              <a:rPr lang="en-US" dirty="0"/>
-              <a:t>First – let’s take a look at which states have the highest concentration of breweries</a:t>
-            </a:r>
-          </a:p>
-          <a:p>
-            <a:r>
-              <a:rPr lang="en-US" dirty="0"/>
-              <a:t>We have a clear outlier in Colorado with a total of 47 breweries!</a:t>
-            </a:r>
-          </a:p>
-          <a:p>
-            <a:r>
-              <a:rPr lang="en-US" dirty="0"/>
-              <a:t>North Dakota, South Dakota, West Virginia, and Washington, D.C. all tie with only one brewery per ‘state’</a:t>
-            </a:r>
-          </a:p>
-        </p:txBody>
-      </p:sp>
-      <p:pic>
-        <p:nvPicPr>
-          <p:cNvPr id="10" name="Content Placeholder 9">
-            <a:extLst>
-              <a:ext uri="{FF2B5EF4-FFF2-40B4-BE49-F238E27FC236}">
-                <a16:creationId xmlns:a16="http://schemas.microsoft.com/office/drawing/2014/main" id="{D2D24557-9DBB-4A4D-9596-11EB6148ABF7}"/>
-              </a:ext>
-            </a:extLst>
-          </p:cNvPr>
-          <p:cNvPicPr>
-            <a:picLocks noGrp="1" noChangeAspect="1"/>
-          </p:cNvPicPr>
-          <p:nvPr>
-            <p:ph sz="half" idx="2"/>
-          </p:nvPr>
-        </p:nvPicPr>
-        <p:blipFill>
-          <a:blip r:embed="rId2"/>
-          <a:stretch>
-            <a:fillRect/>
-          </a:stretch>
-        </p:blipFill>
-        <p:spPr>
-          <a:xfrm>
-            <a:off x="6648450" y="2608160"/>
-            <a:ext cx="4800600" cy="2975180"/>
-          </a:xfrm>
-          <a:prstGeom prst="rect">
-            <a:avLst/>
-          </a:prstGeom>
-        </p:spPr>
-      </p:pic>
-      <p:sp>
-        <p:nvSpPr>
-          <p:cNvPr id="11" name="TextBox 10">
-            <a:extLst>
-              <a:ext uri="{FF2B5EF4-FFF2-40B4-BE49-F238E27FC236}">
-                <a16:creationId xmlns:a16="http://schemas.microsoft.com/office/drawing/2014/main" id="{B45924E8-2A37-4EC0-A032-AB4926B4B6AD}"/>
-              </a:ext>
-            </a:extLst>
-          </p:cNvPr>
-          <p:cNvSpPr txBox="1"/>
-          <p:nvPr/>
-        </p:nvSpPr>
-        <p:spPr>
-          <a:xfrm>
-            <a:off x="7968343" y="1539551"/>
-            <a:ext cx="2593910" cy="646331"/>
-          </a:xfrm>
-          <a:prstGeom prst="rect">
-            <a:avLst/>
-          </a:prstGeom>
-          <a:noFill/>
-        </p:spPr>
-        <p:txBody>
-          <a:bodyPr wrap="square" rtlCol="0">
-            <a:spAutoFit/>
-          </a:bodyPr>
-          <a:lstStyle/>
-          <a:p>
-            <a:r>
-              <a:rPr lang="en-US" dirty="0"/>
-              <a:t>MB comment: map or top 10 table? </a:t>
-            </a:r>
+            <a:endParaRPr lang="en-US"/>
           </a:p>
         </p:txBody>
       </p:sp>
     </p:spTree>
     <p:extLst>
       <p:ext uri="{BB962C8B-B14F-4D97-AF65-F5344CB8AC3E}">
-        <p14:creationId xmlns:p14="http://schemas.microsoft.com/office/powerpoint/2010/main" val="4163052339"/>
+        <p14:creationId xmlns:p14="http://schemas.microsoft.com/office/powerpoint/2010/main" val="411140790"/>
       </p:ext>
     </p:extLst>
   </p:cSld>
@@ -7132,6 +7057,254 @@
           <p:cNvPr id="2" name="Title 1">
             <a:extLst>
               <a:ext uri="{FF2B5EF4-FFF2-40B4-BE49-F238E27FC236}">
+                <a16:creationId xmlns:a16="http://schemas.microsoft.com/office/drawing/2014/main" id="{84DFDDF1-2AA6-444D-9D15-0448526AA144}"/>
+              </a:ext>
+            </a:extLst>
+          </p:cNvPr>
+          <p:cNvSpPr>
+            <a:spLocks noGrp="1"/>
+          </p:cNvSpPr>
+          <p:nvPr>
+            <p:ph type="title"/>
+          </p:nvPr>
+        </p:nvSpPr>
+        <p:spPr/>
+        <p:txBody>
+          <a:bodyPr/>
+          <a:lstStyle/>
+          <a:p>
+            <a:r>
+              <a:rPr lang="en-US" dirty="0"/>
+              <a:t>Handling Missing Values</a:t>
+            </a:r>
+          </a:p>
+        </p:txBody>
+      </p:sp>
+      <p:sp>
+        <p:nvSpPr>
+          <p:cNvPr id="3" name="Content Placeholder 2">
+            <a:extLst>
+              <a:ext uri="{FF2B5EF4-FFF2-40B4-BE49-F238E27FC236}">
+                <a16:creationId xmlns:a16="http://schemas.microsoft.com/office/drawing/2014/main" id="{1B0C74A9-7FE5-5C47-BF80-18F466EA8D93}"/>
+              </a:ext>
+            </a:extLst>
+          </p:cNvPr>
+          <p:cNvSpPr>
+            <a:spLocks noGrp="1"/>
+          </p:cNvSpPr>
+          <p:nvPr>
+            <p:ph idx="1"/>
+          </p:nvPr>
+        </p:nvSpPr>
+        <p:spPr/>
+        <p:txBody>
+          <a:bodyPr/>
+          <a:lstStyle/>
+          <a:p>
+            <a:endParaRPr lang="en-US"/>
+          </a:p>
+        </p:txBody>
+      </p:sp>
+    </p:spTree>
+    <p:extLst>
+      <p:ext uri="{BB962C8B-B14F-4D97-AF65-F5344CB8AC3E}">
+        <p14:creationId xmlns:p14="http://schemas.microsoft.com/office/powerpoint/2010/main" val="4064351903"/>
+      </p:ext>
+    </p:extLst>
+  </p:cSld>
+  <p:clrMapOvr>
+    <a:masterClrMapping/>
+  </p:clrMapOvr>
+</p:sld>
+</file>
+
+<file path=ppt/slides/slide4.xml><?xml version="1.0" encoding="utf-8"?>
+<p:sld xmlns:a="http://schemas.openxmlformats.org/drawingml/2006/main" xmlns:r="http://schemas.openxmlformats.org/officeDocument/2006/relationships" xmlns:p="http://schemas.openxmlformats.org/presentationml/2006/main">
+  <p:cSld>
+    <p:spTree>
+      <p:nvGrpSpPr>
+        <p:cNvPr id="1" name=""/>
+        <p:cNvGrpSpPr/>
+        <p:nvPr/>
+      </p:nvGrpSpPr>
+      <p:grpSpPr>
+        <a:xfrm>
+          <a:off x="0" y="0"/>
+          <a:ext cx="0" cy="0"/>
+          <a:chOff x="0" y="0"/>
+          <a:chExt cx="0" cy="0"/>
+        </a:xfrm>
+      </p:grpSpPr>
+      <p:sp>
+        <p:nvSpPr>
+          <p:cNvPr id="4" name="Title 3">
+            <a:extLst>
+              <a:ext uri="{FF2B5EF4-FFF2-40B4-BE49-F238E27FC236}">
+                <a16:creationId xmlns:a16="http://schemas.microsoft.com/office/drawing/2014/main" id="{4C3134FF-79B4-42CA-A2F5-91CC95A961A7}"/>
+              </a:ext>
+            </a:extLst>
+          </p:cNvPr>
+          <p:cNvSpPr>
+            <a:spLocks noGrp="1"/>
+          </p:cNvSpPr>
+          <p:nvPr>
+            <p:ph type="title"/>
+          </p:nvPr>
+        </p:nvSpPr>
+        <p:spPr/>
+        <p:txBody>
+          <a:bodyPr/>
+          <a:lstStyle/>
+          <a:p>
+            <a:r>
+              <a:rPr lang="en-US" dirty="0"/>
+              <a:t>Breweries by state</a:t>
+            </a:r>
+          </a:p>
+        </p:txBody>
+      </p:sp>
+      <p:sp>
+        <p:nvSpPr>
+          <p:cNvPr id="5" name="Content Placeholder 4">
+            <a:extLst>
+              <a:ext uri="{FF2B5EF4-FFF2-40B4-BE49-F238E27FC236}">
+                <a16:creationId xmlns:a16="http://schemas.microsoft.com/office/drawing/2014/main" id="{B7ACF7BF-27A0-4D9E-B849-059E32A7DADE}"/>
+              </a:ext>
+            </a:extLst>
+          </p:cNvPr>
+          <p:cNvSpPr>
+            <a:spLocks noGrp="1"/>
+          </p:cNvSpPr>
+          <p:nvPr>
+            <p:ph sz="half" idx="1"/>
+          </p:nvPr>
+        </p:nvSpPr>
+        <p:spPr/>
+        <p:txBody>
+          <a:bodyPr/>
+          <a:lstStyle/>
+          <a:p>
+            <a:r>
+              <a:rPr lang="en-US" dirty="0"/>
+              <a:t>First – let’s take a look at which states have the highest concentration of breweries</a:t>
+            </a:r>
+          </a:p>
+          <a:p>
+            <a:r>
+              <a:rPr lang="en-US" dirty="0"/>
+              <a:t>We have a clear outlier in Colorado with a total of 47 breweries!</a:t>
+            </a:r>
+          </a:p>
+          <a:p>
+            <a:r>
+              <a:rPr lang="en-US" dirty="0"/>
+              <a:t>North Dakota, South Dakota, West Virginia, and Washington, D.C. all tie with only one brewery per ‘state’</a:t>
+            </a:r>
+          </a:p>
+        </p:txBody>
+      </p:sp>
+      <p:pic>
+        <p:nvPicPr>
+          <p:cNvPr id="10" name="Content Placeholder 9">
+            <a:extLst>
+              <a:ext uri="{FF2B5EF4-FFF2-40B4-BE49-F238E27FC236}">
+                <a16:creationId xmlns:a16="http://schemas.microsoft.com/office/drawing/2014/main" id="{D2D24557-9DBB-4A4D-9596-11EB6148ABF7}"/>
+              </a:ext>
+            </a:extLst>
+          </p:cNvPr>
+          <p:cNvPicPr>
+            <a:picLocks noGrp="1" noChangeAspect="1"/>
+          </p:cNvPicPr>
+          <p:nvPr>
+            <p:ph sz="half" idx="2"/>
+          </p:nvPr>
+        </p:nvPicPr>
+        <p:blipFill>
+          <a:blip r:embed="rId2"/>
+          <a:stretch>
+            <a:fillRect/>
+          </a:stretch>
+        </p:blipFill>
+        <p:spPr>
+          <a:xfrm>
+            <a:off x="6648450" y="2608160"/>
+            <a:ext cx="4800600" cy="2975180"/>
+          </a:xfrm>
+          <a:prstGeom prst="rect">
+            <a:avLst/>
+          </a:prstGeom>
+        </p:spPr>
+      </p:pic>
+      <p:sp>
+        <p:nvSpPr>
+          <p:cNvPr id="11" name="TextBox 10">
+            <a:extLst>
+              <a:ext uri="{FF2B5EF4-FFF2-40B4-BE49-F238E27FC236}">
+                <a16:creationId xmlns:a16="http://schemas.microsoft.com/office/drawing/2014/main" id="{B45924E8-2A37-4EC0-A032-AB4926B4B6AD}"/>
+              </a:ext>
+            </a:extLst>
+          </p:cNvPr>
+          <p:cNvSpPr txBox="1"/>
+          <p:nvPr/>
+        </p:nvSpPr>
+        <p:spPr>
+          <a:xfrm>
+            <a:off x="7968343" y="1539551"/>
+            <a:ext cx="2593910" cy="646331"/>
+          </a:xfrm>
+          <a:prstGeom prst="rect">
+            <a:avLst/>
+          </a:prstGeom>
+          <a:noFill/>
+        </p:spPr>
+        <p:txBody>
+          <a:bodyPr wrap="square" rtlCol="0">
+            <a:spAutoFit/>
+          </a:bodyPr>
+          <a:lstStyle/>
+          <a:p>
+            <a:r>
+              <a:rPr lang="en-US" dirty="0"/>
+              <a:t>MB comment: map or top 10 table? </a:t>
+            </a:r>
+          </a:p>
+        </p:txBody>
+      </p:sp>
+    </p:spTree>
+    <p:extLst>
+      <p:ext uri="{BB962C8B-B14F-4D97-AF65-F5344CB8AC3E}">
+        <p14:creationId xmlns:p14="http://schemas.microsoft.com/office/powerpoint/2010/main" val="4163052339"/>
+      </p:ext>
+    </p:extLst>
+  </p:cSld>
+  <p:clrMapOvr>
+    <a:masterClrMapping/>
+  </p:clrMapOvr>
+</p:sld>
+</file>
+
+<file path=ppt/slides/slide5.xml><?xml version="1.0" encoding="utf-8"?>
+<p:sld xmlns:a="http://schemas.openxmlformats.org/drawingml/2006/main" xmlns:r="http://schemas.openxmlformats.org/officeDocument/2006/relationships" xmlns:p="http://schemas.openxmlformats.org/presentationml/2006/main">
+  <p:cSld>
+    <p:spTree>
+      <p:nvGrpSpPr>
+        <p:cNvPr id="1" name=""/>
+        <p:cNvGrpSpPr/>
+        <p:nvPr/>
+      </p:nvGrpSpPr>
+      <p:grpSpPr>
+        <a:xfrm>
+          <a:off x="0" y="0"/>
+          <a:ext cx="0" cy="0"/>
+          <a:chOff x="0" y="0"/>
+          <a:chExt cx="0" cy="0"/>
+        </a:xfrm>
+      </p:grpSpPr>
+      <p:sp>
+        <p:nvSpPr>
+          <p:cNvPr id="2" name="Title 1">
+            <a:extLst>
+              <a:ext uri="{FF2B5EF4-FFF2-40B4-BE49-F238E27FC236}">
                 <a16:creationId xmlns:a16="http://schemas.microsoft.com/office/drawing/2014/main" id="{B868ACA7-936D-410D-90FB-62EF258F7CA9}"/>
               </a:ext>
             </a:extLst>
@@ -7238,7 +7411,7 @@
 </p:sld>
 </file>
 
-<file path=ppt/slides/slide4.xml><?xml version="1.0" encoding="utf-8"?>
+<file path=ppt/slides/slide6.xml><?xml version="1.0" encoding="utf-8"?>
 <p:sld xmlns:a="http://schemas.openxmlformats.org/drawingml/2006/main" xmlns:r="http://schemas.openxmlformats.org/officeDocument/2006/relationships" xmlns:p="http://schemas.openxmlformats.org/presentationml/2006/main">
   <p:cSld>
     <p:spTree>
@@ -7407,7 +7580,7 @@
 </p:sld>
 </file>
 
-<file path=ppt/slides/slide5.xml><?xml version="1.0" encoding="utf-8"?>
+<file path=ppt/slides/slide7.xml><?xml version="1.0" encoding="utf-8"?>
 <p:sld xmlns:a="http://schemas.openxmlformats.org/drawingml/2006/main" xmlns:r="http://schemas.openxmlformats.org/officeDocument/2006/relationships" xmlns:p="http://schemas.openxmlformats.org/presentationml/2006/main">
   <p:cSld>
     <p:spTree>

--- a/docs/Matt_Farrow_Megan_Ball_DS6306_EDA.pptx
+++ b/docs/Matt_Farrow_Megan_Ball_DS6306_EDA.pptx
@@ -2,7 +2,7 @@
 <file path=ppt/presentation.xml><?xml version="1.0" encoding="utf-8"?>
 <p:presentation xmlns:a="http://schemas.openxmlformats.org/drawingml/2006/main" xmlns:r="http://schemas.openxmlformats.org/officeDocument/2006/relationships" xmlns:p="http://schemas.openxmlformats.org/presentationml/2006/main" autoCompressPictures="0">
   <p:sldMasterIdLst>
-    <p:sldMasterId id="2147483924" r:id="rId1"/>
+    <p:sldMasterId id="2147483936" r:id="rId1"/>
   </p:sldMasterIdLst>
   <p:sldIdLst>
     <p:sldId id="256" r:id="rId2"/>
@@ -10,8 +10,9 @@
     <p:sldId id="262" r:id="rId4"/>
     <p:sldId id="257" r:id="rId5"/>
     <p:sldId id="258" r:id="rId6"/>
-    <p:sldId id="259" r:id="rId7"/>
-    <p:sldId id="260" r:id="rId8"/>
+    <p:sldId id="263" r:id="rId7"/>
+    <p:sldId id="259" r:id="rId8"/>
+    <p:sldId id="260" r:id="rId9"/>
   </p:sldIdLst>
   <p:sldSz cx="12192000" cy="6858000"/>
   <p:notesSz cx="6858000" cy="9144000"/>
@@ -1211,14 +1212,7 @@
           </a:bodyPr>
           <a:lstStyle>
             <a:lvl1pPr algn="ctr">
-              <a:defRPr sz="10000" spc="800" baseline="0">
-                <a:solidFill>
-                  <a:schemeClr val="tx1">
-                    <a:lumMod val="85000"/>
-                    <a:lumOff val="15000"/>
-                  </a:schemeClr>
-                </a:solidFill>
-              </a:defRPr>
+              <a:defRPr sz="10000" spc="800" baseline="0"/>
             </a:lvl1pPr>
           </a:lstStyle>
           <a:p>
@@ -1258,10 +1252,7 @@
               <a:buNone/>
               <a:defRPr sz="2000" b="1" i="0" cap="all" spc="400" baseline="0">
                 <a:solidFill>
-                  <a:schemeClr val="tx1">
-                    <a:lumMod val="85000"/>
-                    <a:lumOff val="15000"/>
-                  </a:schemeClr>
+                  <a:schemeClr val="tx2"/>
                 </a:solidFill>
               </a:defRPr>
             </a:lvl1pPr>
@@ -1329,9 +1320,8 @@
             <a:lvl1pPr>
               <a:defRPr baseline="0">
                 <a:solidFill>
-                  <a:schemeClr val="tx1">
-                    <a:lumMod val="65000"/>
-                    <a:lumOff val="35000"/>
+                  <a:schemeClr val="accent1">
+                    <a:lumMod val="50000"/>
                   </a:schemeClr>
                 </a:solidFill>
               </a:defRPr>
@@ -1340,7 +1330,7 @@
           <a:p>
             <a:fld id="{1160EA64-D806-43AC-9DF2-F8C432F32B4C}" type="datetimeFigureOut">
               <a:rPr lang="en-US" smtClean="0"/>
-              <a:t>10/11/20</a:t>
+              <a:t>10/11/2020</a:t>
             </a:fld>
             <a:endParaRPr lang="en-US" dirty="0"/>
           </a:p>
@@ -1368,9 +1358,8 @@
             <a:lvl1pPr>
               <a:defRPr baseline="0">
                 <a:solidFill>
-                  <a:schemeClr val="tx1">
-                    <a:lumMod val="65000"/>
-                    <a:lumOff val="35000"/>
+                  <a:schemeClr val="accent1">
+                    <a:lumMod val="50000"/>
                   </a:schemeClr>
                 </a:solidFill>
               </a:defRPr>
@@ -1403,9 +1392,8 @@
             <a:lvl1pPr>
               <a:defRPr baseline="0">
                 <a:solidFill>
-                  <a:schemeClr val="tx1">
-                    <a:lumMod val="65000"/>
-                    <a:lumOff val="35000"/>
+                  <a:schemeClr val="accent1">
+                    <a:lumMod val="50000"/>
                   </a:schemeClr>
                 </a:solidFill>
               </a:defRPr>
@@ -1436,10 +1424,7 @@
             <a:avLst/>
           </a:prstGeom>
           <a:solidFill>
-            <a:schemeClr val="tx1">
-              <a:lumMod val="85000"/>
-              <a:lumOff val="15000"/>
-            </a:schemeClr>
+            <a:schemeClr val="tx2"/>
           </a:solidFill>
           <a:ln>
             <a:noFill/>
@@ -1465,7 +1450,7 @@
     </p:spTree>
     <p:extLst>
       <p:ext uri="{BB962C8B-B14F-4D97-AF65-F5344CB8AC3E}">
-        <p14:creationId xmlns:p14="http://schemas.microsoft.com/office/powerpoint/2010/main" val="840344311"/>
+        <p14:creationId xmlns:p14="http://schemas.microsoft.com/office/powerpoint/2010/main" val="4106365133"/>
       </p:ext>
     </p:extLst>
   </p:cSld>
@@ -1584,7 +1569,7 @@
           <a:p>
             <a:fld id="{E9F9C37B-1D36-470B-8223-D6C91242EC14}" type="datetimeFigureOut">
               <a:rPr lang="en-US" smtClean="0"/>
-              <a:t>10/11/20</a:t>
+              <a:t>10/11/2020</a:t>
             </a:fld>
             <a:endParaRPr lang="en-US" dirty="0"/>
           </a:p>
@@ -1635,7 +1620,7 @@
     </p:spTree>
     <p:extLst>
       <p:ext uri="{BB962C8B-B14F-4D97-AF65-F5344CB8AC3E}">
-        <p14:creationId xmlns:p14="http://schemas.microsoft.com/office/powerpoint/2010/main" val="3272783093"/>
+        <p14:creationId xmlns:p14="http://schemas.microsoft.com/office/powerpoint/2010/main" val="367727951"/>
       </p:ext>
     </p:extLst>
   </p:cSld>
@@ -1764,7 +1749,7 @@
           <a:p>
             <a:fld id="{67C6F52A-A82B-47A2-A83A-8C4C91F2D59F}" type="datetimeFigureOut">
               <a:rPr lang="en-US" smtClean="0"/>
-              <a:t>10/11/20</a:t>
+              <a:t>10/11/2020</a:t>
             </a:fld>
             <a:endParaRPr lang="en-US" dirty="0"/>
           </a:p>
@@ -1815,7 +1800,7 @@
     </p:spTree>
     <p:extLst>
       <p:ext uri="{BB962C8B-B14F-4D97-AF65-F5344CB8AC3E}">
-        <p14:creationId xmlns:p14="http://schemas.microsoft.com/office/powerpoint/2010/main" val="532150488"/>
+        <p14:creationId xmlns:p14="http://schemas.microsoft.com/office/powerpoint/2010/main" val="2788050907"/>
       </p:ext>
     </p:extLst>
   </p:cSld>
@@ -1934,7 +1919,7 @@
           <a:p>
             <a:fld id="{F070A7B3-6521-4DCA-87E5-044747A908C1}" type="datetimeFigureOut">
               <a:rPr lang="en-US" smtClean="0"/>
-              <a:t>10/11/20</a:t>
+              <a:t>10/11/2020</a:t>
             </a:fld>
             <a:endParaRPr lang="en-US" dirty="0"/>
           </a:p>
@@ -1986,7 +1971,7 @@
     </p:spTree>
     <p:extLst>
       <p:ext uri="{BB962C8B-B14F-4D97-AF65-F5344CB8AC3E}">
-        <p14:creationId xmlns:p14="http://schemas.microsoft.com/office/powerpoint/2010/main" val="3077993220"/>
+        <p14:creationId xmlns:p14="http://schemas.microsoft.com/office/powerpoint/2010/main" val="2753375502"/>
       </p:ext>
     </p:extLst>
   </p:cSld>
@@ -2000,15 +1985,9 @@
 <p:sldLayout xmlns:a="http://schemas.openxmlformats.org/drawingml/2006/main" xmlns:r="http://schemas.openxmlformats.org/officeDocument/2006/relationships" xmlns:p="http://schemas.openxmlformats.org/presentationml/2006/main" showMasterSp="0" type="secHead" preserve="1">
   <p:cSld name="Section Header">
     <p:bg>
-      <p:bgPr>
-        <a:solidFill>
-          <a:schemeClr val="bg1">
-            <a:lumMod val="85000"/>
-            <a:lumOff val="15000"/>
-          </a:schemeClr>
-        </a:solidFill>
-        <a:effectLst/>
-      </p:bgPr>
+      <p:bgRef idx="1001">
+        <a:schemeClr val="bg2"/>
+      </p:bgRef>
     </p:bg>
     <p:spTree>
       <p:nvGrpSpPr>
@@ -2214,7 +2193,7 @@
           <a:p>
             <a:fld id="{1160EA64-D806-43AC-9DF2-F8C432F32B4C}" type="datetimeFigureOut">
               <a:rPr lang="en-US" smtClean="0"/>
-              <a:t>10/11/20</a:t>
+              <a:t>10/11/2020</a:t>
             </a:fld>
             <a:endParaRPr lang="en-US" dirty="0"/>
           </a:p>
@@ -3235,7 +3214,7 @@
     </p:spTree>
     <p:extLst>
       <p:ext uri="{BB962C8B-B14F-4D97-AF65-F5344CB8AC3E}">
-        <p14:creationId xmlns:p14="http://schemas.microsoft.com/office/powerpoint/2010/main" val="756457974"/>
+        <p14:creationId xmlns:p14="http://schemas.microsoft.com/office/powerpoint/2010/main" val="2989365039"/>
       </p:ext>
     </p:extLst>
   </p:cSld>
@@ -3416,7 +3395,7 @@
           <a:p>
             <a:fld id="{AB134690-1557-4C89-A502-4959FE7FAD70}" type="datetimeFigureOut">
               <a:rPr lang="en-US" smtClean="0"/>
-              <a:t>10/11/20</a:t>
+              <a:t>10/11/2020</a:t>
             </a:fld>
             <a:endParaRPr lang="en-US" dirty="0"/>
           </a:p>
@@ -3467,7 +3446,7 @@
     </p:spTree>
     <p:extLst>
       <p:ext uri="{BB962C8B-B14F-4D97-AF65-F5344CB8AC3E}">
-        <p14:creationId xmlns:p14="http://schemas.microsoft.com/office/powerpoint/2010/main" val="657719673"/>
+        <p14:creationId xmlns:p14="http://schemas.microsoft.com/office/powerpoint/2010/main" val="2094170555"/>
       </p:ext>
     </p:extLst>
   </p:cSld>
@@ -3555,10 +3534,7 @@
               <a:buNone/>
               <a:defRPr sz="1900" b="1" cap="all" spc="200" baseline="0">
                 <a:solidFill>
-                  <a:schemeClr val="tx1">
-                    <a:lumMod val="85000"/>
-                    <a:lumOff val="15000"/>
-                  </a:schemeClr>
+                  <a:schemeClr val="tx2"/>
                 </a:solidFill>
               </a:defRPr>
             </a:lvl1pPr>
@@ -3689,10 +3665,7 @@
               <a:buNone/>
               <a:defRPr sz="1900" b="1" cap="all" spc="200" baseline="0">
                 <a:solidFill>
-                  <a:schemeClr val="tx1">
-                    <a:lumMod val="85000"/>
-                    <a:lumOff val="15000"/>
-                  </a:schemeClr>
+                  <a:schemeClr val="tx2"/>
                 </a:solidFill>
               </a:defRPr>
             </a:lvl1pPr>
@@ -3812,7 +3785,7 @@
           <a:p>
             <a:fld id="{1160EA64-D806-43AC-9DF2-F8C432F32B4C}" type="datetimeFigureOut">
               <a:rPr lang="en-US" smtClean="0"/>
-              <a:t>10/11/20</a:t>
+              <a:t>10/11/2020</a:t>
             </a:fld>
             <a:endParaRPr lang="en-US" dirty="0"/>
           </a:p>
@@ -3864,7 +3837,7 @@
     </p:spTree>
     <p:extLst>
       <p:ext uri="{BB962C8B-B14F-4D97-AF65-F5344CB8AC3E}">
-        <p14:creationId xmlns:p14="http://schemas.microsoft.com/office/powerpoint/2010/main" val="2670578386"/>
+        <p14:creationId xmlns:p14="http://schemas.microsoft.com/office/powerpoint/2010/main" val="1876418188"/>
       </p:ext>
     </p:extLst>
   </p:cSld>
@@ -3937,7 +3910,7 @@
           <a:p>
             <a:fld id="{E1037C31-9E7A-4F99-8774-A0E530DE1A42}" type="datetimeFigureOut">
               <a:rPr lang="en-US" smtClean="0"/>
-              <a:t>10/11/20</a:t>
+              <a:t>10/11/2020</a:t>
             </a:fld>
             <a:endParaRPr lang="en-US" dirty="0"/>
           </a:p>
@@ -3988,7 +3961,7 @@
     </p:spTree>
     <p:extLst>
       <p:ext uri="{BB962C8B-B14F-4D97-AF65-F5344CB8AC3E}">
-        <p14:creationId xmlns:p14="http://schemas.microsoft.com/office/powerpoint/2010/main" val="1222240016"/>
+        <p14:creationId xmlns:p14="http://schemas.microsoft.com/office/powerpoint/2010/main" val="3423146282"/>
       </p:ext>
     </p:extLst>
   </p:cSld>
@@ -4032,7 +4005,7 @@
           <a:p>
             <a:fld id="{C278504F-A551-4DE0-9316-4DCD1D8CC752}" type="datetimeFigureOut">
               <a:rPr lang="en-US" smtClean="0"/>
-              <a:t>10/11/20</a:t>
+              <a:t>10/11/2020</a:t>
             </a:fld>
             <a:endParaRPr lang="en-US" dirty="0"/>
           </a:p>
@@ -4083,7 +4056,7 @@
     </p:spTree>
     <p:extLst>
       <p:ext uri="{BB962C8B-B14F-4D97-AF65-F5344CB8AC3E}">
-        <p14:creationId xmlns:p14="http://schemas.microsoft.com/office/powerpoint/2010/main" val="3963937499"/>
+        <p14:creationId xmlns:p14="http://schemas.microsoft.com/office/powerpoint/2010/main" val="3251789339"/>
       </p:ext>
     </p:extLst>
   </p:cSld>
@@ -4560,10 +4533,7 @@
             </a:pathLst>
           </a:custGeom>
           <a:solidFill>
-            <a:schemeClr val="tx1">
-              <a:lumMod val="85000"/>
-              <a:lumOff val="15000"/>
-            </a:schemeClr>
+            <a:schemeClr val="tx2"/>
           </a:solidFill>
           <a:ln w="0">
             <a:noFill/>
@@ -4798,7 +4768,7 @@
           <a:p>
             <a:fld id="{D1BE4249-C0D0-4B06-8692-E8BB871AF643}" type="datetimeFigureOut">
               <a:rPr lang="en-US" smtClean="0"/>
-              <a:t>10/11/20</a:t>
+              <a:t>10/11/2020</a:t>
             </a:fld>
             <a:endParaRPr lang="en-US" dirty="0"/>
           </a:p>
@@ -4897,7 +4867,7 @@
     </p:spTree>
     <p:extLst>
       <p:ext uri="{BB962C8B-B14F-4D97-AF65-F5344CB8AC3E}">
-        <p14:creationId xmlns:p14="http://schemas.microsoft.com/office/powerpoint/2010/main" val="128981197"/>
+        <p14:creationId xmlns:p14="http://schemas.microsoft.com/office/powerpoint/2010/main" val="1923379336"/>
       </p:ext>
     </p:extLst>
   </p:cSld>
@@ -5450,10 +5420,7 @@
             </a:pathLst>
           </a:custGeom>
           <a:solidFill>
-            <a:schemeClr val="tx1">
-              <a:lumMod val="85000"/>
-              <a:lumOff val="15000"/>
-            </a:schemeClr>
+            <a:schemeClr val="tx2"/>
           </a:solidFill>
           <a:ln w="0">
             <a:noFill/>
@@ -5641,7 +5608,7 @@
           <a:p>
             <a:fld id="{042B0DB6-F5C7-45FB-8CF3-31B45F9C2DAC}" type="datetimeFigureOut">
               <a:rPr lang="en-US" smtClean="0"/>
-              <a:t>10/11/20</a:t>
+              <a:t>10/11/2020</a:t>
             </a:fld>
             <a:endParaRPr lang="en-US" dirty="0"/>
           </a:p>
@@ -5702,7 +5669,7 @@
     </p:spTree>
     <p:extLst>
       <p:ext uri="{BB962C8B-B14F-4D97-AF65-F5344CB8AC3E}">
-        <p14:creationId xmlns:p14="http://schemas.microsoft.com/office/powerpoint/2010/main" val="629229181"/>
+        <p14:creationId xmlns:p14="http://schemas.microsoft.com/office/powerpoint/2010/main" val="860332571"/>
       </p:ext>
     </p:extLst>
   </p:cSld>
@@ -5868,7 +5835,7 @@
           <a:p>
             <a:fld id="{1160EA64-D806-43AC-9DF2-F8C432F32B4C}" type="datetimeFigureOut">
               <a:rPr lang="en-US" smtClean="0"/>
-              <a:t>10/11/20</a:t>
+              <a:t>10/11/2020</a:t>
             </a:fld>
             <a:endParaRPr lang="en-US" dirty="0"/>
           </a:p>
@@ -6408,10 +6375,7 @@
             </a:pathLst>
           </a:custGeom>
           <a:solidFill>
-            <a:schemeClr val="tx1">
-              <a:lumMod val="85000"/>
-              <a:lumOff val="15000"/>
-            </a:schemeClr>
+            <a:schemeClr val="tx2"/>
           </a:solidFill>
           <a:ln w="0">
             <a:noFill/>
@@ -6463,23 +6427,23 @@
     </p:spTree>
     <p:extLst>
       <p:ext uri="{BB962C8B-B14F-4D97-AF65-F5344CB8AC3E}">
-        <p14:creationId xmlns:p14="http://schemas.microsoft.com/office/powerpoint/2010/main" val="4049949471"/>
+        <p14:creationId xmlns:p14="http://schemas.microsoft.com/office/powerpoint/2010/main" val="3061288359"/>
       </p:ext>
     </p:extLst>
   </p:cSld>
   <p:clrMap bg1="lt1" tx1="dk1" bg2="lt2" tx2="dk2" accent1="accent1" accent2="accent2" accent3="accent3" accent4="accent4" accent5="accent5" accent6="accent6" hlink="hlink" folHlink="folHlink"/>
   <p:sldLayoutIdLst>
-    <p:sldLayoutId id="2147483925" r:id="rId1"/>
-    <p:sldLayoutId id="2147483926" r:id="rId2"/>
-    <p:sldLayoutId id="2147483927" r:id="rId3"/>
-    <p:sldLayoutId id="2147483928" r:id="rId4"/>
-    <p:sldLayoutId id="2147483929" r:id="rId5"/>
-    <p:sldLayoutId id="2147483930" r:id="rId6"/>
-    <p:sldLayoutId id="2147483931" r:id="rId7"/>
-    <p:sldLayoutId id="2147483932" r:id="rId8"/>
-    <p:sldLayoutId id="2147483933" r:id="rId9"/>
-    <p:sldLayoutId id="2147483934" r:id="rId10"/>
-    <p:sldLayoutId id="2147483935" r:id="rId11"/>
+    <p:sldLayoutId id="2147483937" r:id="rId1"/>
+    <p:sldLayoutId id="2147483938" r:id="rId2"/>
+    <p:sldLayoutId id="2147483939" r:id="rId3"/>
+    <p:sldLayoutId id="2147483940" r:id="rId4"/>
+    <p:sldLayoutId id="2147483941" r:id="rId5"/>
+    <p:sldLayoutId id="2147483942" r:id="rId6"/>
+    <p:sldLayoutId id="2147483943" r:id="rId7"/>
+    <p:sldLayoutId id="2147483944" r:id="rId8"/>
+    <p:sldLayoutId id="2147483945" r:id="rId9"/>
+    <p:sldLayoutId id="2147483946" r:id="rId10"/>
+    <p:sldLayoutId id="2147483947" r:id="rId11"/>
   </p:sldLayoutIdLst>
   <p:hf sldNum="0" hdr="0" ftr="0" dt="0"/>
   <p:txStyles>
@@ -6494,10 +6458,7 @@
         <a:buNone/>
         <a:defRPr sz="5100" kern="1200" cap="all" spc="200" baseline="0">
           <a:solidFill>
-            <a:schemeClr val="tx1">
-              <a:lumMod val="85000"/>
-              <a:lumOff val="15000"/>
-            </a:schemeClr>
+            <a:schemeClr val="tx2"/>
           </a:solidFill>
           <a:latin typeface="+mj-lt"/>
           <a:ea typeface="+mj-ea"/>
@@ -7235,41 +7196,6 @@
           </a:prstGeom>
         </p:spPr>
       </p:pic>
-      <p:sp>
-        <p:nvSpPr>
-          <p:cNvPr id="11" name="TextBox 10">
-            <a:extLst>
-              <a:ext uri="{FF2B5EF4-FFF2-40B4-BE49-F238E27FC236}">
-                <a16:creationId xmlns:a16="http://schemas.microsoft.com/office/drawing/2014/main" id="{B45924E8-2A37-4EC0-A032-AB4926B4B6AD}"/>
-              </a:ext>
-            </a:extLst>
-          </p:cNvPr>
-          <p:cNvSpPr txBox="1"/>
-          <p:nvPr/>
-        </p:nvSpPr>
-        <p:spPr>
-          <a:xfrm>
-            <a:off x="7968343" y="1539551"/>
-            <a:ext cx="2593910" cy="646331"/>
-          </a:xfrm>
-          <a:prstGeom prst="rect">
-            <a:avLst/>
-          </a:prstGeom>
-          <a:noFill/>
-        </p:spPr>
-        <p:txBody>
-          <a:bodyPr wrap="square" rtlCol="0">
-            <a:spAutoFit/>
-          </a:bodyPr>
-          <a:lstStyle/>
-          <a:p>
-            <a:r>
-              <a:rPr lang="en-US" dirty="0"/>
-              <a:t>MB comment: map or top 10 table? </a:t>
-            </a:r>
-          </a:p>
-        </p:txBody>
-      </p:sp>
     </p:spTree>
     <p:extLst>
       <p:ext uri="{BB962C8B-B14F-4D97-AF65-F5344CB8AC3E}">
@@ -7286,6 +7212,14 @@
 <file path=ppt/slides/slide5.xml><?xml version="1.0" encoding="utf-8"?>
 <p:sld xmlns:a="http://schemas.openxmlformats.org/drawingml/2006/main" xmlns:r="http://schemas.openxmlformats.org/officeDocument/2006/relationships" xmlns:p="http://schemas.openxmlformats.org/presentationml/2006/main">
   <p:cSld>
+    <p:bg>
+      <p:bgPr>
+        <a:solidFill>
+          <a:schemeClr val="bg1"/>
+        </a:solidFill>
+        <a:effectLst/>
+      </p:bgPr>
+    </p:bg>
     <p:spTree>
       <p:nvGrpSpPr>
         <p:cNvPr id="1" name=""/>
@@ -7302,6 +7236,1234 @@
       </p:grpSpPr>
       <p:sp>
         <p:nvSpPr>
+          <p:cNvPr id="21" name="Freeform 6">
+            <a:extLst>
+              <a:ext uri="{FF2B5EF4-FFF2-40B4-BE49-F238E27FC236}">
+                <a16:creationId xmlns:a16="http://schemas.microsoft.com/office/drawing/2014/main" id="{3408ACDA-FBD2-4415-9EE4-4D1BBDF174D9}"/>
+              </a:ext>
+              <a:ext uri="{C183D7F6-B498-43B3-948B-1728B52AA6E4}">
+                <adec:decorative xmlns:adec="http://schemas.microsoft.com/office/drawing/2017/decorative" val="1"/>
+              </a:ext>
+            </a:extLst>
+          </p:cNvPr>
+          <p:cNvSpPr>
+            <a:spLocks noGrp="1" noRot="1" noChangeAspect="1" noMove="1" noResize="1" noEditPoints="1" noAdjustHandles="1" noChangeArrowheads="1" noChangeShapeType="1" noTextEdit="1"/>
+          </p:cNvSpPr>
+          <p:nvPr>
+            <p:extLst>
+              <p:ext uri="{386F3935-93C4-4BCD-93E2-E3B085C9AB24}">
+                <p16:designElem xmlns:p16="http://schemas.microsoft.com/office/powerpoint/2015/main" val="1"/>
+              </p:ext>
+            </p:extLst>
+          </p:nvPr>
+        </p:nvSpPr>
+        <p:spPr bwMode="auto">
+          <a:xfrm>
+            <a:off x="0" y="0"/>
+            <a:ext cx="885825" cy="6858000"/>
+          </a:xfrm>
+          <a:custGeom>
+            <a:avLst/>
+            <a:gdLst/>
+            <a:ahLst/>
+            <a:cxnLst/>
+            <a:rect l="0" t="0" r="r" b="b"/>
+            <a:pathLst>
+              <a:path w="558" h="4320">
+                <a:moveTo>
+                  <a:pt x="0" y="0"/>
+                </a:moveTo>
+                <a:lnTo>
+                  <a:pt x="447" y="0"/>
+                </a:lnTo>
+                <a:lnTo>
+                  <a:pt x="448" y="43"/>
+                </a:lnTo>
+                <a:lnTo>
+                  <a:pt x="453" y="81"/>
+                </a:lnTo>
+                <a:lnTo>
+                  <a:pt x="460" y="114"/>
+                </a:lnTo>
+                <a:lnTo>
+                  <a:pt x="469" y="143"/>
+                </a:lnTo>
+                <a:lnTo>
+                  <a:pt x="479" y="169"/>
+                </a:lnTo>
+                <a:lnTo>
+                  <a:pt x="491" y="192"/>
+                </a:lnTo>
+                <a:lnTo>
+                  <a:pt x="503" y="216"/>
+                </a:lnTo>
+                <a:lnTo>
+                  <a:pt x="515" y="240"/>
+                </a:lnTo>
+                <a:lnTo>
+                  <a:pt x="525" y="263"/>
+                </a:lnTo>
+                <a:lnTo>
+                  <a:pt x="535" y="289"/>
+                </a:lnTo>
+                <a:lnTo>
+                  <a:pt x="545" y="318"/>
+                </a:lnTo>
+                <a:lnTo>
+                  <a:pt x="552" y="351"/>
+                </a:lnTo>
+                <a:lnTo>
+                  <a:pt x="556" y="389"/>
+                </a:lnTo>
+                <a:lnTo>
+                  <a:pt x="558" y="432"/>
+                </a:lnTo>
+                <a:lnTo>
+                  <a:pt x="556" y="475"/>
+                </a:lnTo>
+                <a:lnTo>
+                  <a:pt x="552" y="513"/>
+                </a:lnTo>
+                <a:lnTo>
+                  <a:pt x="545" y="546"/>
+                </a:lnTo>
+                <a:lnTo>
+                  <a:pt x="535" y="575"/>
+                </a:lnTo>
+                <a:lnTo>
+                  <a:pt x="525" y="601"/>
+                </a:lnTo>
+                <a:lnTo>
+                  <a:pt x="515" y="624"/>
+                </a:lnTo>
+                <a:lnTo>
+                  <a:pt x="503" y="648"/>
+                </a:lnTo>
+                <a:lnTo>
+                  <a:pt x="491" y="672"/>
+                </a:lnTo>
+                <a:lnTo>
+                  <a:pt x="479" y="695"/>
+                </a:lnTo>
+                <a:lnTo>
+                  <a:pt x="469" y="721"/>
+                </a:lnTo>
+                <a:lnTo>
+                  <a:pt x="460" y="750"/>
+                </a:lnTo>
+                <a:lnTo>
+                  <a:pt x="453" y="783"/>
+                </a:lnTo>
+                <a:lnTo>
+                  <a:pt x="448" y="821"/>
+                </a:lnTo>
+                <a:lnTo>
+                  <a:pt x="447" y="864"/>
+                </a:lnTo>
+                <a:lnTo>
+                  <a:pt x="448" y="907"/>
+                </a:lnTo>
+                <a:lnTo>
+                  <a:pt x="453" y="945"/>
+                </a:lnTo>
+                <a:lnTo>
+                  <a:pt x="460" y="978"/>
+                </a:lnTo>
+                <a:lnTo>
+                  <a:pt x="469" y="1007"/>
+                </a:lnTo>
+                <a:lnTo>
+                  <a:pt x="479" y="1033"/>
+                </a:lnTo>
+                <a:lnTo>
+                  <a:pt x="491" y="1056"/>
+                </a:lnTo>
+                <a:lnTo>
+                  <a:pt x="503" y="1080"/>
+                </a:lnTo>
+                <a:lnTo>
+                  <a:pt x="515" y="1104"/>
+                </a:lnTo>
+                <a:lnTo>
+                  <a:pt x="525" y="1127"/>
+                </a:lnTo>
+                <a:lnTo>
+                  <a:pt x="535" y="1153"/>
+                </a:lnTo>
+                <a:lnTo>
+                  <a:pt x="545" y="1182"/>
+                </a:lnTo>
+                <a:lnTo>
+                  <a:pt x="552" y="1215"/>
+                </a:lnTo>
+                <a:lnTo>
+                  <a:pt x="556" y="1253"/>
+                </a:lnTo>
+                <a:lnTo>
+                  <a:pt x="558" y="1296"/>
+                </a:lnTo>
+                <a:lnTo>
+                  <a:pt x="556" y="1339"/>
+                </a:lnTo>
+                <a:lnTo>
+                  <a:pt x="552" y="1377"/>
+                </a:lnTo>
+                <a:lnTo>
+                  <a:pt x="545" y="1410"/>
+                </a:lnTo>
+                <a:lnTo>
+                  <a:pt x="535" y="1439"/>
+                </a:lnTo>
+                <a:lnTo>
+                  <a:pt x="525" y="1465"/>
+                </a:lnTo>
+                <a:lnTo>
+                  <a:pt x="515" y="1488"/>
+                </a:lnTo>
+                <a:lnTo>
+                  <a:pt x="503" y="1512"/>
+                </a:lnTo>
+                <a:lnTo>
+                  <a:pt x="491" y="1536"/>
+                </a:lnTo>
+                <a:lnTo>
+                  <a:pt x="479" y="1559"/>
+                </a:lnTo>
+                <a:lnTo>
+                  <a:pt x="469" y="1585"/>
+                </a:lnTo>
+                <a:lnTo>
+                  <a:pt x="460" y="1614"/>
+                </a:lnTo>
+                <a:lnTo>
+                  <a:pt x="453" y="1647"/>
+                </a:lnTo>
+                <a:lnTo>
+                  <a:pt x="448" y="1685"/>
+                </a:lnTo>
+                <a:lnTo>
+                  <a:pt x="447" y="1728"/>
+                </a:lnTo>
+                <a:lnTo>
+                  <a:pt x="448" y="1771"/>
+                </a:lnTo>
+                <a:lnTo>
+                  <a:pt x="453" y="1809"/>
+                </a:lnTo>
+                <a:lnTo>
+                  <a:pt x="460" y="1842"/>
+                </a:lnTo>
+                <a:lnTo>
+                  <a:pt x="469" y="1871"/>
+                </a:lnTo>
+                <a:lnTo>
+                  <a:pt x="479" y="1897"/>
+                </a:lnTo>
+                <a:lnTo>
+                  <a:pt x="491" y="1920"/>
+                </a:lnTo>
+                <a:lnTo>
+                  <a:pt x="503" y="1944"/>
+                </a:lnTo>
+                <a:lnTo>
+                  <a:pt x="515" y="1968"/>
+                </a:lnTo>
+                <a:lnTo>
+                  <a:pt x="525" y="1991"/>
+                </a:lnTo>
+                <a:lnTo>
+                  <a:pt x="535" y="2017"/>
+                </a:lnTo>
+                <a:lnTo>
+                  <a:pt x="545" y="2046"/>
+                </a:lnTo>
+                <a:lnTo>
+                  <a:pt x="552" y="2079"/>
+                </a:lnTo>
+                <a:lnTo>
+                  <a:pt x="556" y="2117"/>
+                </a:lnTo>
+                <a:lnTo>
+                  <a:pt x="558" y="2159"/>
+                </a:lnTo>
+                <a:lnTo>
+                  <a:pt x="556" y="2203"/>
+                </a:lnTo>
+                <a:lnTo>
+                  <a:pt x="552" y="2241"/>
+                </a:lnTo>
+                <a:lnTo>
+                  <a:pt x="545" y="2274"/>
+                </a:lnTo>
+                <a:lnTo>
+                  <a:pt x="535" y="2303"/>
+                </a:lnTo>
+                <a:lnTo>
+                  <a:pt x="525" y="2329"/>
+                </a:lnTo>
+                <a:lnTo>
+                  <a:pt x="515" y="2352"/>
+                </a:lnTo>
+                <a:lnTo>
+                  <a:pt x="503" y="2376"/>
+                </a:lnTo>
+                <a:lnTo>
+                  <a:pt x="491" y="2400"/>
+                </a:lnTo>
+                <a:lnTo>
+                  <a:pt x="479" y="2423"/>
+                </a:lnTo>
+                <a:lnTo>
+                  <a:pt x="469" y="2449"/>
+                </a:lnTo>
+                <a:lnTo>
+                  <a:pt x="460" y="2478"/>
+                </a:lnTo>
+                <a:lnTo>
+                  <a:pt x="453" y="2511"/>
+                </a:lnTo>
+                <a:lnTo>
+                  <a:pt x="448" y="2549"/>
+                </a:lnTo>
+                <a:lnTo>
+                  <a:pt x="447" y="2592"/>
+                </a:lnTo>
+                <a:lnTo>
+                  <a:pt x="448" y="2635"/>
+                </a:lnTo>
+                <a:lnTo>
+                  <a:pt x="453" y="2673"/>
+                </a:lnTo>
+                <a:lnTo>
+                  <a:pt x="460" y="2706"/>
+                </a:lnTo>
+                <a:lnTo>
+                  <a:pt x="469" y="2735"/>
+                </a:lnTo>
+                <a:lnTo>
+                  <a:pt x="479" y="2761"/>
+                </a:lnTo>
+                <a:lnTo>
+                  <a:pt x="491" y="2784"/>
+                </a:lnTo>
+                <a:lnTo>
+                  <a:pt x="515" y="2832"/>
+                </a:lnTo>
+                <a:lnTo>
+                  <a:pt x="525" y="2855"/>
+                </a:lnTo>
+                <a:lnTo>
+                  <a:pt x="535" y="2881"/>
+                </a:lnTo>
+                <a:lnTo>
+                  <a:pt x="545" y="2910"/>
+                </a:lnTo>
+                <a:lnTo>
+                  <a:pt x="552" y="2943"/>
+                </a:lnTo>
+                <a:lnTo>
+                  <a:pt x="556" y="2981"/>
+                </a:lnTo>
+                <a:lnTo>
+                  <a:pt x="558" y="3024"/>
+                </a:lnTo>
+                <a:lnTo>
+                  <a:pt x="556" y="3067"/>
+                </a:lnTo>
+                <a:lnTo>
+                  <a:pt x="552" y="3105"/>
+                </a:lnTo>
+                <a:lnTo>
+                  <a:pt x="545" y="3138"/>
+                </a:lnTo>
+                <a:lnTo>
+                  <a:pt x="535" y="3167"/>
+                </a:lnTo>
+                <a:lnTo>
+                  <a:pt x="525" y="3193"/>
+                </a:lnTo>
+                <a:lnTo>
+                  <a:pt x="515" y="3216"/>
+                </a:lnTo>
+                <a:lnTo>
+                  <a:pt x="503" y="3240"/>
+                </a:lnTo>
+                <a:lnTo>
+                  <a:pt x="491" y="3264"/>
+                </a:lnTo>
+                <a:lnTo>
+                  <a:pt x="479" y="3287"/>
+                </a:lnTo>
+                <a:lnTo>
+                  <a:pt x="469" y="3313"/>
+                </a:lnTo>
+                <a:lnTo>
+                  <a:pt x="460" y="3342"/>
+                </a:lnTo>
+                <a:lnTo>
+                  <a:pt x="453" y="3375"/>
+                </a:lnTo>
+                <a:lnTo>
+                  <a:pt x="448" y="3413"/>
+                </a:lnTo>
+                <a:lnTo>
+                  <a:pt x="447" y="3456"/>
+                </a:lnTo>
+                <a:lnTo>
+                  <a:pt x="448" y="3499"/>
+                </a:lnTo>
+                <a:lnTo>
+                  <a:pt x="453" y="3537"/>
+                </a:lnTo>
+                <a:lnTo>
+                  <a:pt x="460" y="3570"/>
+                </a:lnTo>
+                <a:lnTo>
+                  <a:pt x="469" y="3599"/>
+                </a:lnTo>
+                <a:lnTo>
+                  <a:pt x="479" y="3625"/>
+                </a:lnTo>
+                <a:lnTo>
+                  <a:pt x="491" y="3648"/>
+                </a:lnTo>
+                <a:lnTo>
+                  <a:pt x="503" y="3672"/>
+                </a:lnTo>
+                <a:lnTo>
+                  <a:pt x="515" y="3696"/>
+                </a:lnTo>
+                <a:lnTo>
+                  <a:pt x="525" y="3719"/>
+                </a:lnTo>
+                <a:lnTo>
+                  <a:pt x="535" y="3745"/>
+                </a:lnTo>
+                <a:lnTo>
+                  <a:pt x="545" y="3774"/>
+                </a:lnTo>
+                <a:lnTo>
+                  <a:pt x="552" y="3807"/>
+                </a:lnTo>
+                <a:lnTo>
+                  <a:pt x="556" y="3845"/>
+                </a:lnTo>
+                <a:lnTo>
+                  <a:pt x="558" y="3888"/>
+                </a:lnTo>
+                <a:lnTo>
+                  <a:pt x="556" y="3931"/>
+                </a:lnTo>
+                <a:lnTo>
+                  <a:pt x="552" y="3969"/>
+                </a:lnTo>
+                <a:lnTo>
+                  <a:pt x="545" y="4002"/>
+                </a:lnTo>
+                <a:lnTo>
+                  <a:pt x="535" y="4031"/>
+                </a:lnTo>
+                <a:lnTo>
+                  <a:pt x="525" y="4057"/>
+                </a:lnTo>
+                <a:lnTo>
+                  <a:pt x="515" y="4080"/>
+                </a:lnTo>
+                <a:lnTo>
+                  <a:pt x="503" y="4104"/>
+                </a:lnTo>
+                <a:lnTo>
+                  <a:pt x="491" y="4128"/>
+                </a:lnTo>
+                <a:lnTo>
+                  <a:pt x="479" y="4151"/>
+                </a:lnTo>
+                <a:lnTo>
+                  <a:pt x="469" y="4177"/>
+                </a:lnTo>
+                <a:lnTo>
+                  <a:pt x="460" y="4206"/>
+                </a:lnTo>
+                <a:lnTo>
+                  <a:pt x="453" y="4239"/>
+                </a:lnTo>
+                <a:lnTo>
+                  <a:pt x="448" y="4277"/>
+                </a:lnTo>
+                <a:lnTo>
+                  <a:pt x="447" y="4320"/>
+                </a:lnTo>
+                <a:lnTo>
+                  <a:pt x="0" y="4320"/>
+                </a:lnTo>
+                <a:lnTo>
+                  <a:pt x="0" y="0"/>
+                </a:lnTo>
+                <a:close/>
+              </a:path>
+            </a:pathLst>
+          </a:custGeom>
+          <a:solidFill>
+            <a:schemeClr val="tx2"/>
+          </a:solidFill>
+          <a:ln w="0">
+            <a:noFill/>
+            <a:prstDash val="solid"/>
+            <a:round/>
+            <a:headEnd/>
+            <a:tailEnd/>
+          </a:ln>
+        </p:spPr>
+      </p:sp>
+      <p:sp>
+        <p:nvSpPr>
+          <p:cNvPr id="23" name="Rectangle 22">
+            <a:extLst>
+              <a:ext uri="{FF2B5EF4-FFF2-40B4-BE49-F238E27FC236}">
+                <a16:creationId xmlns:a16="http://schemas.microsoft.com/office/drawing/2014/main" id="{5030595D-127E-4DC3-8E40-9374B113DF87}"/>
+              </a:ext>
+              <a:ext uri="{C183D7F6-B498-43B3-948B-1728B52AA6E4}">
+                <adec:decorative xmlns:adec="http://schemas.microsoft.com/office/drawing/2017/decorative" val="1"/>
+              </a:ext>
+            </a:extLst>
+          </p:cNvPr>
+          <p:cNvSpPr>
+            <a:spLocks noGrp="1" noRot="1" noChangeAspect="1" noMove="1" noResize="1" noEditPoints="1" noAdjustHandles="1" noChangeArrowheads="1" noChangeShapeType="1" noTextEdit="1"/>
+          </p:cNvSpPr>
+          <p:nvPr>
+            <p:extLst>
+              <p:ext uri="{386F3935-93C4-4BCD-93E2-E3B085C9AB24}">
+                <p16:designElem xmlns:p16="http://schemas.microsoft.com/office/powerpoint/2015/main" val="1"/>
+              </p:ext>
+            </p:extLst>
+          </p:nvPr>
+        </p:nvSpPr>
+        <p:spPr>
+          <a:xfrm>
+            <a:off x="11908536" y="0"/>
+            <a:ext cx="283464" cy="6858000"/>
+          </a:xfrm>
+          <a:prstGeom prst="rect">
+            <a:avLst/>
+          </a:prstGeom>
+          <a:solidFill>
+            <a:schemeClr val="accent1"/>
+          </a:solidFill>
+          <a:ln>
+            <a:noFill/>
+          </a:ln>
+        </p:spPr>
+        <p:style>
+          <a:lnRef idx="2">
+            <a:schemeClr val="accent1">
+              <a:shade val="50000"/>
+            </a:schemeClr>
+          </a:lnRef>
+          <a:fillRef idx="1">
+            <a:schemeClr val="accent1"/>
+          </a:fillRef>
+          <a:effectRef idx="0">
+            <a:schemeClr val="accent1"/>
+          </a:effectRef>
+          <a:fontRef idx="minor">
+            <a:schemeClr val="lt1"/>
+          </a:fontRef>
+        </p:style>
+      </p:sp>
+      <p:sp useBgFill="1">
+        <p:nvSpPr>
+          <p:cNvPr id="25" name="Rectangle 24">
+            <a:extLst>
+              <a:ext uri="{FF2B5EF4-FFF2-40B4-BE49-F238E27FC236}">
+                <a16:creationId xmlns:a16="http://schemas.microsoft.com/office/drawing/2014/main" id="{DC032F75-F5AC-4D84-98D0-DD0FB8A25A27}"/>
+              </a:ext>
+              <a:ext uri="{C183D7F6-B498-43B3-948B-1728B52AA6E4}">
+                <adec:decorative xmlns:adec="http://schemas.microsoft.com/office/drawing/2017/decorative" val="1"/>
+              </a:ext>
+            </a:extLst>
+          </p:cNvPr>
+          <p:cNvSpPr>
+            <a:spLocks noGrp="1" noRot="1" noChangeAspect="1" noMove="1" noResize="1" noEditPoints="1" noAdjustHandles="1" noChangeArrowheads="1" noChangeShapeType="1" noTextEdit="1"/>
+          </p:cNvSpPr>
+          <p:nvPr>
+            <p:extLst>
+              <p:ext uri="{386F3935-93C4-4BCD-93E2-E3B085C9AB24}">
+                <p16:designElem xmlns:p16="http://schemas.microsoft.com/office/powerpoint/2015/main" val="1"/>
+              </p:ext>
+            </p:extLst>
+          </p:nvPr>
+        </p:nvSpPr>
+        <p:spPr bwMode="white">
+          <a:xfrm>
+            <a:off x="0" y="0"/>
+            <a:ext cx="12192000" cy="6858000"/>
+          </a:xfrm>
+          <a:prstGeom prst="rect">
+            <a:avLst/>
+          </a:prstGeom>
+          <a:ln>
+            <a:noFill/>
+          </a:ln>
+        </p:spPr>
+        <p:style>
+          <a:lnRef idx="2">
+            <a:schemeClr val="accent1">
+              <a:shade val="50000"/>
+            </a:schemeClr>
+          </a:lnRef>
+          <a:fillRef idx="1">
+            <a:schemeClr val="accent1"/>
+          </a:fillRef>
+          <a:effectRef idx="0">
+            <a:schemeClr val="accent1"/>
+          </a:effectRef>
+          <a:fontRef idx="minor">
+            <a:schemeClr val="lt1"/>
+          </a:fontRef>
+        </p:style>
+        <p:txBody>
+          <a:bodyPr rot="0" spcFirstLastPara="0" vert="horz" wrap="square" lIns="91440" tIns="45720" rIns="91440" bIns="45720" numCol="1" spcCol="0" rtlCol="0" fromWordArt="0" anchor="ctr" anchorCtr="0" forceAA="0" compatLnSpc="1">
+            <a:prstTxWarp prst="textNoShape">
+              <a:avLst/>
+            </a:prstTxWarp>
+            <a:noAutofit/>
+          </a:bodyPr>
+          <a:lstStyle>
+            <a:defPPr>
+              <a:defRPr lang="en-US"/>
+            </a:defPPr>
+            <a:lvl1pPr marL="0" algn="l" defTabSz="914400" rtl="0" eaLnBrk="1" latinLnBrk="0" hangingPunct="1">
+              <a:defRPr sz="1800" kern="1200">
+                <a:solidFill>
+                  <a:schemeClr val="lt1"/>
+                </a:solidFill>
+                <a:latin typeface="+mn-lt"/>
+                <a:ea typeface="+mn-ea"/>
+                <a:cs typeface="+mn-cs"/>
+              </a:defRPr>
+            </a:lvl1pPr>
+            <a:lvl2pPr marL="457200" algn="l" defTabSz="914400" rtl="0" eaLnBrk="1" latinLnBrk="0" hangingPunct="1">
+              <a:defRPr sz="1800" kern="1200">
+                <a:solidFill>
+                  <a:schemeClr val="lt1"/>
+                </a:solidFill>
+                <a:latin typeface="+mn-lt"/>
+                <a:ea typeface="+mn-ea"/>
+                <a:cs typeface="+mn-cs"/>
+              </a:defRPr>
+            </a:lvl2pPr>
+            <a:lvl3pPr marL="914400" algn="l" defTabSz="914400" rtl="0" eaLnBrk="1" latinLnBrk="0" hangingPunct="1">
+              <a:defRPr sz="1800" kern="1200">
+                <a:solidFill>
+                  <a:schemeClr val="lt1"/>
+                </a:solidFill>
+                <a:latin typeface="+mn-lt"/>
+                <a:ea typeface="+mn-ea"/>
+                <a:cs typeface="+mn-cs"/>
+              </a:defRPr>
+            </a:lvl3pPr>
+            <a:lvl4pPr marL="1371600" algn="l" defTabSz="914400" rtl="0" eaLnBrk="1" latinLnBrk="0" hangingPunct="1">
+              <a:defRPr sz="1800" kern="1200">
+                <a:solidFill>
+                  <a:schemeClr val="lt1"/>
+                </a:solidFill>
+                <a:latin typeface="+mn-lt"/>
+                <a:ea typeface="+mn-ea"/>
+                <a:cs typeface="+mn-cs"/>
+              </a:defRPr>
+            </a:lvl4pPr>
+            <a:lvl5pPr marL="1828800" algn="l" defTabSz="914400" rtl="0" eaLnBrk="1" latinLnBrk="0" hangingPunct="1">
+              <a:defRPr sz="1800" kern="1200">
+                <a:solidFill>
+                  <a:schemeClr val="lt1"/>
+                </a:solidFill>
+                <a:latin typeface="+mn-lt"/>
+                <a:ea typeface="+mn-ea"/>
+                <a:cs typeface="+mn-cs"/>
+              </a:defRPr>
+            </a:lvl5pPr>
+            <a:lvl6pPr marL="2286000" algn="l" defTabSz="914400" rtl="0" eaLnBrk="1" latinLnBrk="0" hangingPunct="1">
+              <a:defRPr sz="1800" kern="1200">
+                <a:solidFill>
+                  <a:schemeClr val="lt1"/>
+                </a:solidFill>
+                <a:latin typeface="+mn-lt"/>
+                <a:ea typeface="+mn-ea"/>
+                <a:cs typeface="+mn-cs"/>
+              </a:defRPr>
+            </a:lvl6pPr>
+            <a:lvl7pPr marL="2743200" algn="l" defTabSz="914400" rtl="0" eaLnBrk="1" latinLnBrk="0" hangingPunct="1">
+              <a:defRPr sz="1800" kern="1200">
+                <a:solidFill>
+                  <a:schemeClr val="lt1"/>
+                </a:solidFill>
+                <a:latin typeface="+mn-lt"/>
+                <a:ea typeface="+mn-ea"/>
+                <a:cs typeface="+mn-cs"/>
+              </a:defRPr>
+            </a:lvl7pPr>
+            <a:lvl8pPr marL="3200400" algn="l" defTabSz="914400" rtl="0" eaLnBrk="1" latinLnBrk="0" hangingPunct="1">
+              <a:defRPr sz="1800" kern="1200">
+                <a:solidFill>
+                  <a:schemeClr val="lt1"/>
+                </a:solidFill>
+                <a:latin typeface="+mn-lt"/>
+                <a:ea typeface="+mn-ea"/>
+                <a:cs typeface="+mn-cs"/>
+              </a:defRPr>
+            </a:lvl8pPr>
+            <a:lvl9pPr marL="3657600" algn="l" defTabSz="914400" rtl="0" eaLnBrk="1" latinLnBrk="0" hangingPunct="1">
+              <a:defRPr sz="1800" kern="1200">
+                <a:solidFill>
+                  <a:schemeClr val="lt1"/>
+                </a:solidFill>
+                <a:latin typeface="+mn-lt"/>
+                <a:ea typeface="+mn-ea"/>
+                <a:cs typeface="+mn-cs"/>
+              </a:defRPr>
+            </a:lvl9pPr>
+          </a:lstStyle>
+          <a:p>
+            <a:pPr algn="ctr"/>
+            <a:endParaRPr lang="en-US"/>
+          </a:p>
+        </p:txBody>
+      </p:sp>
+      <p:sp>
+        <p:nvSpPr>
+          <p:cNvPr id="27" name="Rectangle 26">
+            <a:extLst>
+              <a:ext uri="{FF2B5EF4-FFF2-40B4-BE49-F238E27FC236}">
+                <a16:creationId xmlns:a16="http://schemas.microsoft.com/office/drawing/2014/main" id="{EA21D3B4-EB95-40D8-ADD4-C28637F87A7C}"/>
+              </a:ext>
+              <a:ext uri="{C183D7F6-B498-43B3-948B-1728B52AA6E4}">
+                <adec:decorative xmlns:adec="http://schemas.microsoft.com/office/drawing/2017/decorative" val="1"/>
+              </a:ext>
+            </a:extLst>
+          </p:cNvPr>
+          <p:cNvSpPr>
+            <a:spLocks noGrp="1" noRot="1" noChangeAspect="1" noMove="1" noResize="1" noEditPoints="1" noAdjustHandles="1" noChangeArrowheads="1" noChangeShapeType="1" noTextEdit="1"/>
+          </p:cNvSpPr>
+          <p:nvPr>
+            <p:extLst>
+              <p:ext uri="{386F3935-93C4-4BCD-93E2-E3B085C9AB24}">
+                <p16:designElem xmlns:p16="http://schemas.microsoft.com/office/powerpoint/2015/main" val="1"/>
+              </p:ext>
+            </p:extLst>
+          </p:nvPr>
+        </p:nvSpPr>
+        <p:spPr>
+          <a:xfrm>
+            <a:off x="0" y="0"/>
+            <a:ext cx="283464" cy="6858000"/>
+          </a:xfrm>
+          <a:prstGeom prst="rect">
+            <a:avLst/>
+          </a:prstGeom>
+          <a:solidFill>
+            <a:schemeClr val="accent1"/>
+          </a:solidFill>
+          <a:ln>
+            <a:noFill/>
+          </a:ln>
+        </p:spPr>
+        <p:style>
+          <a:lnRef idx="2">
+            <a:schemeClr val="accent1">
+              <a:shade val="50000"/>
+            </a:schemeClr>
+          </a:lnRef>
+          <a:fillRef idx="1">
+            <a:schemeClr val="accent1"/>
+          </a:fillRef>
+          <a:effectRef idx="0">
+            <a:schemeClr val="accent1"/>
+          </a:effectRef>
+          <a:fontRef idx="minor">
+            <a:schemeClr val="lt1"/>
+          </a:fontRef>
+        </p:style>
+      </p:sp>
+      <p:sp>
+        <p:nvSpPr>
+          <p:cNvPr id="29" name="Freeform 11">
+            <a:extLst>
+              <a:ext uri="{FF2B5EF4-FFF2-40B4-BE49-F238E27FC236}">
+                <a16:creationId xmlns:a16="http://schemas.microsoft.com/office/drawing/2014/main" id="{EC402CCD-3D73-4427-910D-80A619EAD544}"/>
+              </a:ext>
+              <a:ext uri="{C183D7F6-B498-43B3-948B-1728B52AA6E4}">
+                <adec:decorative xmlns:adec="http://schemas.microsoft.com/office/drawing/2017/decorative" val="1"/>
+              </a:ext>
+            </a:extLst>
+          </p:cNvPr>
+          <p:cNvSpPr>
+            <a:spLocks noGrp="1" noRot="1" noChangeAspect="1" noMove="1" noResize="1" noEditPoints="1" noAdjustHandles="1" noChangeArrowheads="1" noChangeShapeType="1" noTextEdit="1"/>
+          </p:cNvSpPr>
+          <p:nvPr>
+            <p:extLst>
+              <p:ext uri="{386F3935-93C4-4BCD-93E2-E3B085C9AB24}">
+                <p16:designElem xmlns:p16="http://schemas.microsoft.com/office/powerpoint/2015/main" val="1"/>
+              </p:ext>
+            </p:extLst>
+          </p:nvPr>
+        </p:nvSpPr>
+        <p:spPr bwMode="auto">
+          <a:xfrm>
+            <a:off x="7548664" y="0"/>
+            <a:ext cx="4643336" cy="6858000"/>
+          </a:xfrm>
+          <a:custGeom>
+            <a:avLst/>
+            <a:gdLst/>
+            <a:ahLst/>
+            <a:cxnLst/>
+            <a:rect l="0" t="0" r="r" b="b"/>
+            <a:pathLst>
+              <a:path w="3025" h="4320">
+                <a:moveTo>
+                  <a:pt x="0" y="0"/>
+                </a:moveTo>
+                <a:lnTo>
+                  <a:pt x="3025" y="0"/>
+                </a:lnTo>
+                <a:lnTo>
+                  <a:pt x="3025" y="4320"/>
+                </a:lnTo>
+                <a:lnTo>
+                  <a:pt x="0" y="4320"/>
+                </a:lnTo>
+                <a:lnTo>
+                  <a:pt x="3" y="4278"/>
+                </a:lnTo>
+                <a:lnTo>
+                  <a:pt x="8" y="4243"/>
+                </a:lnTo>
+                <a:lnTo>
+                  <a:pt x="14" y="4210"/>
+                </a:lnTo>
+                <a:lnTo>
+                  <a:pt x="24" y="4183"/>
+                </a:lnTo>
+                <a:lnTo>
+                  <a:pt x="34" y="4156"/>
+                </a:lnTo>
+                <a:lnTo>
+                  <a:pt x="46" y="4133"/>
+                </a:lnTo>
+                <a:lnTo>
+                  <a:pt x="58" y="4109"/>
+                </a:lnTo>
+                <a:lnTo>
+                  <a:pt x="69" y="4087"/>
+                </a:lnTo>
+                <a:lnTo>
+                  <a:pt x="80" y="4062"/>
+                </a:lnTo>
+                <a:lnTo>
+                  <a:pt x="90" y="4036"/>
+                </a:lnTo>
+                <a:lnTo>
+                  <a:pt x="99" y="4007"/>
+                </a:lnTo>
+                <a:lnTo>
+                  <a:pt x="106" y="3976"/>
+                </a:lnTo>
+                <a:lnTo>
+                  <a:pt x="111" y="3938"/>
+                </a:lnTo>
+                <a:lnTo>
+                  <a:pt x="113" y="3895"/>
+                </a:lnTo>
+                <a:lnTo>
+                  <a:pt x="111" y="3851"/>
+                </a:lnTo>
+                <a:lnTo>
+                  <a:pt x="106" y="3815"/>
+                </a:lnTo>
+                <a:lnTo>
+                  <a:pt x="99" y="3782"/>
+                </a:lnTo>
+                <a:lnTo>
+                  <a:pt x="90" y="3752"/>
+                </a:lnTo>
+                <a:lnTo>
+                  <a:pt x="80" y="3726"/>
+                </a:lnTo>
+                <a:lnTo>
+                  <a:pt x="68" y="3702"/>
+                </a:lnTo>
+                <a:lnTo>
+                  <a:pt x="56" y="3679"/>
+                </a:lnTo>
+                <a:lnTo>
+                  <a:pt x="44" y="3655"/>
+                </a:lnTo>
+                <a:lnTo>
+                  <a:pt x="33" y="3630"/>
+                </a:lnTo>
+                <a:lnTo>
+                  <a:pt x="22" y="3604"/>
+                </a:lnTo>
+                <a:lnTo>
+                  <a:pt x="13" y="3575"/>
+                </a:lnTo>
+                <a:lnTo>
+                  <a:pt x="7" y="3542"/>
+                </a:lnTo>
+                <a:lnTo>
+                  <a:pt x="1" y="3504"/>
+                </a:lnTo>
+                <a:lnTo>
+                  <a:pt x="0" y="3461"/>
+                </a:lnTo>
+                <a:lnTo>
+                  <a:pt x="1" y="3418"/>
+                </a:lnTo>
+                <a:lnTo>
+                  <a:pt x="7" y="3380"/>
+                </a:lnTo>
+                <a:lnTo>
+                  <a:pt x="13" y="3347"/>
+                </a:lnTo>
+                <a:lnTo>
+                  <a:pt x="22" y="3319"/>
+                </a:lnTo>
+                <a:lnTo>
+                  <a:pt x="33" y="3292"/>
+                </a:lnTo>
+                <a:lnTo>
+                  <a:pt x="44" y="3267"/>
+                </a:lnTo>
+                <a:lnTo>
+                  <a:pt x="56" y="3244"/>
+                </a:lnTo>
+                <a:lnTo>
+                  <a:pt x="68" y="3222"/>
+                </a:lnTo>
+                <a:lnTo>
+                  <a:pt x="80" y="3197"/>
+                </a:lnTo>
+                <a:lnTo>
+                  <a:pt x="90" y="3171"/>
+                </a:lnTo>
+                <a:lnTo>
+                  <a:pt x="99" y="3142"/>
+                </a:lnTo>
+                <a:lnTo>
+                  <a:pt x="106" y="3109"/>
+                </a:lnTo>
+                <a:lnTo>
+                  <a:pt x="111" y="3071"/>
+                </a:lnTo>
+                <a:lnTo>
+                  <a:pt x="113" y="3028"/>
+                </a:lnTo>
+                <a:lnTo>
+                  <a:pt x="111" y="2985"/>
+                </a:lnTo>
+                <a:lnTo>
+                  <a:pt x="106" y="2947"/>
+                </a:lnTo>
+                <a:lnTo>
+                  <a:pt x="99" y="2914"/>
+                </a:lnTo>
+                <a:lnTo>
+                  <a:pt x="90" y="2885"/>
+                </a:lnTo>
+                <a:lnTo>
+                  <a:pt x="80" y="2858"/>
+                </a:lnTo>
+                <a:lnTo>
+                  <a:pt x="68" y="2834"/>
+                </a:lnTo>
+                <a:lnTo>
+                  <a:pt x="44" y="2787"/>
+                </a:lnTo>
+                <a:lnTo>
+                  <a:pt x="33" y="2763"/>
+                </a:lnTo>
+                <a:lnTo>
+                  <a:pt x="22" y="2736"/>
+                </a:lnTo>
+                <a:lnTo>
+                  <a:pt x="13" y="2707"/>
+                </a:lnTo>
+                <a:lnTo>
+                  <a:pt x="7" y="2674"/>
+                </a:lnTo>
+                <a:lnTo>
+                  <a:pt x="1" y="2637"/>
+                </a:lnTo>
+                <a:lnTo>
+                  <a:pt x="0" y="2593"/>
+                </a:lnTo>
+                <a:lnTo>
+                  <a:pt x="1" y="2550"/>
+                </a:lnTo>
+                <a:lnTo>
+                  <a:pt x="7" y="2512"/>
+                </a:lnTo>
+                <a:lnTo>
+                  <a:pt x="13" y="2479"/>
+                </a:lnTo>
+                <a:lnTo>
+                  <a:pt x="22" y="2451"/>
+                </a:lnTo>
+                <a:lnTo>
+                  <a:pt x="33" y="2424"/>
+                </a:lnTo>
+                <a:lnTo>
+                  <a:pt x="44" y="2401"/>
+                </a:lnTo>
+                <a:lnTo>
+                  <a:pt x="68" y="2354"/>
+                </a:lnTo>
+                <a:lnTo>
+                  <a:pt x="80" y="2329"/>
+                </a:lnTo>
+                <a:lnTo>
+                  <a:pt x="90" y="2303"/>
+                </a:lnTo>
+                <a:lnTo>
+                  <a:pt x="99" y="2274"/>
+                </a:lnTo>
+                <a:lnTo>
+                  <a:pt x="106" y="2241"/>
+                </a:lnTo>
+                <a:lnTo>
+                  <a:pt x="111" y="2203"/>
+                </a:lnTo>
+                <a:lnTo>
+                  <a:pt x="113" y="2159"/>
+                </a:lnTo>
+                <a:lnTo>
+                  <a:pt x="111" y="2117"/>
+                </a:lnTo>
+                <a:lnTo>
+                  <a:pt x="106" y="2079"/>
+                </a:lnTo>
+                <a:lnTo>
+                  <a:pt x="99" y="2046"/>
+                </a:lnTo>
+                <a:lnTo>
+                  <a:pt x="90" y="2017"/>
+                </a:lnTo>
+                <a:lnTo>
+                  <a:pt x="80" y="1991"/>
+                </a:lnTo>
+                <a:lnTo>
+                  <a:pt x="68" y="1966"/>
+                </a:lnTo>
+                <a:lnTo>
+                  <a:pt x="56" y="1943"/>
+                </a:lnTo>
+                <a:lnTo>
+                  <a:pt x="44" y="1919"/>
+                </a:lnTo>
+                <a:lnTo>
+                  <a:pt x="33" y="1896"/>
+                </a:lnTo>
+                <a:lnTo>
+                  <a:pt x="22" y="1869"/>
+                </a:lnTo>
+                <a:lnTo>
+                  <a:pt x="13" y="1841"/>
+                </a:lnTo>
+                <a:lnTo>
+                  <a:pt x="7" y="1807"/>
+                </a:lnTo>
+                <a:lnTo>
+                  <a:pt x="1" y="1770"/>
+                </a:lnTo>
+                <a:lnTo>
+                  <a:pt x="0" y="1727"/>
+                </a:lnTo>
+                <a:lnTo>
+                  <a:pt x="1" y="1683"/>
+                </a:lnTo>
+                <a:lnTo>
+                  <a:pt x="7" y="1646"/>
+                </a:lnTo>
+                <a:lnTo>
+                  <a:pt x="13" y="1613"/>
+                </a:lnTo>
+                <a:lnTo>
+                  <a:pt x="22" y="1583"/>
+                </a:lnTo>
+                <a:lnTo>
+                  <a:pt x="33" y="1557"/>
+                </a:lnTo>
+                <a:lnTo>
+                  <a:pt x="44" y="1533"/>
+                </a:lnTo>
+                <a:lnTo>
+                  <a:pt x="56" y="1509"/>
+                </a:lnTo>
+                <a:lnTo>
+                  <a:pt x="68" y="1486"/>
+                </a:lnTo>
+                <a:lnTo>
+                  <a:pt x="80" y="1461"/>
+                </a:lnTo>
+                <a:lnTo>
+                  <a:pt x="90" y="1435"/>
+                </a:lnTo>
+                <a:lnTo>
+                  <a:pt x="99" y="1406"/>
+                </a:lnTo>
+                <a:lnTo>
+                  <a:pt x="106" y="1373"/>
+                </a:lnTo>
+                <a:lnTo>
+                  <a:pt x="111" y="1335"/>
+                </a:lnTo>
+                <a:lnTo>
+                  <a:pt x="113" y="1292"/>
+                </a:lnTo>
+                <a:lnTo>
+                  <a:pt x="111" y="1249"/>
+                </a:lnTo>
+                <a:lnTo>
+                  <a:pt x="106" y="1211"/>
+                </a:lnTo>
+                <a:lnTo>
+                  <a:pt x="99" y="1178"/>
+                </a:lnTo>
+                <a:lnTo>
+                  <a:pt x="90" y="1149"/>
+                </a:lnTo>
+                <a:lnTo>
+                  <a:pt x="80" y="1123"/>
+                </a:lnTo>
+                <a:lnTo>
+                  <a:pt x="68" y="1098"/>
+                </a:lnTo>
+                <a:lnTo>
+                  <a:pt x="56" y="1076"/>
+                </a:lnTo>
+                <a:lnTo>
+                  <a:pt x="44" y="1053"/>
+                </a:lnTo>
+                <a:lnTo>
+                  <a:pt x="33" y="1028"/>
+                </a:lnTo>
+                <a:lnTo>
+                  <a:pt x="22" y="1001"/>
+                </a:lnTo>
+                <a:lnTo>
+                  <a:pt x="13" y="973"/>
+                </a:lnTo>
+                <a:lnTo>
+                  <a:pt x="7" y="940"/>
+                </a:lnTo>
+                <a:lnTo>
+                  <a:pt x="1" y="902"/>
+                </a:lnTo>
+                <a:lnTo>
+                  <a:pt x="0" y="859"/>
+                </a:lnTo>
+                <a:lnTo>
+                  <a:pt x="1" y="816"/>
+                </a:lnTo>
+                <a:lnTo>
+                  <a:pt x="7" y="778"/>
+                </a:lnTo>
+                <a:lnTo>
+                  <a:pt x="13" y="745"/>
+                </a:lnTo>
+                <a:lnTo>
+                  <a:pt x="22" y="716"/>
+                </a:lnTo>
+                <a:lnTo>
+                  <a:pt x="33" y="690"/>
+                </a:lnTo>
+                <a:lnTo>
+                  <a:pt x="44" y="665"/>
+                </a:lnTo>
+                <a:lnTo>
+                  <a:pt x="56" y="641"/>
+                </a:lnTo>
+                <a:lnTo>
+                  <a:pt x="68" y="618"/>
+                </a:lnTo>
+                <a:lnTo>
+                  <a:pt x="80" y="594"/>
+                </a:lnTo>
+                <a:lnTo>
+                  <a:pt x="90" y="568"/>
+                </a:lnTo>
+                <a:lnTo>
+                  <a:pt x="99" y="538"/>
+                </a:lnTo>
+                <a:lnTo>
+                  <a:pt x="106" y="505"/>
+                </a:lnTo>
+                <a:lnTo>
+                  <a:pt x="111" y="469"/>
+                </a:lnTo>
+                <a:lnTo>
+                  <a:pt x="113" y="424"/>
+                </a:lnTo>
+                <a:lnTo>
+                  <a:pt x="111" y="382"/>
+                </a:lnTo>
+                <a:lnTo>
+                  <a:pt x="106" y="344"/>
+                </a:lnTo>
+                <a:lnTo>
+                  <a:pt x="99" y="313"/>
+                </a:lnTo>
+                <a:lnTo>
+                  <a:pt x="90" y="284"/>
+                </a:lnTo>
+                <a:lnTo>
+                  <a:pt x="80" y="258"/>
+                </a:lnTo>
+                <a:lnTo>
+                  <a:pt x="69" y="233"/>
+                </a:lnTo>
+                <a:lnTo>
+                  <a:pt x="58" y="211"/>
+                </a:lnTo>
+                <a:lnTo>
+                  <a:pt x="46" y="187"/>
+                </a:lnTo>
+                <a:lnTo>
+                  <a:pt x="34" y="164"/>
+                </a:lnTo>
+                <a:lnTo>
+                  <a:pt x="24" y="137"/>
+                </a:lnTo>
+                <a:lnTo>
+                  <a:pt x="14" y="110"/>
+                </a:lnTo>
+                <a:lnTo>
+                  <a:pt x="8" y="77"/>
+                </a:lnTo>
+                <a:lnTo>
+                  <a:pt x="3" y="42"/>
+                </a:lnTo>
+                <a:lnTo>
+                  <a:pt x="0" y="0"/>
+                </a:lnTo>
+                <a:close/>
+              </a:path>
+            </a:pathLst>
+          </a:custGeom>
+          <a:solidFill>
+            <a:schemeClr val="tx2"/>
+          </a:solidFill>
+          <a:ln w="0">
+            <a:noFill/>
+            <a:prstDash val="solid"/>
+            <a:round/>
+            <a:headEnd/>
+            <a:tailEnd/>
+          </a:ln>
+        </p:spPr>
+      </p:sp>
+      <p:sp>
+        <p:nvSpPr>
           <p:cNvPr id="2" name="Title 1">
             <a:extLst>
               <a:ext uri="{FF2B5EF4-FFF2-40B4-BE49-F238E27FC236}">
@@ -7316,23 +8478,61 @@
             <p:ph type="title"/>
           </p:nvPr>
         </p:nvSpPr>
-        <p:spPr/>
+        <p:spPr>
+          <a:xfrm>
+            <a:off x="8339328" y="457200"/>
+            <a:ext cx="3090672" cy="1197864"/>
+          </a:xfrm>
+        </p:spPr>
         <p:txBody>
-          <a:bodyPr/>
+          <a:bodyPr vert="horz" lIns="91440" tIns="45720" rIns="91440" bIns="45720" rtlCol="0" anchor="b">
+            <a:normAutofit/>
+          </a:bodyPr>
           <a:lstStyle/>
           <a:p>
+            <a:pPr>
+              <a:lnSpc>
+                <a:spcPct val="90000"/>
+              </a:lnSpc>
+            </a:pPr>
             <a:r>
-              <a:rPr lang="en-US" dirty="0"/>
-              <a:t>Abv and </a:t>
+              <a:rPr lang="en-US" spc="200">
+                <a:latin typeface="+mj-lt"/>
+              </a:rPr>
+              <a:t>Alcohol by volume</a:t>
             </a:r>
-            <a:r>
-              <a:rPr lang="en-US" dirty="0" err="1"/>
-              <a:t>ibu</a:t>
-            </a:r>
-            <a:endParaRPr lang="en-US" dirty="0"/>
           </a:p>
         </p:txBody>
       </p:sp>
+      <p:pic>
+        <p:nvPicPr>
+          <p:cNvPr id="9" name="Picture 8">
+            <a:extLst>
+              <a:ext uri="{FF2B5EF4-FFF2-40B4-BE49-F238E27FC236}">
+                <a16:creationId xmlns:a16="http://schemas.microsoft.com/office/drawing/2014/main" id="{59B5250F-C5C7-45FF-AFFA-FD1C7875FBFF}"/>
+              </a:ext>
+            </a:extLst>
+          </p:cNvPr>
+          <p:cNvPicPr>
+            <a:picLocks noChangeAspect="1"/>
+          </p:cNvPicPr>
+          <p:nvPr/>
+        </p:nvPicPr>
+        <p:blipFill rotWithShape="1">
+          <a:blip r:embed="rId2"/>
+          <a:srcRect l="4776" b="9545"/>
+          <a:stretch/>
+        </p:blipFill>
+        <p:spPr>
+          <a:xfrm>
+            <a:off x="416028" y="116327"/>
+            <a:ext cx="5978273" cy="3312672"/>
+          </a:xfrm>
+          <a:prstGeom prst="rect">
+            <a:avLst/>
+          </a:prstGeom>
+        </p:spPr>
+      </p:pic>
       <p:sp>
         <p:nvSpPr>
           <p:cNvPr id="3" name="Content Placeholder 2">
@@ -7346,58 +8546,106 @@
             <a:spLocks noGrp="1"/>
           </p:cNvSpPr>
           <p:nvPr>
-            <p:ph sz="half" idx="1"/>
+            <p:ph type="body" sz="half" idx="2"/>
           </p:nvPr>
         </p:nvSpPr>
-        <p:spPr/>
+        <p:spPr>
+          <a:xfrm>
+            <a:off x="8339328" y="1655065"/>
+            <a:ext cx="3090672" cy="4224528"/>
+          </a:xfrm>
+        </p:spPr>
         <p:txBody>
-          <a:bodyPr/>
+          <a:bodyPr vert="horz" lIns="91440" tIns="45720" rIns="91440" bIns="45720" rtlCol="0">
+            <a:normAutofit/>
+          </a:bodyPr>
           <a:lstStyle/>
           <a:p>
+            <a:pPr indent="-228600">
+              <a:lnSpc>
+                <a:spcPct val="110000"/>
+              </a:lnSpc>
+              <a:spcBef>
+                <a:spcPts val="700"/>
+              </a:spcBef>
+            </a:pPr>
             <a:r>
-              <a:rPr lang="en-US" dirty="0"/>
-              <a:t>We can either use the maps, your bar charts, or some other visual aid for comparing ABV &amp; IBU</a:t>
+              <a:rPr lang="en-US" dirty="0">
+                <a:solidFill>
+                  <a:srgbClr val="FFFFFF"/>
+                </a:solidFill>
+              </a:rPr>
+              <a:t>*Update after imputation</a:t>
             </a:r>
           </a:p>
           <a:p>
+            <a:pPr indent="-228600">
+              <a:lnSpc>
+                <a:spcPct val="110000"/>
+              </a:lnSpc>
+              <a:spcBef>
+                <a:spcPts val="700"/>
+              </a:spcBef>
+            </a:pPr>
             <a:r>
-              <a:rPr lang="en-US" dirty="0"/>
-              <a:t>I think we either use the map for breweries by state OR ABV/IBU and not both</a:t>
+              <a:rPr lang="en-US" dirty="0">
+                <a:solidFill>
+                  <a:srgbClr val="FFFFFF"/>
+                </a:solidFill>
+              </a:rPr>
+              <a:t>Overall, most states have similar median values for ABV… except for Utah</a:t>
             </a:r>
           </a:p>
           <a:p>
+            <a:pPr indent="-228600">
+              <a:lnSpc>
+                <a:spcPct val="110000"/>
+              </a:lnSpc>
+              <a:spcBef>
+                <a:spcPts val="700"/>
+              </a:spcBef>
+            </a:pPr>
             <a:r>
-              <a:rPr lang="en-US" dirty="0"/>
-              <a:t>I will experiment with other visual aids</a:t>
+              <a:rPr lang="en-US" dirty="0">
+                <a:solidFill>
+                  <a:srgbClr val="FFFFFF"/>
+                </a:solidFill>
+              </a:rPr>
+              <a:t>The median ABV tends to be largely between 5% and 6% across the US</a:t>
             </a:r>
           </a:p>
         </p:txBody>
       </p:sp>
-      <p:sp>
-        <p:nvSpPr>
-          <p:cNvPr id="7" name="Content Placeholder 6">
+      <p:pic>
+        <p:nvPicPr>
+          <p:cNvPr id="13" name="Picture 12">
             <a:extLst>
               <a:ext uri="{FF2B5EF4-FFF2-40B4-BE49-F238E27FC236}">
-                <a16:creationId xmlns:a16="http://schemas.microsoft.com/office/drawing/2014/main" id="{B904EBAE-B112-4E27-BD80-A6609F5E2D87}"/>
+                <a16:creationId xmlns:a16="http://schemas.microsoft.com/office/drawing/2014/main" id="{E9217E8B-CA93-4039-89EB-3AEF1490615F}"/>
               </a:ext>
             </a:extLst>
           </p:cNvPr>
-          <p:cNvSpPr>
-            <a:spLocks noGrp="1"/>
-          </p:cNvSpPr>
-          <p:nvPr>
-            <p:ph sz="half" idx="2"/>
-          </p:nvPr>
-        </p:nvSpPr>
-        <p:spPr/>
-        <p:txBody>
-          <a:bodyPr/>
-          <a:lstStyle/>
-          <a:p>
-            <a:endParaRPr lang="en-US"/>
-          </a:p>
-        </p:txBody>
-      </p:sp>
+          <p:cNvPicPr>
+            <a:picLocks noChangeAspect="1"/>
+          </p:cNvPicPr>
+          <p:nvPr/>
+        </p:nvPicPr>
+        <p:blipFill>
+          <a:blip r:embed="rId3"/>
+          <a:stretch>
+            <a:fillRect/>
+          </a:stretch>
+        </p:blipFill>
+        <p:spPr>
+          <a:xfrm>
+            <a:off x="2686325" y="3545326"/>
+            <a:ext cx="4260656" cy="3194984"/>
+          </a:xfrm>
+          <a:prstGeom prst="rect">
+            <a:avLst/>
+          </a:prstGeom>
+        </p:spPr>
+      </p:pic>
     </p:spTree>
     <p:extLst>
       <p:ext uri="{BB962C8B-B14F-4D97-AF65-F5344CB8AC3E}">
@@ -7412,6 +8660,2760 @@
 </file>
 
 <file path=ppt/slides/slide6.xml><?xml version="1.0" encoding="utf-8"?>
+<p:sld xmlns:a="http://schemas.openxmlformats.org/drawingml/2006/main" xmlns:r="http://schemas.openxmlformats.org/officeDocument/2006/relationships" xmlns:p="http://schemas.openxmlformats.org/presentationml/2006/main">
+  <p:cSld>
+    <p:bg>
+      <p:bgPr>
+        <a:solidFill>
+          <a:schemeClr val="bg1"/>
+        </a:solidFill>
+        <a:effectLst/>
+      </p:bgPr>
+    </p:bg>
+    <p:spTree>
+      <p:nvGrpSpPr>
+        <p:cNvPr id="1" name=""/>
+        <p:cNvGrpSpPr/>
+        <p:nvPr/>
+      </p:nvGrpSpPr>
+      <p:grpSpPr>
+        <a:xfrm>
+          <a:off x="0" y="0"/>
+          <a:ext cx="0" cy="0"/>
+          <a:chOff x="0" y="0"/>
+          <a:chExt cx="0" cy="0"/>
+        </a:xfrm>
+      </p:grpSpPr>
+      <p:sp>
+        <p:nvSpPr>
+          <p:cNvPr id="21" name="Freeform 6">
+            <a:extLst>
+              <a:ext uri="{FF2B5EF4-FFF2-40B4-BE49-F238E27FC236}">
+                <a16:creationId xmlns:a16="http://schemas.microsoft.com/office/drawing/2014/main" id="{126ADEF2-2BA7-419F-A580-9C6541A73B57}"/>
+              </a:ext>
+              <a:ext uri="{C183D7F6-B498-43B3-948B-1728B52AA6E4}">
+                <adec:decorative xmlns:adec="http://schemas.microsoft.com/office/drawing/2017/decorative" val="1"/>
+              </a:ext>
+            </a:extLst>
+          </p:cNvPr>
+          <p:cNvSpPr>
+            <a:spLocks noGrp="1" noRot="1" noChangeAspect="1" noMove="1" noResize="1" noEditPoints="1" noAdjustHandles="1" noChangeArrowheads="1" noChangeShapeType="1" noTextEdit="1"/>
+          </p:cNvSpPr>
+          <p:nvPr>
+            <p:extLst>
+              <p:ext uri="{386F3935-93C4-4BCD-93E2-E3B085C9AB24}">
+                <p16:designElem xmlns:p16="http://schemas.microsoft.com/office/powerpoint/2015/main" val="1"/>
+              </p:ext>
+            </p:extLst>
+          </p:nvPr>
+        </p:nvSpPr>
+        <p:spPr bwMode="auto">
+          <a:xfrm>
+            <a:off x="3557016" y="630936"/>
+            <a:ext cx="5235575" cy="5229225"/>
+          </a:xfrm>
+          <a:custGeom>
+            <a:avLst/>
+            <a:gdLst/>
+            <a:ahLst/>
+            <a:cxnLst/>
+            <a:rect l="0" t="0" r="r" b="b"/>
+            <a:pathLst>
+              <a:path w="3298" h="3294">
+                <a:moveTo>
+                  <a:pt x="1649" y="0"/>
+                </a:moveTo>
+                <a:lnTo>
+                  <a:pt x="1681" y="3"/>
+                </a:lnTo>
+                <a:lnTo>
+                  <a:pt x="1712" y="11"/>
+                </a:lnTo>
+                <a:lnTo>
+                  <a:pt x="1742" y="23"/>
+                </a:lnTo>
+                <a:lnTo>
+                  <a:pt x="1773" y="38"/>
+                </a:lnTo>
+                <a:lnTo>
+                  <a:pt x="1802" y="55"/>
+                </a:lnTo>
+                <a:lnTo>
+                  <a:pt x="1832" y="73"/>
+                </a:lnTo>
+                <a:lnTo>
+                  <a:pt x="1862" y="89"/>
+                </a:lnTo>
+                <a:lnTo>
+                  <a:pt x="1892" y="105"/>
+                </a:lnTo>
+                <a:lnTo>
+                  <a:pt x="1921" y="117"/>
+                </a:lnTo>
+                <a:lnTo>
+                  <a:pt x="1953" y="125"/>
+                </a:lnTo>
+                <a:lnTo>
+                  <a:pt x="1984" y="129"/>
+                </a:lnTo>
+                <a:lnTo>
+                  <a:pt x="2017" y="129"/>
+                </a:lnTo>
+                <a:lnTo>
+                  <a:pt x="2051" y="127"/>
+                </a:lnTo>
+                <a:lnTo>
+                  <a:pt x="2085" y="123"/>
+                </a:lnTo>
+                <a:lnTo>
+                  <a:pt x="2119" y="118"/>
+                </a:lnTo>
+                <a:lnTo>
+                  <a:pt x="2153" y="114"/>
+                </a:lnTo>
+                <a:lnTo>
+                  <a:pt x="2187" y="111"/>
+                </a:lnTo>
+                <a:lnTo>
+                  <a:pt x="2219" y="112"/>
+                </a:lnTo>
+                <a:lnTo>
+                  <a:pt x="2250" y="116"/>
+                </a:lnTo>
+                <a:lnTo>
+                  <a:pt x="2280" y="125"/>
+                </a:lnTo>
+                <a:lnTo>
+                  <a:pt x="2305" y="138"/>
+                </a:lnTo>
+                <a:lnTo>
+                  <a:pt x="2329" y="155"/>
+                </a:lnTo>
+                <a:lnTo>
+                  <a:pt x="2350" y="175"/>
+                </a:lnTo>
+                <a:lnTo>
+                  <a:pt x="2371" y="198"/>
+                </a:lnTo>
+                <a:lnTo>
+                  <a:pt x="2390" y="222"/>
+                </a:lnTo>
+                <a:lnTo>
+                  <a:pt x="2409" y="247"/>
+                </a:lnTo>
+                <a:lnTo>
+                  <a:pt x="2428" y="272"/>
+                </a:lnTo>
+                <a:lnTo>
+                  <a:pt x="2447" y="296"/>
+                </a:lnTo>
+                <a:lnTo>
+                  <a:pt x="2467" y="319"/>
+                </a:lnTo>
+                <a:lnTo>
+                  <a:pt x="2490" y="339"/>
+                </a:lnTo>
+                <a:lnTo>
+                  <a:pt x="2512" y="357"/>
+                </a:lnTo>
+                <a:lnTo>
+                  <a:pt x="2537" y="371"/>
+                </a:lnTo>
+                <a:lnTo>
+                  <a:pt x="2564" y="383"/>
+                </a:lnTo>
+                <a:lnTo>
+                  <a:pt x="2593" y="393"/>
+                </a:lnTo>
+                <a:lnTo>
+                  <a:pt x="2623" y="402"/>
+                </a:lnTo>
+                <a:lnTo>
+                  <a:pt x="2653" y="410"/>
+                </a:lnTo>
+                <a:lnTo>
+                  <a:pt x="2684" y="418"/>
+                </a:lnTo>
+                <a:lnTo>
+                  <a:pt x="2713" y="427"/>
+                </a:lnTo>
+                <a:lnTo>
+                  <a:pt x="2742" y="437"/>
+                </a:lnTo>
+                <a:lnTo>
+                  <a:pt x="2769" y="449"/>
+                </a:lnTo>
+                <a:lnTo>
+                  <a:pt x="2793" y="464"/>
+                </a:lnTo>
+                <a:lnTo>
+                  <a:pt x="2815" y="482"/>
+                </a:lnTo>
+                <a:lnTo>
+                  <a:pt x="2833" y="504"/>
+                </a:lnTo>
+                <a:lnTo>
+                  <a:pt x="2848" y="528"/>
+                </a:lnTo>
+                <a:lnTo>
+                  <a:pt x="2860" y="555"/>
+                </a:lnTo>
+                <a:lnTo>
+                  <a:pt x="2870" y="584"/>
+                </a:lnTo>
+                <a:lnTo>
+                  <a:pt x="2879" y="613"/>
+                </a:lnTo>
+                <a:lnTo>
+                  <a:pt x="2887" y="644"/>
+                </a:lnTo>
+                <a:lnTo>
+                  <a:pt x="2895" y="674"/>
+                </a:lnTo>
+                <a:lnTo>
+                  <a:pt x="2904" y="704"/>
+                </a:lnTo>
+                <a:lnTo>
+                  <a:pt x="2914" y="733"/>
+                </a:lnTo>
+                <a:lnTo>
+                  <a:pt x="2926" y="760"/>
+                </a:lnTo>
+                <a:lnTo>
+                  <a:pt x="2940" y="785"/>
+                </a:lnTo>
+                <a:lnTo>
+                  <a:pt x="2958" y="807"/>
+                </a:lnTo>
+                <a:lnTo>
+                  <a:pt x="2978" y="830"/>
+                </a:lnTo>
+                <a:lnTo>
+                  <a:pt x="3001" y="850"/>
+                </a:lnTo>
+                <a:lnTo>
+                  <a:pt x="3025" y="869"/>
+                </a:lnTo>
+                <a:lnTo>
+                  <a:pt x="3051" y="888"/>
+                </a:lnTo>
+                <a:lnTo>
+                  <a:pt x="3076" y="907"/>
+                </a:lnTo>
+                <a:lnTo>
+                  <a:pt x="3100" y="926"/>
+                </a:lnTo>
+                <a:lnTo>
+                  <a:pt x="3123" y="947"/>
+                </a:lnTo>
+                <a:lnTo>
+                  <a:pt x="3143" y="968"/>
+                </a:lnTo>
+                <a:lnTo>
+                  <a:pt x="3160" y="992"/>
+                </a:lnTo>
+                <a:lnTo>
+                  <a:pt x="3173" y="1017"/>
+                </a:lnTo>
+                <a:lnTo>
+                  <a:pt x="3182" y="1047"/>
+                </a:lnTo>
+                <a:lnTo>
+                  <a:pt x="3186" y="1078"/>
+                </a:lnTo>
+                <a:lnTo>
+                  <a:pt x="3187" y="1110"/>
+                </a:lnTo>
+                <a:lnTo>
+                  <a:pt x="3184" y="1144"/>
+                </a:lnTo>
+                <a:lnTo>
+                  <a:pt x="3180" y="1178"/>
+                </a:lnTo>
+                <a:lnTo>
+                  <a:pt x="3175" y="1212"/>
+                </a:lnTo>
+                <a:lnTo>
+                  <a:pt x="3171" y="1246"/>
+                </a:lnTo>
+                <a:lnTo>
+                  <a:pt x="3169" y="1280"/>
+                </a:lnTo>
+                <a:lnTo>
+                  <a:pt x="3169" y="1313"/>
+                </a:lnTo>
+                <a:lnTo>
+                  <a:pt x="3173" y="1344"/>
+                </a:lnTo>
+                <a:lnTo>
+                  <a:pt x="3181" y="1375"/>
+                </a:lnTo>
+                <a:lnTo>
+                  <a:pt x="3193" y="1404"/>
+                </a:lnTo>
+                <a:lnTo>
+                  <a:pt x="3209" y="1434"/>
+                </a:lnTo>
+                <a:lnTo>
+                  <a:pt x="3225" y="1464"/>
+                </a:lnTo>
+                <a:lnTo>
+                  <a:pt x="3243" y="1494"/>
+                </a:lnTo>
+                <a:lnTo>
+                  <a:pt x="3260" y="1523"/>
+                </a:lnTo>
+                <a:lnTo>
+                  <a:pt x="3275" y="1554"/>
+                </a:lnTo>
+                <a:lnTo>
+                  <a:pt x="3287" y="1584"/>
+                </a:lnTo>
+                <a:lnTo>
+                  <a:pt x="3295" y="1615"/>
+                </a:lnTo>
+                <a:lnTo>
+                  <a:pt x="3298" y="1647"/>
+                </a:lnTo>
+                <a:lnTo>
+                  <a:pt x="3295" y="1679"/>
+                </a:lnTo>
+                <a:lnTo>
+                  <a:pt x="3287" y="1710"/>
+                </a:lnTo>
+                <a:lnTo>
+                  <a:pt x="3275" y="1740"/>
+                </a:lnTo>
+                <a:lnTo>
+                  <a:pt x="3260" y="1771"/>
+                </a:lnTo>
+                <a:lnTo>
+                  <a:pt x="3243" y="1800"/>
+                </a:lnTo>
+                <a:lnTo>
+                  <a:pt x="3225" y="1830"/>
+                </a:lnTo>
+                <a:lnTo>
+                  <a:pt x="3209" y="1860"/>
+                </a:lnTo>
+                <a:lnTo>
+                  <a:pt x="3193" y="1890"/>
+                </a:lnTo>
+                <a:lnTo>
+                  <a:pt x="3181" y="1919"/>
+                </a:lnTo>
+                <a:lnTo>
+                  <a:pt x="3173" y="1950"/>
+                </a:lnTo>
+                <a:lnTo>
+                  <a:pt x="3169" y="1981"/>
+                </a:lnTo>
+                <a:lnTo>
+                  <a:pt x="3169" y="2014"/>
+                </a:lnTo>
+                <a:lnTo>
+                  <a:pt x="3171" y="2048"/>
+                </a:lnTo>
+                <a:lnTo>
+                  <a:pt x="3175" y="2082"/>
+                </a:lnTo>
+                <a:lnTo>
+                  <a:pt x="3180" y="2116"/>
+                </a:lnTo>
+                <a:lnTo>
+                  <a:pt x="3184" y="2150"/>
+                </a:lnTo>
+                <a:lnTo>
+                  <a:pt x="3187" y="2184"/>
+                </a:lnTo>
+                <a:lnTo>
+                  <a:pt x="3186" y="2216"/>
+                </a:lnTo>
+                <a:lnTo>
+                  <a:pt x="3182" y="2247"/>
+                </a:lnTo>
+                <a:lnTo>
+                  <a:pt x="3173" y="2277"/>
+                </a:lnTo>
+                <a:lnTo>
+                  <a:pt x="3160" y="2302"/>
+                </a:lnTo>
+                <a:lnTo>
+                  <a:pt x="3143" y="2326"/>
+                </a:lnTo>
+                <a:lnTo>
+                  <a:pt x="3123" y="2347"/>
+                </a:lnTo>
+                <a:lnTo>
+                  <a:pt x="3100" y="2368"/>
+                </a:lnTo>
+                <a:lnTo>
+                  <a:pt x="3076" y="2387"/>
+                </a:lnTo>
+                <a:lnTo>
+                  <a:pt x="3051" y="2406"/>
+                </a:lnTo>
+                <a:lnTo>
+                  <a:pt x="3025" y="2425"/>
+                </a:lnTo>
+                <a:lnTo>
+                  <a:pt x="3001" y="2444"/>
+                </a:lnTo>
+                <a:lnTo>
+                  <a:pt x="2978" y="2464"/>
+                </a:lnTo>
+                <a:lnTo>
+                  <a:pt x="2958" y="2487"/>
+                </a:lnTo>
+                <a:lnTo>
+                  <a:pt x="2940" y="2509"/>
+                </a:lnTo>
+                <a:lnTo>
+                  <a:pt x="2926" y="2534"/>
+                </a:lnTo>
+                <a:lnTo>
+                  <a:pt x="2914" y="2561"/>
+                </a:lnTo>
+                <a:lnTo>
+                  <a:pt x="2904" y="2590"/>
+                </a:lnTo>
+                <a:lnTo>
+                  <a:pt x="2895" y="2620"/>
+                </a:lnTo>
+                <a:lnTo>
+                  <a:pt x="2887" y="2650"/>
+                </a:lnTo>
+                <a:lnTo>
+                  <a:pt x="2879" y="2681"/>
+                </a:lnTo>
+                <a:lnTo>
+                  <a:pt x="2870" y="2710"/>
+                </a:lnTo>
+                <a:lnTo>
+                  <a:pt x="2860" y="2739"/>
+                </a:lnTo>
+                <a:lnTo>
+                  <a:pt x="2848" y="2766"/>
+                </a:lnTo>
+                <a:lnTo>
+                  <a:pt x="2833" y="2790"/>
+                </a:lnTo>
+                <a:lnTo>
+                  <a:pt x="2815" y="2812"/>
+                </a:lnTo>
+                <a:lnTo>
+                  <a:pt x="2793" y="2830"/>
+                </a:lnTo>
+                <a:lnTo>
+                  <a:pt x="2769" y="2845"/>
+                </a:lnTo>
+                <a:lnTo>
+                  <a:pt x="2742" y="2857"/>
+                </a:lnTo>
+                <a:lnTo>
+                  <a:pt x="2713" y="2867"/>
+                </a:lnTo>
+                <a:lnTo>
+                  <a:pt x="2684" y="2876"/>
+                </a:lnTo>
+                <a:lnTo>
+                  <a:pt x="2653" y="2884"/>
+                </a:lnTo>
+                <a:lnTo>
+                  <a:pt x="2623" y="2892"/>
+                </a:lnTo>
+                <a:lnTo>
+                  <a:pt x="2593" y="2901"/>
+                </a:lnTo>
+                <a:lnTo>
+                  <a:pt x="2564" y="2911"/>
+                </a:lnTo>
+                <a:lnTo>
+                  <a:pt x="2537" y="2923"/>
+                </a:lnTo>
+                <a:lnTo>
+                  <a:pt x="2512" y="2937"/>
+                </a:lnTo>
+                <a:lnTo>
+                  <a:pt x="2490" y="2955"/>
+                </a:lnTo>
+                <a:lnTo>
+                  <a:pt x="2467" y="2975"/>
+                </a:lnTo>
+                <a:lnTo>
+                  <a:pt x="2447" y="2998"/>
+                </a:lnTo>
+                <a:lnTo>
+                  <a:pt x="2428" y="3022"/>
+                </a:lnTo>
+                <a:lnTo>
+                  <a:pt x="2409" y="3047"/>
+                </a:lnTo>
+                <a:lnTo>
+                  <a:pt x="2390" y="3072"/>
+                </a:lnTo>
+                <a:lnTo>
+                  <a:pt x="2371" y="3096"/>
+                </a:lnTo>
+                <a:lnTo>
+                  <a:pt x="2350" y="3119"/>
+                </a:lnTo>
+                <a:lnTo>
+                  <a:pt x="2329" y="3139"/>
+                </a:lnTo>
+                <a:lnTo>
+                  <a:pt x="2305" y="3156"/>
+                </a:lnTo>
+                <a:lnTo>
+                  <a:pt x="2280" y="3169"/>
+                </a:lnTo>
+                <a:lnTo>
+                  <a:pt x="2250" y="3178"/>
+                </a:lnTo>
+                <a:lnTo>
+                  <a:pt x="2219" y="3182"/>
+                </a:lnTo>
+                <a:lnTo>
+                  <a:pt x="2187" y="3183"/>
+                </a:lnTo>
+                <a:lnTo>
+                  <a:pt x="2153" y="3180"/>
+                </a:lnTo>
+                <a:lnTo>
+                  <a:pt x="2119" y="3176"/>
+                </a:lnTo>
+                <a:lnTo>
+                  <a:pt x="2085" y="3171"/>
+                </a:lnTo>
+                <a:lnTo>
+                  <a:pt x="2051" y="3167"/>
+                </a:lnTo>
+                <a:lnTo>
+                  <a:pt x="2017" y="3165"/>
+                </a:lnTo>
+                <a:lnTo>
+                  <a:pt x="1984" y="3165"/>
+                </a:lnTo>
+                <a:lnTo>
+                  <a:pt x="1953" y="3169"/>
+                </a:lnTo>
+                <a:lnTo>
+                  <a:pt x="1921" y="3177"/>
+                </a:lnTo>
+                <a:lnTo>
+                  <a:pt x="1892" y="3189"/>
+                </a:lnTo>
+                <a:lnTo>
+                  <a:pt x="1862" y="3205"/>
+                </a:lnTo>
+                <a:lnTo>
+                  <a:pt x="1832" y="3221"/>
+                </a:lnTo>
+                <a:lnTo>
+                  <a:pt x="1802" y="3239"/>
+                </a:lnTo>
+                <a:lnTo>
+                  <a:pt x="1773" y="3256"/>
+                </a:lnTo>
+                <a:lnTo>
+                  <a:pt x="1742" y="3271"/>
+                </a:lnTo>
+                <a:lnTo>
+                  <a:pt x="1712" y="3283"/>
+                </a:lnTo>
+                <a:lnTo>
+                  <a:pt x="1681" y="3291"/>
+                </a:lnTo>
+                <a:lnTo>
+                  <a:pt x="1649" y="3294"/>
+                </a:lnTo>
+                <a:lnTo>
+                  <a:pt x="1617" y="3291"/>
+                </a:lnTo>
+                <a:lnTo>
+                  <a:pt x="1586" y="3283"/>
+                </a:lnTo>
+                <a:lnTo>
+                  <a:pt x="1556" y="3271"/>
+                </a:lnTo>
+                <a:lnTo>
+                  <a:pt x="1525" y="3256"/>
+                </a:lnTo>
+                <a:lnTo>
+                  <a:pt x="1496" y="3239"/>
+                </a:lnTo>
+                <a:lnTo>
+                  <a:pt x="1466" y="3221"/>
+                </a:lnTo>
+                <a:lnTo>
+                  <a:pt x="1436" y="3205"/>
+                </a:lnTo>
+                <a:lnTo>
+                  <a:pt x="1406" y="3189"/>
+                </a:lnTo>
+                <a:lnTo>
+                  <a:pt x="1376" y="3177"/>
+                </a:lnTo>
+                <a:lnTo>
+                  <a:pt x="1345" y="3169"/>
+                </a:lnTo>
+                <a:lnTo>
+                  <a:pt x="1314" y="3165"/>
+                </a:lnTo>
+                <a:lnTo>
+                  <a:pt x="1281" y="3165"/>
+                </a:lnTo>
+                <a:lnTo>
+                  <a:pt x="1247" y="3167"/>
+                </a:lnTo>
+                <a:lnTo>
+                  <a:pt x="1213" y="3171"/>
+                </a:lnTo>
+                <a:lnTo>
+                  <a:pt x="1179" y="3176"/>
+                </a:lnTo>
+                <a:lnTo>
+                  <a:pt x="1145" y="3180"/>
+                </a:lnTo>
+                <a:lnTo>
+                  <a:pt x="1111" y="3183"/>
+                </a:lnTo>
+                <a:lnTo>
+                  <a:pt x="1079" y="3182"/>
+                </a:lnTo>
+                <a:lnTo>
+                  <a:pt x="1048" y="3178"/>
+                </a:lnTo>
+                <a:lnTo>
+                  <a:pt x="1018" y="3169"/>
+                </a:lnTo>
+                <a:lnTo>
+                  <a:pt x="993" y="3156"/>
+                </a:lnTo>
+                <a:lnTo>
+                  <a:pt x="969" y="3139"/>
+                </a:lnTo>
+                <a:lnTo>
+                  <a:pt x="948" y="3119"/>
+                </a:lnTo>
+                <a:lnTo>
+                  <a:pt x="927" y="3096"/>
+                </a:lnTo>
+                <a:lnTo>
+                  <a:pt x="908" y="3072"/>
+                </a:lnTo>
+                <a:lnTo>
+                  <a:pt x="889" y="3047"/>
+                </a:lnTo>
+                <a:lnTo>
+                  <a:pt x="870" y="3022"/>
+                </a:lnTo>
+                <a:lnTo>
+                  <a:pt x="851" y="2998"/>
+                </a:lnTo>
+                <a:lnTo>
+                  <a:pt x="831" y="2975"/>
+                </a:lnTo>
+                <a:lnTo>
+                  <a:pt x="808" y="2955"/>
+                </a:lnTo>
+                <a:lnTo>
+                  <a:pt x="786" y="2937"/>
+                </a:lnTo>
+                <a:lnTo>
+                  <a:pt x="761" y="2923"/>
+                </a:lnTo>
+                <a:lnTo>
+                  <a:pt x="734" y="2911"/>
+                </a:lnTo>
+                <a:lnTo>
+                  <a:pt x="705" y="2901"/>
+                </a:lnTo>
+                <a:lnTo>
+                  <a:pt x="675" y="2892"/>
+                </a:lnTo>
+                <a:lnTo>
+                  <a:pt x="645" y="2884"/>
+                </a:lnTo>
+                <a:lnTo>
+                  <a:pt x="614" y="2876"/>
+                </a:lnTo>
+                <a:lnTo>
+                  <a:pt x="585" y="2867"/>
+                </a:lnTo>
+                <a:lnTo>
+                  <a:pt x="556" y="2857"/>
+                </a:lnTo>
+                <a:lnTo>
+                  <a:pt x="529" y="2845"/>
+                </a:lnTo>
+                <a:lnTo>
+                  <a:pt x="505" y="2830"/>
+                </a:lnTo>
+                <a:lnTo>
+                  <a:pt x="483" y="2812"/>
+                </a:lnTo>
+                <a:lnTo>
+                  <a:pt x="465" y="2790"/>
+                </a:lnTo>
+                <a:lnTo>
+                  <a:pt x="450" y="2766"/>
+                </a:lnTo>
+                <a:lnTo>
+                  <a:pt x="438" y="2739"/>
+                </a:lnTo>
+                <a:lnTo>
+                  <a:pt x="428" y="2710"/>
+                </a:lnTo>
+                <a:lnTo>
+                  <a:pt x="419" y="2681"/>
+                </a:lnTo>
+                <a:lnTo>
+                  <a:pt x="411" y="2650"/>
+                </a:lnTo>
+                <a:lnTo>
+                  <a:pt x="403" y="2620"/>
+                </a:lnTo>
+                <a:lnTo>
+                  <a:pt x="394" y="2590"/>
+                </a:lnTo>
+                <a:lnTo>
+                  <a:pt x="384" y="2561"/>
+                </a:lnTo>
+                <a:lnTo>
+                  <a:pt x="372" y="2534"/>
+                </a:lnTo>
+                <a:lnTo>
+                  <a:pt x="358" y="2509"/>
+                </a:lnTo>
+                <a:lnTo>
+                  <a:pt x="340" y="2487"/>
+                </a:lnTo>
+                <a:lnTo>
+                  <a:pt x="320" y="2464"/>
+                </a:lnTo>
+                <a:lnTo>
+                  <a:pt x="297" y="2444"/>
+                </a:lnTo>
+                <a:lnTo>
+                  <a:pt x="272" y="2425"/>
+                </a:lnTo>
+                <a:lnTo>
+                  <a:pt x="247" y="2406"/>
+                </a:lnTo>
+                <a:lnTo>
+                  <a:pt x="222" y="2387"/>
+                </a:lnTo>
+                <a:lnTo>
+                  <a:pt x="198" y="2368"/>
+                </a:lnTo>
+                <a:lnTo>
+                  <a:pt x="175" y="2347"/>
+                </a:lnTo>
+                <a:lnTo>
+                  <a:pt x="155" y="2326"/>
+                </a:lnTo>
+                <a:lnTo>
+                  <a:pt x="138" y="2302"/>
+                </a:lnTo>
+                <a:lnTo>
+                  <a:pt x="125" y="2277"/>
+                </a:lnTo>
+                <a:lnTo>
+                  <a:pt x="116" y="2247"/>
+                </a:lnTo>
+                <a:lnTo>
+                  <a:pt x="112" y="2216"/>
+                </a:lnTo>
+                <a:lnTo>
+                  <a:pt x="111" y="2184"/>
+                </a:lnTo>
+                <a:lnTo>
+                  <a:pt x="114" y="2150"/>
+                </a:lnTo>
+                <a:lnTo>
+                  <a:pt x="118" y="2116"/>
+                </a:lnTo>
+                <a:lnTo>
+                  <a:pt x="123" y="2082"/>
+                </a:lnTo>
+                <a:lnTo>
+                  <a:pt x="127" y="2048"/>
+                </a:lnTo>
+                <a:lnTo>
+                  <a:pt x="129" y="2014"/>
+                </a:lnTo>
+                <a:lnTo>
+                  <a:pt x="129" y="1981"/>
+                </a:lnTo>
+                <a:lnTo>
+                  <a:pt x="125" y="1950"/>
+                </a:lnTo>
+                <a:lnTo>
+                  <a:pt x="117" y="1919"/>
+                </a:lnTo>
+                <a:lnTo>
+                  <a:pt x="105" y="1890"/>
+                </a:lnTo>
+                <a:lnTo>
+                  <a:pt x="90" y="1860"/>
+                </a:lnTo>
+                <a:lnTo>
+                  <a:pt x="73" y="1830"/>
+                </a:lnTo>
+                <a:lnTo>
+                  <a:pt x="55" y="1800"/>
+                </a:lnTo>
+                <a:lnTo>
+                  <a:pt x="38" y="1771"/>
+                </a:lnTo>
+                <a:lnTo>
+                  <a:pt x="23" y="1740"/>
+                </a:lnTo>
+                <a:lnTo>
+                  <a:pt x="11" y="1710"/>
+                </a:lnTo>
+                <a:lnTo>
+                  <a:pt x="3" y="1679"/>
+                </a:lnTo>
+                <a:lnTo>
+                  <a:pt x="0" y="1647"/>
+                </a:lnTo>
+                <a:lnTo>
+                  <a:pt x="3" y="1615"/>
+                </a:lnTo>
+                <a:lnTo>
+                  <a:pt x="11" y="1584"/>
+                </a:lnTo>
+                <a:lnTo>
+                  <a:pt x="23" y="1554"/>
+                </a:lnTo>
+                <a:lnTo>
+                  <a:pt x="38" y="1523"/>
+                </a:lnTo>
+                <a:lnTo>
+                  <a:pt x="55" y="1494"/>
+                </a:lnTo>
+                <a:lnTo>
+                  <a:pt x="73" y="1464"/>
+                </a:lnTo>
+                <a:lnTo>
+                  <a:pt x="90" y="1434"/>
+                </a:lnTo>
+                <a:lnTo>
+                  <a:pt x="105" y="1404"/>
+                </a:lnTo>
+                <a:lnTo>
+                  <a:pt x="117" y="1375"/>
+                </a:lnTo>
+                <a:lnTo>
+                  <a:pt x="125" y="1344"/>
+                </a:lnTo>
+                <a:lnTo>
+                  <a:pt x="129" y="1313"/>
+                </a:lnTo>
+                <a:lnTo>
+                  <a:pt x="129" y="1280"/>
+                </a:lnTo>
+                <a:lnTo>
+                  <a:pt x="127" y="1246"/>
+                </a:lnTo>
+                <a:lnTo>
+                  <a:pt x="123" y="1212"/>
+                </a:lnTo>
+                <a:lnTo>
+                  <a:pt x="118" y="1178"/>
+                </a:lnTo>
+                <a:lnTo>
+                  <a:pt x="114" y="1144"/>
+                </a:lnTo>
+                <a:lnTo>
+                  <a:pt x="111" y="1110"/>
+                </a:lnTo>
+                <a:lnTo>
+                  <a:pt x="112" y="1078"/>
+                </a:lnTo>
+                <a:lnTo>
+                  <a:pt x="116" y="1047"/>
+                </a:lnTo>
+                <a:lnTo>
+                  <a:pt x="125" y="1017"/>
+                </a:lnTo>
+                <a:lnTo>
+                  <a:pt x="138" y="992"/>
+                </a:lnTo>
+                <a:lnTo>
+                  <a:pt x="155" y="968"/>
+                </a:lnTo>
+                <a:lnTo>
+                  <a:pt x="175" y="947"/>
+                </a:lnTo>
+                <a:lnTo>
+                  <a:pt x="198" y="926"/>
+                </a:lnTo>
+                <a:lnTo>
+                  <a:pt x="222" y="907"/>
+                </a:lnTo>
+                <a:lnTo>
+                  <a:pt x="247" y="888"/>
+                </a:lnTo>
+                <a:lnTo>
+                  <a:pt x="272" y="869"/>
+                </a:lnTo>
+                <a:lnTo>
+                  <a:pt x="297" y="850"/>
+                </a:lnTo>
+                <a:lnTo>
+                  <a:pt x="320" y="830"/>
+                </a:lnTo>
+                <a:lnTo>
+                  <a:pt x="340" y="807"/>
+                </a:lnTo>
+                <a:lnTo>
+                  <a:pt x="358" y="785"/>
+                </a:lnTo>
+                <a:lnTo>
+                  <a:pt x="372" y="760"/>
+                </a:lnTo>
+                <a:lnTo>
+                  <a:pt x="384" y="733"/>
+                </a:lnTo>
+                <a:lnTo>
+                  <a:pt x="394" y="704"/>
+                </a:lnTo>
+                <a:lnTo>
+                  <a:pt x="403" y="674"/>
+                </a:lnTo>
+                <a:lnTo>
+                  <a:pt x="411" y="644"/>
+                </a:lnTo>
+                <a:lnTo>
+                  <a:pt x="419" y="613"/>
+                </a:lnTo>
+                <a:lnTo>
+                  <a:pt x="428" y="584"/>
+                </a:lnTo>
+                <a:lnTo>
+                  <a:pt x="438" y="555"/>
+                </a:lnTo>
+                <a:lnTo>
+                  <a:pt x="450" y="528"/>
+                </a:lnTo>
+                <a:lnTo>
+                  <a:pt x="465" y="504"/>
+                </a:lnTo>
+                <a:lnTo>
+                  <a:pt x="483" y="482"/>
+                </a:lnTo>
+                <a:lnTo>
+                  <a:pt x="505" y="464"/>
+                </a:lnTo>
+                <a:lnTo>
+                  <a:pt x="529" y="449"/>
+                </a:lnTo>
+                <a:lnTo>
+                  <a:pt x="556" y="437"/>
+                </a:lnTo>
+                <a:lnTo>
+                  <a:pt x="585" y="427"/>
+                </a:lnTo>
+                <a:lnTo>
+                  <a:pt x="614" y="418"/>
+                </a:lnTo>
+                <a:lnTo>
+                  <a:pt x="645" y="410"/>
+                </a:lnTo>
+                <a:lnTo>
+                  <a:pt x="675" y="402"/>
+                </a:lnTo>
+                <a:lnTo>
+                  <a:pt x="705" y="393"/>
+                </a:lnTo>
+                <a:lnTo>
+                  <a:pt x="734" y="383"/>
+                </a:lnTo>
+                <a:lnTo>
+                  <a:pt x="761" y="371"/>
+                </a:lnTo>
+                <a:lnTo>
+                  <a:pt x="786" y="357"/>
+                </a:lnTo>
+                <a:lnTo>
+                  <a:pt x="808" y="339"/>
+                </a:lnTo>
+                <a:lnTo>
+                  <a:pt x="831" y="319"/>
+                </a:lnTo>
+                <a:lnTo>
+                  <a:pt x="851" y="296"/>
+                </a:lnTo>
+                <a:lnTo>
+                  <a:pt x="870" y="272"/>
+                </a:lnTo>
+                <a:lnTo>
+                  <a:pt x="889" y="247"/>
+                </a:lnTo>
+                <a:lnTo>
+                  <a:pt x="908" y="222"/>
+                </a:lnTo>
+                <a:lnTo>
+                  <a:pt x="927" y="198"/>
+                </a:lnTo>
+                <a:lnTo>
+                  <a:pt x="948" y="175"/>
+                </a:lnTo>
+                <a:lnTo>
+                  <a:pt x="969" y="155"/>
+                </a:lnTo>
+                <a:lnTo>
+                  <a:pt x="993" y="138"/>
+                </a:lnTo>
+                <a:lnTo>
+                  <a:pt x="1018" y="125"/>
+                </a:lnTo>
+                <a:lnTo>
+                  <a:pt x="1048" y="116"/>
+                </a:lnTo>
+                <a:lnTo>
+                  <a:pt x="1079" y="112"/>
+                </a:lnTo>
+                <a:lnTo>
+                  <a:pt x="1111" y="111"/>
+                </a:lnTo>
+                <a:lnTo>
+                  <a:pt x="1145" y="114"/>
+                </a:lnTo>
+                <a:lnTo>
+                  <a:pt x="1179" y="118"/>
+                </a:lnTo>
+                <a:lnTo>
+                  <a:pt x="1213" y="123"/>
+                </a:lnTo>
+                <a:lnTo>
+                  <a:pt x="1247" y="127"/>
+                </a:lnTo>
+                <a:lnTo>
+                  <a:pt x="1281" y="129"/>
+                </a:lnTo>
+                <a:lnTo>
+                  <a:pt x="1314" y="129"/>
+                </a:lnTo>
+                <a:lnTo>
+                  <a:pt x="1345" y="125"/>
+                </a:lnTo>
+                <a:lnTo>
+                  <a:pt x="1376" y="117"/>
+                </a:lnTo>
+                <a:lnTo>
+                  <a:pt x="1406" y="105"/>
+                </a:lnTo>
+                <a:lnTo>
+                  <a:pt x="1436" y="89"/>
+                </a:lnTo>
+                <a:lnTo>
+                  <a:pt x="1466" y="73"/>
+                </a:lnTo>
+                <a:lnTo>
+                  <a:pt x="1496" y="55"/>
+                </a:lnTo>
+                <a:lnTo>
+                  <a:pt x="1525" y="38"/>
+                </a:lnTo>
+                <a:lnTo>
+                  <a:pt x="1556" y="23"/>
+                </a:lnTo>
+                <a:lnTo>
+                  <a:pt x="1586" y="11"/>
+                </a:lnTo>
+                <a:lnTo>
+                  <a:pt x="1617" y="3"/>
+                </a:lnTo>
+                <a:lnTo>
+                  <a:pt x="1649" y="0"/>
+                </a:lnTo>
+                <a:close/>
+              </a:path>
+            </a:pathLst>
+          </a:custGeom>
+          <a:solidFill>
+            <a:schemeClr val="bg2"/>
+          </a:solidFill>
+          <a:ln w="0">
+            <a:noFill/>
+            <a:prstDash val="solid"/>
+            <a:round/>
+            <a:headEnd/>
+            <a:tailEnd/>
+          </a:ln>
+        </p:spPr>
+      </p:sp>
+      <p:sp>
+        <p:nvSpPr>
+          <p:cNvPr id="23" name="Rectangle 22">
+            <a:extLst>
+              <a:ext uri="{FF2B5EF4-FFF2-40B4-BE49-F238E27FC236}">
+                <a16:creationId xmlns:a16="http://schemas.microsoft.com/office/drawing/2014/main" id="{2B146248-6675-4D3A-B34A-7363E28C91FE}"/>
+              </a:ext>
+              <a:ext uri="{C183D7F6-B498-43B3-948B-1728B52AA6E4}">
+                <adec:decorative xmlns:adec="http://schemas.microsoft.com/office/drawing/2017/decorative" val="1"/>
+              </a:ext>
+            </a:extLst>
+          </p:cNvPr>
+          <p:cNvSpPr>
+            <a:spLocks noGrp="1" noRot="1" noChangeAspect="1" noMove="1" noResize="1" noEditPoints="1" noAdjustHandles="1" noChangeArrowheads="1" noChangeShapeType="1" noTextEdit="1"/>
+          </p:cNvSpPr>
+          <p:nvPr>
+            <p:extLst>
+              <p:ext uri="{386F3935-93C4-4BCD-93E2-E3B085C9AB24}">
+                <p16:designElem xmlns:p16="http://schemas.microsoft.com/office/powerpoint/2015/main" val="1"/>
+              </p:ext>
+            </p:extLst>
+          </p:nvPr>
+        </p:nvSpPr>
+        <p:spPr>
+          <a:xfrm>
+            <a:off x="0" y="0"/>
+            <a:ext cx="283464" cy="6858000"/>
+          </a:xfrm>
+          <a:prstGeom prst="rect">
+            <a:avLst/>
+          </a:prstGeom>
+          <a:solidFill>
+            <a:schemeClr val="tx2"/>
+          </a:solidFill>
+          <a:ln>
+            <a:noFill/>
+          </a:ln>
+        </p:spPr>
+        <p:style>
+          <a:lnRef idx="2">
+            <a:schemeClr val="accent1">
+              <a:shade val="50000"/>
+            </a:schemeClr>
+          </a:lnRef>
+          <a:fillRef idx="1">
+            <a:schemeClr val="accent1"/>
+          </a:fillRef>
+          <a:effectRef idx="0">
+            <a:schemeClr val="accent1"/>
+          </a:effectRef>
+          <a:fontRef idx="minor">
+            <a:schemeClr val="lt1"/>
+          </a:fontRef>
+        </p:style>
+      </p:sp>
+      <p:sp useBgFill="1">
+        <p:nvSpPr>
+          <p:cNvPr id="25" name="Rectangle 24">
+            <a:extLst>
+              <a:ext uri="{FF2B5EF4-FFF2-40B4-BE49-F238E27FC236}">
+                <a16:creationId xmlns:a16="http://schemas.microsoft.com/office/drawing/2014/main" id="{8E52EA45-4231-40F0-A5F9-509764441E61}"/>
+              </a:ext>
+              <a:ext uri="{C183D7F6-B498-43B3-948B-1728B52AA6E4}">
+                <adec:decorative xmlns:adec="http://schemas.microsoft.com/office/drawing/2017/decorative" val="1"/>
+              </a:ext>
+            </a:extLst>
+          </p:cNvPr>
+          <p:cNvSpPr>
+            <a:spLocks noGrp="1" noRot="1" noChangeAspect="1" noMove="1" noResize="1" noEditPoints="1" noAdjustHandles="1" noChangeArrowheads="1" noChangeShapeType="1" noTextEdit="1"/>
+          </p:cNvSpPr>
+          <p:nvPr>
+            <p:extLst>
+              <p:ext uri="{386F3935-93C4-4BCD-93E2-E3B085C9AB24}">
+                <p16:designElem xmlns:p16="http://schemas.microsoft.com/office/powerpoint/2015/main" val="1"/>
+              </p:ext>
+            </p:extLst>
+          </p:nvPr>
+        </p:nvSpPr>
+        <p:spPr bwMode="white">
+          <a:xfrm>
+            <a:off x="0" y="0"/>
+            <a:ext cx="12192000" cy="6858000"/>
+          </a:xfrm>
+          <a:prstGeom prst="rect">
+            <a:avLst/>
+          </a:prstGeom>
+          <a:ln>
+            <a:noFill/>
+          </a:ln>
+        </p:spPr>
+        <p:style>
+          <a:lnRef idx="2">
+            <a:schemeClr val="accent1">
+              <a:shade val="50000"/>
+            </a:schemeClr>
+          </a:lnRef>
+          <a:fillRef idx="1">
+            <a:schemeClr val="accent1"/>
+          </a:fillRef>
+          <a:effectRef idx="0">
+            <a:schemeClr val="accent1"/>
+          </a:effectRef>
+          <a:fontRef idx="minor">
+            <a:schemeClr val="lt1"/>
+          </a:fontRef>
+        </p:style>
+        <p:txBody>
+          <a:bodyPr rot="0" spcFirstLastPara="0" vert="horz" wrap="square" lIns="91440" tIns="45720" rIns="91440" bIns="45720" numCol="1" spcCol="0" rtlCol="0" fromWordArt="0" anchor="ctr" anchorCtr="0" forceAA="0" compatLnSpc="1">
+            <a:prstTxWarp prst="textNoShape">
+              <a:avLst/>
+            </a:prstTxWarp>
+            <a:noAutofit/>
+          </a:bodyPr>
+          <a:lstStyle>
+            <a:defPPr>
+              <a:defRPr lang="en-US"/>
+            </a:defPPr>
+            <a:lvl1pPr marL="0" algn="l" defTabSz="914400" rtl="0" eaLnBrk="1" latinLnBrk="0" hangingPunct="1">
+              <a:defRPr sz="1800" kern="1200">
+                <a:solidFill>
+                  <a:schemeClr val="lt1"/>
+                </a:solidFill>
+                <a:latin typeface="+mn-lt"/>
+                <a:ea typeface="+mn-ea"/>
+                <a:cs typeface="+mn-cs"/>
+              </a:defRPr>
+            </a:lvl1pPr>
+            <a:lvl2pPr marL="457200" algn="l" defTabSz="914400" rtl="0" eaLnBrk="1" latinLnBrk="0" hangingPunct="1">
+              <a:defRPr sz="1800" kern="1200">
+                <a:solidFill>
+                  <a:schemeClr val="lt1"/>
+                </a:solidFill>
+                <a:latin typeface="+mn-lt"/>
+                <a:ea typeface="+mn-ea"/>
+                <a:cs typeface="+mn-cs"/>
+              </a:defRPr>
+            </a:lvl2pPr>
+            <a:lvl3pPr marL="914400" algn="l" defTabSz="914400" rtl="0" eaLnBrk="1" latinLnBrk="0" hangingPunct="1">
+              <a:defRPr sz="1800" kern="1200">
+                <a:solidFill>
+                  <a:schemeClr val="lt1"/>
+                </a:solidFill>
+                <a:latin typeface="+mn-lt"/>
+                <a:ea typeface="+mn-ea"/>
+                <a:cs typeface="+mn-cs"/>
+              </a:defRPr>
+            </a:lvl3pPr>
+            <a:lvl4pPr marL="1371600" algn="l" defTabSz="914400" rtl="0" eaLnBrk="1" latinLnBrk="0" hangingPunct="1">
+              <a:defRPr sz="1800" kern="1200">
+                <a:solidFill>
+                  <a:schemeClr val="lt1"/>
+                </a:solidFill>
+                <a:latin typeface="+mn-lt"/>
+                <a:ea typeface="+mn-ea"/>
+                <a:cs typeface="+mn-cs"/>
+              </a:defRPr>
+            </a:lvl4pPr>
+            <a:lvl5pPr marL="1828800" algn="l" defTabSz="914400" rtl="0" eaLnBrk="1" latinLnBrk="0" hangingPunct="1">
+              <a:defRPr sz="1800" kern="1200">
+                <a:solidFill>
+                  <a:schemeClr val="lt1"/>
+                </a:solidFill>
+                <a:latin typeface="+mn-lt"/>
+                <a:ea typeface="+mn-ea"/>
+                <a:cs typeface="+mn-cs"/>
+              </a:defRPr>
+            </a:lvl5pPr>
+            <a:lvl6pPr marL="2286000" algn="l" defTabSz="914400" rtl="0" eaLnBrk="1" latinLnBrk="0" hangingPunct="1">
+              <a:defRPr sz="1800" kern="1200">
+                <a:solidFill>
+                  <a:schemeClr val="lt1"/>
+                </a:solidFill>
+                <a:latin typeface="+mn-lt"/>
+                <a:ea typeface="+mn-ea"/>
+                <a:cs typeface="+mn-cs"/>
+              </a:defRPr>
+            </a:lvl6pPr>
+            <a:lvl7pPr marL="2743200" algn="l" defTabSz="914400" rtl="0" eaLnBrk="1" latinLnBrk="0" hangingPunct="1">
+              <a:defRPr sz="1800" kern="1200">
+                <a:solidFill>
+                  <a:schemeClr val="lt1"/>
+                </a:solidFill>
+                <a:latin typeface="+mn-lt"/>
+                <a:ea typeface="+mn-ea"/>
+                <a:cs typeface="+mn-cs"/>
+              </a:defRPr>
+            </a:lvl7pPr>
+            <a:lvl8pPr marL="3200400" algn="l" defTabSz="914400" rtl="0" eaLnBrk="1" latinLnBrk="0" hangingPunct="1">
+              <a:defRPr sz="1800" kern="1200">
+                <a:solidFill>
+                  <a:schemeClr val="lt1"/>
+                </a:solidFill>
+                <a:latin typeface="+mn-lt"/>
+                <a:ea typeface="+mn-ea"/>
+                <a:cs typeface="+mn-cs"/>
+              </a:defRPr>
+            </a:lvl8pPr>
+            <a:lvl9pPr marL="3657600" algn="l" defTabSz="914400" rtl="0" eaLnBrk="1" latinLnBrk="0" hangingPunct="1">
+              <a:defRPr sz="1800" kern="1200">
+                <a:solidFill>
+                  <a:schemeClr val="lt1"/>
+                </a:solidFill>
+                <a:latin typeface="+mn-lt"/>
+                <a:ea typeface="+mn-ea"/>
+                <a:cs typeface="+mn-cs"/>
+              </a:defRPr>
+            </a:lvl9pPr>
+          </a:lstStyle>
+          <a:p>
+            <a:pPr algn="ctr"/>
+            <a:endParaRPr lang="en-US"/>
+          </a:p>
+        </p:txBody>
+      </p:sp>
+      <p:sp>
+        <p:nvSpPr>
+          <p:cNvPr id="27" name="Freeform 22">
+            <a:extLst>
+              <a:ext uri="{FF2B5EF4-FFF2-40B4-BE49-F238E27FC236}">
+                <a16:creationId xmlns:a16="http://schemas.microsoft.com/office/drawing/2014/main" id="{E26580E3-C3E7-4C81-9BC7-D725DBB7436E}"/>
+              </a:ext>
+              <a:ext uri="{C183D7F6-B498-43B3-948B-1728B52AA6E4}">
+                <adec:decorative xmlns:adec="http://schemas.microsoft.com/office/drawing/2017/decorative" val="1"/>
+              </a:ext>
+            </a:extLst>
+          </p:cNvPr>
+          <p:cNvSpPr>
+            <a:spLocks noGrp="1" noRot="1" noChangeAspect="1" noMove="1" noResize="1" noEditPoints="1" noAdjustHandles="1" noChangeArrowheads="1" noChangeShapeType="1" noTextEdit="1"/>
+          </p:cNvSpPr>
+          <p:nvPr>
+            <p:extLst>
+              <p:ext uri="{386F3935-93C4-4BCD-93E2-E3B085C9AB24}">
+                <p16:designElem xmlns:p16="http://schemas.microsoft.com/office/powerpoint/2015/main" val="1"/>
+              </p:ext>
+            </p:extLst>
+          </p:nvPr>
+        </p:nvSpPr>
+        <p:spPr bwMode="ltGray">
+          <a:xfrm>
+            <a:off x="1" y="0"/>
+            <a:ext cx="4695443" cy="6858000"/>
+          </a:xfrm>
+          <a:custGeom>
+            <a:avLst/>
+            <a:gdLst>
+              <a:gd name="connsiteX0" fmla="*/ 0 w 4992864"/>
+              <a:gd name="connsiteY0" fmla="*/ 0 h 6858000"/>
+              <a:gd name="connsiteX1" fmla="*/ 4813476 w 4992864"/>
+              <a:gd name="connsiteY1" fmla="*/ 0 h 6858000"/>
+              <a:gd name="connsiteX2" fmla="*/ 4818239 w 4992864"/>
+              <a:gd name="connsiteY2" fmla="*/ 66675 h 6858000"/>
+              <a:gd name="connsiteX3" fmla="*/ 4826176 w 4992864"/>
+              <a:gd name="connsiteY3" fmla="*/ 122237 h 6858000"/>
+              <a:gd name="connsiteX4" fmla="*/ 4835701 w 4992864"/>
+              <a:gd name="connsiteY4" fmla="*/ 174625 h 6858000"/>
+              <a:gd name="connsiteX5" fmla="*/ 4851576 w 4992864"/>
+              <a:gd name="connsiteY5" fmla="*/ 217487 h 6858000"/>
+              <a:gd name="connsiteX6" fmla="*/ 4867451 w 4992864"/>
+              <a:gd name="connsiteY6" fmla="*/ 260350 h 6858000"/>
+              <a:gd name="connsiteX7" fmla="*/ 4886501 w 4992864"/>
+              <a:gd name="connsiteY7" fmla="*/ 296862 h 6858000"/>
+              <a:gd name="connsiteX8" fmla="*/ 4905551 w 4992864"/>
+              <a:gd name="connsiteY8" fmla="*/ 334962 h 6858000"/>
+              <a:gd name="connsiteX9" fmla="*/ 4923014 w 4992864"/>
+              <a:gd name="connsiteY9" fmla="*/ 369887 h 6858000"/>
+              <a:gd name="connsiteX10" fmla="*/ 4940476 w 4992864"/>
+              <a:gd name="connsiteY10" fmla="*/ 409575 h 6858000"/>
+              <a:gd name="connsiteX11" fmla="*/ 4956351 w 4992864"/>
+              <a:gd name="connsiteY11" fmla="*/ 450850 h 6858000"/>
+              <a:gd name="connsiteX12" fmla="*/ 4970639 w 4992864"/>
+              <a:gd name="connsiteY12" fmla="*/ 496887 h 6858000"/>
+              <a:gd name="connsiteX13" fmla="*/ 4981751 w 4992864"/>
+              <a:gd name="connsiteY13" fmla="*/ 546100 h 6858000"/>
+              <a:gd name="connsiteX14" fmla="*/ 4989689 w 4992864"/>
+              <a:gd name="connsiteY14" fmla="*/ 606425 h 6858000"/>
+              <a:gd name="connsiteX15" fmla="*/ 4992864 w 4992864"/>
+              <a:gd name="connsiteY15" fmla="*/ 673100 h 6858000"/>
+              <a:gd name="connsiteX16" fmla="*/ 4989689 w 4992864"/>
+              <a:gd name="connsiteY16" fmla="*/ 744537 h 6858000"/>
+              <a:gd name="connsiteX17" fmla="*/ 4981751 w 4992864"/>
+              <a:gd name="connsiteY17" fmla="*/ 801687 h 6858000"/>
+              <a:gd name="connsiteX18" fmla="*/ 4970639 w 4992864"/>
+              <a:gd name="connsiteY18" fmla="*/ 854075 h 6858000"/>
+              <a:gd name="connsiteX19" fmla="*/ 4956351 w 4992864"/>
+              <a:gd name="connsiteY19" fmla="*/ 901700 h 6858000"/>
+              <a:gd name="connsiteX20" fmla="*/ 4940476 w 4992864"/>
+              <a:gd name="connsiteY20" fmla="*/ 942975 h 6858000"/>
+              <a:gd name="connsiteX21" fmla="*/ 4921426 w 4992864"/>
+              <a:gd name="connsiteY21" fmla="*/ 981075 h 6858000"/>
+              <a:gd name="connsiteX22" fmla="*/ 4902376 w 4992864"/>
+              <a:gd name="connsiteY22" fmla="*/ 1017587 h 6858000"/>
+              <a:gd name="connsiteX23" fmla="*/ 4883326 w 4992864"/>
+              <a:gd name="connsiteY23" fmla="*/ 1055687 h 6858000"/>
+              <a:gd name="connsiteX24" fmla="*/ 4865864 w 4992864"/>
+              <a:gd name="connsiteY24" fmla="*/ 1095375 h 6858000"/>
+              <a:gd name="connsiteX25" fmla="*/ 4848401 w 4992864"/>
+              <a:gd name="connsiteY25" fmla="*/ 1136650 h 6858000"/>
+              <a:gd name="connsiteX26" fmla="*/ 4834114 w 4992864"/>
+              <a:gd name="connsiteY26" fmla="*/ 1182687 h 6858000"/>
+              <a:gd name="connsiteX27" fmla="*/ 4824589 w 4992864"/>
+              <a:gd name="connsiteY27" fmla="*/ 1235075 h 6858000"/>
+              <a:gd name="connsiteX28" fmla="*/ 4815064 w 4992864"/>
+              <a:gd name="connsiteY28" fmla="*/ 1295400 h 6858000"/>
+              <a:gd name="connsiteX29" fmla="*/ 4813476 w 4992864"/>
+              <a:gd name="connsiteY29" fmla="*/ 1363662 h 6858000"/>
+              <a:gd name="connsiteX30" fmla="*/ 4815064 w 4992864"/>
+              <a:gd name="connsiteY30" fmla="*/ 1431925 h 6858000"/>
+              <a:gd name="connsiteX31" fmla="*/ 4824589 w 4992864"/>
+              <a:gd name="connsiteY31" fmla="*/ 1492250 h 6858000"/>
+              <a:gd name="connsiteX32" fmla="*/ 4834114 w 4992864"/>
+              <a:gd name="connsiteY32" fmla="*/ 1544637 h 6858000"/>
+              <a:gd name="connsiteX33" fmla="*/ 4848401 w 4992864"/>
+              <a:gd name="connsiteY33" fmla="*/ 1589087 h 6858000"/>
+              <a:gd name="connsiteX34" fmla="*/ 4865864 w 4992864"/>
+              <a:gd name="connsiteY34" fmla="*/ 1631950 h 6858000"/>
+              <a:gd name="connsiteX35" fmla="*/ 4883326 w 4992864"/>
+              <a:gd name="connsiteY35" fmla="*/ 1671637 h 6858000"/>
+              <a:gd name="connsiteX36" fmla="*/ 4902376 w 4992864"/>
+              <a:gd name="connsiteY36" fmla="*/ 1708150 h 6858000"/>
+              <a:gd name="connsiteX37" fmla="*/ 4921426 w 4992864"/>
+              <a:gd name="connsiteY37" fmla="*/ 1743075 h 6858000"/>
+              <a:gd name="connsiteX38" fmla="*/ 4940476 w 4992864"/>
+              <a:gd name="connsiteY38" fmla="*/ 1782762 h 6858000"/>
+              <a:gd name="connsiteX39" fmla="*/ 4956351 w 4992864"/>
+              <a:gd name="connsiteY39" fmla="*/ 1824037 h 6858000"/>
+              <a:gd name="connsiteX40" fmla="*/ 4970639 w 4992864"/>
+              <a:gd name="connsiteY40" fmla="*/ 1870075 h 6858000"/>
+              <a:gd name="connsiteX41" fmla="*/ 4981751 w 4992864"/>
+              <a:gd name="connsiteY41" fmla="*/ 1922462 h 6858000"/>
+              <a:gd name="connsiteX42" fmla="*/ 4989689 w 4992864"/>
+              <a:gd name="connsiteY42" fmla="*/ 1982787 h 6858000"/>
+              <a:gd name="connsiteX43" fmla="*/ 4992864 w 4992864"/>
+              <a:gd name="connsiteY43" fmla="*/ 2051050 h 6858000"/>
+              <a:gd name="connsiteX44" fmla="*/ 4989689 w 4992864"/>
+              <a:gd name="connsiteY44" fmla="*/ 2119312 h 6858000"/>
+              <a:gd name="connsiteX45" fmla="*/ 4981751 w 4992864"/>
+              <a:gd name="connsiteY45" fmla="*/ 2179637 h 6858000"/>
+              <a:gd name="connsiteX46" fmla="*/ 4970639 w 4992864"/>
+              <a:gd name="connsiteY46" fmla="*/ 2232025 h 6858000"/>
+              <a:gd name="connsiteX47" fmla="*/ 4956351 w 4992864"/>
+              <a:gd name="connsiteY47" fmla="*/ 2278062 h 6858000"/>
+              <a:gd name="connsiteX48" fmla="*/ 4940476 w 4992864"/>
+              <a:gd name="connsiteY48" fmla="*/ 2319337 h 6858000"/>
+              <a:gd name="connsiteX49" fmla="*/ 4921426 w 4992864"/>
+              <a:gd name="connsiteY49" fmla="*/ 2359025 h 6858000"/>
+              <a:gd name="connsiteX50" fmla="*/ 4902376 w 4992864"/>
+              <a:gd name="connsiteY50" fmla="*/ 2395537 h 6858000"/>
+              <a:gd name="connsiteX51" fmla="*/ 4883326 w 4992864"/>
+              <a:gd name="connsiteY51" fmla="*/ 2433637 h 6858000"/>
+              <a:gd name="connsiteX52" fmla="*/ 4865864 w 4992864"/>
+              <a:gd name="connsiteY52" fmla="*/ 2471737 h 6858000"/>
+              <a:gd name="connsiteX53" fmla="*/ 4848401 w 4992864"/>
+              <a:gd name="connsiteY53" fmla="*/ 2513012 h 6858000"/>
+              <a:gd name="connsiteX54" fmla="*/ 4834114 w 4992864"/>
+              <a:gd name="connsiteY54" fmla="*/ 2560637 h 6858000"/>
+              <a:gd name="connsiteX55" fmla="*/ 4824589 w 4992864"/>
+              <a:gd name="connsiteY55" fmla="*/ 2613025 h 6858000"/>
+              <a:gd name="connsiteX56" fmla="*/ 4815064 w 4992864"/>
+              <a:gd name="connsiteY56" fmla="*/ 2671762 h 6858000"/>
+              <a:gd name="connsiteX57" fmla="*/ 4813476 w 4992864"/>
+              <a:gd name="connsiteY57" fmla="*/ 2741612 h 6858000"/>
+              <a:gd name="connsiteX58" fmla="*/ 4815064 w 4992864"/>
+              <a:gd name="connsiteY58" fmla="*/ 2809875 h 6858000"/>
+              <a:gd name="connsiteX59" fmla="*/ 4824589 w 4992864"/>
+              <a:gd name="connsiteY59" fmla="*/ 2868612 h 6858000"/>
+              <a:gd name="connsiteX60" fmla="*/ 4834114 w 4992864"/>
+              <a:gd name="connsiteY60" fmla="*/ 2922587 h 6858000"/>
+              <a:gd name="connsiteX61" fmla="*/ 4848401 w 4992864"/>
+              <a:gd name="connsiteY61" fmla="*/ 2967037 h 6858000"/>
+              <a:gd name="connsiteX62" fmla="*/ 4865864 w 4992864"/>
+              <a:gd name="connsiteY62" fmla="*/ 3009900 h 6858000"/>
+              <a:gd name="connsiteX63" fmla="*/ 4883326 w 4992864"/>
+              <a:gd name="connsiteY63" fmla="*/ 3046412 h 6858000"/>
+              <a:gd name="connsiteX64" fmla="*/ 4902376 w 4992864"/>
+              <a:gd name="connsiteY64" fmla="*/ 3084512 h 6858000"/>
+              <a:gd name="connsiteX65" fmla="*/ 4921426 w 4992864"/>
+              <a:gd name="connsiteY65" fmla="*/ 3121025 h 6858000"/>
+              <a:gd name="connsiteX66" fmla="*/ 4940476 w 4992864"/>
+              <a:gd name="connsiteY66" fmla="*/ 3160712 h 6858000"/>
+              <a:gd name="connsiteX67" fmla="*/ 4956351 w 4992864"/>
+              <a:gd name="connsiteY67" fmla="*/ 3201987 h 6858000"/>
+              <a:gd name="connsiteX68" fmla="*/ 4970639 w 4992864"/>
+              <a:gd name="connsiteY68" fmla="*/ 3248025 h 6858000"/>
+              <a:gd name="connsiteX69" fmla="*/ 4981751 w 4992864"/>
+              <a:gd name="connsiteY69" fmla="*/ 3300412 h 6858000"/>
+              <a:gd name="connsiteX70" fmla="*/ 4989689 w 4992864"/>
+              <a:gd name="connsiteY70" fmla="*/ 3360737 h 6858000"/>
+              <a:gd name="connsiteX71" fmla="*/ 4992864 w 4992864"/>
+              <a:gd name="connsiteY71" fmla="*/ 3427412 h 6858000"/>
+              <a:gd name="connsiteX72" fmla="*/ 4989689 w 4992864"/>
+              <a:gd name="connsiteY72" fmla="*/ 3497262 h 6858000"/>
+              <a:gd name="connsiteX73" fmla="*/ 4981751 w 4992864"/>
+              <a:gd name="connsiteY73" fmla="*/ 3557587 h 6858000"/>
+              <a:gd name="connsiteX74" fmla="*/ 4970639 w 4992864"/>
+              <a:gd name="connsiteY74" fmla="*/ 3609975 h 6858000"/>
+              <a:gd name="connsiteX75" fmla="*/ 4956351 w 4992864"/>
+              <a:gd name="connsiteY75" fmla="*/ 3656012 h 6858000"/>
+              <a:gd name="connsiteX76" fmla="*/ 4940476 w 4992864"/>
+              <a:gd name="connsiteY76" fmla="*/ 3697287 h 6858000"/>
+              <a:gd name="connsiteX77" fmla="*/ 4921426 w 4992864"/>
+              <a:gd name="connsiteY77" fmla="*/ 3736975 h 6858000"/>
+              <a:gd name="connsiteX78" fmla="*/ 4883326 w 4992864"/>
+              <a:gd name="connsiteY78" fmla="*/ 3811587 h 6858000"/>
+              <a:gd name="connsiteX79" fmla="*/ 4865864 w 4992864"/>
+              <a:gd name="connsiteY79" fmla="*/ 3848100 h 6858000"/>
+              <a:gd name="connsiteX80" fmla="*/ 4848401 w 4992864"/>
+              <a:gd name="connsiteY80" fmla="*/ 3890962 h 6858000"/>
+              <a:gd name="connsiteX81" fmla="*/ 4834114 w 4992864"/>
+              <a:gd name="connsiteY81" fmla="*/ 3935412 h 6858000"/>
+              <a:gd name="connsiteX82" fmla="*/ 4824589 w 4992864"/>
+              <a:gd name="connsiteY82" fmla="*/ 3987800 h 6858000"/>
+              <a:gd name="connsiteX83" fmla="*/ 4815064 w 4992864"/>
+              <a:gd name="connsiteY83" fmla="*/ 4048125 h 6858000"/>
+              <a:gd name="connsiteX84" fmla="*/ 4813476 w 4992864"/>
+              <a:gd name="connsiteY84" fmla="*/ 4116387 h 6858000"/>
+              <a:gd name="connsiteX85" fmla="*/ 4815064 w 4992864"/>
+              <a:gd name="connsiteY85" fmla="*/ 4186237 h 6858000"/>
+              <a:gd name="connsiteX86" fmla="*/ 4824589 w 4992864"/>
+              <a:gd name="connsiteY86" fmla="*/ 4244975 h 6858000"/>
+              <a:gd name="connsiteX87" fmla="*/ 4834114 w 4992864"/>
+              <a:gd name="connsiteY87" fmla="*/ 4297362 h 6858000"/>
+              <a:gd name="connsiteX88" fmla="*/ 4848401 w 4992864"/>
+              <a:gd name="connsiteY88" fmla="*/ 4343400 h 6858000"/>
+              <a:gd name="connsiteX89" fmla="*/ 4865864 w 4992864"/>
+              <a:gd name="connsiteY89" fmla="*/ 4386262 h 6858000"/>
+              <a:gd name="connsiteX90" fmla="*/ 4883326 w 4992864"/>
+              <a:gd name="connsiteY90" fmla="*/ 4424362 h 6858000"/>
+              <a:gd name="connsiteX91" fmla="*/ 4921426 w 4992864"/>
+              <a:gd name="connsiteY91" fmla="*/ 4498975 h 6858000"/>
+              <a:gd name="connsiteX92" fmla="*/ 4940476 w 4992864"/>
+              <a:gd name="connsiteY92" fmla="*/ 4537075 h 6858000"/>
+              <a:gd name="connsiteX93" fmla="*/ 4956351 w 4992864"/>
+              <a:gd name="connsiteY93" fmla="*/ 4579937 h 6858000"/>
+              <a:gd name="connsiteX94" fmla="*/ 4970639 w 4992864"/>
+              <a:gd name="connsiteY94" fmla="*/ 4625975 h 6858000"/>
+              <a:gd name="connsiteX95" fmla="*/ 4981751 w 4992864"/>
+              <a:gd name="connsiteY95" fmla="*/ 4678362 h 6858000"/>
+              <a:gd name="connsiteX96" fmla="*/ 4989689 w 4992864"/>
+              <a:gd name="connsiteY96" fmla="*/ 4738687 h 6858000"/>
+              <a:gd name="connsiteX97" fmla="*/ 4992864 w 4992864"/>
+              <a:gd name="connsiteY97" fmla="*/ 4806950 h 6858000"/>
+              <a:gd name="connsiteX98" fmla="*/ 4989689 w 4992864"/>
+              <a:gd name="connsiteY98" fmla="*/ 4875212 h 6858000"/>
+              <a:gd name="connsiteX99" fmla="*/ 4981751 w 4992864"/>
+              <a:gd name="connsiteY99" fmla="*/ 4935537 h 6858000"/>
+              <a:gd name="connsiteX100" fmla="*/ 4970639 w 4992864"/>
+              <a:gd name="connsiteY100" fmla="*/ 4987925 h 6858000"/>
+              <a:gd name="connsiteX101" fmla="*/ 4956351 w 4992864"/>
+              <a:gd name="connsiteY101" fmla="*/ 5033962 h 6858000"/>
+              <a:gd name="connsiteX102" fmla="*/ 4940476 w 4992864"/>
+              <a:gd name="connsiteY102" fmla="*/ 5075237 h 6858000"/>
+              <a:gd name="connsiteX103" fmla="*/ 4921426 w 4992864"/>
+              <a:gd name="connsiteY103" fmla="*/ 5114925 h 6858000"/>
+              <a:gd name="connsiteX104" fmla="*/ 4902376 w 4992864"/>
+              <a:gd name="connsiteY104" fmla="*/ 5149850 h 6858000"/>
+              <a:gd name="connsiteX105" fmla="*/ 4883326 w 4992864"/>
+              <a:gd name="connsiteY105" fmla="*/ 5186362 h 6858000"/>
+              <a:gd name="connsiteX106" fmla="*/ 4865864 w 4992864"/>
+              <a:gd name="connsiteY106" fmla="*/ 5226050 h 6858000"/>
+              <a:gd name="connsiteX107" fmla="*/ 4848401 w 4992864"/>
+              <a:gd name="connsiteY107" fmla="*/ 5268912 h 6858000"/>
+              <a:gd name="connsiteX108" fmla="*/ 4834114 w 4992864"/>
+              <a:gd name="connsiteY108" fmla="*/ 5313362 h 6858000"/>
+              <a:gd name="connsiteX109" fmla="*/ 4824589 w 4992864"/>
+              <a:gd name="connsiteY109" fmla="*/ 5365750 h 6858000"/>
+              <a:gd name="connsiteX110" fmla="*/ 4815064 w 4992864"/>
+              <a:gd name="connsiteY110" fmla="*/ 5426075 h 6858000"/>
+              <a:gd name="connsiteX111" fmla="*/ 4813476 w 4992864"/>
+              <a:gd name="connsiteY111" fmla="*/ 5494337 h 6858000"/>
+              <a:gd name="connsiteX112" fmla="*/ 4815064 w 4992864"/>
+              <a:gd name="connsiteY112" fmla="*/ 5562600 h 6858000"/>
+              <a:gd name="connsiteX113" fmla="*/ 4824589 w 4992864"/>
+              <a:gd name="connsiteY113" fmla="*/ 5622925 h 6858000"/>
+              <a:gd name="connsiteX114" fmla="*/ 4834114 w 4992864"/>
+              <a:gd name="connsiteY114" fmla="*/ 5675312 h 6858000"/>
+              <a:gd name="connsiteX115" fmla="*/ 4848401 w 4992864"/>
+              <a:gd name="connsiteY115" fmla="*/ 5721350 h 6858000"/>
+              <a:gd name="connsiteX116" fmla="*/ 4865864 w 4992864"/>
+              <a:gd name="connsiteY116" fmla="*/ 5762625 h 6858000"/>
+              <a:gd name="connsiteX117" fmla="*/ 4883326 w 4992864"/>
+              <a:gd name="connsiteY117" fmla="*/ 5802312 h 6858000"/>
+              <a:gd name="connsiteX118" fmla="*/ 4902376 w 4992864"/>
+              <a:gd name="connsiteY118" fmla="*/ 5840412 h 6858000"/>
+              <a:gd name="connsiteX119" fmla="*/ 4921426 w 4992864"/>
+              <a:gd name="connsiteY119" fmla="*/ 5876925 h 6858000"/>
+              <a:gd name="connsiteX120" fmla="*/ 4940476 w 4992864"/>
+              <a:gd name="connsiteY120" fmla="*/ 5915025 h 6858000"/>
+              <a:gd name="connsiteX121" fmla="*/ 4956351 w 4992864"/>
+              <a:gd name="connsiteY121" fmla="*/ 5956300 h 6858000"/>
+              <a:gd name="connsiteX122" fmla="*/ 4970639 w 4992864"/>
+              <a:gd name="connsiteY122" fmla="*/ 6003925 h 6858000"/>
+              <a:gd name="connsiteX123" fmla="*/ 4981751 w 4992864"/>
+              <a:gd name="connsiteY123" fmla="*/ 6056312 h 6858000"/>
+              <a:gd name="connsiteX124" fmla="*/ 4989689 w 4992864"/>
+              <a:gd name="connsiteY124" fmla="*/ 6113462 h 6858000"/>
+              <a:gd name="connsiteX125" fmla="*/ 4992864 w 4992864"/>
+              <a:gd name="connsiteY125" fmla="*/ 6183312 h 6858000"/>
+              <a:gd name="connsiteX126" fmla="*/ 4989689 w 4992864"/>
+              <a:gd name="connsiteY126" fmla="*/ 6251575 h 6858000"/>
+              <a:gd name="connsiteX127" fmla="*/ 4981751 w 4992864"/>
+              <a:gd name="connsiteY127" fmla="*/ 6311900 h 6858000"/>
+              <a:gd name="connsiteX128" fmla="*/ 4970639 w 4992864"/>
+              <a:gd name="connsiteY128" fmla="*/ 6361112 h 6858000"/>
+              <a:gd name="connsiteX129" fmla="*/ 4956351 w 4992864"/>
+              <a:gd name="connsiteY129" fmla="*/ 6407150 h 6858000"/>
+              <a:gd name="connsiteX130" fmla="*/ 4940476 w 4992864"/>
+              <a:gd name="connsiteY130" fmla="*/ 6448425 h 6858000"/>
+              <a:gd name="connsiteX131" fmla="*/ 4923014 w 4992864"/>
+              <a:gd name="connsiteY131" fmla="*/ 6488112 h 6858000"/>
+              <a:gd name="connsiteX132" fmla="*/ 4905551 w 4992864"/>
+              <a:gd name="connsiteY132" fmla="*/ 6523037 h 6858000"/>
+              <a:gd name="connsiteX133" fmla="*/ 4886501 w 4992864"/>
+              <a:gd name="connsiteY133" fmla="*/ 6561137 h 6858000"/>
+              <a:gd name="connsiteX134" fmla="*/ 4867451 w 4992864"/>
+              <a:gd name="connsiteY134" fmla="*/ 6597650 h 6858000"/>
+              <a:gd name="connsiteX135" fmla="*/ 4851576 w 4992864"/>
+              <a:gd name="connsiteY135" fmla="*/ 6640512 h 6858000"/>
+              <a:gd name="connsiteX136" fmla="*/ 4835701 w 4992864"/>
+              <a:gd name="connsiteY136" fmla="*/ 6683375 h 6858000"/>
+              <a:gd name="connsiteX137" fmla="*/ 4826176 w 4992864"/>
+              <a:gd name="connsiteY137" fmla="*/ 6735762 h 6858000"/>
+              <a:gd name="connsiteX138" fmla="*/ 4818239 w 4992864"/>
+              <a:gd name="connsiteY138" fmla="*/ 6791325 h 6858000"/>
+              <a:gd name="connsiteX139" fmla="*/ 4813476 w 4992864"/>
+              <a:gd name="connsiteY139" fmla="*/ 6858000 h 6858000"/>
+              <a:gd name="connsiteX140" fmla="*/ 0 w 4992864"/>
+              <a:gd name="connsiteY140" fmla="*/ 6858000 h 6858000"/>
+            </a:gdLst>
+            <a:ahLst/>
+            <a:cxnLst>
+              <a:cxn ang="0">
+                <a:pos x="connsiteX0" y="connsiteY0"/>
+              </a:cxn>
+              <a:cxn ang="0">
+                <a:pos x="connsiteX1" y="connsiteY1"/>
+              </a:cxn>
+              <a:cxn ang="0">
+                <a:pos x="connsiteX2" y="connsiteY2"/>
+              </a:cxn>
+              <a:cxn ang="0">
+                <a:pos x="connsiteX3" y="connsiteY3"/>
+              </a:cxn>
+              <a:cxn ang="0">
+                <a:pos x="connsiteX4" y="connsiteY4"/>
+              </a:cxn>
+              <a:cxn ang="0">
+                <a:pos x="connsiteX5" y="connsiteY5"/>
+              </a:cxn>
+              <a:cxn ang="0">
+                <a:pos x="connsiteX6" y="connsiteY6"/>
+              </a:cxn>
+              <a:cxn ang="0">
+                <a:pos x="connsiteX7" y="connsiteY7"/>
+              </a:cxn>
+              <a:cxn ang="0">
+                <a:pos x="connsiteX8" y="connsiteY8"/>
+              </a:cxn>
+              <a:cxn ang="0">
+                <a:pos x="connsiteX9" y="connsiteY9"/>
+              </a:cxn>
+              <a:cxn ang="0">
+                <a:pos x="connsiteX10" y="connsiteY10"/>
+              </a:cxn>
+              <a:cxn ang="0">
+                <a:pos x="connsiteX11" y="connsiteY11"/>
+              </a:cxn>
+              <a:cxn ang="0">
+                <a:pos x="connsiteX12" y="connsiteY12"/>
+              </a:cxn>
+              <a:cxn ang="0">
+                <a:pos x="connsiteX13" y="connsiteY13"/>
+              </a:cxn>
+              <a:cxn ang="0">
+                <a:pos x="connsiteX14" y="connsiteY14"/>
+              </a:cxn>
+              <a:cxn ang="0">
+                <a:pos x="connsiteX15" y="connsiteY15"/>
+              </a:cxn>
+              <a:cxn ang="0">
+                <a:pos x="connsiteX16" y="connsiteY16"/>
+              </a:cxn>
+              <a:cxn ang="0">
+                <a:pos x="connsiteX17" y="connsiteY17"/>
+              </a:cxn>
+              <a:cxn ang="0">
+                <a:pos x="connsiteX18" y="connsiteY18"/>
+              </a:cxn>
+              <a:cxn ang="0">
+                <a:pos x="connsiteX19" y="connsiteY19"/>
+              </a:cxn>
+              <a:cxn ang="0">
+                <a:pos x="connsiteX20" y="connsiteY20"/>
+              </a:cxn>
+              <a:cxn ang="0">
+                <a:pos x="connsiteX21" y="connsiteY21"/>
+              </a:cxn>
+              <a:cxn ang="0">
+                <a:pos x="connsiteX22" y="connsiteY22"/>
+              </a:cxn>
+              <a:cxn ang="0">
+                <a:pos x="connsiteX23" y="connsiteY23"/>
+              </a:cxn>
+              <a:cxn ang="0">
+                <a:pos x="connsiteX24" y="connsiteY24"/>
+              </a:cxn>
+              <a:cxn ang="0">
+                <a:pos x="connsiteX25" y="connsiteY25"/>
+              </a:cxn>
+              <a:cxn ang="0">
+                <a:pos x="connsiteX26" y="connsiteY26"/>
+              </a:cxn>
+              <a:cxn ang="0">
+                <a:pos x="connsiteX27" y="connsiteY27"/>
+              </a:cxn>
+              <a:cxn ang="0">
+                <a:pos x="connsiteX28" y="connsiteY28"/>
+              </a:cxn>
+              <a:cxn ang="0">
+                <a:pos x="connsiteX29" y="connsiteY29"/>
+              </a:cxn>
+              <a:cxn ang="0">
+                <a:pos x="connsiteX30" y="connsiteY30"/>
+              </a:cxn>
+              <a:cxn ang="0">
+                <a:pos x="connsiteX31" y="connsiteY31"/>
+              </a:cxn>
+              <a:cxn ang="0">
+                <a:pos x="connsiteX32" y="connsiteY32"/>
+              </a:cxn>
+              <a:cxn ang="0">
+                <a:pos x="connsiteX33" y="connsiteY33"/>
+              </a:cxn>
+              <a:cxn ang="0">
+                <a:pos x="connsiteX34" y="connsiteY34"/>
+              </a:cxn>
+              <a:cxn ang="0">
+                <a:pos x="connsiteX35" y="connsiteY35"/>
+              </a:cxn>
+              <a:cxn ang="0">
+                <a:pos x="connsiteX36" y="connsiteY36"/>
+              </a:cxn>
+              <a:cxn ang="0">
+                <a:pos x="connsiteX37" y="connsiteY37"/>
+              </a:cxn>
+              <a:cxn ang="0">
+                <a:pos x="connsiteX38" y="connsiteY38"/>
+              </a:cxn>
+              <a:cxn ang="0">
+                <a:pos x="connsiteX39" y="connsiteY39"/>
+              </a:cxn>
+              <a:cxn ang="0">
+                <a:pos x="connsiteX40" y="connsiteY40"/>
+              </a:cxn>
+              <a:cxn ang="0">
+                <a:pos x="connsiteX41" y="connsiteY41"/>
+              </a:cxn>
+              <a:cxn ang="0">
+                <a:pos x="connsiteX42" y="connsiteY42"/>
+              </a:cxn>
+              <a:cxn ang="0">
+                <a:pos x="connsiteX43" y="connsiteY43"/>
+              </a:cxn>
+              <a:cxn ang="0">
+                <a:pos x="connsiteX44" y="connsiteY44"/>
+              </a:cxn>
+              <a:cxn ang="0">
+                <a:pos x="connsiteX45" y="connsiteY45"/>
+              </a:cxn>
+              <a:cxn ang="0">
+                <a:pos x="connsiteX46" y="connsiteY46"/>
+              </a:cxn>
+              <a:cxn ang="0">
+                <a:pos x="connsiteX47" y="connsiteY47"/>
+              </a:cxn>
+              <a:cxn ang="0">
+                <a:pos x="connsiteX48" y="connsiteY48"/>
+              </a:cxn>
+              <a:cxn ang="0">
+                <a:pos x="connsiteX49" y="connsiteY49"/>
+              </a:cxn>
+              <a:cxn ang="0">
+                <a:pos x="connsiteX50" y="connsiteY50"/>
+              </a:cxn>
+              <a:cxn ang="0">
+                <a:pos x="connsiteX51" y="connsiteY51"/>
+              </a:cxn>
+              <a:cxn ang="0">
+                <a:pos x="connsiteX52" y="connsiteY52"/>
+              </a:cxn>
+              <a:cxn ang="0">
+                <a:pos x="connsiteX53" y="connsiteY53"/>
+              </a:cxn>
+              <a:cxn ang="0">
+                <a:pos x="connsiteX54" y="connsiteY54"/>
+              </a:cxn>
+              <a:cxn ang="0">
+                <a:pos x="connsiteX55" y="connsiteY55"/>
+              </a:cxn>
+              <a:cxn ang="0">
+                <a:pos x="connsiteX56" y="connsiteY56"/>
+              </a:cxn>
+              <a:cxn ang="0">
+                <a:pos x="connsiteX57" y="connsiteY57"/>
+              </a:cxn>
+              <a:cxn ang="0">
+                <a:pos x="connsiteX58" y="connsiteY58"/>
+              </a:cxn>
+              <a:cxn ang="0">
+                <a:pos x="connsiteX59" y="connsiteY59"/>
+              </a:cxn>
+              <a:cxn ang="0">
+                <a:pos x="connsiteX60" y="connsiteY60"/>
+              </a:cxn>
+              <a:cxn ang="0">
+                <a:pos x="connsiteX61" y="connsiteY61"/>
+              </a:cxn>
+              <a:cxn ang="0">
+                <a:pos x="connsiteX62" y="connsiteY62"/>
+              </a:cxn>
+              <a:cxn ang="0">
+                <a:pos x="connsiteX63" y="connsiteY63"/>
+              </a:cxn>
+              <a:cxn ang="0">
+                <a:pos x="connsiteX64" y="connsiteY64"/>
+              </a:cxn>
+              <a:cxn ang="0">
+                <a:pos x="connsiteX65" y="connsiteY65"/>
+              </a:cxn>
+              <a:cxn ang="0">
+                <a:pos x="connsiteX66" y="connsiteY66"/>
+              </a:cxn>
+              <a:cxn ang="0">
+                <a:pos x="connsiteX67" y="connsiteY67"/>
+              </a:cxn>
+              <a:cxn ang="0">
+                <a:pos x="connsiteX68" y="connsiteY68"/>
+              </a:cxn>
+              <a:cxn ang="0">
+                <a:pos x="connsiteX69" y="connsiteY69"/>
+              </a:cxn>
+              <a:cxn ang="0">
+                <a:pos x="connsiteX70" y="connsiteY70"/>
+              </a:cxn>
+              <a:cxn ang="0">
+                <a:pos x="connsiteX71" y="connsiteY71"/>
+              </a:cxn>
+              <a:cxn ang="0">
+                <a:pos x="connsiteX72" y="connsiteY72"/>
+              </a:cxn>
+              <a:cxn ang="0">
+                <a:pos x="connsiteX73" y="connsiteY73"/>
+              </a:cxn>
+              <a:cxn ang="0">
+                <a:pos x="connsiteX74" y="connsiteY74"/>
+              </a:cxn>
+              <a:cxn ang="0">
+                <a:pos x="connsiteX75" y="connsiteY75"/>
+              </a:cxn>
+              <a:cxn ang="0">
+                <a:pos x="connsiteX76" y="connsiteY76"/>
+              </a:cxn>
+              <a:cxn ang="0">
+                <a:pos x="connsiteX77" y="connsiteY77"/>
+              </a:cxn>
+              <a:cxn ang="0">
+                <a:pos x="connsiteX78" y="connsiteY78"/>
+              </a:cxn>
+              <a:cxn ang="0">
+                <a:pos x="connsiteX79" y="connsiteY79"/>
+              </a:cxn>
+              <a:cxn ang="0">
+                <a:pos x="connsiteX80" y="connsiteY80"/>
+              </a:cxn>
+              <a:cxn ang="0">
+                <a:pos x="connsiteX81" y="connsiteY81"/>
+              </a:cxn>
+              <a:cxn ang="0">
+                <a:pos x="connsiteX82" y="connsiteY82"/>
+              </a:cxn>
+              <a:cxn ang="0">
+                <a:pos x="connsiteX83" y="connsiteY83"/>
+              </a:cxn>
+              <a:cxn ang="0">
+                <a:pos x="connsiteX84" y="connsiteY84"/>
+              </a:cxn>
+              <a:cxn ang="0">
+                <a:pos x="connsiteX85" y="connsiteY85"/>
+              </a:cxn>
+              <a:cxn ang="0">
+                <a:pos x="connsiteX86" y="connsiteY86"/>
+              </a:cxn>
+              <a:cxn ang="0">
+                <a:pos x="connsiteX87" y="connsiteY87"/>
+              </a:cxn>
+              <a:cxn ang="0">
+                <a:pos x="connsiteX88" y="connsiteY88"/>
+              </a:cxn>
+              <a:cxn ang="0">
+                <a:pos x="connsiteX89" y="connsiteY89"/>
+              </a:cxn>
+              <a:cxn ang="0">
+                <a:pos x="connsiteX90" y="connsiteY90"/>
+              </a:cxn>
+              <a:cxn ang="0">
+                <a:pos x="connsiteX91" y="connsiteY91"/>
+              </a:cxn>
+              <a:cxn ang="0">
+                <a:pos x="connsiteX92" y="connsiteY92"/>
+              </a:cxn>
+              <a:cxn ang="0">
+                <a:pos x="connsiteX93" y="connsiteY93"/>
+              </a:cxn>
+              <a:cxn ang="0">
+                <a:pos x="connsiteX94" y="connsiteY94"/>
+              </a:cxn>
+              <a:cxn ang="0">
+                <a:pos x="connsiteX95" y="connsiteY95"/>
+              </a:cxn>
+              <a:cxn ang="0">
+                <a:pos x="connsiteX96" y="connsiteY96"/>
+              </a:cxn>
+              <a:cxn ang="0">
+                <a:pos x="connsiteX97" y="connsiteY97"/>
+              </a:cxn>
+              <a:cxn ang="0">
+                <a:pos x="connsiteX98" y="connsiteY98"/>
+              </a:cxn>
+              <a:cxn ang="0">
+                <a:pos x="connsiteX99" y="connsiteY99"/>
+              </a:cxn>
+              <a:cxn ang="0">
+                <a:pos x="connsiteX100" y="connsiteY100"/>
+              </a:cxn>
+              <a:cxn ang="0">
+                <a:pos x="connsiteX101" y="connsiteY101"/>
+              </a:cxn>
+              <a:cxn ang="0">
+                <a:pos x="connsiteX102" y="connsiteY102"/>
+              </a:cxn>
+              <a:cxn ang="0">
+                <a:pos x="connsiteX103" y="connsiteY103"/>
+              </a:cxn>
+              <a:cxn ang="0">
+                <a:pos x="connsiteX104" y="connsiteY104"/>
+              </a:cxn>
+              <a:cxn ang="0">
+                <a:pos x="connsiteX105" y="connsiteY105"/>
+              </a:cxn>
+              <a:cxn ang="0">
+                <a:pos x="connsiteX106" y="connsiteY106"/>
+              </a:cxn>
+              <a:cxn ang="0">
+                <a:pos x="connsiteX107" y="connsiteY107"/>
+              </a:cxn>
+              <a:cxn ang="0">
+                <a:pos x="connsiteX108" y="connsiteY108"/>
+              </a:cxn>
+              <a:cxn ang="0">
+                <a:pos x="connsiteX109" y="connsiteY109"/>
+              </a:cxn>
+              <a:cxn ang="0">
+                <a:pos x="connsiteX110" y="connsiteY110"/>
+              </a:cxn>
+              <a:cxn ang="0">
+                <a:pos x="connsiteX111" y="connsiteY111"/>
+              </a:cxn>
+              <a:cxn ang="0">
+                <a:pos x="connsiteX112" y="connsiteY112"/>
+              </a:cxn>
+              <a:cxn ang="0">
+                <a:pos x="connsiteX113" y="connsiteY113"/>
+              </a:cxn>
+              <a:cxn ang="0">
+                <a:pos x="connsiteX114" y="connsiteY114"/>
+              </a:cxn>
+              <a:cxn ang="0">
+                <a:pos x="connsiteX115" y="connsiteY115"/>
+              </a:cxn>
+              <a:cxn ang="0">
+                <a:pos x="connsiteX116" y="connsiteY116"/>
+              </a:cxn>
+              <a:cxn ang="0">
+                <a:pos x="connsiteX117" y="connsiteY117"/>
+              </a:cxn>
+              <a:cxn ang="0">
+                <a:pos x="connsiteX118" y="connsiteY118"/>
+              </a:cxn>
+              <a:cxn ang="0">
+                <a:pos x="connsiteX119" y="connsiteY119"/>
+              </a:cxn>
+              <a:cxn ang="0">
+                <a:pos x="connsiteX120" y="connsiteY120"/>
+              </a:cxn>
+              <a:cxn ang="0">
+                <a:pos x="connsiteX121" y="connsiteY121"/>
+              </a:cxn>
+              <a:cxn ang="0">
+                <a:pos x="connsiteX122" y="connsiteY122"/>
+              </a:cxn>
+              <a:cxn ang="0">
+                <a:pos x="connsiteX123" y="connsiteY123"/>
+              </a:cxn>
+              <a:cxn ang="0">
+                <a:pos x="connsiteX124" y="connsiteY124"/>
+              </a:cxn>
+              <a:cxn ang="0">
+                <a:pos x="connsiteX125" y="connsiteY125"/>
+              </a:cxn>
+              <a:cxn ang="0">
+                <a:pos x="connsiteX126" y="connsiteY126"/>
+              </a:cxn>
+              <a:cxn ang="0">
+                <a:pos x="connsiteX127" y="connsiteY127"/>
+              </a:cxn>
+              <a:cxn ang="0">
+                <a:pos x="connsiteX128" y="connsiteY128"/>
+              </a:cxn>
+              <a:cxn ang="0">
+                <a:pos x="connsiteX129" y="connsiteY129"/>
+              </a:cxn>
+              <a:cxn ang="0">
+                <a:pos x="connsiteX130" y="connsiteY130"/>
+              </a:cxn>
+              <a:cxn ang="0">
+                <a:pos x="connsiteX131" y="connsiteY131"/>
+              </a:cxn>
+              <a:cxn ang="0">
+                <a:pos x="connsiteX132" y="connsiteY132"/>
+              </a:cxn>
+              <a:cxn ang="0">
+                <a:pos x="connsiteX133" y="connsiteY133"/>
+              </a:cxn>
+              <a:cxn ang="0">
+                <a:pos x="connsiteX134" y="connsiteY134"/>
+              </a:cxn>
+              <a:cxn ang="0">
+                <a:pos x="connsiteX135" y="connsiteY135"/>
+              </a:cxn>
+              <a:cxn ang="0">
+                <a:pos x="connsiteX136" y="connsiteY136"/>
+              </a:cxn>
+              <a:cxn ang="0">
+                <a:pos x="connsiteX137" y="connsiteY137"/>
+              </a:cxn>
+              <a:cxn ang="0">
+                <a:pos x="connsiteX138" y="connsiteY138"/>
+              </a:cxn>
+              <a:cxn ang="0">
+                <a:pos x="connsiteX139" y="connsiteY139"/>
+              </a:cxn>
+              <a:cxn ang="0">
+                <a:pos x="connsiteX140" y="connsiteY140"/>
+              </a:cxn>
+            </a:cxnLst>
+            <a:rect l="l" t="t" r="r" b="b"/>
+            <a:pathLst>
+              <a:path w="4992864" h="6858000">
+                <a:moveTo>
+                  <a:pt x="0" y="0"/>
+                </a:moveTo>
+                <a:lnTo>
+                  <a:pt x="4813476" y="0"/>
+                </a:lnTo>
+                <a:lnTo>
+                  <a:pt x="4818239" y="66675"/>
+                </a:lnTo>
+                <a:lnTo>
+                  <a:pt x="4826176" y="122237"/>
+                </a:lnTo>
+                <a:lnTo>
+                  <a:pt x="4835701" y="174625"/>
+                </a:lnTo>
+                <a:lnTo>
+                  <a:pt x="4851576" y="217487"/>
+                </a:lnTo>
+                <a:lnTo>
+                  <a:pt x="4867451" y="260350"/>
+                </a:lnTo>
+                <a:lnTo>
+                  <a:pt x="4886501" y="296862"/>
+                </a:lnTo>
+                <a:lnTo>
+                  <a:pt x="4905551" y="334962"/>
+                </a:lnTo>
+                <a:lnTo>
+                  <a:pt x="4923014" y="369887"/>
+                </a:lnTo>
+                <a:lnTo>
+                  <a:pt x="4940476" y="409575"/>
+                </a:lnTo>
+                <a:lnTo>
+                  <a:pt x="4956351" y="450850"/>
+                </a:lnTo>
+                <a:lnTo>
+                  <a:pt x="4970639" y="496887"/>
+                </a:lnTo>
+                <a:lnTo>
+                  <a:pt x="4981751" y="546100"/>
+                </a:lnTo>
+                <a:lnTo>
+                  <a:pt x="4989689" y="606425"/>
+                </a:lnTo>
+                <a:lnTo>
+                  <a:pt x="4992864" y="673100"/>
+                </a:lnTo>
+                <a:lnTo>
+                  <a:pt x="4989689" y="744537"/>
+                </a:lnTo>
+                <a:lnTo>
+                  <a:pt x="4981751" y="801687"/>
+                </a:lnTo>
+                <a:lnTo>
+                  <a:pt x="4970639" y="854075"/>
+                </a:lnTo>
+                <a:lnTo>
+                  <a:pt x="4956351" y="901700"/>
+                </a:lnTo>
+                <a:lnTo>
+                  <a:pt x="4940476" y="942975"/>
+                </a:lnTo>
+                <a:lnTo>
+                  <a:pt x="4921426" y="981075"/>
+                </a:lnTo>
+                <a:lnTo>
+                  <a:pt x="4902376" y="1017587"/>
+                </a:lnTo>
+                <a:lnTo>
+                  <a:pt x="4883326" y="1055687"/>
+                </a:lnTo>
+                <a:lnTo>
+                  <a:pt x="4865864" y="1095375"/>
+                </a:lnTo>
+                <a:lnTo>
+                  <a:pt x="4848401" y="1136650"/>
+                </a:lnTo>
+                <a:lnTo>
+                  <a:pt x="4834114" y="1182687"/>
+                </a:lnTo>
+                <a:lnTo>
+                  <a:pt x="4824589" y="1235075"/>
+                </a:lnTo>
+                <a:lnTo>
+                  <a:pt x="4815064" y="1295400"/>
+                </a:lnTo>
+                <a:lnTo>
+                  <a:pt x="4813476" y="1363662"/>
+                </a:lnTo>
+                <a:lnTo>
+                  <a:pt x="4815064" y="1431925"/>
+                </a:lnTo>
+                <a:lnTo>
+                  <a:pt x="4824589" y="1492250"/>
+                </a:lnTo>
+                <a:lnTo>
+                  <a:pt x="4834114" y="1544637"/>
+                </a:lnTo>
+                <a:lnTo>
+                  <a:pt x="4848401" y="1589087"/>
+                </a:lnTo>
+                <a:lnTo>
+                  <a:pt x="4865864" y="1631950"/>
+                </a:lnTo>
+                <a:lnTo>
+                  <a:pt x="4883326" y="1671637"/>
+                </a:lnTo>
+                <a:lnTo>
+                  <a:pt x="4902376" y="1708150"/>
+                </a:lnTo>
+                <a:lnTo>
+                  <a:pt x="4921426" y="1743075"/>
+                </a:lnTo>
+                <a:lnTo>
+                  <a:pt x="4940476" y="1782762"/>
+                </a:lnTo>
+                <a:lnTo>
+                  <a:pt x="4956351" y="1824037"/>
+                </a:lnTo>
+                <a:lnTo>
+                  <a:pt x="4970639" y="1870075"/>
+                </a:lnTo>
+                <a:lnTo>
+                  <a:pt x="4981751" y="1922462"/>
+                </a:lnTo>
+                <a:lnTo>
+                  <a:pt x="4989689" y="1982787"/>
+                </a:lnTo>
+                <a:lnTo>
+                  <a:pt x="4992864" y="2051050"/>
+                </a:lnTo>
+                <a:lnTo>
+                  <a:pt x="4989689" y="2119312"/>
+                </a:lnTo>
+                <a:lnTo>
+                  <a:pt x="4981751" y="2179637"/>
+                </a:lnTo>
+                <a:lnTo>
+                  <a:pt x="4970639" y="2232025"/>
+                </a:lnTo>
+                <a:lnTo>
+                  <a:pt x="4956351" y="2278062"/>
+                </a:lnTo>
+                <a:lnTo>
+                  <a:pt x="4940476" y="2319337"/>
+                </a:lnTo>
+                <a:lnTo>
+                  <a:pt x="4921426" y="2359025"/>
+                </a:lnTo>
+                <a:lnTo>
+                  <a:pt x="4902376" y="2395537"/>
+                </a:lnTo>
+                <a:lnTo>
+                  <a:pt x="4883326" y="2433637"/>
+                </a:lnTo>
+                <a:lnTo>
+                  <a:pt x="4865864" y="2471737"/>
+                </a:lnTo>
+                <a:lnTo>
+                  <a:pt x="4848401" y="2513012"/>
+                </a:lnTo>
+                <a:lnTo>
+                  <a:pt x="4834114" y="2560637"/>
+                </a:lnTo>
+                <a:lnTo>
+                  <a:pt x="4824589" y="2613025"/>
+                </a:lnTo>
+                <a:lnTo>
+                  <a:pt x="4815064" y="2671762"/>
+                </a:lnTo>
+                <a:lnTo>
+                  <a:pt x="4813476" y="2741612"/>
+                </a:lnTo>
+                <a:lnTo>
+                  <a:pt x="4815064" y="2809875"/>
+                </a:lnTo>
+                <a:lnTo>
+                  <a:pt x="4824589" y="2868612"/>
+                </a:lnTo>
+                <a:lnTo>
+                  <a:pt x="4834114" y="2922587"/>
+                </a:lnTo>
+                <a:lnTo>
+                  <a:pt x="4848401" y="2967037"/>
+                </a:lnTo>
+                <a:lnTo>
+                  <a:pt x="4865864" y="3009900"/>
+                </a:lnTo>
+                <a:lnTo>
+                  <a:pt x="4883326" y="3046412"/>
+                </a:lnTo>
+                <a:lnTo>
+                  <a:pt x="4902376" y="3084512"/>
+                </a:lnTo>
+                <a:lnTo>
+                  <a:pt x="4921426" y="3121025"/>
+                </a:lnTo>
+                <a:lnTo>
+                  <a:pt x="4940476" y="3160712"/>
+                </a:lnTo>
+                <a:lnTo>
+                  <a:pt x="4956351" y="3201987"/>
+                </a:lnTo>
+                <a:lnTo>
+                  <a:pt x="4970639" y="3248025"/>
+                </a:lnTo>
+                <a:lnTo>
+                  <a:pt x="4981751" y="3300412"/>
+                </a:lnTo>
+                <a:lnTo>
+                  <a:pt x="4989689" y="3360737"/>
+                </a:lnTo>
+                <a:lnTo>
+                  <a:pt x="4992864" y="3427412"/>
+                </a:lnTo>
+                <a:lnTo>
+                  <a:pt x="4989689" y="3497262"/>
+                </a:lnTo>
+                <a:lnTo>
+                  <a:pt x="4981751" y="3557587"/>
+                </a:lnTo>
+                <a:lnTo>
+                  <a:pt x="4970639" y="3609975"/>
+                </a:lnTo>
+                <a:lnTo>
+                  <a:pt x="4956351" y="3656012"/>
+                </a:lnTo>
+                <a:lnTo>
+                  <a:pt x="4940476" y="3697287"/>
+                </a:lnTo>
+                <a:lnTo>
+                  <a:pt x="4921426" y="3736975"/>
+                </a:lnTo>
+                <a:lnTo>
+                  <a:pt x="4883326" y="3811587"/>
+                </a:lnTo>
+                <a:lnTo>
+                  <a:pt x="4865864" y="3848100"/>
+                </a:lnTo>
+                <a:lnTo>
+                  <a:pt x="4848401" y="3890962"/>
+                </a:lnTo>
+                <a:lnTo>
+                  <a:pt x="4834114" y="3935412"/>
+                </a:lnTo>
+                <a:lnTo>
+                  <a:pt x="4824589" y="3987800"/>
+                </a:lnTo>
+                <a:lnTo>
+                  <a:pt x="4815064" y="4048125"/>
+                </a:lnTo>
+                <a:lnTo>
+                  <a:pt x="4813476" y="4116387"/>
+                </a:lnTo>
+                <a:lnTo>
+                  <a:pt x="4815064" y="4186237"/>
+                </a:lnTo>
+                <a:lnTo>
+                  <a:pt x="4824589" y="4244975"/>
+                </a:lnTo>
+                <a:lnTo>
+                  <a:pt x="4834114" y="4297362"/>
+                </a:lnTo>
+                <a:lnTo>
+                  <a:pt x="4848401" y="4343400"/>
+                </a:lnTo>
+                <a:lnTo>
+                  <a:pt x="4865864" y="4386262"/>
+                </a:lnTo>
+                <a:lnTo>
+                  <a:pt x="4883326" y="4424362"/>
+                </a:lnTo>
+                <a:lnTo>
+                  <a:pt x="4921426" y="4498975"/>
+                </a:lnTo>
+                <a:lnTo>
+                  <a:pt x="4940476" y="4537075"/>
+                </a:lnTo>
+                <a:lnTo>
+                  <a:pt x="4956351" y="4579937"/>
+                </a:lnTo>
+                <a:lnTo>
+                  <a:pt x="4970639" y="4625975"/>
+                </a:lnTo>
+                <a:lnTo>
+                  <a:pt x="4981751" y="4678362"/>
+                </a:lnTo>
+                <a:lnTo>
+                  <a:pt x="4989689" y="4738687"/>
+                </a:lnTo>
+                <a:lnTo>
+                  <a:pt x="4992864" y="4806950"/>
+                </a:lnTo>
+                <a:lnTo>
+                  <a:pt x="4989689" y="4875212"/>
+                </a:lnTo>
+                <a:lnTo>
+                  <a:pt x="4981751" y="4935537"/>
+                </a:lnTo>
+                <a:lnTo>
+                  <a:pt x="4970639" y="4987925"/>
+                </a:lnTo>
+                <a:lnTo>
+                  <a:pt x="4956351" y="5033962"/>
+                </a:lnTo>
+                <a:lnTo>
+                  <a:pt x="4940476" y="5075237"/>
+                </a:lnTo>
+                <a:lnTo>
+                  <a:pt x="4921426" y="5114925"/>
+                </a:lnTo>
+                <a:lnTo>
+                  <a:pt x="4902376" y="5149850"/>
+                </a:lnTo>
+                <a:lnTo>
+                  <a:pt x="4883326" y="5186362"/>
+                </a:lnTo>
+                <a:lnTo>
+                  <a:pt x="4865864" y="5226050"/>
+                </a:lnTo>
+                <a:lnTo>
+                  <a:pt x="4848401" y="5268912"/>
+                </a:lnTo>
+                <a:lnTo>
+                  <a:pt x="4834114" y="5313362"/>
+                </a:lnTo>
+                <a:lnTo>
+                  <a:pt x="4824589" y="5365750"/>
+                </a:lnTo>
+                <a:lnTo>
+                  <a:pt x="4815064" y="5426075"/>
+                </a:lnTo>
+                <a:lnTo>
+                  <a:pt x="4813476" y="5494337"/>
+                </a:lnTo>
+                <a:lnTo>
+                  <a:pt x="4815064" y="5562600"/>
+                </a:lnTo>
+                <a:lnTo>
+                  <a:pt x="4824589" y="5622925"/>
+                </a:lnTo>
+                <a:lnTo>
+                  <a:pt x="4834114" y="5675312"/>
+                </a:lnTo>
+                <a:lnTo>
+                  <a:pt x="4848401" y="5721350"/>
+                </a:lnTo>
+                <a:lnTo>
+                  <a:pt x="4865864" y="5762625"/>
+                </a:lnTo>
+                <a:lnTo>
+                  <a:pt x="4883326" y="5802312"/>
+                </a:lnTo>
+                <a:lnTo>
+                  <a:pt x="4902376" y="5840412"/>
+                </a:lnTo>
+                <a:lnTo>
+                  <a:pt x="4921426" y="5876925"/>
+                </a:lnTo>
+                <a:lnTo>
+                  <a:pt x="4940476" y="5915025"/>
+                </a:lnTo>
+                <a:lnTo>
+                  <a:pt x="4956351" y="5956300"/>
+                </a:lnTo>
+                <a:lnTo>
+                  <a:pt x="4970639" y="6003925"/>
+                </a:lnTo>
+                <a:lnTo>
+                  <a:pt x="4981751" y="6056312"/>
+                </a:lnTo>
+                <a:lnTo>
+                  <a:pt x="4989689" y="6113462"/>
+                </a:lnTo>
+                <a:lnTo>
+                  <a:pt x="4992864" y="6183312"/>
+                </a:lnTo>
+                <a:lnTo>
+                  <a:pt x="4989689" y="6251575"/>
+                </a:lnTo>
+                <a:lnTo>
+                  <a:pt x="4981751" y="6311900"/>
+                </a:lnTo>
+                <a:lnTo>
+                  <a:pt x="4970639" y="6361112"/>
+                </a:lnTo>
+                <a:lnTo>
+                  <a:pt x="4956351" y="6407150"/>
+                </a:lnTo>
+                <a:lnTo>
+                  <a:pt x="4940476" y="6448425"/>
+                </a:lnTo>
+                <a:lnTo>
+                  <a:pt x="4923014" y="6488112"/>
+                </a:lnTo>
+                <a:lnTo>
+                  <a:pt x="4905551" y="6523037"/>
+                </a:lnTo>
+                <a:lnTo>
+                  <a:pt x="4886501" y="6561137"/>
+                </a:lnTo>
+                <a:lnTo>
+                  <a:pt x="4867451" y="6597650"/>
+                </a:lnTo>
+                <a:lnTo>
+                  <a:pt x="4851576" y="6640512"/>
+                </a:lnTo>
+                <a:lnTo>
+                  <a:pt x="4835701" y="6683375"/>
+                </a:lnTo>
+                <a:lnTo>
+                  <a:pt x="4826176" y="6735762"/>
+                </a:lnTo>
+                <a:lnTo>
+                  <a:pt x="4818239" y="6791325"/>
+                </a:lnTo>
+                <a:lnTo>
+                  <a:pt x="4813476" y="6858000"/>
+                </a:lnTo>
+                <a:lnTo>
+                  <a:pt x="0" y="6858000"/>
+                </a:lnTo>
+                <a:close/>
+              </a:path>
+            </a:pathLst>
+          </a:custGeom>
+          <a:solidFill>
+            <a:schemeClr val="accent1"/>
+          </a:solidFill>
+          <a:ln w="0">
+            <a:noFill/>
+            <a:prstDash val="solid"/>
+            <a:round/>
+            <a:headEnd/>
+            <a:tailEnd/>
+          </a:ln>
+        </p:spPr>
+      </p:sp>
+      <p:sp>
+        <p:nvSpPr>
+          <p:cNvPr id="3" name="Title 2">
+            <a:extLst>
+              <a:ext uri="{FF2B5EF4-FFF2-40B4-BE49-F238E27FC236}">
+                <a16:creationId xmlns:a16="http://schemas.microsoft.com/office/drawing/2014/main" id="{23868528-6371-4DA9-B123-ECC4DA527EEF}"/>
+              </a:ext>
+            </a:extLst>
+          </p:cNvPr>
+          <p:cNvSpPr>
+            <a:spLocks noGrp="1"/>
+          </p:cNvSpPr>
+          <p:nvPr>
+            <p:ph type="title"/>
+          </p:nvPr>
+        </p:nvSpPr>
+        <p:spPr>
+          <a:xfrm>
+            <a:off x="644854" y="643464"/>
+            <a:ext cx="3437290" cy="4374850"/>
+          </a:xfrm>
+        </p:spPr>
+        <p:txBody>
+          <a:bodyPr vert="horz" lIns="91440" tIns="45720" rIns="91440" bIns="45720" rtlCol="0" anchor="ctr">
+            <a:normAutofit/>
+          </a:bodyPr>
+          <a:lstStyle/>
+          <a:p>
+            <a:pPr algn="ctr">
+              <a:lnSpc>
+                <a:spcPct val="90000"/>
+              </a:lnSpc>
+            </a:pPr>
+            <a:r>
+              <a:rPr lang="en-US" sz="6000" spc="800">
+                <a:solidFill>
+                  <a:schemeClr val="tx2"/>
+                </a:solidFill>
+                <a:latin typeface="+mj-lt"/>
+              </a:rPr>
+              <a:t>IBU for each state</a:t>
+            </a:r>
+          </a:p>
+        </p:txBody>
+      </p:sp>
+      <p:sp>
+        <p:nvSpPr>
+          <p:cNvPr id="4" name="Text Placeholder 3">
+            <a:extLst>
+              <a:ext uri="{FF2B5EF4-FFF2-40B4-BE49-F238E27FC236}">
+                <a16:creationId xmlns:a16="http://schemas.microsoft.com/office/drawing/2014/main" id="{FFADF6DB-596E-46B3-A78C-8D5845729912}"/>
+              </a:ext>
+            </a:extLst>
+          </p:cNvPr>
+          <p:cNvSpPr>
+            <a:spLocks noGrp="1"/>
+          </p:cNvSpPr>
+          <p:nvPr>
+            <p:ph type="body" sz="half" idx="2"/>
+          </p:nvPr>
+        </p:nvSpPr>
+        <p:spPr>
+          <a:xfrm>
+            <a:off x="644854" y="5338354"/>
+            <a:ext cx="3437290" cy="1076114"/>
+          </a:xfrm>
+        </p:spPr>
+        <p:txBody>
+          <a:bodyPr vert="horz" lIns="91440" tIns="45720" rIns="91440" bIns="45720" rtlCol="0" anchor="t">
+            <a:normAutofit fontScale="77500" lnSpcReduction="20000"/>
+          </a:bodyPr>
+          <a:lstStyle/>
+          <a:p>
+            <a:pPr marL="285750" indent="-285750" algn="ctr">
+              <a:lnSpc>
+                <a:spcPct val="100000"/>
+              </a:lnSpc>
+              <a:spcBef>
+                <a:spcPts val="700"/>
+              </a:spcBef>
+              <a:buFont typeface="Arial" panose="020B0604020202020204" pitchFamily="34" charset="0"/>
+              <a:buChar char="•"/>
+            </a:pPr>
+            <a:r>
+              <a:rPr lang="en-US" b="1" cap="all" spc="400" dirty="0"/>
+              <a:t>Update after imputation</a:t>
+            </a:r>
+          </a:p>
+          <a:p>
+            <a:pPr marL="285750" indent="-285750" algn="ctr">
+              <a:lnSpc>
+                <a:spcPct val="100000"/>
+              </a:lnSpc>
+              <a:spcBef>
+                <a:spcPts val="700"/>
+              </a:spcBef>
+              <a:buFont typeface="Arial" panose="020B0604020202020204" pitchFamily="34" charset="0"/>
+              <a:buChar char="•"/>
+            </a:pPr>
+            <a:r>
+              <a:rPr lang="en-US" b="1" cap="all" spc="400" dirty="0"/>
+              <a:t>Maine likes their beer very bitter, with the highest </a:t>
+            </a:r>
+            <a:r>
+              <a:rPr lang="en-US" b="1" cap="all" spc="400" dirty="0" err="1"/>
+              <a:t>ibu</a:t>
+            </a:r>
+            <a:r>
+              <a:rPr lang="en-US" b="1" cap="all" spc="400" dirty="0"/>
+              <a:t> at 61</a:t>
+            </a:r>
+          </a:p>
+        </p:txBody>
+      </p:sp>
+      <p:pic>
+        <p:nvPicPr>
+          <p:cNvPr id="5" name="Picture 4">
+            <a:extLst>
+              <a:ext uri="{FF2B5EF4-FFF2-40B4-BE49-F238E27FC236}">
+                <a16:creationId xmlns:a16="http://schemas.microsoft.com/office/drawing/2014/main" id="{0BC28391-DAA7-45CA-BAF0-C962E60B0856}"/>
+              </a:ext>
+            </a:extLst>
+          </p:cNvPr>
+          <p:cNvPicPr>
+            <a:picLocks noChangeAspect="1"/>
+          </p:cNvPicPr>
+          <p:nvPr/>
+        </p:nvPicPr>
+        <p:blipFill rotWithShape="1">
+          <a:blip r:embed="rId2"/>
+          <a:srcRect l="4899" b="9029"/>
+          <a:stretch/>
+        </p:blipFill>
+        <p:spPr>
+          <a:xfrm>
+            <a:off x="4910076" y="135520"/>
+            <a:ext cx="6220332" cy="3470948"/>
+          </a:xfrm>
+          <a:prstGeom prst="rect">
+            <a:avLst/>
+          </a:prstGeom>
+        </p:spPr>
+      </p:pic>
+      <p:pic>
+        <p:nvPicPr>
+          <p:cNvPr id="15" name="Picture 14">
+            <a:extLst>
+              <a:ext uri="{FF2B5EF4-FFF2-40B4-BE49-F238E27FC236}">
+                <a16:creationId xmlns:a16="http://schemas.microsoft.com/office/drawing/2014/main" id="{A3D1A2E5-42D6-4372-811E-91503646E84F}"/>
+              </a:ext>
+            </a:extLst>
+          </p:cNvPr>
+          <p:cNvPicPr>
+            <a:picLocks noChangeAspect="1"/>
+          </p:cNvPicPr>
+          <p:nvPr/>
+        </p:nvPicPr>
+        <p:blipFill>
+          <a:blip r:embed="rId3"/>
+          <a:stretch>
+            <a:fillRect/>
+          </a:stretch>
+        </p:blipFill>
+        <p:spPr>
+          <a:xfrm>
+            <a:off x="7515682" y="3758253"/>
+            <a:ext cx="4031464" cy="3023118"/>
+          </a:xfrm>
+          <a:prstGeom prst="rect">
+            <a:avLst/>
+          </a:prstGeom>
+        </p:spPr>
+      </p:pic>
+      <p:sp>
+        <p:nvSpPr>
+          <p:cNvPr id="6" name="Explosion: 14 Points 5">
+            <a:extLst>
+              <a:ext uri="{FF2B5EF4-FFF2-40B4-BE49-F238E27FC236}">
+                <a16:creationId xmlns:a16="http://schemas.microsoft.com/office/drawing/2014/main" id="{A75D0681-743C-4489-8EC5-50F386A22BE7}"/>
+              </a:ext>
+            </a:extLst>
+          </p:cNvPr>
+          <p:cNvSpPr/>
+          <p:nvPr/>
+        </p:nvSpPr>
+        <p:spPr>
+          <a:xfrm>
+            <a:off x="9531414" y="482696"/>
+            <a:ext cx="858416" cy="895739"/>
+          </a:xfrm>
+          <a:prstGeom prst="irregularSeal2">
+            <a:avLst/>
+          </a:prstGeom>
+          <a:noFill/>
+        </p:spPr>
+        <p:style>
+          <a:lnRef idx="2">
+            <a:schemeClr val="dk1"/>
+          </a:lnRef>
+          <a:fillRef idx="1">
+            <a:schemeClr val="lt1"/>
+          </a:fillRef>
+          <a:effectRef idx="0">
+            <a:schemeClr val="dk1"/>
+          </a:effectRef>
+          <a:fontRef idx="minor">
+            <a:schemeClr val="dk1"/>
+          </a:fontRef>
+        </p:style>
+        <p:txBody>
+          <a:bodyPr rtlCol="0" anchor="ctr"/>
+          <a:lstStyle/>
+          <a:p>
+            <a:pPr algn="ctr"/>
+            <a:endParaRPr lang="en-US"/>
+          </a:p>
+        </p:txBody>
+      </p:sp>
+      <p:pic>
+        <p:nvPicPr>
+          <p:cNvPr id="13" name="Graphic 12">
+            <a:extLst>
+              <a:ext uri="{FF2B5EF4-FFF2-40B4-BE49-F238E27FC236}">
+                <a16:creationId xmlns:a16="http://schemas.microsoft.com/office/drawing/2014/main" id="{836F8608-9A78-4C36-9A85-D3436AF70A92}"/>
+              </a:ext>
+            </a:extLst>
+          </p:cNvPr>
+          <p:cNvPicPr>
+            <a:picLocks noChangeAspect="1"/>
+          </p:cNvPicPr>
+          <p:nvPr/>
+        </p:nvPicPr>
+        <p:blipFill>
+          <a:blip r:embed="rId4">
+            <a:extLst>
+              <a:ext uri="{96DAC541-7B7A-43D3-8B79-37D633B846F1}">
+                <asvg:svgBlip xmlns:asvg="http://schemas.microsoft.com/office/drawing/2016/SVG/main" r:embed="rId5"/>
+              </a:ext>
+              <a:ext uri="{837473B0-CC2E-450A-ABE3-18F120FF3D39}">
+                <a1611:picAttrSrcUrl xmlns:a1611="http://schemas.microsoft.com/office/drawing/2016/11/main" r:id="rId6"/>
+              </a:ext>
+            </a:extLst>
+          </a:blip>
+          <a:stretch>
+            <a:fillRect/>
+          </a:stretch>
+        </p:blipFill>
+        <p:spPr>
+          <a:xfrm rot="9194426">
+            <a:off x="7407644" y="1840819"/>
+            <a:ext cx="3414748" cy="1719944"/>
+          </a:xfrm>
+          <a:prstGeom prst="rect">
+            <a:avLst/>
+          </a:prstGeom>
+        </p:spPr>
+      </p:pic>
+    </p:spTree>
+    <p:extLst>
+      <p:ext uri="{BB962C8B-B14F-4D97-AF65-F5344CB8AC3E}">
+        <p14:creationId xmlns:p14="http://schemas.microsoft.com/office/powerpoint/2010/main" val="3585262055"/>
+      </p:ext>
+    </p:extLst>
+  </p:cSld>
+  <p:clrMapOvr>
+    <a:masterClrMapping/>
+  </p:clrMapOvr>
+</p:sld>
+</file>
+
+<file path=ppt/slides/slide7.xml><?xml version="1.0" encoding="utf-8"?>
 <p:sld xmlns:a="http://schemas.openxmlformats.org/drawingml/2006/main" xmlns:r="http://schemas.openxmlformats.org/officeDocument/2006/relationships" xmlns:p="http://schemas.openxmlformats.org/presentationml/2006/main">
   <p:cSld>
     <p:spTree>
@@ -7449,7 +11451,19 @@
           <a:bodyPr/>
           <a:lstStyle/>
           <a:p>
-            <a:endParaRPr lang="en-US" dirty="0"/>
+            <a:pPr algn="ctr"/>
+            <a:r>
+              <a:rPr lang="en-US" dirty="0"/>
+              <a:t>Which state has the beer with highest abv? </a:t>
+            </a:r>
+            <a:r>
+              <a:rPr lang="en-US" dirty="0" err="1"/>
+              <a:t>Ibu</a:t>
+            </a:r>
+            <a:r>
+              <a:rPr lang="en-US" dirty="0"/>
+              <a:t>?</a:t>
+            </a:r>
           </a:p>
         </p:txBody>
       </p:sp>
@@ -7567,6 +11581,96 @@
           </a:xfrm>
         </p:spPr>
       </p:pic>
+      <p:sp>
+        <p:nvSpPr>
+          <p:cNvPr id="2" name="TextBox 1">
+            <a:extLst>
+              <a:ext uri="{FF2B5EF4-FFF2-40B4-BE49-F238E27FC236}">
+                <a16:creationId xmlns:a16="http://schemas.microsoft.com/office/drawing/2014/main" id="{8EAB9A6E-7374-44DB-88F6-0FAA28381BC2}"/>
+              </a:ext>
+            </a:extLst>
+          </p:cNvPr>
+          <p:cNvSpPr txBox="1"/>
+          <p:nvPr/>
+        </p:nvSpPr>
+        <p:spPr>
+          <a:xfrm>
+            <a:off x="1110343" y="6092890"/>
+            <a:ext cx="4985657" cy="646331"/>
+          </a:xfrm>
+          <a:prstGeom prst="rect">
+            <a:avLst/>
+          </a:prstGeom>
+          <a:noFill/>
+        </p:spPr>
+        <p:txBody>
+          <a:bodyPr wrap="square" rtlCol="0">
+            <a:spAutoFit/>
+          </a:bodyPr>
+          <a:lstStyle/>
+          <a:p>
+            <a:r>
+              <a:rPr lang="en-US" dirty="0"/>
+              <a:t>Lee Hill Series Vol. 5 - Belgian Style </a:t>
+            </a:r>
+            <a:r>
+              <a:rPr lang="en-US" dirty="0" err="1"/>
+              <a:t>Quadrupel</a:t>
+            </a:r>
+            <a:r>
+              <a:rPr lang="en-US" dirty="0"/>
+              <a:t> Ale</a:t>
+            </a:r>
+          </a:p>
+          <a:p>
+            <a:r>
+              <a:rPr lang="en-US" dirty="0"/>
+              <a:t>Upslope Brewing Co., Boulder, CO</a:t>
+            </a:r>
+          </a:p>
+        </p:txBody>
+      </p:sp>
+      <p:sp>
+        <p:nvSpPr>
+          <p:cNvPr id="9" name="TextBox 8">
+            <a:extLst>
+              <a:ext uri="{FF2B5EF4-FFF2-40B4-BE49-F238E27FC236}">
+                <a16:creationId xmlns:a16="http://schemas.microsoft.com/office/drawing/2014/main" id="{85E7F0ED-8977-4206-B68E-3DF0B363820E}"/>
+              </a:ext>
+            </a:extLst>
+          </p:cNvPr>
+          <p:cNvSpPr txBox="1"/>
+          <p:nvPr/>
+        </p:nvSpPr>
+        <p:spPr>
+          <a:xfrm>
+            <a:off x="6881097" y="6092890"/>
+            <a:ext cx="4544331" cy="646331"/>
+          </a:xfrm>
+          <a:prstGeom prst="rect">
+            <a:avLst/>
+          </a:prstGeom>
+          <a:noFill/>
+        </p:spPr>
+        <p:txBody>
+          <a:bodyPr wrap="square" rtlCol="0">
+            <a:spAutoFit/>
+          </a:bodyPr>
+          <a:lstStyle/>
+          <a:p>
+            <a:r>
+              <a:rPr lang="en-US" dirty="0"/>
+              <a:t>Bitter Bitch Imperial IPA</a:t>
+            </a:r>
+          </a:p>
+          <a:p>
+            <a:r>
+              <a:rPr lang="en-US" dirty="0"/>
+              <a:t>Astoria Brewing Co., Astoria, OR</a:t>
+            </a:r>
+          </a:p>
+        </p:txBody>
+      </p:sp>
     </p:spTree>
     <p:extLst>
       <p:ext uri="{BB962C8B-B14F-4D97-AF65-F5344CB8AC3E}">
@@ -7580,7 +11684,7 @@
 </p:sld>
 </file>
 
-<file path=ppt/slides/slide7.xml><?xml version="1.0" encoding="utf-8"?>
+<file path=ppt/slides/slide8.xml><?xml version="1.0" encoding="utf-8"?>
 <p:sld xmlns:a="http://schemas.openxmlformats.org/drawingml/2006/main" xmlns:r="http://schemas.openxmlformats.org/officeDocument/2006/relationships" xmlns:p="http://schemas.openxmlformats.org/presentationml/2006/main">
   <p:cSld>
     <p:spTree>
@@ -7618,16 +11722,19 @@
           <a:bodyPr/>
           <a:lstStyle/>
           <a:p>
-            <a:endParaRPr lang="en-US"/>
+            <a:r>
+              <a:rPr lang="en-US" dirty="0"/>
+              <a:t>Abv overall</a:t>
+            </a:r>
           </a:p>
         </p:txBody>
       </p:sp>
       <p:sp>
         <p:nvSpPr>
-          <p:cNvPr id="3" name="Text Placeholder 2">
+          <p:cNvPr id="8" name="Content Placeholder 7">
             <a:extLst>
               <a:ext uri="{FF2B5EF4-FFF2-40B4-BE49-F238E27FC236}">
-                <a16:creationId xmlns:a16="http://schemas.microsoft.com/office/drawing/2014/main" id="{80DF0C6B-493F-4333-A192-DA1DE6A4E525}"/>
+                <a16:creationId xmlns:a16="http://schemas.microsoft.com/office/drawing/2014/main" id="{DD2D9551-36F9-4BE9-A664-C3076E416664}"/>
               </a:ext>
             </a:extLst>
           </p:cNvPr>
@@ -7635,7 +11742,7 @@
             <a:spLocks noGrp="1"/>
           </p:cNvSpPr>
           <p:nvPr>
-            <p:ph type="body" idx="1"/>
+            <p:ph sz="half" idx="1"/>
           </p:nvPr>
         </p:nvSpPr>
         <p:spPr/>
@@ -7643,16 +11750,19 @@
           <a:bodyPr/>
           <a:lstStyle/>
           <a:p>
-            <a:endParaRPr lang="en-US"/>
+            <a:r>
+              <a:rPr lang="en-US" dirty="0"/>
+              <a:t>Blurb about ABV distribution</a:t>
+            </a:r>
           </a:p>
         </p:txBody>
       </p:sp>
       <p:sp>
         <p:nvSpPr>
-          <p:cNvPr id="4" name="Content Placeholder 3">
+          <p:cNvPr id="9" name="Content Placeholder 8">
             <a:extLst>
               <a:ext uri="{FF2B5EF4-FFF2-40B4-BE49-F238E27FC236}">
-                <a16:creationId xmlns:a16="http://schemas.microsoft.com/office/drawing/2014/main" id="{D8509AE6-64F0-45EE-9F29-D224181A0E3F}"/>
+                <a16:creationId xmlns:a16="http://schemas.microsoft.com/office/drawing/2014/main" id="{BFB31A20-BAFA-42E1-B6C7-074F46433B78}"/>
               </a:ext>
             </a:extLst>
           </p:cNvPr>
@@ -7668,57 +11778,10 @@
           <a:bodyPr/>
           <a:lstStyle/>
           <a:p>
-            <a:endParaRPr lang="en-US"/>
-          </a:p>
-        </p:txBody>
-      </p:sp>
-      <p:sp>
-        <p:nvSpPr>
-          <p:cNvPr id="5" name="Text Placeholder 4">
-            <a:extLst>
-              <a:ext uri="{FF2B5EF4-FFF2-40B4-BE49-F238E27FC236}">
-                <a16:creationId xmlns:a16="http://schemas.microsoft.com/office/drawing/2014/main" id="{30D73489-68E2-4623-85A5-B31CFC968B66}"/>
-              </a:ext>
-            </a:extLst>
-          </p:cNvPr>
-          <p:cNvSpPr>
-            <a:spLocks noGrp="1"/>
-          </p:cNvSpPr>
-          <p:nvPr>
-            <p:ph type="body" sz="quarter" idx="3"/>
-          </p:nvPr>
-        </p:nvSpPr>
-        <p:spPr/>
-        <p:txBody>
-          <a:bodyPr/>
-          <a:lstStyle/>
-          <a:p>
-            <a:endParaRPr lang="en-US"/>
-          </a:p>
-        </p:txBody>
-      </p:sp>
-      <p:sp>
-        <p:nvSpPr>
-          <p:cNvPr id="6" name="Content Placeholder 5">
-            <a:extLst>
-              <a:ext uri="{FF2B5EF4-FFF2-40B4-BE49-F238E27FC236}">
-                <a16:creationId xmlns:a16="http://schemas.microsoft.com/office/drawing/2014/main" id="{BB417863-61F9-47A7-B79B-3866066F875E}"/>
-              </a:ext>
-            </a:extLst>
-          </p:cNvPr>
-          <p:cNvSpPr>
-            <a:spLocks noGrp="1"/>
-          </p:cNvSpPr>
-          <p:nvPr>
-            <p:ph sz="quarter" idx="4"/>
-          </p:nvPr>
-        </p:nvSpPr>
-        <p:spPr/>
-        <p:txBody>
-          <a:bodyPr/>
-          <a:lstStyle/>
-          <a:p>
-            <a:endParaRPr lang="en-US"/>
+            <a:r>
+              <a:rPr lang="en-US" dirty="0"/>
+              <a:t>Include histogram/box plot</a:t>
+            </a:r>
           </a:p>
         </p:txBody>
       </p:sp>
@@ -7746,34 +11809,34 @@
         <a:sysClr val="window" lastClr="FFFFFF"/>
       </a:lt1>
       <a:dk2>
-        <a:srgbClr val="1B2F36"/>
+        <a:srgbClr val="0B082E"/>
       </a:dk2>
       <a:lt2>
         <a:srgbClr val="F3F3F2"/>
       </a:lt2>
       <a:accent1>
-        <a:srgbClr val="A38D51"/>
+        <a:srgbClr val="62B4C6"/>
       </a:accent1>
       <a:accent2>
-        <a:srgbClr val="5A3D40"/>
+        <a:srgbClr val="1B376E"/>
       </a:accent2>
       <a:accent3>
-        <a:srgbClr val="5D988C"/>
+        <a:srgbClr val="9EBE55"/>
       </a:accent3>
       <a:accent4>
-        <a:srgbClr val="A85752"/>
+        <a:srgbClr val="C65E5E"/>
       </a:accent4>
       <a:accent5>
-        <a:srgbClr val="809A67"/>
+        <a:srgbClr val="D3BA55"/>
       </a:accent5>
       <a:accent6>
-        <a:srgbClr val="67645A"/>
+        <a:srgbClr val="96648A"/>
       </a:accent6>
       <a:hlink>
-        <a:srgbClr val="5D988C"/>
+        <a:srgbClr val="62B4C6"/>
       </a:hlink>
       <a:folHlink>
-        <a:srgbClr val="846794"/>
+        <a:srgbClr val="96648A"/>
       </a:folHlink>
     </a:clrScheme>
     <a:fontScheme name="Badge">
@@ -7989,7 +12052,7 @@
   <a:extraClrSchemeLst/>
   <a:extLst>
     <a:ext uri="{05A4C25C-085E-4340-85A3-A5531E510DB2}">
-      <thm15:themeFamily xmlns:thm15="http://schemas.microsoft.com/office/thememl/2012/main" name="Badge" id="{71A07785-5930-41D4-9A83-E23602B48E98}" vid="{9E77EDF1-0821-4215-BD6E-A2D49F02550D}"/>
+      <thm15:themeFamily xmlns:thm15="http://schemas.microsoft.com/office/thememl/2012/main" name="Badge" id="{71A07785-5930-41D4-9A83-E23602B48E98}" vid="{D71F8F05-6246-47AF-9E68-E57F6C93F792}"/>
     </a:ext>
   </a:extLst>
 </a:theme>

--- a/docs/Matt_Farrow_Megan_Ball_DS6306_EDA.pptx
+++ b/docs/Matt_Farrow_Megan_Ball_DS6306_EDA.pptx
@@ -1330,7 +1330,7 @@
           <a:p>
             <a:fld id="{1160EA64-D806-43AC-9DF2-F8C432F32B4C}" type="datetimeFigureOut">
               <a:rPr lang="en-US" smtClean="0"/>
-              <a:t>10/11/2020</a:t>
+              <a:t>10/11/20</a:t>
             </a:fld>
             <a:endParaRPr lang="en-US" dirty="0"/>
           </a:p>
@@ -1569,7 +1569,7 @@
           <a:p>
             <a:fld id="{E9F9C37B-1D36-470B-8223-D6C91242EC14}" type="datetimeFigureOut">
               <a:rPr lang="en-US" smtClean="0"/>
-              <a:t>10/11/2020</a:t>
+              <a:t>10/11/20</a:t>
             </a:fld>
             <a:endParaRPr lang="en-US" dirty="0"/>
           </a:p>
@@ -1749,7 +1749,7 @@
           <a:p>
             <a:fld id="{67C6F52A-A82B-47A2-A83A-8C4C91F2D59F}" type="datetimeFigureOut">
               <a:rPr lang="en-US" smtClean="0"/>
-              <a:t>10/11/2020</a:t>
+              <a:t>10/11/20</a:t>
             </a:fld>
             <a:endParaRPr lang="en-US" dirty="0"/>
           </a:p>
@@ -1919,7 +1919,7 @@
           <a:p>
             <a:fld id="{F070A7B3-6521-4DCA-87E5-044747A908C1}" type="datetimeFigureOut">
               <a:rPr lang="en-US" smtClean="0"/>
-              <a:t>10/11/2020</a:t>
+              <a:t>10/11/20</a:t>
             </a:fld>
             <a:endParaRPr lang="en-US" dirty="0"/>
           </a:p>
@@ -2193,7 +2193,7 @@
           <a:p>
             <a:fld id="{1160EA64-D806-43AC-9DF2-F8C432F32B4C}" type="datetimeFigureOut">
               <a:rPr lang="en-US" smtClean="0"/>
-              <a:t>10/11/2020</a:t>
+              <a:t>10/11/20</a:t>
             </a:fld>
             <a:endParaRPr lang="en-US" dirty="0"/>
           </a:p>
@@ -3395,7 +3395,7 @@
           <a:p>
             <a:fld id="{AB134690-1557-4C89-A502-4959FE7FAD70}" type="datetimeFigureOut">
               <a:rPr lang="en-US" smtClean="0"/>
-              <a:t>10/11/2020</a:t>
+              <a:t>10/11/20</a:t>
             </a:fld>
             <a:endParaRPr lang="en-US" dirty="0"/>
           </a:p>
@@ -3785,7 +3785,7 @@
           <a:p>
             <a:fld id="{1160EA64-D806-43AC-9DF2-F8C432F32B4C}" type="datetimeFigureOut">
               <a:rPr lang="en-US" smtClean="0"/>
-              <a:t>10/11/2020</a:t>
+              <a:t>10/11/20</a:t>
             </a:fld>
             <a:endParaRPr lang="en-US" dirty="0"/>
           </a:p>
@@ -3910,7 +3910,7 @@
           <a:p>
             <a:fld id="{E1037C31-9E7A-4F99-8774-A0E530DE1A42}" type="datetimeFigureOut">
               <a:rPr lang="en-US" smtClean="0"/>
-              <a:t>10/11/2020</a:t>
+              <a:t>10/11/20</a:t>
             </a:fld>
             <a:endParaRPr lang="en-US" dirty="0"/>
           </a:p>
@@ -4005,7 +4005,7 @@
           <a:p>
             <a:fld id="{C278504F-A551-4DE0-9316-4DCD1D8CC752}" type="datetimeFigureOut">
               <a:rPr lang="en-US" smtClean="0"/>
-              <a:t>10/11/2020</a:t>
+              <a:t>10/11/20</a:t>
             </a:fld>
             <a:endParaRPr lang="en-US" dirty="0"/>
           </a:p>
@@ -4768,7 +4768,7 @@
           <a:p>
             <a:fld id="{D1BE4249-C0D0-4B06-8692-E8BB871AF643}" type="datetimeFigureOut">
               <a:rPr lang="en-US" smtClean="0"/>
-              <a:t>10/11/2020</a:t>
+              <a:t>10/11/20</a:t>
             </a:fld>
             <a:endParaRPr lang="en-US" dirty="0"/>
           </a:p>
@@ -5608,7 +5608,7 @@
           <a:p>
             <a:fld id="{042B0DB6-F5C7-45FB-8CF3-31B45F9C2DAC}" type="datetimeFigureOut">
               <a:rPr lang="en-US" smtClean="0"/>
-              <a:t>10/11/2020</a:t>
+              <a:t>10/11/20</a:t>
             </a:fld>
             <a:endParaRPr lang="en-US" dirty="0"/>
           </a:p>
@@ -5835,7 +5835,7 @@
           <a:p>
             <a:fld id="{1160EA64-D806-43AC-9DF2-F8C432F32B4C}" type="datetimeFigureOut">
               <a:rPr lang="en-US" smtClean="0"/>
-              <a:t>10/11/2020</a:t>
+              <a:t>10/11/20</a:t>
             </a:fld>
             <a:endParaRPr lang="en-US" dirty="0"/>
           </a:p>
@@ -6953,17 +6953,17 @@
           <a:p>
             <a:r>
               <a:rPr lang="en-US" dirty="0"/>
-              <a:t>Data Description</a:t>
+              <a:t>Data Dictionary</a:t>
             </a:r>
           </a:p>
         </p:txBody>
       </p:sp>
       <p:sp>
         <p:nvSpPr>
-          <p:cNvPr id="3" name="Content Placeholder 2">
+          <p:cNvPr id="4" name="Content Placeholder 3">
             <a:extLst>
               <a:ext uri="{FF2B5EF4-FFF2-40B4-BE49-F238E27FC236}">
-                <a16:creationId xmlns:a16="http://schemas.microsoft.com/office/drawing/2014/main" id="{FD2E9094-C586-8C4A-9C85-1942711D6692}"/>
+                <a16:creationId xmlns:a16="http://schemas.microsoft.com/office/drawing/2014/main" id="{34064BCA-7119-E348-8710-899A90E305A3}"/>
               </a:ext>
             </a:extLst>
           </p:cNvPr>
@@ -6971,7 +6971,7 @@
             <a:spLocks noGrp="1"/>
           </p:cNvSpPr>
           <p:nvPr>
-            <p:ph idx="1"/>
+            <p:ph sz="half" idx="1"/>
           </p:nvPr>
         </p:nvSpPr>
         <p:spPr/>
@@ -6979,7 +6979,225 @@
           <a:bodyPr/>
           <a:lstStyle/>
           <a:p>
-            <a:endParaRPr lang="en-US"/>
+            <a:r>
+              <a:rPr lang="en-US" dirty="0"/>
+              <a:t>Name </a:t>
+            </a:r>
+            <a:r>
+              <a:rPr lang="en-US" sz="1400" i="1" dirty="0">
+                <a:solidFill>
+                  <a:schemeClr val="tx1">
+                    <a:lumMod val="50000"/>
+                    <a:lumOff val="50000"/>
+                  </a:schemeClr>
+                </a:solidFill>
+              </a:rPr>
+              <a:t>(beer name)</a:t>
+            </a:r>
+            <a:endParaRPr lang="en-US" i="1" dirty="0">
+              <a:solidFill>
+                <a:schemeClr val="tx1">
+                  <a:lumMod val="50000"/>
+                  <a:lumOff val="50000"/>
+                </a:schemeClr>
+              </a:solidFill>
+            </a:endParaRPr>
+          </a:p>
+          <a:p>
+            <a:r>
+              <a:rPr lang="en-US" dirty="0"/>
+              <a:t>Beer ID</a:t>
+            </a:r>
+          </a:p>
+          <a:p>
+            <a:r>
+              <a:rPr lang="en-US" dirty="0"/>
+              <a:t>ABV</a:t>
+            </a:r>
+            <a:r>
+              <a:rPr lang="en-US" sz="1400" i="1" dirty="0">
+                <a:solidFill>
+                  <a:schemeClr val="tx1">
+                    <a:lumMod val="50000"/>
+                    <a:lumOff val="50000"/>
+                  </a:schemeClr>
+                </a:solidFill>
+              </a:rPr>
+              <a:t> (alcohol by volume)</a:t>
+            </a:r>
+            <a:endParaRPr lang="en-US" dirty="0"/>
+          </a:p>
+          <a:p>
+            <a:r>
+              <a:rPr lang="en-US" dirty="0"/>
+              <a:t>IBU </a:t>
+            </a:r>
+            <a:r>
+              <a:rPr lang="en-US" sz="1400" i="1" dirty="0">
+                <a:solidFill>
+                  <a:schemeClr val="tx1">
+                    <a:lumMod val="50000"/>
+                    <a:lumOff val="50000"/>
+                  </a:schemeClr>
+                </a:solidFill>
+              </a:rPr>
+              <a:t>(international bitterness units)</a:t>
+            </a:r>
+            <a:endParaRPr lang="en-US" dirty="0"/>
+          </a:p>
+          <a:p>
+            <a:r>
+              <a:rPr lang="en-US" dirty="0"/>
+              <a:t>Brewery ID</a:t>
+            </a:r>
+          </a:p>
+          <a:p>
+            <a:r>
+              <a:rPr lang="en-US" dirty="0"/>
+              <a:t>Style</a:t>
+            </a:r>
+          </a:p>
+          <a:p>
+            <a:r>
+              <a:rPr lang="en-US" dirty="0"/>
+              <a:t>Ounces</a:t>
+            </a:r>
+          </a:p>
+        </p:txBody>
+      </p:sp>
+      <p:sp>
+        <p:nvSpPr>
+          <p:cNvPr id="5" name="Content Placeholder 4">
+            <a:extLst>
+              <a:ext uri="{FF2B5EF4-FFF2-40B4-BE49-F238E27FC236}">
+                <a16:creationId xmlns:a16="http://schemas.microsoft.com/office/drawing/2014/main" id="{6D243D89-E04D-3744-AE63-12BE302BC932}"/>
+              </a:ext>
+            </a:extLst>
+          </p:cNvPr>
+          <p:cNvSpPr>
+            <a:spLocks noGrp="1"/>
+          </p:cNvSpPr>
+          <p:nvPr>
+            <p:ph sz="half" idx="2"/>
+          </p:nvPr>
+        </p:nvSpPr>
+        <p:spPr/>
+        <p:txBody>
+          <a:bodyPr/>
+          <a:lstStyle/>
+          <a:p>
+            <a:r>
+              <a:rPr lang="en-US" dirty="0"/>
+              <a:t>Brew ID</a:t>
+            </a:r>
+          </a:p>
+          <a:p>
+            <a:r>
+              <a:rPr lang="en-US" dirty="0"/>
+              <a:t>Name</a:t>
+            </a:r>
+            <a:r>
+              <a:rPr lang="en-US" sz="1400" dirty="0"/>
+              <a:t> </a:t>
+            </a:r>
+            <a:r>
+              <a:rPr lang="en-US" sz="1400" i="1" dirty="0">
+                <a:solidFill>
+                  <a:schemeClr val="tx1">
+                    <a:lumMod val="50000"/>
+                    <a:lumOff val="50000"/>
+                  </a:schemeClr>
+                </a:solidFill>
+              </a:rPr>
+              <a:t>(brewery name)</a:t>
+            </a:r>
+            <a:endParaRPr lang="en-US" dirty="0"/>
+          </a:p>
+          <a:p>
+            <a:r>
+              <a:rPr lang="en-US" dirty="0"/>
+              <a:t>City</a:t>
+            </a:r>
+          </a:p>
+          <a:p>
+            <a:r>
+              <a:rPr lang="en-US" dirty="0"/>
+              <a:t>State</a:t>
+            </a:r>
+          </a:p>
+        </p:txBody>
+      </p:sp>
+      <p:sp>
+        <p:nvSpPr>
+          <p:cNvPr id="6" name="TextBox 5">
+            <a:extLst>
+              <a:ext uri="{FF2B5EF4-FFF2-40B4-BE49-F238E27FC236}">
+                <a16:creationId xmlns:a16="http://schemas.microsoft.com/office/drawing/2014/main" id="{44BC01CE-7F06-654C-90D4-2E55E3CAD3F8}"/>
+              </a:ext>
+            </a:extLst>
+          </p:cNvPr>
+          <p:cNvSpPr txBox="1"/>
+          <p:nvPr/>
+        </p:nvSpPr>
+        <p:spPr>
+          <a:xfrm>
+            <a:off x="1251678" y="1688757"/>
+            <a:ext cx="1048685" cy="523220"/>
+          </a:xfrm>
+          <a:prstGeom prst="rect">
+            <a:avLst/>
+          </a:prstGeom>
+          <a:noFill/>
+        </p:spPr>
+        <p:txBody>
+          <a:bodyPr wrap="none" rtlCol="0">
+            <a:spAutoFit/>
+          </a:bodyPr>
+          <a:lstStyle/>
+          <a:p>
+            <a:r>
+              <a:rPr lang="en-US" sz="2800" dirty="0">
+                <a:latin typeface="+mj-lt"/>
+              </a:rPr>
+              <a:t>Beers</a:t>
+            </a:r>
+          </a:p>
+        </p:txBody>
+      </p:sp>
+      <p:sp>
+        <p:nvSpPr>
+          <p:cNvPr id="7" name="TextBox 6">
+            <a:extLst>
+              <a:ext uri="{FF2B5EF4-FFF2-40B4-BE49-F238E27FC236}">
+                <a16:creationId xmlns:a16="http://schemas.microsoft.com/office/drawing/2014/main" id="{A4094C26-9DDB-0D4D-A72D-4092B7D99EB5}"/>
+              </a:ext>
+            </a:extLst>
+          </p:cNvPr>
+          <p:cNvSpPr txBox="1"/>
+          <p:nvPr/>
+        </p:nvSpPr>
+        <p:spPr>
+          <a:xfrm>
+            <a:off x="6647796" y="1688757"/>
+            <a:ext cx="1699504" cy="523220"/>
+          </a:xfrm>
+          <a:prstGeom prst="rect">
+            <a:avLst/>
+          </a:prstGeom>
+          <a:noFill/>
+        </p:spPr>
+        <p:txBody>
+          <a:bodyPr wrap="none" rtlCol="0">
+            <a:spAutoFit/>
+          </a:bodyPr>
+          <a:lstStyle/>
+          <a:p>
+            <a:r>
+              <a:rPr lang="en-US" sz="2800" dirty="0">
+                <a:latin typeface="+mj-lt"/>
+              </a:rPr>
+              <a:t>Breweries</a:t>
+            </a:r>
           </a:p>
         </p:txBody>
       </p:sp>
@@ -7043,25 +7261,459 @@
       </p:sp>
       <p:sp>
         <p:nvSpPr>
-          <p:cNvPr id="3" name="Content Placeholder 2">
+          <p:cNvPr id="4" name="TextBox 3">
             <a:extLst>
               <a:ext uri="{FF2B5EF4-FFF2-40B4-BE49-F238E27FC236}">
-                <a16:creationId xmlns:a16="http://schemas.microsoft.com/office/drawing/2014/main" id="{1B0C74A9-7FE5-5C47-BF80-18F466EA8D93}"/>
+                <a16:creationId xmlns:a16="http://schemas.microsoft.com/office/drawing/2014/main" id="{65BE2C23-529D-3A46-BC28-5E48CF7A408A}"/>
               </a:ext>
             </a:extLst>
           </p:cNvPr>
-          <p:cNvSpPr>
-            <a:spLocks noGrp="1"/>
-          </p:cNvSpPr>
-          <p:nvPr>
-            <p:ph idx="1"/>
-          </p:nvPr>
+          <p:cNvSpPr txBox="1"/>
+          <p:nvPr/>
         </p:nvSpPr>
-        <p:spPr/>
+        <p:spPr>
+          <a:xfrm>
+            <a:off x="1449859" y="1771136"/>
+            <a:ext cx="3010761" cy="461665"/>
+          </a:xfrm>
+          <a:prstGeom prst="rect">
+            <a:avLst/>
+          </a:prstGeom>
+          <a:noFill/>
+        </p:spPr>
         <p:txBody>
-          <a:bodyPr/>
+          <a:bodyPr wrap="none" rtlCol="0">
+            <a:spAutoFit/>
+          </a:bodyPr>
           <a:lstStyle/>
           <a:p>
+            <a:r>
+              <a:rPr lang="en-US" sz="2400" spc="300" dirty="0">
+                <a:latin typeface="+mj-lt"/>
+              </a:rPr>
+              <a:t>Many Missing IBU</a:t>
+            </a:r>
+          </a:p>
+        </p:txBody>
+      </p:sp>
+      <p:sp>
+        <p:nvSpPr>
+          <p:cNvPr id="5" name="TextBox 4">
+            <a:extLst>
+              <a:ext uri="{FF2B5EF4-FFF2-40B4-BE49-F238E27FC236}">
+                <a16:creationId xmlns:a16="http://schemas.microsoft.com/office/drawing/2014/main" id="{F86C0642-7456-694E-90CD-DB7CB8A9BB2C}"/>
+              </a:ext>
+            </a:extLst>
+          </p:cNvPr>
+          <p:cNvSpPr txBox="1"/>
+          <p:nvPr/>
+        </p:nvSpPr>
+        <p:spPr>
+          <a:xfrm>
+            <a:off x="3991232" y="3059668"/>
+            <a:ext cx="4488473" cy="461665"/>
+          </a:xfrm>
+          <a:prstGeom prst="rect">
+            <a:avLst/>
+          </a:prstGeom>
+          <a:noFill/>
+        </p:spPr>
+        <p:txBody>
+          <a:bodyPr wrap="none" rtlCol="0">
+            <a:spAutoFit/>
+          </a:bodyPr>
+          <a:lstStyle/>
+          <a:p>
+            <a:r>
+              <a:rPr lang="en-US" sz="2400" spc="300" dirty="0">
+                <a:latin typeface="+mj-lt"/>
+              </a:rPr>
+              <a:t>Impute Mean by Beer Style</a:t>
+            </a:r>
+          </a:p>
+        </p:txBody>
+      </p:sp>
+      <p:sp>
+        <p:nvSpPr>
+          <p:cNvPr id="6" name="TextBox 5">
+            <a:extLst>
+              <a:ext uri="{FF2B5EF4-FFF2-40B4-BE49-F238E27FC236}">
+                <a16:creationId xmlns:a16="http://schemas.microsoft.com/office/drawing/2014/main" id="{CF27BFAF-8456-EC48-9858-5D4569227B60}"/>
+              </a:ext>
+            </a:extLst>
+          </p:cNvPr>
+          <p:cNvSpPr txBox="1"/>
+          <p:nvPr/>
+        </p:nvSpPr>
+        <p:spPr>
+          <a:xfrm>
+            <a:off x="7046031" y="4290985"/>
+            <a:ext cx="4148893" cy="830997"/>
+          </a:xfrm>
+          <a:prstGeom prst="rect">
+            <a:avLst/>
+          </a:prstGeom>
+          <a:noFill/>
+        </p:spPr>
+        <p:txBody>
+          <a:bodyPr wrap="none" rtlCol="0">
+            <a:spAutoFit/>
+          </a:bodyPr>
+          <a:lstStyle/>
+          <a:p>
+            <a:pPr algn="ctr"/>
+            <a:r>
+              <a:rPr lang="en-US" sz="2400" spc="300" dirty="0">
+                <a:latin typeface="+mj-lt"/>
+              </a:rPr>
+              <a:t>Remove Remaining Rows</a:t>
+            </a:r>
+          </a:p>
+          <a:p>
+            <a:pPr algn="ctr"/>
+            <a:r>
+              <a:rPr lang="en-US" sz="2400" spc="300" dirty="0">
+                <a:latin typeface="+mj-lt"/>
+              </a:rPr>
+              <a:t>Containing NAs</a:t>
+            </a:r>
+          </a:p>
+        </p:txBody>
+      </p:sp>
+      <p:sp>
+        <p:nvSpPr>
+          <p:cNvPr id="7" name="Freeform 6">
+            <a:extLst>
+              <a:ext uri="{FF2B5EF4-FFF2-40B4-BE49-F238E27FC236}">
+                <a16:creationId xmlns:a16="http://schemas.microsoft.com/office/drawing/2014/main" id="{9DEA09A5-27CE-7846-B4C4-050FAB370C54}"/>
+              </a:ext>
+            </a:extLst>
+          </p:cNvPr>
+          <p:cNvSpPr/>
+          <p:nvPr/>
+        </p:nvSpPr>
+        <p:spPr>
+          <a:xfrm>
+            <a:off x="2031926" y="2248930"/>
+            <a:ext cx="1922236" cy="1150498"/>
+          </a:xfrm>
+          <a:custGeom>
+            <a:avLst/>
+            <a:gdLst>
+              <a:gd name="connsiteX0" fmla="*/ 579469 w 1922236"/>
+              <a:gd name="connsiteY0" fmla="*/ 0 h 1150498"/>
+              <a:gd name="connsiteX1" fmla="*/ 35771 w 1922236"/>
+              <a:gd name="connsiteY1" fmla="*/ 774356 h 1150498"/>
+              <a:gd name="connsiteX2" fmla="*/ 1477393 w 1922236"/>
+              <a:gd name="connsiteY2" fmla="*/ 337751 h 1150498"/>
+              <a:gd name="connsiteX3" fmla="*/ 1230258 w 1922236"/>
+              <a:gd name="connsiteY3" fmla="*/ 1079156 h 1150498"/>
+              <a:gd name="connsiteX4" fmla="*/ 1922236 w 1922236"/>
+              <a:gd name="connsiteY4" fmla="*/ 1079156 h 1150498"/>
+            </a:gdLst>
+            <a:ahLst/>
+            <a:cxnLst>
+              <a:cxn ang="0">
+                <a:pos x="connsiteX0" y="connsiteY0"/>
+              </a:cxn>
+              <a:cxn ang="0">
+                <a:pos x="connsiteX1" y="connsiteY1"/>
+              </a:cxn>
+              <a:cxn ang="0">
+                <a:pos x="connsiteX2" y="connsiteY2"/>
+              </a:cxn>
+              <a:cxn ang="0">
+                <a:pos x="connsiteX3" y="connsiteY3"/>
+              </a:cxn>
+              <a:cxn ang="0">
+                <a:pos x="connsiteX4" y="connsiteY4"/>
+              </a:cxn>
+            </a:cxnLst>
+            <a:rect l="l" t="t" r="r" b="b"/>
+            <a:pathLst>
+              <a:path w="1922236" h="1150498" extrusionOk="0">
+                <a:moveTo>
+                  <a:pt x="579469" y="0"/>
+                </a:moveTo>
+                <a:cubicBezTo>
+                  <a:pt x="223334" y="391947"/>
+                  <a:pt x="-102885" y="713089"/>
+                  <a:pt x="35771" y="774356"/>
+                </a:cubicBezTo>
+                <a:cubicBezTo>
+                  <a:pt x="204002" y="803439"/>
+                  <a:pt x="1288522" y="283562"/>
+                  <a:pt x="1477393" y="337751"/>
+                </a:cubicBezTo>
+                <a:cubicBezTo>
+                  <a:pt x="1682198" y="399588"/>
+                  <a:pt x="1175075" y="950808"/>
+                  <a:pt x="1230258" y="1079156"/>
+                </a:cubicBezTo>
+                <a:cubicBezTo>
+                  <a:pt x="1279123" y="1135058"/>
+                  <a:pt x="1609104" y="1189343"/>
+                  <a:pt x="1922236" y="1079156"/>
+                </a:cubicBezTo>
+              </a:path>
+            </a:pathLst>
+          </a:custGeom>
+          <a:noFill/>
+          <a:ln w="38100">
+            <a:headEnd type="none" w="med" len="med"/>
+            <a:tailEnd type="arrow" w="med" len="med"/>
+            <a:extLst>
+              <a:ext uri="{C807C97D-BFC1-408E-A445-0C87EB9F89A2}">
+                <ask:lineSketchStyleProps xmlns:ask="http://schemas.microsoft.com/office/drawing/2018/sketchyshapes" sd="1435683001">
+                  <a:custGeom>
+                    <a:avLst/>
+                    <a:gdLst>
+                      <a:gd name="connsiteX0" fmla="*/ 579469 w 1922236"/>
+                      <a:gd name="connsiteY0" fmla="*/ 0 h 1150498"/>
+                      <a:gd name="connsiteX1" fmla="*/ 35771 w 1922236"/>
+                      <a:gd name="connsiteY1" fmla="*/ 774356 h 1150498"/>
+                      <a:gd name="connsiteX2" fmla="*/ 1477393 w 1922236"/>
+                      <a:gd name="connsiteY2" fmla="*/ 337751 h 1150498"/>
+                      <a:gd name="connsiteX3" fmla="*/ 1230258 w 1922236"/>
+                      <a:gd name="connsiteY3" fmla="*/ 1079156 h 1150498"/>
+                      <a:gd name="connsiteX4" fmla="*/ 1922236 w 1922236"/>
+                      <a:gd name="connsiteY4" fmla="*/ 1079156 h 1150498"/>
+                    </a:gdLst>
+                    <a:ahLst/>
+                    <a:cxnLst>
+                      <a:cxn ang="0">
+                        <a:pos x="connsiteX0" y="connsiteY0"/>
+                      </a:cxn>
+                      <a:cxn ang="0">
+                        <a:pos x="connsiteX1" y="connsiteY1"/>
+                      </a:cxn>
+                      <a:cxn ang="0">
+                        <a:pos x="connsiteX2" y="connsiteY2"/>
+                      </a:cxn>
+                      <a:cxn ang="0">
+                        <a:pos x="connsiteX3" y="connsiteY3"/>
+                      </a:cxn>
+                      <a:cxn ang="0">
+                        <a:pos x="connsiteX4" y="connsiteY4"/>
+                      </a:cxn>
+                    </a:cxnLst>
+                    <a:rect l="l" t="t" r="r" b="b"/>
+                    <a:pathLst>
+                      <a:path w="1922236" h="1150498">
+                        <a:moveTo>
+                          <a:pt x="579469" y="0"/>
+                        </a:moveTo>
+                        <a:cubicBezTo>
+                          <a:pt x="232793" y="359032"/>
+                          <a:pt x="-113883" y="718064"/>
+                          <a:pt x="35771" y="774356"/>
+                        </a:cubicBezTo>
+                        <a:cubicBezTo>
+                          <a:pt x="185425" y="830648"/>
+                          <a:pt x="1278312" y="286951"/>
+                          <a:pt x="1477393" y="337751"/>
+                        </a:cubicBezTo>
+                        <a:cubicBezTo>
+                          <a:pt x="1676474" y="388551"/>
+                          <a:pt x="1156118" y="955589"/>
+                          <a:pt x="1230258" y="1079156"/>
+                        </a:cubicBezTo>
+                        <a:cubicBezTo>
+                          <a:pt x="1304399" y="1202724"/>
+                          <a:pt x="1613317" y="1140940"/>
+                          <a:pt x="1922236" y="1079156"/>
+                        </a:cubicBezTo>
+                      </a:path>
+                    </a:pathLst>
+                  </a:custGeom>
+                  <ask:type>
+                    <ask:lineSketchFreehand/>
+                  </ask:type>
+                </ask:lineSketchStyleProps>
+              </a:ext>
+            </a:extLst>
+          </a:ln>
+        </p:spPr>
+        <p:style>
+          <a:lnRef idx="2">
+            <a:schemeClr val="accent1">
+              <a:shade val="50000"/>
+            </a:schemeClr>
+          </a:lnRef>
+          <a:fillRef idx="1">
+            <a:schemeClr val="accent1"/>
+          </a:fillRef>
+          <a:effectRef idx="0">
+            <a:schemeClr val="accent1"/>
+          </a:effectRef>
+          <a:fontRef idx="minor">
+            <a:schemeClr val="lt1"/>
+          </a:fontRef>
+        </p:style>
+        <p:txBody>
+          <a:bodyPr rtlCol="0" anchor="ctr"/>
+          <a:lstStyle/>
+          <a:p>
+            <a:pPr algn="ctr"/>
+            <a:endParaRPr lang="en-US"/>
+          </a:p>
+        </p:txBody>
+      </p:sp>
+      <p:sp>
+        <p:nvSpPr>
+          <p:cNvPr id="9" name="Freeform 8">
+            <a:extLst>
+              <a:ext uri="{FF2B5EF4-FFF2-40B4-BE49-F238E27FC236}">
+                <a16:creationId xmlns:a16="http://schemas.microsoft.com/office/drawing/2014/main" id="{5516A77B-726C-C142-910F-ACD607B7F8E4}"/>
+              </a:ext>
+            </a:extLst>
+          </p:cNvPr>
+          <p:cNvSpPr/>
+          <p:nvPr/>
+        </p:nvSpPr>
+        <p:spPr>
+          <a:xfrm>
+            <a:off x="8517924" y="3081341"/>
+            <a:ext cx="1690142" cy="1152908"/>
+          </a:xfrm>
+          <a:custGeom>
+            <a:avLst/>
+            <a:gdLst>
+              <a:gd name="connsiteX0" fmla="*/ 0 w 1690142"/>
+              <a:gd name="connsiteY0" fmla="*/ 213794 h 1152908"/>
+              <a:gd name="connsiteX1" fmla="*/ 1688757 w 1690142"/>
+              <a:gd name="connsiteY1" fmla="*/ 32562 h 1152908"/>
+              <a:gd name="connsiteX2" fmla="*/ 288325 w 1690142"/>
+              <a:gd name="connsiteY2" fmla="*/ 798681 h 1152908"/>
+              <a:gd name="connsiteX3" fmla="*/ 296562 w 1690142"/>
+              <a:gd name="connsiteY3" fmla="*/ 1152908 h 1152908"/>
+            </a:gdLst>
+            <a:ahLst/>
+            <a:cxnLst>
+              <a:cxn ang="0">
+                <a:pos x="connsiteX0" y="connsiteY0"/>
+              </a:cxn>
+              <a:cxn ang="0">
+                <a:pos x="connsiteX1" y="connsiteY1"/>
+              </a:cxn>
+              <a:cxn ang="0">
+                <a:pos x="connsiteX2" y="connsiteY2"/>
+              </a:cxn>
+              <a:cxn ang="0">
+                <a:pos x="connsiteX3" y="connsiteY3"/>
+              </a:cxn>
+            </a:cxnLst>
+            <a:rect l="l" t="t" r="r" b="b"/>
+            <a:pathLst>
+              <a:path w="1690142" h="1152908" extrusionOk="0">
+                <a:moveTo>
+                  <a:pt x="0" y="213794"/>
+                </a:moveTo>
+                <a:cubicBezTo>
+                  <a:pt x="798830" y="61162"/>
+                  <a:pt x="1632752" y="-61935"/>
+                  <a:pt x="1688757" y="32562"/>
+                </a:cubicBezTo>
+                <a:cubicBezTo>
+                  <a:pt x="1789682" y="141174"/>
+                  <a:pt x="478476" y="613289"/>
+                  <a:pt x="288325" y="798681"/>
+                </a:cubicBezTo>
+                <a:cubicBezTo>
+                  <a:pt x="52139" y="989460"/>
+                  <a:pt x="175367" y="1075017"/>
+                  <a:pt x="296562" y="1152908"/>
+                </a:cubicBezTo>
+              </a:path>
+            </a:pathLst>
+          </a:custGeom>
+          <a:noFill/>
+          <a:ln w="38100">
+            <a:headEnd type="none" w="med" len="med"/>
+            <a:tailEnd type="arrow" w="med" len="med"/>
+            <a:extLst>
+              <a:ext uri="{C807C97D-BFC1-408E-A445-0C87EB9F89A2}">
+                <ask:lineSketchStyleProps xmlns:ask="http://schemas.microsoft.com/office/drawing/2018/sketchyshapes" sd="1219033472">
+                  <a:custGeom>
+                    <a:avLst/>
+                    <a:gdLst>
+                      <a:gd name="connsiteX0" fmla="*/ 0 w 1690142"/>
+                      <a:gd name="connsiteY0" fmla="*/ 213794 h 1152908"/>
+                      <a:gd name="connsiteX1" fmla="*/ 1688757 w 1690142"/>
+                      <a:gd name="connsiteY1" fmla="*/ 32562 h 1152908"/>
+                      <a:gd name="connsiteX2" fmla="*/ 288325 w 1690142"/>
+                      <a:gd name="connsiteY2" fmla="*/ 798681 h 1152908"/>
+                      <a:gd name="connsiteX3" fmla="*/ 296562 w 1690142"/>
+                      <a:gd name="connsiteY3" fmla="*/ 1152908 h 1152908"/>
+                    </a:gdLst>
+                    <a:ahLst/>
+                    <a:cxnLst>
+                      <a:cxn ang="0">
+                        <a:pos x="connsiteX0" y="connsiteY0"/>
+                      </a:cxn>
+                      <a:cxn ang="0">
+                        <a:pos x="connsiteX1" y="connsiteY1"/>
+                      </a:cxn>
+                      <a:cxn ang="0">
+                        <a:pos x="connsiteX2" y="connsiteY2"/>
+                      </a:cxn>
+                      <a:cxn ang="0">
+                        <a:pos x="connsiteX3" y="connsiteY3"/>
+                      </a:cxn>
+                    </a:cxnLst>
+                    <a:rect l="l" t="t" r="r" b="b"/>
+                    <a:pathLst>
+                      <a:path w="1690142" h="1152908">
+                        <a:moveTo>
+                          <a:pt x="0" y="213794"/>
+                        </a:moveTo>
+                        <a:cubicBezTo>
+                          <a:pt x="820351" y="74437"/>
+                          <a:pt x="1640703" y="-64919"/>
+                          <a:pt x="1688757" y="32562"/>
+                        </a:cubicBezTo>
+                        <a:cubicBezTo>
+                          <a:pt x="1736811" y="130043"/>
+                          <a:pt x="520358" y="611957"/>
+                          <a:pt x="288325" y="798681"/>
+                        </a:cubicBezTo>
+                        <a:cubicBezTo>
+                          <a:pt x="56292" y="985405"/>
+                          <a:pt x="176427" y="1069156"/>
+                          <a:pt x="296562" y="1152908"/>
+                        </a:cubicBezTo>
+                      </a:path>
+                    </a:pathLst>
+                  </a:custGeom>
+                  <ask:type>
+                    <ask:lineSketchFreehand/>
+                  </ask:type>
+                </ask:lineSketchStyleProps>
+              </a:ext>
+            </a:extLst>
+          </a:ln>
+        </p:spPr>
+        <p:style>
+          <a:lnRef idx="2">
+            <a:schemeClr val="accent1">
+              <a:shade val="50000"/>
+            </a:schemeClr>
+          </a:lnRef>
+          <a:fillRef idx="1">
+            <a:schemeClr val="accent1"/>
+          </a:fillRef>
+          <a:effectRef idx="0">
+            <a:schemeClr val="accent1"/>
+          </a:effectRef>
+          <a:fontRef idx="minor">
+            <a:schemeClr val="lt1"/>
+          </a:fontRef>
+        </p:style>
+        <p:txBody>
+          <a:bodyPr rtlCol="0" anchor="ctr"/>
+          <a:lstStyle/>
+          <a:p>
+            <a:pPr algn="ctr"/>
             <a:endParaRPr lang="en-US"/>
           </a:p>
         </p:txBody>
@@ -7140,9 +7792,16 @@
             <p:ph sz="half" idx="1"/>
           </p:nvPr>
         </p:nvSpPr>
-        <p:spPr/>
+        <p:spPr>
+          <a:xfrm>
+            <a:off x="1295399" y="1219069"/>
+            <a:ext cx="6338337" cy="2438533"/>
+          </a:xfrm>
+        </p:spPr>
         <p:txBody>
-          <a:bodyPr/>
+          <a:bodyPr>
+            <a:normAutofit/>
+          </a:bodyPr>
           <a:lstStyle/>
           <a:p>
             <a:r>
@@ -7188,14 +7847,96 @@
         </p:blipFill>
         <p:spPr>
           <a:xfrm>
-            <a:off x="6648450" y="2608160"/>
-            <a:ext cx="4800600" cy="2975180"/>
+            <a:off x="1663465" y="3730625"/>
+            <a:ext cx="5602203" cy="2975180"/>
           </a:xfrm>
           <a:prstGeom prst="rect">
             <a:avLst/>
           </a:prstGeom>
         </p:spPr>
       </p:pic>
+      <p:pic>
+        <p:nvPicPr>
+          <p:cNvPr id="6" name="Picture 5">
+            <a:extLst>
+              <a:ext uri="{FF2B5EF4-FFF2-40B4-BE49-F238E27FC236}">
+                <a16:creationId xmlns:a16="http://schemas.microsoft.com/office/drawing/2014/main" id="{F81219B6-27E8-A741-AC1B-D5CB72BACBA3}"/>
+              </a:ext>
+            </a:extLst>
+          </p:cNvPr>
+          <p:cNvPicPr>
+            <a:picLocks noChangeAspect="1"/>
+          </p:cNvPicPr>
+          <p:nvPr/>
+        </p:nvPicPr>
+        <p:blipFill>
+          <a:blip r:embed="rId3"/>
+          <a:stretch>
+            <a:fillRect/>
+          </a:stretch>
+        </p:blipFill>
+        <p:spPr>
+          <a:xfrm>
+            <a:off x="7782018" y="985635"/>
+            <a:ext cx="3796263" cy="5489980"/>
+          </a:xfrm>
+          <a:prstGeom prst="rect">
+            <a:avLst/>
+          </a:prstGeom>
+        </p:spPr>
+      </p:pic>
+      <p:sp>
+        <p:nvSpPr>
+          <p:cNvPr id="2" name="Rectangle 1">
+            <a:extLst>
+              <a:ext uri="{FF2B5EF4-FFF2-40B4-BE49-F238E27FC236}">
+                <a16:creationId xmlns:a16="http://schemas.microsoft.com/office/drawing/2014/main" id="{9C7746F5-CD45-A840-8B27-0ED4D4D2BA1E}"/>
+              </a:ext>
+            </a:extLst>
+          </p:cNvPr>
+          <p:cNvSpPr/>
+          <p:nvPr/>
+        </p:nvSpPr>
+        <p:spPr>
+          <a:xfrm>
+            <a:off x="10181968" y="6170141"/>
+            <a:ext cx="1248032" cy="214183"/>
+          </a:xfrm>
+          <a:prstGeom prst="rect">
+            <a:avLst/>
+          </a:prstGeom>
+          <a:solidFill>
+            <a:schemeClr val="bg1"/>
+          </a:solidFill>
+          <a:ln>
+            <a:noFill/>
+          </a:ln>
+        </p:spPr>
+        <p:style>
+          <a:lnRef idx="2">
+            <a:schemeClr val="accent1">
+              <a:shade val="50000"/>
+            </a:schemeClr>
+          </a:lnRef>
+          <a:fillRef idx="1">
+            <a:schemeClr val="accent1"/>
+          </a:fillRef>
+          <a:effectRef idx="0">
+            <a:schemeClr val="accent1"/>
+          </a:effectRef>
+          <a:fontRef idx="minor">
+            <a:schemeClr val="lt1"/>
+          </a:fontRef>
+        </p:style>
+        <p:txBody>
+          <a:bodyPr rtlCol="0" anchor="ctr"/>
+          <a:lstStyle/>
+          <a:p>
+            <a:pPr algn="ctr"/>
+            <a:endParaRPr lang="en-US"/>
+          </a:p>
+        </p:txBody>
+      </p:sp>
     </p:spTree>
     <p:extLst>
       <p:ext uri="{BB962C8B-B14F-4D97-AF65-F5344CB8AC3E}">

--- a/docs/Matt_Farrow_Megan_Ball_DS6306_EDA.pptx
+++ b/docs/Matt_Farrow_Megan_Ball_DS6306_EDA.pptx
@@ -1330,7 +1330,7 @@
           <a:p>
             <a:fld id="{1160EA64-D806-43AC-9DF2-F8C432F32B4C}" type="datetimeFigureOut">
               <a:rPr lang="en-US" smtClean="0"/>
-              <a:t>10/11/20</a:t>
+              <a:t>10/12/2020</a:t>
             </a:fld>
             <a:endParaRPr lang="en-US" dirty="0"/>
           </a:p>
@@ -1569,7 +1569,7 @@
           <a:p>
             <a:fld id="{E9F9C37B-1D36-470B-8223-D6C91242EC14}" type="datetimeFigureOut">
               <a:rPr lang="en-US" smtClean="0"/>
-              <a:t>10/11/20</a:t>
+              <a:t>10/12/2020</a:t>
             </a:fld>
             <a:endParaRPr lang="en-US" dirty="0"/>
           </a:p>
@@ -1749,7 +1749,7 @@
           <a:p>
             <a:fld id="{67C6F52A-A82B-47A2-A83A-8C4C91F2D59F}" type="datetimeFigureOut">
               <a:rPr lang="en-US" smtClean="0"/>
-              <a:t>10/11/20</a:t>
+              <a:t>10/12/2020</a:t>
             </a:fld>
             <a:endParaRPr lang="en-US" dirty="0"/>
           </a:p>
@@ -1919,7 +1919,7 @@
           <a:p>
             <a:fld id="{F070A7B3-6521-4DCA-87E5-044747A908C1}" type="datetimeFigureOut">
               <a:rPr lang="en-US" smtClean="0"/>
-              <a:t>10/11/20</a:t>
+              <a:t>10/12/2020</a:t>
             </a:fld>
             <a:endParaRPr lang="en-US" dirty="0"/>
           </a:p>
@@ -2193,7 +2193,7 @@
           <a:p>
             <a:fld id="{1160EA64-D806-43AC-9DF2-F8C432F32B4C}" type="datetimeFigureOut">
               <a:rPr lang="en-US" smtClean="0"/>
-              <a:t>10/11/20</a:t>
+              <a:t>10/12/2020</a:t>
             </a:fld>
             <a:endParaRPr lang="en-US" dirty="0"/>
           </a:p>
@@ -3395,7 +3395,7 @@
           <a:p>
             <a:fld id="{AB134690-1557-4C89-A502-4959FE7FAD70}" type="datetimeFigureOut">
               <a:rPr lang="en-US" smtClean="0"/>
-              <a:t>10/11/20</a:t>
+              <a:t>10/12/2020</a:t>
             </a:fld>
             <a:endParaRPr lang="en-US" dirty="0"/>
           </a:p>
@@ -3785,7 +3785,7 @@
           <a:p>
             <a:fld id="{1160EA64-D806-43AC-9DF2-F8C432F32B4C}" type="datetimeFigureOut">
               <a:rPr lang="en-US" smtClean="0"/>
-              <a:t>10/11/20</a:t>
+              <a:t>10/12/2020</a:t>
             </a:fld>
             <a:endParaRPr lang="en-US" dirty="0"/>
           </a:p>
@@ -3910,7 +3910,7 @@
           <a:p>
             <a:fld id="{E1037C31-9E7A-4F99-8774-A0E530DE1A42}" type="datetimeFigureOut">
               <a:rPr lang="en-US" smtClean="0"/>
-              <a:t>10/11/20</a:t>
+              <a:t>10/12/2020</a:t>
             </a:fld>
             <a:endParaRPr lang="en-US" dirty="0"/>
           </a:p>
@@ -4005,7 +4005,7 @@
           <a:p>
             <a:fld id="{C278504F-A551-4DE0-9316-4DCD1D8CC752}" type="datetimeFigureOut">
               <a:rPr lang="en-US" smtClean="0"/>
-              <a:t>10/11/20</a:t>
+              <a:t>10/12/2020</a:t>
             </a:fld>
             <a:endParaRPr lang="en-US" dirty="0"/>
           </a:p>
@@ -4768,7 +4768,7 @@
           <a:p>
             <a:fld id="{D1BE4249-C0D0-4B06-8692-E8BB871AF643}" type="datetimeFigureOut">
               <a:rPr lang="en-US" smtClean="0"/>
-              <a:t>10/11/20</a:t>
+              <a:t>10/12/2020</a:t>
             </a:fld>
             <a:endParaRPr lang="en-US" dirty="0"/>
           </a:p>
@@ -5608,7 +5608,7 @@
           <a:p>
             <a:fld id="{042B0DB6-F5C7-45FB-8CF3-31B45F9C2DAC}" type="datetimeFigureOut">
               <a:rPr lang="en-US" smtClean="0"/>
-              <a:t>10/11/20</a:t>
+              <a:t>10/12/2020</a:t>
             </a:fld>
             <a:endParaRPr lang="en-US" dirty="0"/>
           </a:p>
@@ -5835,7 +5835,7 @@
           <a:p>
             <a:fld id="{1160EA64-D806-43AC-9DF2-F8C432F32B4C}" type="datetimeFigureOut">
               <a:rPr lang="en-US" smtClean="0"/>
-              <a:t>10/11/20</a:t>
+              <a:t>10/12/2020</a:t>
             </a:fld>
             <a:endParaRPr lang="en-US" dirty="0"/>
           </a:p>
@@ -7728,6 +7728,314 @@
   <p:clrMapOvr>
     <a:masterClrMapping/>
   </p:clrMapOvr>
+  <p:timing>
+    <p:tnLst>
+      <p:par>
+        <p:cTn id="1" dur="indefinite" restart="never" nodeType="tmRoot">
+          <p:childTnLst>
+            <p:seq concurrent="1" nextAc="seek">
+              <p:cTn id="2" dur="indefinite" nodeType="mainSeq">
+                <p:childTnLst>
+                  <p:par>
+                    <p:cTn id="3" fill="hold">
+                      <p:stCondLst>
+                        <p:cond delay="indefinite"/>
+                      </p:stCondLst>
+                      <p:childTnLst>
+                        <p:par>
+                          <p:cTn id="4" fill="hold">
+                            <p:stCondLst>
+                              <p:cond delay="0"/>
+                            </p:stCondLst>
+                            <p:childTnLst>
+                              <p:par>
+                                <p:cTn id="5" presetID="2" presetClass="entr" presetSubtype="4" fill="hold" grpId="0" nodeType="clickEffect">
+                                  <p:stCondLst>
+                                    <p:cond delay="0"/>
+                                  </p:stCondLst>
+                                  <p:childTnLst>
+                                    <p:set>
+                                      <p:cBhvr>
+                                        <p:cTn id="6" dur="1" fill="hold">
+                                          <p:stCondLst>
+                                            <p:cond delay="0"/>
+                                          </p:stCondLst>
+                                        </p:cTn>
+                                        <p:tgtEl>
+                                          <p:spTgt spid="7"/>
+                                        </p:tgtEl>
+                                        <p:attrNameLst>
+                                          <p:attrName>style.visibility</p:attrName>
+                                        </p:attrNameLst>
+                                      </p:cBhvr>
+                                      <p:to>
+                                        <p:strVal val="visible"/>
+                                      </p:to>
+                                    </p:set>
+                                    <p:anim calcmode="lin" valueType="num">
+                                      <p:cBhvr additive="base">
+                                        <p:cTn id="7" dur="500" fill="hold"/>
+                                        <p:tgtEl>
+                                          <p:spTgt spid="7"/>
+                                        </p:tgtEl>
+                                        <p:attrNameLst>
+                                          <p:attrName>ppt_x</p:attrName>
+                                        </p:attrNameLst>
+                                      </p:cBhvr>
+                                      <p:tavLst>
+                                        <p:tav tm="0">
+                                          <p:val>
+                                            <p:strVal val="#ppt_x"/>
+                                          </p:val>
+                                        </p:tav>
+                                        <p:tav tm="100000">
+                                          <p:val>
+                                            <p:strVal val="#ppt_x"/>
+                                          </p:val>
+                                        </p:tav>
+                                      </p:tavLst>
+                                    </p:anim>
+                                    <p:anim calcmode="lin" valueType="num">
+                                      <p:cBhvr additive="base">
+                                        <p:cTn id="8" dur="500" fill="hold"/>
+                                        <p:tgtEl>
+                                          <p:spTgt spid="7"/>
+                                        </p:tgtEl>
+                                        <p:attrNameLst>
+                                          <p:attrName>ppt_y</p:attrName>
+                                        </p:attrNameLst>
+                                      </p:cBhvr>
+                                      <p:tavLst>
+                                        <p:tav tm="0">
+                                          <p:val>
+                                            <p:strVal val="1+#ppt_h/2"/>
+                                          </p:val>
+                                        </p:tav>
+                                        <p:tav tm="100000">
+                                          <p:val>
+                                            <p:strVal val="#ppt_y"/>
+                                          </p:val>
+                                        </p:tav>
+                                      </p:tavLst>
+                                    </p:anim>
+                                  </p:childTnLst>
+                                </p:cTn>
+                              </p:par>
+                            </p:childTnLst>
+                          </p:cTn>
+                        </p:par>
+                      </p:childTnLst>
+                    </p:cTn>
+                  </p:par>
+                  <p:par>
+                    <p:cTn id="9" fill="hold">
+                      <p:stCondLst>
+                        <p:cond delay="indefinite"/>
+                      </p:stCondLst>
+                      <p:childTnLst>
+                        <p:par>
+                          <p:cTn id="10" fill="hold">
+                            <p:stCondLst>
+                              <p:cond delay="0"/>
+                            </p:stCondLst>
+                            <p:childTnLst>
+                              <p:par>
+                                <p:cTn id="11" presetID="1" presetClass="entr" presetSubtype="0" fill="hold" grpId="0" nodeType="clickEffect">
+                                  <p:stCondLst>
+                                    <p:cond delay="0"/>
+                                  </p:stCondLst>
+                                  <p:childTnLst>
+                                    <p:set>
+                                      <p:cBhvr>
+                                        <p:cTn id="12" dur="1" fill="hold">
+                                          <p:stCondLst>
+                                            <p:cond delay="0"/>
+                                          </p:stCondLst>
+                                        </p:cTn>
+                                        <p:tgtEl>
+                                          <p:spTgt spid="5"/>
+                                        </p:tgtEl>
+                                        <p:attrNameLst>
+                                          <p:attrName>style.visibility</p:attrName>
+                                        </p:attrNameLst>
+                                      </p:cBhvr>
+                                      <p:to>
+                                        <p:strVal val="visible"/>
+                                      </p:to>
+                                    </p:set>
+                                  </p:childTnLst>
+                                </p:cTn>
+                              </p:par>
+                            </p:childTnLst>
+                          </p:cTn>
+                        </p:par>
+                      </p:childTnLst>
+                    </p:cTn>
+                  </p:par>
+                  <p:par>
+                    <p:cTn id="13" fill="hold">
+                      <p:stCondLst>
+                        <p:cond delay="indefinite"/>
+                      </p:stCondLst>
+                      <p:childTnLst>
+                        <p:par>
+                          <p:cTn id="14" fill="hold">
+                            <p:stCondLst>
+                              <p:cond delay="0"/>
+                            </p:stCondLst>
+                            <p:childTnLst>
+                              <p:par>
+                                <p:cTn id="15" presetID="2" presetClass="entr" presetSubtype="4" fill="hold" grpId="0" nodeType="clickEffect">
+                                  <p:stCondLst>
+                                    <p:cond delay="0"/>
+                                  </p:stCondLst>
+                                  <p:childTnLst>
+                                    <p:set>
+                                      <p:cBhvr>
+                                        <p:cTn id="16" dur="1" fill="hold">
+                                          <p:stCondLst>
+                                            <p:cond delay="0"/>
+                                          </p:stCondLst>
+                                        </p:cTn>
+                                        <p:tgtEl>
+                                          <p:spTgt spid="9"/>
+                                        </p:tgtEl>
+                                        <p:attrNameLst>
+                                          <p:attrName>style.visibility</p:attrName>
+                                        </p:attrNameLst>
+                                      </p:cBhvr>
+                                      <p:to>
+                                        <p:strVal val="visible"/>
+                                      </p:to>
+                                    </p:set>
+                                    <p:anim calcmode="lin" valueType="num">
+                                      <p:cBhvr additive="base">
+                                        <p:cTn id="17" dur="500" fill="hold"/>
+                                        <p:tgtEl>
+                                          <p:spTgt spid="9"/>
+                                        </p:tgtEl>
+                                        <p:attrNameLst>
+                                          <p:attrName>ppt_x</p:attrName>
+                                        </p:attrNameLst>
+                                      </p:cBhvr>
+                                      <p:tavLst>
+                                        <p:tav tm="0">
+                                          <p:val>
+                                            <p:strVal val="#ppt_x"/>
+                                          </p:val>
+                                        </p:tav>
+                                        <p:tav tm="100000">
+                                          <p:val>
+                                            <p:strVal val="#ppt_x"/>
+                                          </p:val>
+                                        </p:tav>
+                                      </p:tavLst>
+                                    </p:anim>
+                                    <p:anim calcmode="lin" valueType="num">
+                                      <p:cBhvr additive="base">
+                                        <p:cTn id="18" dur="500" fill="hold"/>
+                                        <p:tgtEl>
+                                          <p:spTgt spid="9"/>
+                                        </p:tgtEl>
+                                        <p:attrNameLst>
+                                          <p:attrName>ppt_y</p:attrName>
+                                        </p:attrNameLst>
+                                      </p:cBhvr>
+                                      <p:tavLst>
+                                        <p:tav tm="0">
+                                          <p:val>
+                                            <p:strVal val="1+#ppt_h/2"/>
+                                          </p:val>
+                                        </p:tav>
+                                        <p:tav tm="100000">
+                                          <p:val>
+                                            <p:strVal val="#ppt_y"/>
+                                          </p:val>
+                                        </p:tav>
+                                      </p:tavLst>
+                                    </p:anim>
+                                  </p:childTnLst>
+                                </p:cTn>
+                              </p:par>
+                            </p:childTnLst>
+                          </p:cTn>
+                        </p:par>
+                      </p:childTnLst>
+                    </p:cTn>
+                  </p:par>
+                  <p:par>
+                    <p:cTn id="19" fill="hold">
+                      <p:stCondLst>
+                        <p:cond delay="indefinite"/>
+                      </p:stCondLst>
+                      <p:childTnLst>
+                        <p:par>
+                          <p:cTn id="20" fill="hold">
+                            <p:stCondLst>
+                              <p:cond delay="0"/>
+                            </p:stCondLst>
+                            <p:childTnLst>
+                              <p:par>
+                                <p:cTn id="21" presetID="1" presetClass="entr" presetSubtype="0" fill="hold" grpId="0" nodeType="clickEffect">
+                                  <p:stCondLst>
+                                    <p:cond delay="0"/>
+                                  </p:stCondLst>
+                                  <p:childTnLst>
+                                    <p:set>
+                                      <p:cBhvr>
+                                        <p:cTn id="22" dur="1" fill="hold">
+                                          <p:stCondLst>
+                                            <p:cond delay="0"/>
+                                          </p:stCondLst>
+                                        </p:cTn>
+                                        <p:tgtEl>
+                                          <p:spTgt spid="6"/>
+                                        </p:tgtEl>
+                                        <p:attrNameLst>
+                                          <p:attrName>style.visibility</p:attrName>
+                                        </p:attrNameLst>
+                                      </p:cBhvr>
+                                      <p:to>
+                                        <p:strVal val="visible"/>
+                                      </p:to>
+                                    </p:set>
+                                  </p:childTnLst>
+                                </p:cTn>
+                              </p:par>
+                            </p:childTnLst>
+                          </p:cTn>
+                        </p:par>
+                      </p:childTnLst>
+                    </p:cTn>
+                  </p:par>
+                </p:childTnLst>
+              </p:cTn>
+              <p:prevCondLst>
+                <p:cond evt="onPrev" delay="0">
+                  <p:tgtEl>
+                    <p:sldTgt/>
+                  </p:tgtEl>
+                </p:cond>
+              </p:prevCondLst>
+              <p:nextCondLst>
+                <p:cond evt="onNext" delay="0">
+                  <p:tgtEl>
+                    <p:sldTgt/>
+                  </p:tgtEl>
+                </p:cond>
+              </p:nextCondLst>
+            </p:seq>
+          </p:childTnLst>
+        </p:cTn>
+      </p:par>
+    </p:tnLst>
+    <p:bldLst>
+      <p:bldP spid="5" grpId="0"/>
+      <p:bldP spid="6" grpId="0"/>
+      <p:bldP spid="7" grpId="0" animBg="1"/>
+      <p:bldP spid="9" grpId="0" animBg="1"/>
+    </p:bldLst>
+  </p:timing>
 </p:sld>
 </file>
 
@@ -9245,35 +9553,6 @@
           </a:p>
         </p:txBody>
       </p:sp>
-      <p:pic>
-        <p:nvPicPr>
-          <p:cNvPr id="9" name="Picture 8">
-            <a:extLst>
-              <a:ext uri="{FF2B5EF4-FFF2-40B4-BE49-F238E27FC236}">
-                <a16:creationId xmlns:a16="http://schemas.microsoft.com/office/drawing/2014/main" id="{59B5250F-C5C7-45FF-AFFA-FD1C7875FBFF}"/>
-              </a:ext>
-            </a:extLst>
-          </p:cNvPr>
-          <p:cNvPicPr>
-            <a:picLocks noChangeAspect="1"/>
-          </p:cNvPicPr>
-          <p:nvPr/>
-        </p:nvPicPr>
-        <p:blipFill rotWithShape="1">
-          <a:blip r:embed="rId2"/>
-          <a:srcRect l="4776" b="9545"/>
-          <a:stretch/>
-        </p:blipFill>
-        <p:spPr>
-          <a:xfrm>
-            <a:off x="416028" y="116327"/>
-            <a:ext cx="5978273" cy="3312672"/>
-          </a:xfrm>
-          <a:prstGeom prst="rect">
-            <a:avLst/>
-          </a:prstGeom>
-        </p:spPr>
-      </p:pic>
       <p:sp>
         <p:nvSpPr>
           <p:cNvPr id="3" name="Content Placeholder 2">
@@ -9316,24 +9595,6 @@
                   <a:srgbClr val="FFFFFF"/>
                 </a:solidFill>
               </a:rPr>
-              <a:t>*Update after imputation</a:t>
-            </a:r>
-          </a:p>
-          <a:p>
-            <a:pPr indent="-228600">
-              <a:lnSpc>
-                <a:spcPct val="110000"/>
-              </a:lnSpc>
-              <a:spcBef>
-                <a:spcPts val="700"/>
-              </a:spcBef>
-            </a:pPr>
-            <a:r>
-              <a:rPr lang="en-US" dirty="0">
-                <a:solidFill>
-                  <a:srgbClr val="FFFFFF"/>
-                </a:solidFill>
-              </a:rPr>
               <a:t>Overall, most states have similar median values for ABV… except for Utah</a:t>
             </a:r>
           </a:p>
@@ -9359,10 +9620,10 @@
       </p:sp>
       <p:pic>
         <p:nvPicPr>
-          <p:cNvPr id="13" name="Picture 12">
+          <p:cNvPr id="4" name="Picture 3">
             <a:extLst>
               <a:ext uri="{FF2B5EF4-FFF2-40B4-BE49-F238E27FC236}">
-                <a16:creationId xmlns:a16="http://schemas.microsoft.com/office/drawing/2014/main" id="{E9217E8B-CA93-4039-89EB-3AEF1490615F}"/>
+                <a16:creationId xmlns:a16="http://schemas.microsoft.com/office/drawing/2014/main" id="{6E43013F-02F8-4273-989B-531F1EAD2BB3}"/>
               </a:ext>
             </a:extLst>
           </p:cNvPr>
@@ -9372,15 +9633,44 @@
           <p:nvPr/>
         </p:nvPicPr>
         <p:blipFill>
-          <a:blip r:embed="rId3"/>
+          <a:blip r:embed="rId2"/>
           <a:stretch>
             <a:fillRect/>
           </a:stretch>
         </p:blipFill>
         <p:spPr>
           <a:xfrm>
-            <a:off x="2686325" y="3545326"/>
-            <a:ext cx="4260656" cy="3194984"/>
+            <a:off x="2796708" y="3467213"/>
+            <a:ext cx="4512688" cy="3390787"/>
+          </a:xfrm>
+          <a:prstGeom prst="rect">
+            <a:avLst/>
+          </a:prstGeom>
+        </p:spPr>
+      </p:pic>
+      <p:pic>
+        <p:nvPicPr>
+          <p:cNvPr id="6" name="Picture 5">
+            <a:extLst>
+              <a:ext uri="{FF2B5EF4-FFF2-40B4-BE49-F238E27FC236}">
+                <a16:creationId xmlns:a16="http://schemas.microsoft.com/office/drawing/2014/main" id="{B3BCB77C-2454-4577-8FB7-9E58DDCC1692}"/>
+              </a:ext>
+            </a:extLst>
+          </p:cNvPr>
+          <p:cNvPicPr>
+            <a:picLocks noChangeAspect="1"/>
+          </p:cNvPicPr>
+          <p:nvPr/>
+        </p:nvPicPr>
+        <p:blipFill rotWithShape="1">
+          <a:blip r:embed="rId3"/>
+          <a:srcRect l="4857" b="8556"/>
+          <a:stretch/>
+        </p:blipFill>
+        <p:spPr>
+          <a:xfrm>
+            <a:off x="522732" y="96396"/>
+            <a:ext cx="6456784" cy="3294391"/>
           </a:xfrm>
           <a:prstGeom prst="rect">
             <a:avLst/>
@@ -11953,7 +12243,7 @@
         </p:spPr>
         <p:txBody>
           <a:bodyPr vert="horz" lIns="91440" tIns="45720" rIns="91440" bIns="45720" rtlCol="0" anchor="t">
-            <a:normAutofit fontScale="77500" lnSpcReduction="20000"/>
+            <a:normAutofit fontScale="92500" lnSpcReduction="20000"/>
           </a:bodyPr>
           <a:lstStyle/>
           <a:p>
@@ -11969,23 +12259,15 @@
             </a:pPr>
             <a:r>
               <a:rPr lang="en-US" b="1" cap="all" spc="400" dirty="0"/>
-              <a:t>Update after imputation</a:t>
+              <a:t>West </a:t>
             </a:r>
-          </a:p>
-          <a:p>
-            <a:pPr marL="285750" indent="-285750" algn="ctr">
-              <a:lnSpc>
-                <a:spcPct val="100000"/>
-              </a:lnSpc>
-              <a:spcBef>
-                <a:spcPts val="700"/>
-              </a:spcBef>
-              <a:buFont typeface="Arial" panose="020B0604020202020204" pitchFamily="34" charset="0"/>
-              <a:buChar char="•"/>
-            </a:pPr>
+            <a:r>
+              <a:rPr lang="en-US" b="1" cap="all" spc="400" dirty="0" err="1"/>
+              <a:t>virginia</a:t>
+            </a:r>
             <a:r>
               <a:rPr lang="en-US" b="1" cap="all" spc="400" dirty="0"/>
-              <a:t>Maine likes their beer very bitter, with the highest </a:t>
+              <a:t> likes their beer very bitter, with the highest </a:t>
             </a:r>
             <a:r>
               <a:rPr lang="en-US" b="1" cap="all" spc="400" dirty="0" err="1"/>
@@ -11993,70 +12275,11 @@
             </a:r>
             <a:r>
               <a:rPr lang="en-US" b="1" cap="all" spc="400" dirty="0"/>
-              <a:t> at 61</a:t>
+              <a:t> at 57.5</a:t>
             </a:r>
           </a:p>
         </p:txBody>
       </p:sp>
-      <p:pic>
-        <p:nvPicPr>
-          <p:cNvPr id="5" name="Picture 4">
-            <a:extLst>
-              <a:ext uri="{FF2B5EF4-FFF2-40B4-BE49-F238E27FC236}">
-                <a16:creationId xmlns:a16="http://schemas.microsoft.com/office/drawing/2014/main" id="{0BC28391-DAA7-45CA-BAF0-C962E60B0856}"/>
-              </a:ext>
-            </a:extLst>
-          </p:cNvPr>
-          <p:cNvPicPr>
-            <a:picLocks noChangeAspect="1"/>
-          </p:cNvPicPr>
-          <p:nvPr/>
-        </p:nvPicPr>
-        <p:blipFill rotWithShape="1">
-          <a:blip r:embed="rId2"/>
-          <a:srcRect l="4899" b="9029"/>
-          <a:stretch/>
-        </p:blipFill>
-        <p:spPr>
-          <a:xfrm>
-            <a:off x="4910076" y="135520"/>
-            <a:ext cx="6220332" cy="3470948"/>
-          </a:xfrm>
-          <a:prstGeom prst="rect">
-            <a:avLst/>
-          </a:prstGeom>
-        </p:spPr>
-      </p:pic>
-      <p:pic>
-        <p:nvPicPr>
-          <p:cNvPr id="15" name="Picture 14">
-            <a:extLst>
-              <a:ext uri="{FF2B5EF4-FFF2-40B4-BE49-F238E27FC236}">
-                <a16:creationId xmlns:a16="http://schemas.microsoft.com/office/drawing/2014/main" id="{A3D1A2E5-42D6-4372-811E-91503646E84F}"/>
-              </a:ext>
-            </a:extLst>
-          </p:cNvPr>
-          <p:cNvPicPr>
-            <a:picLocks noChangeAspect="1"/>
-          </p:cNvPicPr>
-          <p:nvPr/>
-        </p:nvPicPr>
-        <p:blipFill>
-          <a:blip r:embed="rId3"/>
-          <a:stretch>
-            <a:fillRect/>
-          </a:stretch>
-        </p:blipFill>
-        <p:spPr>
-          <a:xfrm>
-            <a:off x="7515682" y="3758253"/>
-            <a:ext cx="4031464" cy="3023118"/>
-          </a:xfrm>
-          <a:prstGeom prst="rect">
-            <a:avLst/>
-          </a:prstGeom>
-        </p:spPr>
-      </p:pic>
       <p:sp>
         <p:nvSpPr>
           <p:cNvPr id="6" name="Explosion: 14 Points 5">
@@ -12104,6 +12327,65 @@
       </p:sp>
       <p:pic>
         <p:nvPicPr>
+          <p:cNvPr id="2" name="Picture 1">
+            <a:extLst>
+              <a:ext uri="{FF2B5EF4-FFF2-40B4-BE49-F238E27FC236}">
+                <a16:creationId xmlns:a16="http://schemas.microsoft.com/office/drawing/2014/main" id="{E101020C-1A03-44DE-AD90-9D4B7A7D1099}"/>
+              </a:ext>
+            </a:extLst>
+          </p:cNvPr>
+          <p:cNvPicPr>
+            <a:picLocks noChangeAspect="1"/>
+          </p:cNvPicPr>
+          <p:nvPr/>
+        </p:nvPicPr>
+        <p:blipFill>
+          <a:blip r:embed="rId2"/>
+          <a:stretch>
+            <a:fillRect/>
+          </a:stretch>
+        </p:blipFill>
+        <p:spPr>
+          <a:xfrm>
+            <a:off x="7435689" y="3691356"/>
+            <a:ext cx="4191450" cy="3149412"/>
+          </a:xfrm>
+          <a:prstGeom prst="rect">
+            <a:avLst/>
+          </a:prstGeom>
+        </p:spPr>
+      </p:pic>
+      <p:pic>
+        <p:nvPicPr>
+          <p:cNvPr id="7" name="Picture 6">
+            <a:extLst>
+              <a:ext uri="{FF2B5EF4-FFF2-40B4-BE49-F238E27FC236}">
+                <a16:creationId xmlns:a16="http://schemas.microsoft.com/office/drawing/2014/main" id="{6C622044-B815-4036-ABDF-8ACFE78519EB}"/>
+              </a:ext>
+            </a:extLst>
+          </p:cNvPr>
+          <p:cNvPicPr>
+            <a:picLocks noChangeAspect="1"/>
+          </p:cNvPicPr>
+          <p:nvPr/>
+        </p:nvPicPr>
+        <p:blipFill rotWithShape="1">
+          <a:blip r:embed="rId3"/>
+          <a:srcRect b="8679"/>
+          <a:stretch/>
+        </p:blipFill>
+        <p:spPr>
+          <a:xfrm>
+            <a:off x="4885119" y="76630"/>
+            <a:ext cx="7117205" cy="3450342"/>
+          </a:xfrm>
+          <a:prstGeom prst="rect">
+            <a:avLst/>
+          </a:prstGeom>
+        </p:spPr>
+      </p:pic>
+      <p:pic>
+        <p:nvPicPr>
           <p:cNvPr id="13" name="Graphic 12">
             <a:extLst>
               <a:ext uri="{FF2B5EF4-FFF2-40B4-BE49-F238E27FC236}">
@@ -12133,8 +12415,8 @@
         </p:blipFill>
         <p:spPr>
           <a:xfrm rot="9194426">
-            <a:off x="7407644" y="1840819"/>
-            <a:ext cx="3414748" cy="1719944"/>
+            <a:off x="7515935" y="2332389"/>
+            <a:ext cx="2677672" cy="1348692"/>
           </a:xfrm>
           <a:prstGeom prst="rect">
             <a:avLst/>
@@ -12151,6 +12433,135 @@
   <p:clrMapOvr>
     <a:masterClrMapping/>
   </p:clrMapOvr>
+  <p:timing>
+    <p:tnLst>
+      <p:par>
+        <p:cTn id="1" dur="indefinite" restart="never" nodeType="tmRoot">
+          <p:childTnLst>
+            <p:seq concurrent="1" nextAc="seek">
+              <p:cTn id="2" dur="indefinite" nodeType="mainSeq">
+                <p:childTnLst>
+                  <p:par>
+                    <p:cTn id="3" fill="hold">
+                      <p:stCondLst>
+                        <p:cond delay="indefinite"/>
+                      </p:stCondLst>
+                      <p:childTnLst>
+                        <p:par>
+                          <p:cTn id="4" fill="hold">
+                            <p:stCondLst>
+                              <p:cond delay="0"/>
+                            </p:stCondLst>
+                            <p:childTnLst>
+                              <p:par>
+                                <p:cTn id="5" presetID="53" presetClass="entr" presetSubtype="16" fill="hold" nodeType="clickEffect">
+                                  <p:stCondLst>
+                                    <p:cond delay="0"/>
+                                  </p:stCondLst>
+                                  <p:childTnLst>
+                                    <p:set>
+                                      <p:cBhvr>
+                                        <p:cTn id="6" dur="1" fill="hold">
+                                          <p:stCondLst>
+                                            <p:cond delay="0"/>
+                                          </p:stCondLst>
+                                        </p:cTn>
+                                        <p:tgtEl>
+                                          <p:spTgt spid="13"/>
+                                        </p:tgtEl>
+                                        <p:attrNameLst>
+                                          <p:attrName>style.visibility</p:attrName>
+                                        </p:attrNameLst>
+                                      </p:cBhvr>
+                                      <p:to>
+                                        <p:strVal val="visible"/>
+                                      </p:to>
+                                    </p:set>
+                                    <p:anim calcmode="lin" valueType="num">
+                                      <p:cBhvr>
+                                        <p:cTn id="7" dur="500" fill="hold"/>
+                                        <p:tgtEl>
+                                          <p:spTgt spid="13"/>
+                                        </p:tgtEl>
+                                        <p:attrNameLst>
+                                          <p:attrName>ppt_w</p:attrName>
+                                        </p:attrNameLst>
+                                      </p:cBhvr>
+                                      <p:tavLst>
+                                        <p:tav tm="0">
+                                          <p:val>
+                                            <p:fltVal val="0"/>
+                                          </p:val>
+                                        </p:tav>
+                                        <p:tav tm="100000">
+                                          <p:val>
+                                            <p:strVal val="#ppt_w"/>
+                                          </p:val>
+                                        </p:tav>
+                                      </p:tavLst>
+                                    </p:anim>
+                                    <p:anim calcmode="lin" valueType="num">
+                                      <p:cBhvr>
+                                        <p:cTn id="8" dur="500" fill="hold"/>
+                                        <p:tgtEl>
+                                          <p:spTgt spid="13"/>
+                                        </p:tgtEl>
+                                        <p:attrNameLst>
+                                          <p:attrName>ppt_h</p:attrName>
+                                        </p:attrNameLst>
+                                      </p:cBhvr>
+                                      <p:tavLst>
+                                        <p:tav tm="0">
+                                          <p:val>
+                                            <p:fltVal val="0"/>
+                                          </p:val>
+                                        </p:tav>
+                                        <p:tav tm="100000">
+                                          <p:val>
+                                            <p:strVal val="#ppt_h"/>
+                                          </p:val>
+                                        </p:tav>
+                                      </p:tavLst>
+                                    </p:anim>
+                                    <p:animEffect transition="in" filter="fade">
+                                      <p:cBhvr>
+                                        <p:cTn id="9" dur="500"/>
+                                        <p:tgtEl>
+                                          <p:spTgt spid="13"/>
+                                        </p:tgtEl>
+                                      </p:cBhvr>
+                                    </p:animEffect>
+                                  </p:childTnLst>
+                                </p:cTn>
+                              </p:par>
+                            </p:childTnLst>
+                          </p:cTn>
+                        </p:par>
+                      </p:childTnLst>
+                    </p:cTn>
+                  </p:par>
+                </p:childTnLst>
+              </p:cTn>
+              <p:prevCondLst>
+                <p:cond evt="onPrev" delay="0">
+                  <p:tgtEl>
+                    <p:sldTgt/>
+                  </p:tgtEl>
+                </p:cond>
+              </p:prevCondLst>
+              <p:nextCondLst>
+                <p:cond evt="onNext" delay="0">
+                  <p:tgtEl>
+                    <p:sldTgt/>
+                  </p:tgtEl>
+                </p:cond>
+              </p:nextCondLst>
+            </p:seq>
+          </p:childTnLst>
+        </p:cTn>
+      </p:par>
+    </p:tnLst>
+  </p:timing>
 </p:sld>
 </file>
 
@@ -12422,6 +12833,390 @@
   <p:clrMapOvr>
     <a:masterClrMapping/>
   </p:clrMapOvr>
+  <p:timing>
+    <p:tnLst>
+      <p:par>
+        <p:cTn id="1" dur="indefinite" restart="never" nodeType="tmRoot">
+          <p:childTnLst>
+            <p:seq concurrent="1" nextAc="seek">
+              <p:cTn id="2" dur="indefinite" nodeType="mainSeq">
+                <p:childTnLst>
+                  <p:par>
+                    <p:cTn id="3" fill="hold">
+                      <p:stCondLst>
+                        <p:cond delay="indefinite"/>
+                      </p:stCondLst>
+                      <p:childTnLst>
+                        <p:par>
+                          <p:cTn id="4" fill="hold">
+                            <p:stCondLst>
+                              <p:cond delay="0"/>
+                            </p:stCondLst>
+                            <p:childTnLst>
+                              <p:par>
+                                <p:cTn id="5" presetID="14" presetClass="entr" presetSubtype="10" fill="hold" nodeType="clickEffect">
+                                  <p:stCondLst>
+                                    <p:cond delay="0"/>
+                                  </p:stCondLst>
+                                  <p:childTnLst>
+                                    <p:set>
+                                      <p:cBhvr>
+                                        <p:cTn id="6" dur="1" fill="hold">
+                                          <p:stCondLst>
+                                            <p:cond delay="0"/>
+                                          </p:stCondLst>
+                                        </p:cTn>
+                                        <p:tgtEl>
+                                          <p:spTgt spid="13"/>
+                                        </p:tgtEl>
+                                        <p:attrNameLst>
+                                          <p:attrName>style.visibility</p:attrName>
+                                        </p:attrNameLst>
+                                      </p:cBhvr>
+                                      <p:to>
+                                        <p:strVal val="visible"/>
+                                      </p:to>
+                                    </p:set>
+                                    <p:animEffect transition="in" filter="randombar(horizontal)">
+                                      <p:cBhvr>
+                                        <p:cTn id="7" dur="500"/>
+                                        <p:tgtEl>
+                                          <p:spTgt spid="13"/>
+                                        </p:tgtEl>
+                                      </p:cBhvr>
+                                    </p:animEffect>
+                                  </p:childTnLst>
+                                </p:cTn>
+                              </p:par>
+                            </p:childTnLst>
+                          </p:cTn>
+                        </p:par>
+                      </p:childTnLst>
+                    </p:cTn>
+                  </p:par>
+                  <p:par>
+                    <p:cTn id="8" fill="hold">
+                      <p:stCondLst>
+                        <p:cond delay="indefinite"/>
+                      </p:stCondLst>
+                      <p:childTnLst>
+                        <p:par>
+                          <p:cTn id="9" fill="hold">
+                            <p:stCondLst>
+                              <p:cond delay="0"/>
+                            </p:stCondLst>
+                            <p:childTnLst>
+                              <p:par>
+                                <p:cTn id="10" presetID="42" presetClass="entr" presetSubtype="0" fill="hold" grpId="0" nodeType="clickEffect">
+                                  <p:stCondLst>
+                                    <p:cond delay="0"/>
+                                  </p:stCondLst>
+                                  <p:childTnLst>
+                                    <p:set>
+                                      <p:cBhvr>
+                                        <p:cTn id="11" dur="1" fill="hold">
+                                          <p:stCondLst>
+                                            <p:cond delay="0"/>
+                                          </p:stCondLst>
+                                        </p:cTn>
+                                        <p:tgtEl>
+                                          <p:spTgt spid="2"/>
+                                        </p:tgtEl>
+                                        <p:attrNameLst>
+                                          <p:attrName>style.visibility</p:attrName>
+                                        </p:attrNameLst>
+                                      </p:cBhvr>
+                                      <p:to>
+                                        <p:strVal val="visible"/>
+                                      </p:to>
+                                    </p:set>
+                                    <p:animEffect transition="in" filter="fade">
+                                      <p:cBhvr>
+                                        <p:cTn id="12" dur="1000"/>
+                                        <p:tgtEl>
+                                          <p:spTgt spid="2"/>
+                                        </p:tgtEl>
+                                      </p:cBhvr>
+                                    </p:animEffect>
+                                    <p:anim calcmode="lin" valueType="num">
+                                      <p:cBhvr>
+                                        <p:cTn id="13" dur="1000" fill="hold"/>
+                                        <p:tgtEl>
+                                          <p:spTgt spid="2"/>
+                                        </p:tgtEl>
+                                        <p:attrNameLst>
+                                          <p:attrName>ppt_x</p:attrName>
+                                        </p:attrNameLst>
+                                      </p:cBhvr>
+                                      <p:tavLst>
+                                        <p:tav tm="0">
+                                          <p:val>
+                                            <p:strVal val="#ppt_x"/>
+                                          </p:val>
+                                        </p:tav>
+                                        <p:tav tm="100000">
+                                          <p:val>
+                                            <p:strVal val="#ppt_x"/>
+                                          </p:val>
+                                        </p:tav>
+                                      </p:tavLst>
+                                    </p:anim>
+                                    <p:anim calcmode="lin" valueType="num">
+                                      <p:cBhvr>
+                                        <p:cTn id="14" dur="1000" fill="hold"/>
+                                        <p:tgtEl>
+                                          <p:spTgt spid="2"/>
+                                        </p:tgtEl>
+                                        <p:attrNameLst>
+                                          <p:attrName>ppt_y</p:attrName>
+                                        </p:attrNameLst>
+                                      </p:cBhvr>
+                                      <p:tavLst>
+                                        <p:tav tm="0">
+                                          <p:val>
+                                            <p:strVal val="#ppt_y+.1"/>
+                                          </p:val>
+                                        </p:tav>
+                                        <p:tav tm="100000">
+                                          <p:val>
+                                            <p:strVal val="#ppt_y"/>
+                                          </p:val>
+                                        </p:tav>
+                                      </p:tavLst>
+                                    </p:anim>
+                                  </p:childTnLst>
+                                </p:cTn>
+                              </p:par>
+                            </p:childTnLst>
+                          </p:cTn>
+                        </p:par>
+                      </p:childTnLst>
+                    </p:cTn>
+                  </p:par>
+                  <p:par>
+                    <p:cTn id="15" fill="hold">
+                      <p:stCondLst>
+                        <p:cond delay="indefinite"/>
+                      </p:stCondLst>
+                      <p:childTnLst>
+                        <p:par>
+                          <p:cTn id="16" fill="hold">
+                            <p:stCondLst>
+                              <p:cond delay="0"/>
+                            </p:stCondLst>
+                            <p:childTnLst>
+                              <p:par>
+                                <p:cTn id="17" presetID="53" presetClass="entr" presetSubtype="16" fill="hold" nodeType="clickEffect">
+                                  <p:stCondLst>
+                                    <p:cond delay="0"/>
+                                  </p:stCondLst>
+                                  <p:childTnLst>
+                                    <p:set>
+                                      <p:cBhvr>
+                                        <p:cTn id="18" dur="1" fill="hold">
+                                          <p:stCondLst>
+                                            <p:cond delay="0"/>
+                                          </p:stCondLst>
+                                        </p:cTn>
+                                        <p:tgtEl>
+                                          <p:spTgt spid="11"/>
+                                        </p:tgtEl>
+                                        <p:attrNameLst>
+                                          <p:attrName>style.visibility</p:attrName>
+                                        </p:attrNameLst>
+                                      </p:cBhvr>
+                                      <p:to>
+                                        <p:strVal val="visible"/>
+                                      </p:to>
+                                    </p:set>
+                                    <p:anim calcmode="lin" valueType="num">
+                                      <p:cBhvr>
+                                        <p:cTn id="19" dur="500" fill="hold"/>
+                                        <p:tgtEl>
+                                          <p:spTgt spid="11"/>
+                                        </p:tgtEl>
+                                        <p:attrNameLst>
+                                          <p:attrName>ppt_w</p:attrName>
+                                        </p:attrNameLst>
+                                      </p:cBhvr>
+                                      <p:tavLst>
+                                        <p:tav tm="0">
+                                          <p:val>
+                                            <p:fltVal val="0"/>
+                                          </p:val>
+                                        </p:tav>
+                                        <p:tav tm="100000">
+                                          <p:val>
+                                            <p:strVal val="#ppt_w"/>
+                                          </p:val>
+                                        </p:tav>
+                                      </p:tavLst>
+                                    </p:anim>
+                                    <p:anim calcmode="lin" valueType="num">
+                                      <p:cBhvr>
+                                        <p:cTn id="20" dur="500" fill="hold"/>
+                                        <p:tgtEl>
+                                          <p:spTgt spid="11"/>
+                                        </p:tgtEl>
+                                        <p:attrNameLst>
+                                          <p:attrName>ppt_h</p:attrName>
+                                        </p:attrNameLst>
+                                      </p:cBhvr>
+                                      <p:tavLst>
+                                        <p:tav tm="0">
+                                          <p:val>
+                                            <p:fltVal val="0"/>
+                                          </p:val>
+                                        </p:tav>
+                                        <p:tav tm="100000">
+                                          <p:val>
+                                            <p:strVal val="#ppt_h"/>
+                                          </p:val>
+                                        </p:tav>
+                                      </p:tavLst>
+                                    </p:anim>
+                                    <p:animEffect transition="in" filter="fade">
+                                      <p:cBhvr>
+                                        <p:cTn id="21" dur="500"/>
+                                        <p:tgtEl>
+                                          <p:spTgt spid="11"/>
+                                        </p:tgtEl>
+                                      </p:cBhvr>
+                                    </p:animEffect>
+                                  </p:childTnLst>
+                                </p:cTn>
+                              </p:par>
+                            </p:childTnLst>
+                          </p:cTn>
+                        </p:par>
+                      </p:childTnLst>
+                    </p:cTn>
+                  </p:par>
+                  <p:par>
+                    <p:cTn id="22" fill="hold">
+                      <p:stCondLst>
+                        <p:cond delay="indefinite"/>
+                      </p:stCondLst>
+                      <p:childTnLst>
+                        <p:par>
+                          <p:cTn id="23" fill="hold">
+                            <p:stCondLst>
+                              <p:cond delay="0"/>
+                            </p:stCondLst>
+                            <p:childTnLst>
+                              <p:par>
+                                <p:cTn id="24" presetID="42" presetClass="entr" presetSubtype="0" fill="hold" grpId="0" nodeType="clickEffect">
+                                  <p:stCondLst>
+                                    <p:cond delay="0"/>
+                                  </p:stCondLst>
+                                  <p:childTnLst>
+                                    <p:set>
+                                      <p:cBhvr>
+                                        <p:cTn id="25" dur="1" fill="hold">
+                                          <p:stCondLst>
+                                            <p:cond delay="0"/>
+                                          </p:stCondLst>
+                                        </p:cTn>
+                                        <p:tgtEl>
+                                          <p:spTgt spid="9"/>
+                                        </p:tgtEl>
+                                        <p:attrNameLst>
+                                          <p:attrName>style.visibility</p:attrName>
+                                        </p:attrNameLst>
+                                      </p:cBhvr>
+                                      <p:to>
+                                        <p:strVal val="visible"/>
+                                      </p:to>
+                                    </p:set>
+                                    <p:animEffect transition="in" filter="fade">
+                                      <p:cBhvr>
+                                        <p:cTn id="26" dur="1000"/>
+                                        <p:tgtEl>
+                                          <p:spTgt spid="9"/>
+                                        </p:tgtEl>
+                                      </p:cBhvr>
+                                    </p:animEffect>
+                                    <p:anim calcmode="lin" valueType="num">
+                                      <p:cBhvr>
+                                        <p:cTn id="27" dur="1000" fill="hold"/>
+                                        <p:tgtEl>
+                                          <p:spTgt spid="9"/>
+                                        </p:tgtEl>
+                                        <p:attrNameLst>
+                                          <p:attrName>ppt_x</p:attrName>
+                                        </p:attrNameLst>
+                                      </p:cBhvr>
+                                      <p:tavLst>
+                                        <p:tav tm="0">
+                                          <p:val>
+                                            <p:strVal val="#ppt_x"/>
+                                          </p:val>
+                                        </p:tav>
+                                        <p:tav tm="100000">
+                                          <p:val>
+                                            <p:strVal val="#ppt_x"/>
+                                          </p:val>
+                                        </p:tav>
+                                      </p:tavLst>
+                                    </p:anim>
+                                    <p:anim calcmode="lin" valueType="num">
+                                      <p:cBhvr>
+                                        <p:cTn id="28" dur="1000" fill="hold"/>
+                                        <p:tgtEl>
+                                          <p:spTgt spid="9"/>
+                                        </p:tgtEl>
+                                        <p:attrNameLst>
+                                          <p:attrName>ppt_y</p:attrName>
+                                        </p:attrNameLst>
+                                      </p:cBhvr>
+                                      <p:tavLst>
+                                        <p:tav tm="0">
+                                          <p:val>
+                                            <p:strVal val="#ppt_y+.1"/>
+                                          </p:val>
+                                        </p:tav>
+                                        <p:tav tm="100000">
+                                          <p:val>
+                                            <p:strVal val="#ppt_y"/>
+                                          </p:val>
+                                        </p:tav>
+                                      </p:tavLst>
+                                    </p:anim>
+                                  </p:childTnLst>
+                                </p:cTn>
+                              </p:par>
+                            </p:childTnLst>
+                          </p:cTn>
+                        </p:par>
+                      </p:childTnLst>
+                    </p:cTn>
+                  </p:par>
+                </p:childTnLst>
+              </p:cTn>
+              <p:prevCondLst>
+                <p:cond evt="onPrev" delay="0">
+                  <p:tgtEl>
+                    <p:sldTgt/>
+                  </p:tgtEl>
+                </p:cond>
+              </p:prevCondLst>
+              <p:nextCondLst>
+                <p:cond evt="onNext" delay="0">
+                  <p:tgtEl>
+                    <p:sldTgt/>
+                  </p:tgtEl>
+                </p:cond>
+              </p:nextCondLst>
+            </p:seq>
+          </p:childTnLst>
+        </p:cTn>
+      </p:par>
+    </p:tnLst>
+    <p:bldLst>
+      <p:bldP spid="2" grpId="0"/>
+      <p:bldP spid="9" grpId="0"/>
+    </p:bldLst>
+  </p:timing>
 </p:sld>
 </file>
 

--- a/docs/Matt_Farrow_Megan_Ball_DS6306_EDA.pptx
+++ b/docs/Matt_Farrow_Megan_Ball_DS6306_EDA.pptx
@@ -13,6 +13,7 @@
     <p:sldId id="263" r:id="rId7"/>
     <p:sldId id="259" r:id="rId8"/>
     <p:sldId id="260" r:id="rId9"/>
+    <p:sldId id="264" r:id="rId10"/>
   </p:sldIdLst>
   <p:sldSz cx="12192000" cy="6858000"/>
   <p:notesSz cx="6858000" cy="9144000"/>
@@ -8126,7 +8127,7 @@
           <a:p>
             <a:r>
               <a:rPr lang="en-US" dirty="0"/>
-              <a:t>North Dakota, South Dakota, West Virginia, and Washington, D.C. all tie with only one brewery per ‘state’</a:t>
+              <a:t>North Dakota, South Dakota, and West Virginia all tie with only one brewery per ‘state’</a:t>
             </a:r>
           </a:p>
         </p:txBody>
@@ -9650,10 +9651,10 @@
       </p:pic>
       <p:pic>
         <p:nvPicPr>
-          <p:cNvPr id="6" name="Picture 5">
+          <p:cNvPr id="5" name="Picture 4">
             <a:extLst>
               <a:ext uri="{FF2B5EF4-FFF2-40B4-BE49-F238E27FC236}">
-                <a16:creationId xmlns:a16="http://schemas.microsoft.com/office/drawing/2014/main" id="{B3BCB77C-2454-4577-8FB7-9E58DDCC1692}"/>
+                <a16:creationId xmlns:a16="http://schemas.microsoft.com/office/drawing/2014/main" id="{7F7783B7-6C98-4414-ACC6-18792F1D46C0}"/>
               </a:ext>
             </a:extLst>
           </p:cNvPr>
@@ -9662,15 +9663,16 @@
           </p:cNvPicPr>
           <p:nvPr/>
         </p:nvPicPr>
-        <p:blipFill rotWithShape="1">
+        <p:blipFill>
           <a:blip r:embed="rId3"/>
-          <a:srcRect l="4857" b="8556"/>
-          <a:stretch/>
+          <a:stretch>
+            <a:fillRect/>
+          </a:stretch>
         </p:blipFill>
         <p:spPr>
           <a:xfrm>
-            <a:off x="522732" y="96396"/>
-            <a:ext cx="6456784" cy="3294391"/>
+            <a:off x="331185" y="89903"/>
+            <a:ext cx="6113158" cy="3499202"/>
           </a:xfrm>
           <a:prstGeom prst="rect">
             <a:avLst/>
@@ -12280,6 +12282,36 @@
           </a:p>
         </p:txBody>
       </p:sp>
+      <p:pic>
+        <p:nvPicPr>
+          <p:cNvPr id="8" name="Picture 7">
+            <a:extLst>
+              <a:ext uri="{FF2B5EF4-FFF2-40B4-BE49-F238E27FC236}">
+                <a16:creationId xmlns:a16="http://schemas.microsoft.com/office/drawing/2014/main" id="{93748BA1-46E5-4726-A20B-FA45CA7C1172}"/>
+              </a:ext>
+            </a:extLst>
+          </p:cNvPr>
+          <p:cNvPicPr>
+            <a:picLocks noChangeAspect="1"/>
+          </p:cNvPicPr>
+          <p:nvPr/>
+        </p:nvPicPr>
+        <p:blipFill>
+          <a:blip r:embed="rId2"/>
+          <a:stretch>
+            <a:fillRect/>
+          </a:stretch>
+        </p:blipFill>
+        <p:spPr>
+          <a:xfrm>
+            <a:off x="4974329" y="0"/>
+            <a:ext cx="6938785" cy="3971795"/>
+          </a:xfrm>
+          <a:prstGeom prst="rect">
+            <a:avLst/>
+          </a:prstGeom>
+        </p:spPr>
+      </p:pic>
       <p:sp>
         <p:nvSpPr>
           <p:cNvPr id="6" name="Explosion: 14 Points 5">
@@ -12294,26 +12326,31 @@
         </p:nvSpPr>
         <p:spPr>
           <a:xfrm>
-            <a:off x="9531414" y="482696"/>
+            <a:off x="9244231" y="1446153"/>
             <a:ext cx="858416" cy="895739"/>
           </a:xfrm>
           <a:prstGeom prst="irregularSeal2">
             <a:avLst/>
           </a:prstGeom>
           <a:noFill/>
+          <a:ln>
+            <a:solidFill>
+              <a:schemeClr val="tx1"/>
+            </a:solidFill>
+          </a:ln>
         </p:spPr>
         <p:style>
-          <a:lnRef idx="2">
-            <a:schemeClr val="dk1"/>
+          <a:lnRef idx="3">
+            <a:schemeClr val="lt1"/>
           </a:lnRef>
           <a:fillRef idx="1">
-            <a:schemeClr val="lt1"/>
+            <a:schemeClr val="accent2"/>
           </a:fillRef>
-          <a:effectRef idx="0">
-            <a:schemeClr val="dk1"/>
+          <a:effectRef idx="1">
+            <a:schemeClr val="accent2"/>
           </a:effectRef>
           <a:fontRef idx="minor">
-            <a:schemeClr val="dk1"/>
+            <a:schemeClr val="lt1"/>
           </a:fontRef>
         </p:style>
         <p:txBody>
@@ -12340,44 +12377,15 @@
           <p:nvPr/>
         </p:nvPicPr>
         <p:blipFill>
-          <a:blip r:embed="rId2"/>
+          <a:blip r:embed="rId3"/>
           <a:stretch>
             <a:fillRect/>
           </a:stretch>
         </p:blipFill>
         <p:spPr>
           <a:xfrm>
-            <a:off x="7435689" y="3691356"/>
+            <a:off x="7290584" y="3782389"/>
             <a:ext cx="4191450" cy="3149412"/>
-          </a:xfrm>
-          <a:prstGeom prst="rect">
-            <a:avLst/>
-          </a:prstGeom>
-        </p:spPr>
-      </p:pic>
-      <p:pic>
-        <p:nvPicPr>
-          <p:cNvPr id="7" name="Picture 6">
-            <a:extLst>
-              <a:ext uri="{FF2B5EF4-FFF2-40B4-BE49-F238E27FC236}">
-                <a16:creationId xmlns:a16="http://schemas.microsoft.com/office/drawing/2014/main" id="{6C622044-B815-4036-ABDF-8ACFE78519EB}"/>
-              </a:ext>
-            </a:extLst>
-          </p:cNvPr>
-          <p:cNvPicPr>
-            <a:picLocks noChangeAspect="1"/>
-          </p:cNvPicPr>
-          <p:nvPr/>
-        </p:nvPicPr>
-        <p:blipFill rotWithShape="1">
-          <a:blip r:embed="rId3"/>
-          <a:srcRect b="8679"/>
-          <a:stretch/>
-        </p:blipFill>
-        <p:spPr>
-          <a:xfrm>
-            <a:off x="4885119" y="76630"/>
-            <a:ext cx="7117205" cy="3450342"/>
           </a:xfrm>
           <a:prstGeom prst="rect">
             <a:avLst/>
@@ -12414,9 +12422,9 @@
           </a:stretch>
         </p:blipFill>
         <p:spPr>
-          <a:xfrm rot="9194426">
-            <a:off x="7515935" y="2332389"/>
-            <a:ext cx="2677672" cy="1348692"/>
+          <a:xfrm rot="9855852">
+            <a:off x="7515313" y="2512225"/>
+            <a:ext cx="2496113" cy="1441671"/>
           </a:xfrm>
           <a:prstGeom prst="rect">
             <a:avLst/>
@@ -12454,7 +12462,7 @@
                             </p:stCondLst>
                             <p:childTnLst>
                               <p:par>
-                                <p:cTn id="5" presetID="53" presetClass="entr" presetSubtype="16" fill="hold" nodeType="clickEffect">
+                                <p:cTn id="5" presetID="31" presetClass="entr" presetSubtype="0" fill="hold" nodeType="clickEffect">
                                   <p:stCondLst>
                                     <p:cond delay="0"/>
                                   </p:stCondLst>
@@ -12479,7 +12487,7 @@
                                     </p:set>
                                     <p:anim calcmode="lin" valueType="num">
                                       <p:cBhvr>
-                                        <p:cTn id="7" dur="500" fill="hold"/>
+                                        <p:cTn id="7" dur="1000" fill="hold"/>
                                         <p:tgtEl>
                                           <p:spTgt spid="13"/>
                                         </p:tgtEl>
@@ -12502,7 +12510,7 @@
                                     </p:anim>
                                     <p:anim calcmode="lin" valueType="num">
                                       <p:cBhvr>
-                                        <p:cTn id="8" dur="500" fill="hold"/>
+                                        <p:cTn id="8" dur="1000" fill="hold"/>
                                         <p:tgtEl>
                                           <p:spTgt spid="13"/>
                                         </p:tgtEl>
@@ -12523,11 +12531,138 @@
                                         </p:tav>
                                       </p:tavLst>
                                     </p:anim>
+                                    <p:anim calcmode="lin" valueType="num">
+                                      <p:cBhvr>
+                                        <p:cTn id="9" dur="1000" fill="hold"/>
+                                        <p:tgtEl>
+                                          <p:spTgt spid="13"/>
+                                        </p:tgtEl>
+                                        <p:attrNameLst>
+                                          <p:attrName>style.rotation</p:attrName>
+                                        </p:attrNameLst>
+                                      </p:cBhvr>
+                                      <p:tavLst>
+                                        <p:tav tm="0">
+                                          <p:val>
+                                            <p:fltVal val="90"/>
+                                          </p:val>
+                                        </p:tav>
+                                        <p:tav tm="100000">
+                                          <p:val>
+                                            <p:fltVal val="0"/>
+                                          </p:val>
+                                        </p:tav>
+                                      </p:tavLst>
+                                    </p:anim>
                                     <p:animEffect transition="in" filter="fade">
                                       <p:cBhvr>
-                                        <p:cTn id="9" dur="500"/>
+                                        <p:cTn id="10" dur="1000"/>
                                         <p:tgtEl>
                                           <p:spTgt spid="13"/>
+                                        </p:tgtEl>
+                                      </p:cBhvr>
+                                    </p:animEffect>
+                                  </p:childTnLst>
+                                </p:cTn>
+                              </p:par>
+                              <p:par>
+                                <p:cTn id="11" presetID="31" presetClass="entr" presetSubtype="0" fill="hold" grpId="0" nodeType="withEffect">
+                                  <p:stCondLst>
+                                    <p:cond delay="0"/>
+                                  </p:stCondLst>
+                                  <p:childTnLst>
+                                    <p:set>
+                                      <p:cBhvr>
+                                        <p:cTn id="12" dur="1" fill="hold">
+                                          <p:stCondLst>
+                                            <p:cond delay="0"/>
+                                          </p:stCondLst>
+                                        </p:cTn>
+                                        <p:tgtEl>
+                                          <p:spTgt spid="6"/>
+                                        </p:tgtEl>
+                                        <p:attrNameLst>
+                                          <p:attrName>style.visibility</p:attrName>
+                                        </p:attrNameLst>
+                                      </p:cBhvr>
+                                      <p:to>
+                                        <p:strVal val="visible"/>
+                                      </p:to>
+                                    </p:set>
+                                    <p:anim calcmode="lin" valueType="num">
+                                      <p:cBhvr>
+                                        <p:cTn id="13" dur="1000" fill="hold"/>
+                                        <p:tgtEl>
+                                          <p:spTgt spid="6"/>
+                                        </p:tgtEl>
+                                        <p:attrNameLst>
+                                          <p:attrName>ppt_w</p:attrName>
+                                        </p:attrNameLst>
+                                      </p:cBhvr>
+                                      <p:tavLst>
+                                        <p:tav tm="0">
+                                          <p:val>
+                                            <p:fltVal val="0"/>
+                                          </p:val>
+                                        </p:tav>
+                                        <p:tav tm="100000">
+                                          <p:val>
+                                            <p:strVal val="#ppt_w"/>
+                                          </p:val>
+                                        </p:tav>
+                                      </p:tavLst>
+                                    </p:anim>
+                                    <p:anim calcmode="lin" valueType="num">
+                                      <p:cBhvr>
+                                        <p:cTn id="14" dur="1000" fill="hold"/>
+                                        <p:tgtEl>
+                                          <p:spTgt spid="6"/>
+                                        </p:tgtEl>
+                                        <p:attrNameLst>
+                                          <p:attrName>ppt_h</p:attrName>
+                                        </p:attrNameLst>
+                                      </p:cBhvr>
+                                      <p:tavLst>
+                                        <p:tav tm="0">
+                                          <p:val>
+                                            <p:fltVal val="0"/>
+                                          </p:val>
+                                        </p:tav>
+                                        <p:tav tm="100000">
+                                          <p:val>
+                                            <p:strVal val="#ppt_h"/>
+                                          </p:val>
+                                        </p:tav>
+                                      </p:tavLst>
+                                    </p:anim>
+                                    <p:anim calcmode="lin" valueType="num">
+                                      <p:cBhvr>
+                                        <p:cTn id="15" dur="1000" fill="hold"/>
+                                        <p:tgtEl>
+                                          <p:spTgt spid="6"/>
+                                        </p:tgtEl>
+                                        <p:attrNameLst>
+                                          <p:attrName>style.rotation</p:attrName>
+                                        </p:attrNameLst>
+                                      </p:cBhvr>
+                                      <p:tavLst>
+                                        <p:tav tm="0">
+                                          <p:val>
+                                            <p:fltVal val="90"/>
+                                          </p:val>
+                                        </p:tav>
+                                        <p:tav tm="100000">
+                                          <p:val>
+                                            <p:fltVal val="0"/>
+                                          </p:val>
+                                        </p:tav>
+                                      </p:tavLst>
+                                    </p:anim>
+                                    <p:animEffect transition="in" filter="fade">
+                                      <p:cBhvr>
+                                        <p:cTn id="16" dur="1000"/>
+                                        <p:tgtEl>
+                                          <p:spTgt spid="6"/>
                                         </p:tgtEl>
                                       </p:cBhvr>
                                     </p:animEffect>
@@ -12561,6 +12696,9 @@
         </p:cTn>
       </p:par>
     </p:tnLst>
+    <p:bldLst>
+      <p:bldP spid="6" grpId="0" animBg="1"/>
+    </p:bldLst>
   </p:timing>
 </p:sld>
 </file>
@@ -12642,7 +12780,7 @@
           <a:p>
             <a:r>
               <a:rPr lang="en-US" dirty="0"/>
-              <a:t>Most alcoholic</a:t>
+              <a:t>Most alcoholic – 12.8%</a:t>
             </a:r>
           </a:p>
         </p:txBody>
@@ -12699,7 +12837,7 @@
           <a:p>
             <a:r>
               <a:rPr lang="en-US" dirty="0"/>
-              <a:t>Most bitter</a:t>
+              <a:t>Most bitter – 138 IBU</a:t>
             </a:r>
           </a:p>
         </p:txBody>
@@ -13223,6 +13361,2948 @@
 <file path=ppt/slides/slide8.xml><?xml version="1.0" encoding="utf-8"?>
 <p:sld xmlns:a="http://schemas.openxmlformats.org/drawingml/2006/main" xmlns:r="http://schemas.openxmlformats.org/officeDocument/2006/relationships" xmlns:p="http://schemas.openxmlformats.org/presentationml/2006/main">
   <p:cSld>
+    <p:bg>
+      <p:bgPr>
+        <a:solidFill>
+          <a:schemeClr val="bg1"/>
+        </a:solidFill>
+        <a:effectLst/>
+      </p:bgPr>
+    </p:bg>
+    <p:spTree>
+      <p:nvGrpSpPr>
+        <p:cNvPr id="1" name=""/>
+        <p:cNvGrpSpPr/>
+        <p:nvPr/>
+      </p:nvGrpSpPr>
+      <p:grpSpPr>
+        <a:xfrm>
+          <a:off x="0" y="0"/>
+          <a:ext cx="0" cy="0"/>
+          <a:chOff x="0" y="0"/>
+          <a:chExt cx="0" cy="0"/>
+        </a:xfrm>
+      </p:grpSpPr>
+      <p:sp>
+        <p:nvSpPr>
+          <p:cNvPr id="15" name="Freeform 6">
+            <a:extLst>
+              <a:ext uri="{FF2B5EF4-FFF2-40B4-BE49-F238E27FC236}">
+                <a16:creationId xmlns:a16="http://schemas.microsoft.com/office/drawing/2014/main" id="{126ADEF2-2BA7-419F-A580-9C6541A73B57}"/>
+              </a:ext>
+              <a:ext uri="{C183D7F6-B498-43B3-948B-1728B52AA6E4}">
+                <adec:decorative xmlns:adec="http://schemas.microsoft.com/office/drawing/2017/decorative" val="1"/>
+              </a:ext>
+            </a:extLst>
+          </p:cNvPr>
+          <p:cNvSpPr>
+            <a:spLocks noGrp="1" noRot="1" noChangeAspect="1" noMove="1" noResize="1" noEditPoints="1" noAdjustHandles="1" noChangeArrowheads="1" noChangeShapeType="1" noTextEdit="1"/>
+          </p:cNvSpPr>
+          <p:nvPr>
+            <p:extLst>
+              <p:ext uri="{386F3935-93C4-4BCD-93E2-E3B085C9AB24}">
+                <p16:designElem xmlns:p16="http://schemas.microsoft.com/office/powerpoint/2015/main" val="1"/>
+              </p:ext>
+            </p:extLst>
+          </p:nvPr>
+        </p:nvSpPr>
+        <p:spPr bwMode="auto">
+          <a:xfrm>
+            <a:off x="3557016" y="630936"/>
+            <a:ext cx="5235575" cy="5229225"/>
+          </a:xfrm>
+          <a:custGeom>
+            <a:avLst/>
+            <a:gdLst/>
+            <a:ahLst/>
+            <a:cxnLst/>
+            <a:rect l="0" t="0" r="r" b="b"/>
+            <a:pathLst>
+              <a:path w="3298" h="3294">
+                <a:moveTo>
+                  <a:pt x="1649" y="0"/>
+                </a:moveTo>
+                <a:lnTo>
+                  <a:pt x="1681" y="3"/>
+                </a:lnTo>
+                <a:lnTo>
+                  <a:pt x="1712" y="11"/>
+                </a:lnTo>
+                <a:lnTo>
+                  <a:pt x="1742" y="23"/>
+                </a:lnTo>
+                <a:lnTo>
+                  <a:pt x="1773" y="38"/>
+                </a:lnTo>
+                <a:lnTo>
+                  <a:pt x="1802" y="55"/>
+                </a:lnTo>
+                <a:lnTo>
+                  <a:pt x="1832" y="73"/>
+                </a:lnTo>
+                <a:lnTo>
+                  <a:pt x="1862" y="89"/>
+                </a:lnTo>
+                <a:lnTo>
+                  <a:pt x="1892" y="105"/>
+                </a:lnTo>
+                <a:lnTo>
+                  <a:pt x="1921" y="117"/>
+                </a:lnTo>
+                <a:lnTo>
+                  <a:pt x="1953" y="125"/>
+                </a:lnTo>
+                <a:lnTo>
+                  <a:pt x="1984" y="129"/>
+                </a:lnTo>
+                <a:lnTo>
+                  <a:pt x="2017" y="129"/>
+                </a:lnTo>
+                <a:lnTo>
+                  <a:pt x="2051" y="127"/>
+                </a:lnTo>
+                <a:lnTo>
+                  <a:pt x="2085" y="123"/>
+                </a:lnTo>
+                <a:lnTo>
+                  <a:pt x="2119" y="118"/>
+                </a:lnTo>
+                <a:lnTo>
+                  <a:pt x="2153" y="114"/>
+                </a:lnTo>
+                <a:lnTo>
+                  <a:pt x="2187" y="111"/>
+                </a:lnTo>
+                <a:lnTo>
+                  <a:pt x="2219" y="112"/>
+                </a:lnTo>
+                <a:lnTo>
+                  <a:pt x="2250" y="116"/>
+                </a:lnTo>
+                <a:lnTo>
+                  <a:pt x="2280" y="125"/>
+                </a:lnTo>
+                <a:lnTo>
+                  <a:pt x="2305" y="138"/>
+                </a:lnTo>
+                <a:lnTo>
+                  <a:pt x="2329" y="155"/>
+                </a:lnTo>
+                <a:lnTo>
+                  <a:pt x="2350" y="175"/>
+                </a:lnTo>
+                <a:lnTo>
+                  <a:pt x="2371" y="198"/>
+                </a:lnTo>
+                <a:lnTo>
+                  <a:pt x="2390" y="222"/>
+                </a:lnTo>
+                <a:lnTo>
+                  <a:pt x="2409" y="247"/>
+                </a:lnTo>
+                <a:lnTo>
+                  <a:pt x="2428" y="272"/>
+                </a:lnTo>
+                <a:lnTo>
+                  <a:pt x="2447" y="296"/>
+                </a:lnTo>
+                <a:lnTo>
+                  <a:pt x="2467" y="319"/>
+                </a:lnTo>
+                <a:lnTo>
+                  <a:pt x="2490" y="339"/>
+                </a:lnTo>
+                <a:lnTo>
+                  <a:pt x="2512" y="357"/>
+                </a:lnTo>
+                <a:lnTo>
+                  <a:pt x="2537" y="371"/>
+                </a:lnTo>
+                <a:lnTo>
+                  <a:pt x="2564" y="383"/>
+                </a:lnTo>
+                <a:lnTo>
+                  <a:pt x="2593" y="393"/>
+                </a:lnTo>
+                <a:lnTo>
+                  <a:pt x="2623" y="402"/>
+                </a:lnTo>
+                <a:lnTo>
+                  <a:pt x="2653" y="410"/>
+                </a:lnTo>
+                <a:lnTo>
+                  <a:pt x="2684" y="418"/>
+                </a:lnTo>
+                <a:lnTo>
+                  <a:pt x="2713" y="427"/>
+                </a:lnTo>
+                <a:lnTo>
+                  <a:pt x="2742" y="437"/>
+                </a:lnTo>
+                <a:lnTo>
+                  <a:pt x="2769" y="449"/>
+                </a:lnTo>
+                <a:lnTo>
+                  <a:pt x="2793" y="464"/>
+                </a:lnTo>
+                <a:lnTo>
+                  <a:pt x="2815" y="482"/>
+                </a:lnTo>
+                <a:lnTo>
+                  <a:pt x="2833" y="504"/>
+                </a:lnTo>
+                <a:lnTo>
+                  <a:pt x="2848" y="528"/>
+                </a:lnTo>
+                <a:lnTo>
+                  <a:pt x="2860" y="555"/>
+                </a:lnTo>
+                <a:lnTo>
+                  <a:pt x="2870" y="584"/>
+                </a:lnTo>
+                <a:lnTo>
+                  <a:pt x="2879" y="613"/>
+                </a:lnTo>
+                <a:lnTo>
+                  <a:pt x="2887" y="644"/>
+                </a:lnTo>
+                <a:lnTo>
+                  <a:pt x="2895" y="674"/>
+                </a:lnTo>
+                <a:lnTo>
+                  <a:pt x="2904" y="704"/>
+                </a:lnTo>
+                <a:lnTo>
+                  <a:pt x="2914" y="733"/>
+                </a:lnTo>
+                <a:lnTo>
+                  <a:pt x="2926" y="760"/>
+                </a:lnTo>
+                <a:lnTo>
+                  <a:pt x="2940" y="785"/>
+                </a:lnTo>
+                <a:lnTo>
+                  <a:pt x="2958" y="807"/>
+                </a:lnTo>
+                <a:lnTo>
+                  <a:pt x="2978" y="830"/>
+                </a:lnTo>
+                <a:lnTo>
+                  <a:pt x="3001" y="850"/>
+                </a:lnTo>
+                <a:lnTo>
+                  <a:pt x="3025" y="869"/>
+                </a:lnTo>
+                <a:lnTo>
+                  <a:pt x="3051" y="888"/>
+                </a:lnTo>
+                <a:lnTo>
+                  <a:pt x="3076" y="907"/>
+                </a:lnTo>
+                <a:lnTo>
+                  <a:pt x="3100" y="926"/>
+                </a:lnTo>
+                <a:lnTo>
+                  <a:pt x="3123" y="947"/>
+                </a:lnTo>
+                <a:lnTo>
+                  <a:pt x="3143" y="968"/>
+                </a:lnTo>
+                <a:lnTo>
+                  <a:pt x="3160" y="992"/>
+                </a:lnTo>
+                <a:lnTo>
+                  <a:pt x="3173" y="1017"/>
+                </a:lnTo>
+                <a:lnTo>
+                  <a:pt x="3182" y="1047"/>
+                </a:lnTo>
+                <a:lnTo>
+                  <a:pt x="3186" y="1078"/>
+                </a:lnTo>
+                <a:lnTo>
+                  <a:pt x="3187" y="1110"/>
+                </a:lnTo>
+                <a:lnTo>
+                  <a:pt x="3184" y="1144"/>
+                </a:lnTo>
+                <a:lnTo>
+                  <a:pt x="3180" y="1178"/>
+                </a:lnTo>
+                <a:lnTo>
+                  <a:pt x="3175" y="1212"/>
+                </a:lnTo>
+                <a:lnTo>
+                  <a:pt x="3171" y="1246"/>
+                </a:lnTo>
+                <a:lnTo>
+                  <a:pt x="3169" y="1280"/>
+                </a:lnTo>
+                <a:lnTo>
+                  <a:pt x="3169" y="1313"/>
+                </a:lnTo>
+                <a:lnTo>
+                  <a:pt x="3173" y="1344"/>
+                </a:lnTo>
+                <a:lnTo>
+                  <a:pt x="3181" y="1375"/>
+                </a:lnTo>
+                <a:lnTo>
+                  <a:pt x="3193" y="1404"/>
+                </a:lnTo>
+                <a:lnTo>
+                  <a:pt x="3209" y="1434"/>
+                </a:lnTo>
+                <a:lnTo>
+                  <a:pt x="3225" y="1464"/>
+                </a:lnTo>
+                <a:lnTo>
+                  <a:pt x="3243" y="1494"/>
+                </a:lnTo>
+                <a:lnTo>
+                  <a:pt x="3260" y="1523"/>
+                </a:lnTo>
+                <a:lnTo>
+                  <a:pt x="3275" y="1554"/>
+                </a:lnTo>
+                <a:lnTo>
+                  <a:pt x="3287" y="1584"/>
+                </a:lnTo>
+                <a:lnTo>
+                  <a:pt x="3295" y="1615"/>
+                </a:lnTo>
+                <a:lnTo>
+                  <a:pt x="3298" y="1647"/>
+                </a:lnTo>
+                <a:lnTo>
+                  <a:pt x="3295" y="1679"/>
+                </a:lnTo>
+                <a:lnTo>
+                  <a:pt x="3287" y="1710"/>
+                </a:lnTo>
+                <a:lnTo>
+                  <a:pt x="3275" y="1740"/>
+                </a:lnTo>
+                <a:lnTo>
+                  <a:pt x="3260" y="1771"/>
+                </a:lnTo>
+                <a:lnTo>
+                  <a:pt x="3243" y="1800"/>
+                </a:lnTo>
+                <a:lnTo>
+                  <a:pt x="3225" y="1830"/>
+                </a:lnTo>
+                <a:lnTo>
+                  <a:pt x="3209" y="1860"/>
+                </a:lnTo>
+                <a:lnTo>
+                  <a:pt x="3193" y="1890"/>
+                </a:lnTo>
+                <a:lnTo>
+                  <a:pt x="3181" y="1919"/>
+                </a:lnTo>
+                <a:lnTo>
+                  <a:pt x="3173" y="1950"/>
+                </a:lnTo>
+                <a:lnTo>
+                  <a:pt x="3169" y="1981"/>
+                </a:lnTo>
+                <a:lnTo>
+                  <a:pt x="3169" y="2014"/>
+                </a:lnTo>
+                <a:lnTo>
+                  <a:pt x="3171" y="2048"/>
+                </a:lnTo>
+                <a:lnTo>
+                  <a:pt x="3175" y="2082"/>
+                </a:lnTo>
+                <a:lnTo>
+                  <a:pt x="3180" y="2116"/>
+                </a:lnTo>
+                <a:lnTo>
+                  <a:pt x="3184" y="2150"/>
+                </a:lnTo>
+                <a:lnTo>
+                  <a:pt x="3187" y="2184"/>
+                </a:lnTo>
+                <a:lnTo>
+                  <a:pt x="3186" y="2216"/>
+                </a:lnTo>
+                <a:lnTo>
+                  <a:pt x="3182" y="2247"/>
+                </a:lnTo>
+                <a:lnTo>
+                  <a:pt x="3173" y="2277"/>
+                </a:lnTo>
+                <a:lnTo>
+                  <a:pt x="3160" y="2302"/>
+                </a:lnTo>
+                <a:lnTo>
+                  <a:pt x="3143" y="2326"/>
+                </a:lnTo>
+                <a:lnTo>
+                  <a:pt x="3123" y="2347"/>
+                </a:lnTo>
+                <a:lnTo>
+                  <a:pt x="3100" y="2368"/>
+                </a:lnTo>
+                <a:lnTo>
+                  <a:pt x="3076" y="2387"/>
+                </a:lnTo>
+                <a:lnTo>
+                  <a:pt x="3051" y="2406"/>
+                </a:lnTo>
+                <a:lnTo>
+                  <a:pt x="3025" y="2425"/>
+                </a:lnTo>
+                <a:lnTo>
+                  <a:pt x="3001" y="2444"/>
+                </a:lnTo>
+                <a:lnTo>
+                  <a:pt x="2978" y="2464"/>
+                </a:lnTo>
+                <a:lnTo>
+                  <a:pt x="2958" y="2487"/>
+                </a:lnTo>
+                <a:lnTo>
+                  <a:pt x="2940" y="2509"/>
+                </a:lnTo>
+                <a:lnTo>
+                  <a:pt x="2926" y="2534"/>
+                </a:lnTo>
+                <a:lnTo>
+                  <a:pt x="2914" y="2561"/>
+                </a:lnTo>
+                <a:lnTo>
+                  <a:pt x="2904" y="2590"/>
+                </a:lnTo>
+                <a:lnTo>
+                  <a:pt x="2895" y="2620"/>
+                </a:lnTo>
+                <a:lnTo>
+                  <a:pt x="2887" y="2650"/>
+                </a:lnTo>
+                <a:lnTo>
+                  <a:pt x="2879" y="2681"/>
+                </a:lnTo>
+                <a:lnTo>
+                  <a:pt x="2870" y="2710"/>
+                </a:lnTo>
+                <a:lnTo>
+                  <a:pt x="2860" y="2739"/>
+                </a:lnTo>
+                <a:lnTo>
+                  <a:pt x="2848" y="2766"/>
+                </a:lnTo>
+                <a:lnTo>
+                  <a:pt x="2833" y="2790"/>
+                </a:lnTo>
+                <a:lnTo>
+                  <a:pt x="2815" y="2812"/>
+                </a:lnTo>
+                <a:lnTo>
+                  <a:pt x="2793" y="2830"/>
+                </a:lnTo>
+                <a:lnTo>
+                  <a:pt x="2769" y="2845"/>
+                </a:lnTo>
+                <a:lnTo>
+                  <a:pt x="2742" y="2857"/>
+                </a:lnTo>
+                <a:lnTo>
+                  <a:pt x="2713" y="2867"/>
+                </a:lnTo>
+                <a:lnTo>
+                  <a:pt x="2684" y="2876"/>
+                </a:lnTo>
+                <a:lnTo>
+                  <a:pt x="2653" y="2884"/>
+                </a:lnTo>
+                <a:lnTo>
+                  <a:pt x="2623" y="2892"/>
+                </a:lnTo>
+                <a:lnTo>
+                  <a:pt x="2593" y="2901"/>
+                </a:lnTo>
+                <a:lnTo>
+                  <a:pt x="2564" y="2911"/>
+                </a:lnTo>
+                <a:lnTo>
+                  <a:pt x="2537" y="2923"/>
+                </a:lnTo>
+                <a:lnTo>
+                  <a:pt x="2512" y="2937"/>
+                </a:lnTo>
+                <a:lnTo>
+                  <a:pt x="2490" y="2955"/>
+                </a:lnTo>
+                <a:lnTo>
+                  <a:pt x="2467" y="2975"/>
+                </a:lnTo>
+                <a:lnTo>
+                  <a:pt x="2447" y="2998"/>
+                </a:lnTo>
+                <a:lnTo>
+                  <a:pt x="2428" y="3022"/>
+                </a:lnTo>
+                <a:lnTo>
+                  <a:pt x="2409" y="3047"/>
+                </a:lnTo>
+                <a:lnTo>
+                  <a:pt x="2390" y="3072"/>
+                </a:lnTo>
+                <a:lnTo>
+                  <a:pt x="2371" y="3096"/>
+                </a:lnTo>
+                <a:lnTo>
+                  <a:pt x="2350" y="3119"/>
+                </a:lnTo>
+                <a:lnTo>
+                  <a:pt x="2329" y="3139"/>
+                </a:lnTo>
+                <a:lnTo>
+                  <a:pt x="2305" y="3156"/>
+                </a:lnTo>
+                <a:lnTo>
+                  <a:pt x="2280" y="3169"/>
+                </a:lnTo>
+                <a:lnTo>
+                  <a:pt x="2250" y="3178"/>
+                </a:lnTo>
+                <a:lnTo>
+                  <a:pt x="2219" y="3182"/>
+                </a:lnTo>
+                <a:lnTo>
+                  <a:pt x="2187" y="3183"/>
+                </a:lnTo>
+                <a:lnTo>
+                  <a:pt x="2153" y="3180"/>
+                </a:lnTo>
+                <a:lnTo>
+                  <a:pt x="2119" y="3176"/>
+                </a:lnTo>
+                <a:lnTo>
+                  <a:pt x="2085" y="3171"/>
+                </a:lnTo>
+                <a:lnTo>
+                  <a:pt x="2051" y="3167"/>
+                </a:lnTo>
+                <a:lnTo>
+                  <a:pt x="2017" y="3165"/>
+                </a:lnTo>
+                <a:lnTo>
+                  <a:pt x="1984" y="3165"/>
+                </a:lnTo>
+                <a:lnTo>
+                  <a:pt x="1953" y="3169"/>
+                </a:lnTo>
+                <a:lnTo>
+                  <a:pt x="1921" y="3177"/>
+                </a:lnTo>
+                <a:lnTo>
+                  <a:pt x="1892" y="3189"/>
+                </a:lnTo>
+                <a:lnTo>
+                  <a:pt x="1862" y="3205"/>
+                </a:lnTo>
+                <a:lnTo>
+                  <a:pt x="1832" y="3221"/>
+                </a:lnTo>
+                <a:lnTo>
+                  <a:pt x="1802" y="3239"/>
+                </a:lnTo>
+                <a:lnTo>
+                  <a:pt x="1773" y="3256"/>
+                </a:lnTo>
+                <a:lnTo>
+                  <a:pt x="1742" y="3271"/>
+                </a:lnTo>
+                <a:lnTo>
+                  <a:pt x="1712" y="3283"/>
+                </a:lnTo>
+                <a:lnTo>
+                  <a:pt x="1681" y="3291"/>
+                </a:lnTo>
+                <a:lnTo>
+                  <a:pt x="1649" y="3294"/>
+                </a:lnTo>
+                <a:lnTo>
+                  <a:pt x="1617" y="3291"/>
+                </a:lnTo>
+                <a:lnTo>
+                  <a:pt x="1586" y="3283"/>
+                </a:lnTo>
+                <a:lnTo>
+                  <a:pt x="1556" y="3271"/>
+                </a:lnTo>
+                <a:lnTo>
+                  <a:pt x="1525" y="3256"/>
+                </a:lnTo>
+                <a:lnTo>
+                  <a:pt x="1496" y="3239"/>
+                </a:lnTo>
+                <a:lnTo>
+                  <a:pt x="1466" y="3221"/>
+                </a:lnTo>
+                <a:lnTo>
+                  <a:pt x="1436" y="3205"/>
+                </a:lnTo>
+                <a:lnTo>
+                  <a:pt x="1406" y="3189"/>
+                </a:lnTo>
+                <a:lnTo>
+                  <a:pt x="1376" y="3177"/>
+                </a:lnTo>
+                <a:lnTo>
+                  <a:pt x="1345" y="3169"/>
+                </a:lnTo>
+                <a:lnTo>
+                  <a:pt x="1314" y="3165"/>
+                </a:lnTo>
+                <a:lnTo>
+                  <a:pt x="1281" y="3165"/>
+                </a:lnTo>
+                <a:lnTo>
+                  <a:pt x="1247" y="3167"/>
+                </a:lnTo>
+                <a:lnTo>
+                  <a:pt x="1213" y="3171"/>
+                </a:lnTo>
+                <a:lnTo>
+                  <a:pt x="1179" y="3176"/>
+                </a:lnTo>
+                <a:lnTo>
+                  <a:pt x="1145" y="3180"/>
+                </a:lnTo>
+                <a:lnTo>
+                  <a:pt x="1111" y="3183"/>
+                </a:lnTo>
+                <a:lnTo>
+                  <a:pt x="1079" y="3182"/>
+                </a:lnTo>
+                <a:lnTo>
+                  <a:pt x="1048" y="3178"/>
+                </a:lnTo>
+                <a:lnTo>
+                  <a:pt x="1018" y="3169"/>
+                </a:lnTo>
+                <a:lnTo>
+                  <a:pt x="993" y="3156"/>
+                </a:lnTo>
+                <a:lnTo>
+                  <a:pt x="969" y="3139"/>
+                </a:lnTo>
+                <a:lnTo>
+                  <a:pt x="948" y="3119"/>
+                </a:lnTo>
+                <a:lnTo>
+                  <a:pt x="927" y="3096"/>
+                </a:lnTo>
+                <a:lnTo>
+                  <a:pt x="908" y="3072"/>
+                </a:lnTo>
+                <a:lnTo>
+                  <a:pt x="889" y="3047"/>
+                </a:lnTo>
+                <a:lnTo>
+                  <a:pt x="870" y="3022"/>
+                </a:lnTo>
+                <a:lnTo>
+                  <a:pt x="851" y="2998"/>
+                </a:lnTo>
+                <a:lnTo>
+                  <a:pt x="831" y="2975"/>
+                </a:lnTo>
+                <a:lnTo>
+                  <a:pt x="808" y="2955"/>
+                </a:lnTo>
+                <a:lnTo>
+                  <a:pt x="786" y="2937"/>
+                </a:lnTo>
+                <a:lnTo>
+                  <a:pt x="761" y="2923"/>
+                </a:lnTo>
+                <a:lnTo>
+                  <a:pt x="734" y="2911"/>
+                </a:lnTo>
+                <a:lnTo>
+                  <a:pt x="705" y="2901"/>
+                </a:lnTo>
+                <a:lnTo>
+                  <a:pt x="675" y="2892"/>
+                </a:lnTo>
+                <a:lnTo>
+                  <a:pt x="645" y="2884"/>
+                </a:lnTo>
+                <a:lnTo>
+                  <a:pt x="614" y="2876"/>
+                </a:lnTo>
+                <a:lnTo>
+                  <a:pt x="585" y="2867"/>
+                </a:lnTo>
+                <a:lnTo>
+                  <a:pt x="556" y="2857"/>
+                </a:lnTo>
+                <a:lnTo>
+                  <a:pt x="529" y="2845"/>
+                </a:lnTo>
+                <a:lnTo>
+                  <a:pt x="505" y="2830"/>
+                </a:lnTo>
+                <a:lnTo>
+                  <a:pt x="483" y="2812"/>
+                </a:lnTo>
+                <a:lnTo>
+                  <a:pt x="465" y="2790"/>
+                </a:lnTo>
+                <a:lnTo>
+                  <a:pt x="450" y="2766"/>
+                </a:lnTo>
+                <a:lnTo>
+                  <a:pt x="438" y="2739"/>
+                </a:lnTo>
+                <a:lnTo>
+                  <a:pt x="428" y="2710"/>
+                </a:lnTo>
+                <a:lnTo>
+                  <a:pt x="419" y="2681"/>
+                </a:lnTo>
+                <a:lnTo>
+                  <a:pt x="411" y="2650"/>
+                </a:lnTo>
+                <a:lnTo>
+                  <a:pt x="403" y="2620"/>
+                </a:lnTo>
+                <a:lnTo>
+                  <a:pt x="394" y="2590"/>
+                </a:lnTo>
+                <a:lnTo>
+                  <a:pt x="384" y="2561"/>
+                </a:lnTo>
+                <a:lnTo>
+                  <a:pt x="372" y="2534"/>
+                </a:lnTo>
+                <a:lnTo>
+                  <a:pt x="358" y="2509"/>
+                </a:lnTo>
+                <a:lnTo>
+                  <a:pt x="340" y="2487"/>
+                </a:lnTo>
+                <a:lnTo>
+                  <a:pt x="320" y="2464"/>
+                </a:lnTo>
+                <a:lnTo>
+                  <a:pt x="297" y="2444"/>
+                </a:lnTo>
+                <a:lnTo>
+                  <a:pt x="272" y="2425"/>
+                </a:lnTo>
+                <a:lnTo>
+                  <a:pt x="247" y="2406"/>
+                </a:lnTo>
+                <a:lnTo>
+                  <a:pt x="222" y="2387"/>
+                </a:lnTo>
+                <a:lnTo>
+                  <a:pt x="198" y="2368"/>
+                </a:lnTo>
+                <a:lnTo>
+                  <a:pt x="175" y="2347"/>
+                </a:lnTo>
+                <a:lnTo>
+                  <a:pt x="155" y="2326"/>
+                </a:lnTo>
+                <a:lnTo>
+                  <a:pt x="138" y="2302"/>
+                </a:lnTo>
+                <a:lnTo>
+                  <a:pt x="125" y="2277"/>
+                </a:lnTo>
+                <a:lnTo>
+                  <a:pt x="116" y="2247"/>
+                </a:lnTo>
+                <a:lnTo>
+                  <a:pt x="112" y="2216"/>
+                </a:lnTo>
+                <a:lnTo>
+                  <a:pt x="111" y="2184"/>
+                </a:lnTo>
+                <a:lnTo>
+                  <a:pt x="114" y="2150"/>
+                </a:lnTo>
+                <a:lnTo>
+                  <a:pt x="118" y="2116"/>
+                </a:lnTo>
+                <a:lnTo>
+                  <a:pt x="123" y="2082"/>
+                </a:lnTo>
+                <a:lnTo>
+                  <a:pt x="127" y="2048"/>
+                </a:lnTo>
+                <a:lnTo>
+                  <a:pt x="129" y="2014"/>
+                </a:lnTo>
+                <a:lnTo>
+                  <a:pt x="129" y="1981"/>
+                </a:lnTo>
+                <a:lnTo>
+                  <a:pt x="125" y="1950"/>
+                </a:lnTo>
+                <a:lnTo>
+                  <a:pt x="117" y="1919"/>
+                </a:lnTo>
+                <a:lnTo>
+                  <a:pt x="105" y="1890"/>
+                </a:lnTo>
+                <a:lnTo>
+                  <a:pt x="90" y="1860"/>
+                </a:lnTo>
+                <a:lnTo>
+                  <a:pt x="73" y="1830"/>
+                </a:lnTo>
+                <a:lnTo>
+                  <a:pt x="55" y="1800"/>
+                </a:lnTo>
+                <a:lnTo>
+                  <a:pt x="38" y="1771"/>
+                </a:lnTo>
+                <a:lnTo>
+                  <a:pt x="23" y="1740"/>
+                </a:lnTo>
+                <a:lnTo>
+                  <a:pt x="11" y="1710"/>
+                </a:lnTo>
+                <a:lnTo>
+                  <a:pt x="3" y="1679"/>
+                </a:lnTo>
+                <a:lnTo>
+                  <a:pt x="0" y="1647"/>
+                </a:lnTo>
+                <a:lnTo>
+                  <a:pt x="3" y="1615"/>
+                </a:lnTo>
+                <a:lnTo>
+                  <a:pt x="11" y="1584"/>
+                </a:lnTo>
+                <a:lnTo>
+                  <a:pt x="23" y="1554"/>
+                </a:lnTo>
+                <a:lnTo>
+                  <a:pt x="38" y="1523"/>
+                </a:lnTo>
+                <a:lnTo>
+                  <a:pt x="55" y="1494"/>
+                </a:lnTo>
+                <a:lnTo>
+                  <a:pt x="73" y="1464"/>
+                </a:lnTo>
+                <a:lnTo>
+                  <a:pt x="90" y="1434"/>
+                </a:lnTo>
+                <a:lnTo>
+                  <a:pt x="105" y="1404"/>
+                </a:lnTo>
+                <a:lnTo>
+                  <a:pt x="117" y="1375"/>
+                </a:lnTo>
+                <a:lnTo>
+                  <a:pt x="125" y="1344"/>
+                </a:lnTo>
+                <a:lnTo>
+                  <a:pt x="129" y="1313"/>
+                </a:lnTo>
+                <a:lnTo>
+                  <a:pt x="129" y="1280"/>
+                </a:lnTo>
+                <a:lnTo>
+                  <a:pt x="127" y="1246"/>
+                </a:lnTo>
+                <a:lnTo>
+                  <a:pt x="123" y="1212"/>
+                </a:lnTo>
+                <a:lnTo>
+                  <a:pt x="118" y="1178"/>
+                </a:lnTo>
+                <a:lnTo>
+                  <a:pt x="114" y="1144"/>
+                </a:lnTo>
+                <a:lnTo>
+                  <a:pt x="111" y="1110"/>
+                </a:lnTo>
+                <a:lnTo>
+                  <a:pt x="112" y="1078"/>
+                </a:lnTo>
+                <a:lnTo>
+                  <a:pt x="116" y="1047"/>
+                </a:lnTo>
+                <a:lnTo>
+                  <a:pt x="125" y="1017"/>
+                </a:lnTo>
+                <a:lnTo>
+                  <a:pt x="138" y="992"/>
+                </a:lnTo>
+                <a:lnTo>
+                  <a:pt x="155" y="968"/>
+                </a:lnTo>
+                <a:lnTo>
+                  <a:pt x="175" y="947"/>
+                </a:lnTo>
+                <a:lnTo>
+                  <a:pt x="198" y="926"/>
+                </a:lnTo>
+                <a:lnTo>
+                  <a:pt x="222" y="907"/>
+                </a:lnTo>
+                <a:lnTo>
+                  <a:pt x="247" y="888"/>
+                </a:lnTo>
+                <a:lnTo>
+                  <a:pt x="272" y="869"/>
+                </a:lnTo>
+                <a:lnTo>
+                  <a:pt x="297" y="850"/>
+                </a:lnTo>
+                <a:lnTo>
+                  <a:pt x="320" y="830"/>
+                </a:lnTo>
+                <a:lnTo>
+                  <a:pt x="340" y="807"/>
+                </a:lnTo>
+                <a:lnTo>
+                  <a:pt x="358" y="785"/>
+                </a:lnTo>
+                <a:lnTo>
+                  <a:pt x="372" y="760"/>
+                </a:lnTo>
+                <a:lnTo>
+                  <a:pt x="384" y="733"/>
+                </a:lnTo>
+                <a:lnTo>
+                  <a:pt x="394" y="704"/>
+                </a:lnTo>
+                <a:lnTo>
+                  <a:pt x="403" y="674"/>
+                </a:lnTo>
+                <a:lnTo>
+                  <a:pt x="411" y="644"/>
+                </a:lnTo>
+                <a:lnTo>
+                  <a:pt x="419" y="613"/>
+                </a:lnTo>
+                <a:lnTo>
+                  <a:pt x="428" y="584"/>
+                </a:lnTo>
+                <a:lnTo>
+                  <a:pt x="438" y="555"/>
+                </a:lnTo>
+                <a:lnTo>
+                  <a:pt x="450" y="528"/>
+                </a:lnTo>
+                <a:lnTo>
+                  <a:pt x="465" y="504"/>
+                </a:lnTo>
+                <a:lnTo>
+                  <a:pt x="483" y="482"/>
+                </a:lnTo>
+                <a:lnTo>
+                  <a:pt x="505" y="464"/>
+                </a:lnTo>
+                <a:lnTo>
+                  <a:pt x="529" y="449"/>
+                </a:lnTo>
+                <a:lnTo>
+                  <a:pt x="556" y="437"/>
+                </a:lnTo>
+                <a:lnTo>
+                  <a:pt x="585" y="427"/>
+                </a:lnTo>
+                <a:lnTo>
+                  <a:pt x="614" y="418"/>
+                </a:lnTo>
+                <a:lnTo>
+                  <a:pt x="645" y="410"/>
+                </a:lnTo>
+                <a:lnTo>
+                  <a:pt x="675" y="402"/>
+                </a:lnTo>
+                <a:lnTo>
+                  <a:pt x="705" y="393"/>
+                </a:lnTo>
+                <a:lnTo>
+                  <a:pt x="734" y="383"/>
+                </a:lnTo>
+                <a:lnTo>
+                  <a:pt x="761" y="371"/>
+                </a:lnTo>
+                <a:lnTo>
+                  <a:pt x="786" y="357"/>
+                </a:lnTo>
+                <a:lnTo>
+                  <a:pt x="808" y="339"/>
+                </a:lnTo>
+                <a:lnTo>
+                  <a:pt x="831" y="319"/>
+                </a:lnTo>
+                <a:lnTo>
+                  <a:pt x="851" y="296"/>
+                </a:lnTo>
+                <a:lnTo>
+                  <a:pt x="870" y="272"/>
+                </a:lnTo>
+                <a:lnTo>
+                  <a:pt x="889" y="247"/>
+                </a:lnTo>
+                <a:lnTo>
+                  <a:pt x="908" y="222"/>
+                </a:lnTo>
+                <a:lnTo>
+                  <a:pt x="927" y="198"/>
+                </a:lnTo>
+                <a:lnTo>
+                  <a:pt x="948" y="175"/>
+                </a:lnTo>
+                <a:lnTo>
+                  <a:pt x="969" y="155"/>
+                </a:lnTo>
+                <a:lnTo>
+                  <a:pt x="993" y="138"/>
+                </a:lnTo>
+                <a:lnTo>
+                  <a:pt x="1018" y="125"/>
+                </a:lnTo>
+                <a:lnTo>
+                  <a:pt x="1048" y="116"/>
+                </a:lnTo>
+                <a:lnTo>
+                  <a:pt x="1079" y="112"/>
+                </a:lnTo>
+                <a:lnTo>
+                  <a:pt x="1111" y="111"/>
+                </a:lnTo>
+                <a:lnTo>
+                  <a:pt x="1145" y="114"/>
+                </a:lnTo>
+                <a:lnTo>
+                  <a:pt x="1179" y="118"/>
+                </a:lnTo>
+                <a:lnTo>
+                  <a:pt x="1213" y="123"/>
+                </a:lnTo>
+                <a:lnTo>
+                  <a:pt x="1247" y="127"/>
+                </a:lnTo>
+                <a:lnTo>
+                  <a:pt x="1281" y="129"/>
+                </a:lnTo>
+                <a:lnTo>
+                  <a:pt x="1314" y="129"/>
+                </a:lnTo>
+                <a:lnTo>
+                  <a:pt x="1345" y="125"/>
+                </a:lnTo>
+                <a:lnTo>
+                  <a:pt x="1376" y="117"/>
+                </a:lnTo>
+                <a:lnTo>
+                  <a:pt x="1406" y="105"/>
+                </a:lnTo>
+                <a:lnTo>
+                  <a:pt x="1436" y="89"/>
+                </a:lnTo>
+                <a:lnTo>
+                  <a:pt x="1466" y="73"/>
+                </a:lnTo>
+                <a:lnTo>
+                  <a:pt x="1496" y="55"/>
+                </a:lnTo>
+                <a:lnTo>
+                  <a:pt x="1525" y="38"/>
+                </a:lnTo>
+                <a:lnTo>
+                  <a:pt x="1556" y="23"/>
+                </a:lnTo>
+                <a:lnTo>
+                  <a:pt x="1586" y="11"/>
+                </a:lnTo>
+                <a:lnTo>
+                  <a:pt x="1617" y="3"/>
+                </a:lnTo>
+                <a:lnTo>
+                  <a:pt x="1649" y="0"/>
+                </a:lnTo>
+                <a:close/>
+              </a:path>
+            </a:pathLst>
+          </a:custGeom>
+          <a:solidFill>
+            <a:schemeClr val="bg2"/>
+          </a:solidFill>
+          <a:ln w="0">
+            <a:noFill/>
+            <a:prstDash val="solid"/>
+            <a:round/>
+            <a:headEnd/>
+            <a:tailEnd/>
+          </a:ln>
+        </p:spPr>
+      </p:sp>
+      <p:sp>
+        <p:nvSpPr>
+          <p:cNvPr id="17" name="Rectangle 16">
+            <a:extLst>
+              <a:ext uri="{FF2B5EF4-FFF2-40B4-BE49-F238E27FC236}">
+                <a16:creationId xmlns:a16="http://schemas.microsoft.com/office/drawing/2014/main" id="{2B146248-6675-4D3A-B34A-7363E28C91FE}"/>
+              </a:ext>
+              <a:ext uri="{C183D7F6-B498-43B3-948B-1728B52AA6E4}">
+                <adec:decorative xmlns:adec="http://schemas.microsoft.com/office/drawing/2017/decorative" val="1"/>
+              </a:ext>
+            </a:extLst>
+          </p:cNvPr>
+          <p:cNvSpPr>
+            <a:spLocks noGrp="1" noRot="1" noChangeAspect="1" noMove="1" noResize="1" noEditPoints="1" noAdjustHandles="1" noChangeArrowheads="1" noChangeShapeType="1" noTextEdit="1"/>
+          </p:cNvSpPr>
+          <p:nvPr>
+            <p:extLst>
+              <p:ext uri="{386F3935-93C4-4BCD-93E2-E3B085C9AB24}">
+                <p16:designElem xmlns:p16="http://schemas.microsoft.com/office/powerpoint/2015/main" val="1"/>
+              </p:ext>
+            </p:extLst>
+          </p:nvPr>
+        </p:nvSpPr>
+        <p:spPr>
+          <a:xfrm>
+            <a:off x="0" y="0"/>
+            <a:ext cx="283464" cy="6858000"/>
+          </a:xfrm>
+          <a:prstGeom prst="rect">
+            <a:avLst/>
+          </a:prstGeom>
+          <a:solidFill>
+            <a:schemeClr val="tx2"/>
+          </a:solidFill>
+          <a:ln>
+            <a:noFill/>
+          </a:ln>
+        </p:spPr>
+        <p:style>
+          <a:lnRef idx="2">
+            <a:schemeClr val="accent1">
+              <a:shade val="50000"/>
+            </a:schemeClr>
+          </a:lnRef>
+          <a:fillRef idx="1">
+            <a:schemeClr val="accent1"/>
+          </a:fillRef>
+          <a:effectRef idx="0">
+            <a:schemeClr val="accent1"/>
+          </a:effectRef>
+          <a:fontRef idx="minor">
+            <a:schemeClr val="lt1"/>
+          </a:fontRef>
+        </p:style>
+      </p:sp>
+      <p:sp useBgFill="1">
+        <p:nvSpPr>
+          <p:cNvPr id="19" name="Rectangle 18">
+            <a:extLst>
+              <a:ext uri="{FF2B5EF4-FFF2-40B4-BE49-F238E27FC236}">
+                <a16:creationId xmlns:a16="http://schemas.microsoft.com/office/drawing/2014/main" id="{8E52EA45-4231-40F0-A5F9-509764441E61}"/>
+              </a:ext>
+              <a:ext uri="{C183D7F6-B498-43B3-948B-1728B52AA6E4}">
+                <adec:decorative xmlns:adec="http://schemas.microsoft.com/office/drawing/2017/decorative" val="1"/>
+              </a:ext>
+            </a:extLst>
+          </p:cNvPr>
+          <p:cNvSpPr>
+            <a:spLocks noGrp="1" noRot="1" noChangeAspect="1" noMove="1" noResize="1" noEditPoints="1" noAdjustHandles="1" noChangeArrowheads="1" noChangeShapeType="1" noTextEdit="1"/>
+          </p:cNvSpPr>
+          <p:nvPr>
+            <p:extLst>
+              <p:ext uri="{386F3935-93C4-4BCD-93E2-E3B085C9AB24}">
+                <p16:designElem xmlns:p16="http://schemas.microsoft.com/office/powerpoint/2015/main" val="1"/>
+              </p:ext>
+            </p:extLst>
+          </p:nvPr>
+        </p:nvSpPr>
+        <p:spPr bwMode="white">
+          <a:xfrm>
+            <a:off x="0" y="0"/>
+            <a:ext cx="12192000" cy="6858000"/>
+          </a:xfrm>
+          <a:prstGeom prst="rect">
+            <a:avLst/>
+          </a:prstGeom>
+          <a:ln>
+            <a:noFill/>
+          </a:ln>
+        </p:spPr>
+        <p:style>
+          <a:lnRef idx="2">
+            <a:schemeClr val="accent1">
+              <a:shade val="50000"/>
+            </a:schemeClr>
+          </a:lnRef>
+          <a:fillRef idx="1">
+            <a:schemeClr val="accent1"/>
+          </a:fillRef>
+          <a:effectRef idx="0">
+            <a:schemeClr val="accent1"/>
+          </a:effectRef>
+          <a:fontRef idx="minor">
+            <a:schemeClr val="lt1"/>
+          </a:fontRef>
+        </p:style>
+        <p:txBody>
+          <a:bodyPr rot="0" spcFirstLastPara="0" vert="horz" wrap="square" lIns="91440" tIns="45720" rIns="91440" bIns="45720" numCol="1" spcCol="0" rtlCol="0" fromWordArt="0" anchor="ctr" anchorCtr="0" forceAA="0" compatLnSpc="1">
+            <a:prstTxWarp prst="textNoShape">
+              <a:avLst/>
+            </a:prstTxWarp>
+            <a:noAutofit/>
+          </a:bodyPr>
+          <a:lstStyle>
+            <a:defPPr>
+              <a:defRPr lang="en-US"/>
+            </a:defPPr>
+            <a:lvl1pPr marL="0" algn="l" defTabSz="914400" rtl="0" eaLnBrk="1" latinLnBrk="0" hangingPunct="1">
+              <a:defRPr sz="1800" kern="1200">
+                <a:solidFill>
+                  <a:schemeClr val="lt1"/>
+                </a:solidFill>
+                <a:latin typeface="+mn-lt"/>
+                <a:ea typeface="+mn-ea"/>
+                <a:cs typeface="+mn-cs"/>
+              </a:defRPr>
+            </a:lvl1pPr>
+            <a:lvl2pPr marL="457200" algn="l" defTabSz="914400" rtl="0" eaLnBrk="1" latinLnBrk="0" hangingPunct="1">
+              <a:defRPr sz="1800" kern="1200">
+                <a:solidFill>
+                  <a:schemeClr val="lt1"/>
+                </a:solidFill>
+                <a:latin typeface="+mn-lt"/>
+                <a:ea typeface="+mn-ea"/>
+                <a:cs typeface="+mn-cs"/>
+              </a:defRPr>
+            </a:lvl2pPr>
+            <a:lvl3pPr marL="914400" algn="l" defTabSz="914400" rtl="0" eaLnBrk="1" latinLnBrk="0" hangingPunct="1">
+              <a:defRPr sz="1800" kern="1200">
+                <a:solidFill>
+                  <a:schemeClr val="lt1"/>
+                </a:solidFill>
+                <a:latin typeface="+mn-lt"/>
+                <a:ea typeface="+mn-ea"/>
+                <a:cs typeface="+mn-cs"/>
+              </a:defRPr>
+            </a:lvl3pPr>
+            <a:lvl4pPr marL="1371600" algn="l" defTabSz="914400" rtl="0" eaLnBrk="1" latinLnBrk="0" hangingPunct="1">
+              <a:defRPr sz="1800" kern="1200">
+                <a:solidFill>
+                  <a:schemeClr val="lt1"/>
+                </a:solidFill>
+                <a:latin typeface="+mn-lt"/>
+                <a:ea typeface="+mn-ea"/>
+                <a:cs typeface="+mn-cs"/>
+              </a:defRPr>
+            </a:lvl4pPr>
+            <a:lvl5pPr marL="1828800" algn="l" defTabSz="914400" rtl="0" eaLnBrk="1" latinLnBrk="0" hangingPunct="1">
+              <a:defRPr sz="1800" kern="1200">
+                <a:solidFill>
+                  <a:schemeClr val="lt1"/>
+                </a:solidFill>
+                <a:latin typeface="+mn-lt"/>
+                <a:ea typeface="+mn-ea"/>
+                <a:cs typeface="+mn-cs"/>
+              </a:defRPr>
+            </a:lvl5pPr>
+            <a:lvl6pPr marL="2286000" algn="l" defTabSz="914400" rtl="0" eaLnBrk="1" latinLnBrk="0" hangingPunct="1">
+              <a:defRPr sz="1800" kern="1200">
+                <a:solidFill>
+                  <a:schemeClr val="lt1"/>
+                </a:solidFill>
+                <a:latin typeface="+mn-lt"/>
+                <a:ea typeface="+mn-ea"/>
+                <a:cs typeface="+mn-cs"/>
+              </a:defRPr>
+            </a:lvl6pPr>
+            <a:lvl7pPr marL="2743200" algn="l" defTabSz="914400" rtl="0" eaLnBrk="1" latinLnBrk="0" hangingPunct="1">
+              <a:defRPr sz="1800" kern="1200">
+                <a:solidFill>
+                  <a:schemeClr val="lt1"/>
+                </a:solidFill>
+                <a:latin typeface="+mn-lt"/>
+                <a:ea typeface="+mn-ea"/>
+                <a:cs typeface="+mn-cs"/>
+              </a:defRPr>
+            </a:lvl7pPr>
+            <a:lvl8pPr marL="3200400" algn="l" defTabSz="914400" rtl="0" eaLnBrk="1" latinLnBrk="0" hangingPunct="1">
+              <a:defRPr sz="1800" kern="1200">
+                <a:solidFill>
+                  <a:schemeClr val="lt1"/>
+                </a:solidFill>
+                <a:latin typeface="+mn-lt"/>
+                <a:ea typeface="+mn-ea"/>
+                <a:cs typeface="+mn-cs"/>
+              </a:defRPr>
+            </a:lvl8pPr>
+            <a:lvl9pPr marL="3657600" algn="l" defTabSz="914400" rtl="0" eaLnBrk="1" latinLnBrk="0" hangingPunct="1">
+              <a:defRPr sz="1800" kern="1200">
+                <a:solidFill>
+                  <a:schemeClr val="lt1"/>
+                </a:solidFill>
+                <a:latin typeface="+mn-lt"/>
+                <a:ea typeface="+mn-ea"/>
+                <a:cs typeface="+mn-cs"/>
+              </a:defRPr>
+            </a:lvl9pPr>
+          </a:lstStyle>
+          <a:p>
+            <a:pPr algn="ctr"/>
+            <a:endParaRPr lang="en-US"/>
+          </a:p>
+        </p:txBody>
+      </p:sp>
+      <p:sp>
+        <p:nvSpPr>
+          <p:cNvPr id="21" name="Freeform 22">
+            <a:extLst>
+              <a:ext uri="{FF2B5EF4-FFF2-40B4-BE49-F238E27FC236}">
+                <a16:creationId xmlns:a16="http://schemas.microsoft.com/office/drawing/2014/main" id="{E26580E3-C3E7-4C81-9BC7-D725DBB7436E}"/>
+              </a:ext>
+              <a:ext uri="{C183D7F6-B498-43B3-948B-1728B52AA6E4}">
+                <adec:decorative xmlns:adec="http://schemas.microsoft.com/office/drawing/2017/decorative" val="1"/>
+              </a:ext>
+            </a:extLst>
+          </p:cNvPr>
+          <p:cNvSpPr>
+            <a:spLocks noGrp="1" noRot="1" noChangeAspect="1" noMove="1" noResize="1" noEditPoints="1" noAdjustHandles="1" noChangeArrowheads="1" noChangeShapeType="1" noTextEdit="1"/>
+          </p:cNvSpPr>
+          <p:nvPr>
+            <p:extLst>
+              <p:ext uri="{386F3935-93C4-4BCD-93E2-E3B085C9AB24}">
+                <p16:designElem xmlns:p16="http://schemas.microsoft.com/office/powerpoint/2015/main" val="1"/>
+              </p:ext>
+            </p:extLst>
+          </p:nvPr>
+        </p:nvSpPr>
+        <p:spPr bwMode="ltGray">
+          <a:xfrm>
+            <a:off x="1" y="0"/>
+            <a:ext cx="4695443" cy="6858000"/>
+          </a:xfrm>
+          <a:custGeom>
+            <a:avLst/>
+            <a:gdLst>
+              <a:gd name="connsiteX0" fmla="*/ 0 w 4992864"/>
+              <a:gd name="connsiteY0" fmla="*/ 0 h 6858000"/>
+              <a:gd name="connsiteX1" fmla="*/ 4813476 w 4992864"/>
+              <a:gd name="connsiteY1" fmla="*/ 0 h 6858000"/>
+              <a:gd name="connsiteX2" fmla="*/ 4818239 w 4992864"/>
+              <a:gd name="connsiteY2" fmla="*/ 66675 h 6858000"/>
+              <a:gd name="connsiteX3" fmla="*/ 4826176 w 4992864"/>
+              <a:gd name="connsiteY3" fmla="*/ 122237 h 6858000"/>
+              <a:gd name="connsiteX4" fmla="*/ 4835701 w 4992864"/>
+              <a:gd name="connsiteY4" fmla="*/ 174625 h 6858000"/>
+              <a:gd name="connsiteX5" fmla="*/ 4851576 w 4992864"/>
+              <a:gd name="connsiteY5" fmla="*/ 217487 h 6858000"/>
+              <a:gd name="connsiteX6" fmla="*/ 4867451 w 4992864"/>
+              <a:gd name="connsiteY6" fmla="*/ 260350 h 6858000"/>
+              <a:gd name="connsiteX7" fmla="*/ 4886501 w 4992864"/>
+              <a:gd name="connsiteY7" fmla="*/ 296862 h 6858000"/>
+              <a:gd name="connsiteX8" fmla="*/ 4905551 w 4992864"/>
+              <a:gd name="connsiteY8" fmla="*/ 334962 h 6858000"/>
+              <a:gd name="connsiteX9" fmla="*/ 4923014 w 4992864"/>
+              <a:gd name="connsiteY9" fmla="*/ 369887 h 6858000"/>
+              <a:gd name="connsiteX10" fmla="*/ 4940476 w 4992864"/>
+              <a:gd name="connsiteY10" fmla="*/ 409575 h 6858000"/>
+              <a:gd name="connsiteX11" fmla="*/ 4956351 w 4992864"/>
+              <a:gd name="connsiteY11" fmla="*/ 450850 h 6858000"/>
+              <a:gd name="connsiteX12" fmla="*/ 4970639 w 4992864"/>
+              <a:gd name="connsiteY12" fmla="*/ 496887 h 6858000"/>
+              <a:gd name="connsiteX13" fmla="*/ 4981751 w 4992864"/>
+              <a:gd name="connsiteY13" fmla="*/ 546100 h 6858000"/>
+              <a:gd name="connsiteX14" fmla="*/ 4989689 w 4992864"/>
+              <a:gd name="connsiteY14" fmla="*/ 606425 h 6858000"/>
+              <a:gd name="connsiteX15" fmla="*/ 4992864 w 4992864"/>
+              <a:gd name="connsiteY15" fmla="*/ 673100 h 6858000"/>
+              <a:gd name="connsiteX16" fmla="*/ 4989689 w 4992864"/>
+              <a:gd name="connsiteY16" fmla="*/ 744537 h 6858000"/>
+              <a:gd name="connsiteX17" fmla="*/ 4981751 w 4992864"/>
+              <a:gd name="connsiteY17" fmla="*/ 801687 h 6858000"/>
+              <a:gd name="connsiteX18" fmla="*/ 4970639 w 4992864"/>
+              <a:gd name="connsiteY18" fmla="*/ 854075 h 6858000"/>
+              <a:gd name="connsiteX19" fmla="*/ 4956351 w 4992864"/>
+              <a:gd name="connsiteY19" fmla="*/ 901700 h 6858000"/>
+              <a:gd name="connsiteX20" fmla="*/ 4940476 w 4992864"/>
+              <a:gd name="connsiteY20" fmla="*/ 942975 h 6858000"/>
+              <a:gd name="connsiteX21" fmla="*/ 4921426 w 4992864"/>
+              <a:gd name="connsiteY21" fmla="*/ 981075 h 6858000"/>
+              <a:gd name="connsiteX22" fmla="*/ 4902376 w 4992864"/>
+              <a:gd name="connsiteY22" fmla="*/ 1017587 h 6858000"/>
+              <a:gd name="connsiteX23" fmla="*/ 4883326 w 4992864"/>
+              <a:gd name="connsiteY23" fmla="*/ 1055687 h 6858000"/>
+              <a:gd name="connsiteX24" fmla="*/ 4865864 w 4992864"/>
+              <a:gd name="connsiteY24" fmla="*/ 1095375 h 6858000"/>
+              <a:gd name="connsiteX25" fmla="*/ 4848401 w 4992864"/>
+              <a:gd name="connsiteY25" fmla="*/ 1136650 h 6858000"/>
+              <a:gd name="connsiteX26" fmla="*/ 4834114 w 4992864"/>
+              <a:gd name="connsiteY26" fmla="*/ 1182687 h 6858000"/>
+              <a:gd name="connsiteX27" fmla="*/ 4824589 w 4992864"/>
+              <a:gd name="connsiteY27" fmla="*/ 1235075 h 6858000"/>
+              <a:gd name="connsiteX28" fmla="*/ 4815064 w 4992864"/>
+              <a:gd name="connsiteY28" fmla="*/ 1295400 h 6858000"/>
+              <a:gd name="connsiteX29" fmla="*/ 4813476 w 4992864"/>
+              <a:gd name="connsiteY29" fmla="*/ 1363662 h 6858000"/>
+              <a:gd name="connsiteX30" fmla="*/ 4815064 w 4992864"/>
+              <a:gd name="connsiteY30" fmla="*/ 1431925 h 6858000"/>
+              <a:gd name="connsiteX31" fmla="*/ 4824589 w 4992864"/>
+              <a:gd name="connsiteY31" fmla="*/ 1492250 h 6858000"/>
+              <a:gd name="connsiteX32" fmla="*/ 4834114 w 4992864"/>
+              <a:gd name="connsiteY32" fmla="*/ 1544637 h 6858000"/>
+              <a:gd name="connsiteX33" fmla="*/ 4848401 w 4992864"/>
+              <a:gd name="connsiteY33" fmla="*/ 1589087 h 6858000"/>
+              <a:gd name="connsiteX34" fmla="*/ 4865864 w 4992864"/>
+              <a:gd name="connsiteY34" fmla="*/ 1631950 h 6858000"/>
+              <a:gd name="connsiteX35" fmla="*/ 4883326 w 4992864"/>
+              <a:gd name="connsiteY35" fmla="*/ 1671637 h 6858000"/>
+              <a:gd name="connsiteX36" fmla="*/ 4902376 w 4992864"/>
+              <a:gd name="connsiteY36" fmla="*/ 1708150 h 6858000"/>
+              <a:gd name="connsiteX37" fmla="*/ 4921426 w 4992864"/>
+              <a:gd name="connsiteY37" fmla="*/ 1743075 h 6858000"/>
+              <a:gd name="connsiteX38" fmla="*/ 4940476 w 4992864"/>
+              <a:gd name="connsiteY38" fmla="*/ 1782762 h 6858000"/>
+              <a:gd name="connsiteX39" fmla="*/ 4956351 w 4992864"/>
+              <a:gd name="connsiteY39" fmla="*/ 1824037 h 6858000"/>
+              <a:gd name="connsiteX40" fmla="*/ 4970639 w 4992864"/>
+              <a:gd name="connsiteY40" fmla="*/ 1870075 h 6858000"/>
+              <a:gd name="connsiteX41" fmla="*/ 4981751 w 4992864"/>
+              <a:gd name="connsiteY41" fmla="*/ 1922462 h 6858000"/>
+              <a:gd name="connsiteX42" fmla="*/ 4989689 w 4992864"/>
+              <a:gd name="connsiteY42" fmla="*/ 1982787 h 6858000"/>
+              <a:gd name="connsiteX43" fmla="*/ 4992864 w 4992864"/>
+              <a:gd name="connsiteY43" fmla="*/ 2051050 h 6858000"/>
+              <a:gd name="connsiteX44" fmla="*/ 4989689 w 4992864"/>
+              <a:gd name="connsiteY44" fmla="*/ 2119312 h 6858000"/>
+              <a:gd name="connsiteX45" fmla="*/ 4981751 w 4992864"/>
+              <a:gd name="connsiteY45" fmla="*/ 2179637 h 6858000"/>
+              <a:gd name="connsiteX46" fmla="*/ 4970639 w 4992864"/>
+              <a:gd name="connsiteY46" fmla="*/ 2232025 h 6858000"/>
+              <a:gd name="connsiteX47" fmla="*/ 4956351 w 4992864"/>
+              <a:gd name="connsiteY47" fmla="*/ 2278062 h 6858000"/>
+              <a:gd name="connsiteX48" fmla="*/ 4940476 w 4992864"/>
+              <a:gd name="connsiteY48" fmla="*/ 2319337 h 6858000"/>
+              <a:gd name="connsiteX49" fmla="*/ 4921426 w 4992864"/>
+              <a:gd name="connsiteY49" fmla="*/ 2359025 h 6858000"/>
+              <a:gd name="connsiteX50" fmla="*/ 4902376 w 4992864"/>
+              <a:gd name="connsiteY50" fmla="*/ 2395537 h 6858000"/>
+              <a:gd name="connsiteX51" fmla="*/ 4883326 w 4992864"/>
+              <a:gd name="connsiteY51" fmla="*/ 2433637 h 6858000"/>
+              <a:gd name="connsiteX52" fmla="*/ 4865864 w 4992864"/>
+              <a:gd name="connsiteY52" fmla="*/ 2471737 h 6858000"/>
+              <a:gd name="connsiteX53" fmla="*/ 4848401 w 4992864"/>
+              <a:gd name="connsiteY53" fmla="*/ 2513012 h 6858000"/>
+              <a:gd name="connsiteX54" fmla="*/ 4834114 w 4992864"/>
+              <a:gd name="connsiteY54" fmla="*/ 2560637 h 6858000"/>
+              <a:gd name="connsiteX55" fmla="*/ 4824589 w 4992864"/>
+              <a:gd name="connsiteY55" fmla="*/ 2613025 h 6858000"/>
+              <a:gd name="connsiteX56" fmla="*/ 4815064 w 4992864"/>
+              <a:gd name="connsiteY56" fmla="*/ 2671762 h 6858000"/>
+              <a:gd name="connsiteX57" fmla="*/ 4813476 w 4992864"/>
+              <a:gd name="connsiteY57" fmla="*/ 2741612 h 6858000"/>
+              <a:gd name="connsiteX58" fmla="*/ 4815064 w 4992864"/>
+              <a:gd name="connsiteY58" fmla="*/ 2809875 h 6858000"/>
+              <a:gd name="connsiteX59" fmla="*/ 4824589 w 4992864"/>
+              <a:gd name="connsiteY59" fmla="*/ 2868612 h 6858000"/>
+              <a:gd name="connsiteX60" fmla="*/ 4834114 w 4992864"/>
+              <a:gd name="connsiteY60" fmla="*/ 2922587 h 6858000"/>
+              <a:gd name="connsiteX61" fmla="*/ 4848401 w 4992864"/>
+              <a:gd name="connsiteY61" fmla="*/ 2967037 h 6858000"/>
+              <a:gd name="connsiteX62" fmla="*/ 4865864 w 4992864"/>
+              <a:gd name="connsiteY62" fmla="*/ 3009900 h 6858000"/>
+              <a:gd name="connsiteX63" fmla="*/ 4883326 w 4992864"/>
+              <a:gd name="connsiteY63" fmla="*/ 3046412 h 6858000"/>
+              <a:gd name="connsiteX64" fmla="*/ 4902376 w 4992864"/>
+              <a:gd name="connsiteY64" fmla="*/ 3084512 h 6858000"/>
+              <a:gd name="connsiteX65" fmla="*/ 4921426 w 4992864"/>
+              <a:gd name="connsiteY65" fmla="*/ 3121025 h 6858000"/>
+              <a:gd name="connsiteX66" fmla="*/ 4940476 w 4992864"/>
+              <a:gd name="connsiteY66" fmla="*/ 3160712 h 6858000"/>
+              <a:gd name="connsiteX67" fmla="*/ 4956351 w 4992864"/>
+              <a:gd name="connsiteY67" fmla="*/ 3201987 h 6858000"/>
+              <a:gd name="connsiteX68" fmla="*/ 4970639 w 4992864"/>
+              <a:gd name="connsiteY68" fmla="*/ 3248025 h 6858000"/>
+              <a:gd name="connsiteX69" fmla="*/ 4981751 w 4992864"/>
+              <a:gd name="connsiteY69" fmla="*/ 3300412 h 6858000"/>
+              <a:gd name="connsiteX70" fmla="*/ 4989689 w 4992864"/>
+              <a:gd name="connsiteY70" fmla="*/ 3360737 h 6858000"/>
+              <a:gd name="connsiteX71" fmla="*/ 4992864 w 4992864"/>
+              <a:gd name="connsiteY71" fmla="*/ 3427412 h 6858000"/>
+              <a:gd name="connsiteX72" fmla="*/ 4989689 w 4992864"/>
+              <a:gd name="connsiteY72" fmla="*/ 3497262 h 6858000"/>
+              <a:gd name="connsiteX73" fmla="*/ 4981751 w 4992864"/>
+              <a:gd name="connsiteY73" fmla="*/ 3557587 h 6858000"/>
+              <a:gd name="connsiteX74" fmla="*/ 4970639 w 4992864"/>
+              <a:gd name="connsiteY74" fmla="*/ 3609975 h 6858000"/>
+              <a:gd name="connsiteX75" fmla="*/ 4956351 w 4992864"/>
+              <a:gd name="connsiteY75" fmla="*/ 3656012 h 6858000"/>
+              <a:gd name="connsiteX76" fmla="*/ 4940476 w 4992864"/>
+              <a:gd name="connsiteY76" fmla="*/ 3697287 h 6858000"/>
+              <a:gd name="connsiteX77" fmla="*/ 4921426 w 4992864"/>
+              <a:gd name="connsiteY77" fmla="*/ 3736975 h 6858000"/>
+              <a:gd name="connsiteX78" fmla="*/ 4883326 w 4992864"/>
+              <a:gd name="connsiteY78" fmla="*/ 3811587 h 6858000"/>
+              <a:gd name="connsiteX79" fmla="*/ 4865864 w 4992864"/>
+              <a:gd name="connsiteY79" fmla="*/ 3848100 h 6858000"/>
+              <a:gd name="connsiteX80" fmla="*/ 4848401 w 4992864"/>
+              <a:gd name="connsiteY80" fmla="*/ 3890962 h 6858000"/>
+              <a:gd name="connsiteX81" fmla="*/ 4834114 w 4992864"/>
+              <a:gd name="connsiteY81" fmla="*/ 3935412 h 6858000"/>
+              <a:gd name="connsiteX82" fmla="*/ 4824589 w 4992864"/>
+              <a:gd name="connsiteY82" fmla="*/ 3987800 h 6858000"/>
+              <a:gd name="connsiteX83" fmla="*/ 4815064 w 4992864"/>
+              <a:gd name="connsiteY83" fmla="*/ 4048125 h 6858000"/>
+              <a:gd name="connsiteX84" fmla="*/ 4813476 w 4992864"/>
+              <a:gd name="connsiteY84" fmla="*/ 4116387 h 6858000"/>
+              <a:gd name="connsiteX85" fmla="*/ 4815064 w 4992864"/>
+              <a:gd name="connsiteY85" fmla="*/ 4186237 h 6858000"/>
+              <a:gd name="connsiteX86" fmla="*/ 4824589 w 4992864"/>
+              <a:gd name="connsiteY86" fmla="*/ 4244975 h 6858000"/>
+              <a:gd name="connsiteX87" fmla="*/ 4834114 w 4992864"/>
+              <a:gd name="connsiteY87" fmla="*/ 4297362 h 6858000"/>
+              <a:gd name="connsiteX88" fmla="*/ 4848401 w 4992864"/>
+              <a:gd name="connsiteY88" fmla="*/ 4343400 h 6858000"/>
+              <a:gd name="connsiteX89" fmla="*/ 4865864 w 4992864"/>
+              <a:gd name="connsiteY89" fmla="*/ 4386262 h 6858000"/>
+              <a:gd name="connsiteX90" fmla="*/ 4883326 w 4992864"/>
+              <a:gd name="connsiteY90" fmla="*/ 4424362 h 6858000"/>
+              <a:gd name="connsiteX91" fmla="*/ 4921426 w 4992864"/>
+              <a:gd name="connsiteY91" fmla="*/ 4498975 h 6858000"/>
+              <a:gd name="connsiteX92" fmla="*/ 4940476 w 4992864"/>
+              <a:gd name="connsiteY92" fmla="*/ 4537075 h 6858000"/>
+              <a:gd name="connsiteX93" fmla="*/ 4956351 w 4992864"/>
+              <a:gd name="connsiteY93" fmla="*/ 4579937 h 6858000"/>
+              <a:gd name="connsiteX94" fmla="*/ 4970639 w 4992864"/>
+              <a:gd name="connsiteY94" fmla="*/ 4625975 h 6858000"/>
+              <a:gd name="connsiteX95" fmla="*/ 4981751 w 4992864"/>
+              <a:gd name="connsiteY95" fmla="*/ 4678362 h 6858000"/>
+              <a:gd name="connsiteX96" fmla="*/ 4989689 w 4992864"/>
+              <a:gd name="connsiteY96" fmla="*/ 4738687 h 6858000"/>
+              <a:gd name="connsiteX97" fmla="*/ 4992864 w 4992864"/>
+              <a:gd name="connsiteY97" fmla="*/ 4806950 h 6858000"/>
+              <a:gd name="connsiteX98" fmla="*/ 4989689 w 4992864"/>
+              <a:gd name="connsiteY98" fmla="*/ 4875212 h 6858000"/>
+              <a:gd name="connsiteX99" fmla="*/ 4981751 w 4992864"/>
+              <a:gd name="connsiteY99" fmla="*/ 4935537 h 6858000"/>
+              <a:gd name="connsiteX100" fmla="*/ 4970639 w 4992864"/>
+              <a:gd name="connsiteY100" fmla="*/ 4987925 h 6858000"/>
+              <a:gd name="connsiteX101" fmla="*/ 4956351 w 4992864"/>
+              <a:gd name="connsiteY101" fmla="*/ 5033962 h 6858000"/>
+              <a:gd name="connsiteX102" fmla="*/ 4940476 w 4992864"/>
+              <a:gd name="connsiteY102" fmla="*/ 5075237 h 6858000"/>
+              <a:gd name="connsiteX103" fmla="*/ 4921426 w 4992864"/>
+              <a:gd name="connsiteY103" fmla="*/ 5114925 h 6858000"/>
+              <a:gd name="connsiteX104" fmla="*/ 4902376 w 4992864"/>
+              <a:gd name="connsiteY104" fmla="*/ 5149850 h 6858000"/>
+              <a:gd name="connsiteX105" fmla="*/ 4883326 w 4992864"/>
+              <a:gd name="connsiteY105" fmla="*/ 5186362 h 6858000"/>
+              <a:gd name="connsiteX106" fmla="*/ 4865864 w 4992864"/>
+              <a:gd name="connsiteY106" fmla="*/ 5226050 h 6858000"/>
+              <a:gd name="connsiteX107" fmla="*/ 4848401 w 4992864"/>
+              <a:gd name="connsiteY107" fmla="*/ 5268912 h 6858000"/>
+              <a:gd name="connsiteX108" fmla="*/ 4834114 w 4992864"/>
+              <a:gd name="connsiteY108" fmla="*/ 5313362 h 6858000"/>
+              <a:gd name="connsiteX109" fmla="*/ 4824589 w 4992864"/>
+              <a:gd name="connsiteY109" fmla="*/ 5365750 h 6858000"/>
+              <a:gd name="connsiteX110" fmla="*/ 4815064 w 4992864"/>
+              <a:gd name="connsiteY110" fmla="*/ 5426075 h 6858000"/>
+              <a:gd name="connsiteX111" fmla="*/ 4813476 w 4992864"/>
+              <a:gd name="connsiteY111" fmla="*/ 5494337 h 6858000"/>
+              <a:gd name="connsiteX112" fmla="*/ 4815064 w 4992864"/>
+              <a:gd name="connsiteY112" fmla="*/ 5562600 h 6858000"/>
+              <a:gd name="connsiteX113" fmla="*/ 4824589 w 4992864"/>
+              <a:gd name="connsiteY113" fmla="*/ 5622925 h 6858000"/>
+              <a:gd name="connsiteX114" fmla="*/ 4834114 w 4992864"/>
+              <a:gd name="connsiteY114" fmla="*/ 5675312 h 6858000"/>
+              <a:gd name="connsiteX115" fmla="*/ 4848401 w 4992864"/>
+              <a:gd name="connsiteY115" fmla="*/ 5721350 h 6858000"/>
+              <a:gd name="connsiteX116" fmla="*/ 4865864 w 4992864"/>
+              <a:gd name="connsiteY116" fmla="*/ 5762625 h 6858000"/>
+              <a:gd name="connsiteX117" fmla="*/ 4883326 w 4992864"/>
+              <a:gd name="connsiteY117" fmla="*/ 5802312 h 6858000"/>
+              <a:gd name="connsiteX118" fmla="*/ 4902376 w 4992864"/>
+              <a:gd name="connsiteY118" fmla="*/ 5840412 h 6858000"/>
+              <a:gd name="connsiteX119" fmla="*/ 4921426 w 4992864"/>
+              <a:gd name="connsiteY119" fmla="*/ 5876925 h 6858000"/>
+              <a:gd name="connsiteX120" fmla="*/ 4940476 w 4992864"/>
+              <a:gd name="connsiteY120" fmla="*/ 5915025 h 6858000"/>
+              <a:gd name="connsiteX121" fmla="*/ 4956351 w 4992864"/>
+              <a:gd name="connsiteY121" fmla="*/ 5956300 h 6858000"/>
+              <a:gd name="connsiteX122" fmla="*/ 4970639 w 4992864"/>
+              <a:gd name="connsiteY122" fmla="*/ 6003925 h 6858000"/>
+              <a:gd name="connsiteX123" fmla="*/ 4981751 w 4992864"/>
+              <a:gd name="connsiteY123" fmla="*/ 6056312 h 6858000"/>
+              <a:gd name="connsiteX124" fmla="*/ 4989689 w 4992864"/>
+              <a:gd name="connsiteY124" fmla="*/ 6113462 h 6858000"/>
+              <a:gd name="connsiteX125" fmla="*/ 4992864 w 4992864"/>
+              <a:gd name="connsiteY125" fmla="*/ 6183312 h 6858000"/>
+              <a:gd name="connsiteX126" fmla="*/ 4989689 w 4992864"/>
+              <a:gd name="connsiteY126" fmla="*/ 6251575 h 6858000"/>
+              <a:gd name="connsiteX127" fmla="*/ 4981751 w 4992864"/>
+              <a:gd name="connsiteY127" fmla="*/ 6311900 h 6858000"/>
+              <a:gd name="connsiteX128" fmla="*/ 4970639 w 4992864"/>
+              <a:gd name="connsiteY128" fmla="*/ 6361112 h 6858000"/>
+              <a:gd name="connsiteX129" fmla="*/ 4956351 w 4992864"/>
+              <a:gd name="connsiteY129" fmla="*/ 6407150 h 6858000"/>
+              <a:gd name="connsiteX130" fmla="*/ 4940476 w 4992864"/>
+              <a:gd name="connsiteY130" fmla="*/ 6448425 h 6858000"/>
+              <a:gd name="connsiteX131" fmla="*/ 4923014 w 4992864"/>
+              <a:gd name="connsiteY131" fmla="*/ 6488112 h 6858000"/>
+              <a:gd name="connsiteX132" fmla="*/ 4905551 w 4992864"/>
+              <a:gd name="connsiteY132" fmla="*/ 6523037 h 6858000"/>
+              <a:gd name="connsiteX133" fmla="*/ 4886501 w 4992864"/>
+              <a:gd name="connsiteY133" fmla="*/ 6561137 h 6858000"/>
+              <a:gd name="connsiteX134" fmla="*/ 4867451 w 4992864"/>
+              <a:gd name="connsiteY134" fmla="*/ 6597650 h 6858000"/>
+              <a:gd name="connsiteX135" fmla="*/ 4851576 w 4992864"/>
+              <a:gd name="connsiteY135" fmla="*/ 6640512 h 6858000"/>
+              <a:gd name="connsiteX136" fmla="*/ 4835701 w 4992864"/>
+              <a:gd name="connsiteY136" fmla="*/ 6683375 h 6858000"/>
+              <a:gd name="connsiteX137" fmla="*/ 4826176 w 4992864"/>
+              <a:gd name="connsiteY137" fmla="*/ 6735762 h 6858000"/>
+              <a:gd name="connsiteX138" fmla="*/ 4818239 w 4992864"/>
+              <a:gd name="connsiteY138" fmla="*/ 6791325 h 6858000"/>
+              <a:gd name="connsiteX139" fmla="*/ 4813476 w 4992864"/>
+              <a:gd name="connsiteY139" fmla="*/ 6858000 h 6858000"/>
+              <a:gd name="connsiteX140" fmla="*/ 0 w 4992864"/>
+              <a:gd name="connsiteY140" fmla="*/ 6858000 h 6858000"/>
+            </a:gdLst>
+            <a:ahLst/>
+            <a:cxnLst>
+              <a:cxn ang="0">
+                <a:pos x="connsiteX0" y="connsiteY0"/>
+              </a:cxn>
+              <a:cxn ang="0">
+                <a:pos x="connsiteX1" y="connsiteY1"/>
+              </a:cxn>
+              <a:cxn ang="0">
+                <a:pos x="connsiteX2" y="connsiteY2"/>
+              </a:cxn>
+              <a:cxn ang="0">
+                <a:pos x="connsiteX3" y="connsiteY3"/>
+              </a:cxn>
+              <a:cxn ang="0">
+                <a:pos x="connsiteX4" y="connsiteY4"/>
+              </a:cxn>
+              <a:cxn ang="0">
+                <a:pos x="connsiteX5" y="connsiteY5"/>
+              </a:cxn>
+              <a:cxn ang="0">
+                <a:pos x="connsiteX6" y="connsiteY6"/>
+              </a:cxn>
+              <a:cxn ang="0">
+                <a:pos x="connsiteX7" y="connsiteY7"/>
+              </a:cxn>
+              <a:cxn ang="0">
+                <a:pos x="connsiteX8" y="connsiteY8"/>
+              </a:cxn>
+              <a:cxn ang="0">
+                <a:pos x="connsiteX9" y="connsiteY9"/>
+              </a:cxn>
+              <a:cxn ang="0">
+                <a:pos x="connsiteX10" y="connsiteY10"/>
+              </a:cxn>
+              <a:cxn ang="0">
+                <a:pos x="connsiteX11" y="connsiteY11"/>
+              </a:cxn>
+              <a:cxn ang="0">
+                <a:pos x="connsiteX12" y="connsiteY12"/>
+              </a:cxn>
+              <a:cxn ang="0">
+                <a:pos x="connsiteX13" y="connsiteY13"/>
+              </a:cxn>
+              <a:cxn ang="0">
+                <a:pos x="connsiteX14" y="connsiteY14"/>
+              </a:cxn>
+              <a:cxn ang="0">
+                <a:pos x="connsiteX15" y="connsiteY15"/>
+              </a:cxn>
+              <a:cxn ang="0">
+                <a:pos x="connsiteX16" y="connsiteY16"/>
+              </a:cxn>
+              <a:cxn ang="0">
+                <a:pos x="connsiteX17" y="connsiteY17"/>
+              </a:cxn>
+              <a:cxn ang="0">
+                <a:pos x="connsiteX18" y="connsiteY18"/>
+              </a:cxn>
+              <a:cxn ang="0">
+                <a:pos x="connsiteX19" y="connsiteY19"/>
+              </a:cxn>
+              <a:cxn ang="0">
+                <a:pos x="connsiteX20" y="connsiteY20"/>
+              </a:cxn>
+              <a:cxn ang="0">
+                <a:pos x="connsiteX21" y="connsiteY21"/>
+              </a:cxn>
+              <a:cxn ang="0">
+                <a:pos x="connsiteX22" y="connsiteY22"/>
+              </a:cxn>
+              <a:cxn ang="0">
+                <a:pos x="connsiteX23" y="connsiteY23"/>
+              </a:cxn>
+              <a:cxn ang="0">
+                <a:pos x="connsiteX24" y="connsiteY24"/>
+              </a:cxn>
+              <a:cxn ang="0">
+                <a:pos x="connsiteX25" y="connsiteY25"/>
+              </a:cxn>
+              <a:cxn ang="0">
+                <a:pos x="connsiteX26" y="connsiteY26"/>
+              </a:cxn>
+              <a:cxn ang="0">
+                <a:pos x="connsiteX27" y="connsiteY27"/>
+              </a:cxn>
+              <a:cxn ang="0">
+                <a:pos x="connsiteX28" y="connsiteY28"/>
+              </a:cxn>
+              <a:cxn ang="0">
+                <a:pos x="connsiteX29" y="connsiteY29"/>
+              </a:cxn>
+              <a:cxn ang="0">
+                <a:pos x="connsiteX30" y="connsiteY30"/>
+              </a:cxn>
+              <a:cxn ang="0">
+                <a:pos x="connsiteX31" y="connsiteY31"/>
+              </a:cxn>
+              <a:cxn ang="0">
+                <a:pos x="connsiteX32" y="connsiteY32"/>
+              </a:cxn>
+              <a:cxn ang="0">
+                <a:pos x="connsiteX33" y="connsiteY33"/>
+              </a:cxn>
+              <a:cxn ang="0">
+                <a:pos x="connsiteX34" y="connsiteY34"/>
+              </a:cxn>
+              <a:cxn ang="0">
+                <a:pos x="connsiteX35" y="connsiteY35"/>
+              </a:cxn>
+              <a:cxn ang="0">
+                <a:pos x="connsiteX36" y="connsiteY36"/>
+              </a:cxn>
+              <a:cxn ang="0">
+                <a:pos x="connsiteX37" y="connsiteY37"/>
+              </a:cxn>
+              <a:cxn ang="0">
+                <a:pos x="connsiteX38" y="connsiteY38"/>
+              </a:cxn>
+              <a:cxn ang="0">
+                <a:pos x="connsiteX39" y="connsiteY39"/>
+              </a:cxn>
+              <a:cxn ang="0">
+                <a:pos x="connsiteX40" y="connsiteY40"/>
+              </a:cxn>
+              <a:cxn ang="0">
+                <a:pos x="connsiteX41" y="connsiteY41"/>
+              </a:cxn>
+              <a:cxn ang="0">
+                <a:pos x="connsiteX42" y="connsiteY42"/>
+              </a:cxn>
+              <a:cxn ang="0">
+                <a:pos x="connsiteX43" y="connsiteY43"/>
+              </a:cxn>
+              <a:cxn ang="0">
+                <a:pos x="connsiteX44" y="connsiteY44"/>
+              </a:cxn>
+              <a:cxn ang="0">
+                <a:pos x="connsiteX45" y="connsiteY45"/>
+              </a:cxn>
+              <a:cxn ang="0">
+                <a:pos x="connsiteX46" y="connsiteY46"/>
+              </a:cxn>
+              <a:cxn ang="0">
+                <a:pos x="connsiteX47" y="connsiteY47"/>
+              </a:cxn>
+              <a:cxn ang="0">
+                <a:pos x="connsiteX48" y="connsiteY48"/>
+              </a:cxn>
+              <a:cxn ang="0">
+                <a:pos x="connsiteX49" y="connsiteY49"/>
+              </a:cxn>
+              <a:cxn ang="0">
+                <a:pos x="connsiteX50" y="connsiteY50"/>
+              </a:cxn>
+              <a:cxn ang="0">
+                <a:pos x="connsiteX51" y="connsiteY51"/>
+              </a:cxn>
+              <a:cxn ang="0">
+                <a:pos x="connsiteX52" y="connsiteY52"/>
+              </a:cxn>
+              <a:cxn ang="0">
+                <a:pos x="connsiteX53" y="connsiteY53"/>
+              </a:cxn>
+              <a:cxn ang="0">
+                <a:pos x="connsiteX54" y="connsiteY54"/>
+              </a:cxn>
+              <a:cxn ang="0">
+                <a:pos x="connsiteX55" y="connsiteY55"/>
+              </a:cxn>
+              <a:cxn ang="0">
+                <a:pos x="connsiteX56" y="connsiteY56"/>
+              </a:cxn>
+              <a:cxn ang="0">
+                <a:pos x="connsiteX57" y="connsiteY57"/>
+              </a:cxn>
+              <a:cxn ang="0">
+                <a:pos x="connsiteX58" y="connsiteY58"/>
+              </a:cxn>
+              <a:cxn ang="0">
+                <a:pos x="connsiteX59" y="connsiteY59"/>
+              </a:cxn>
+              <a:cxn ang="0">
+                <a:pos x="connsiteX60" y="connsiteY60"/>
+              </a:cxn>
+              <a:cxn ang="0">
+                <a:pos x="connsiteX61" y="connsiteY61"/>
+              </a:cxn>
+              <a:cxn ang="0">
+                <a:pos x="connsiteX62" y="connsiteY62"/>
+              </a:cxn>
+              <a:cxn ang="0">
+                <a:pos x="connsiteX63" y="connsiteY63"/>
+              </a:cxn>
+              <a:cxn ang="0">
+                <a:pos x="connsiteX64" y="connsiteY64"/>
+              </a:cxn>
+              <a:cxn ang="0">
+                <a:pos x="connsiteX65" y="connsiteY65"/>
+              </a:cxn>
+              <a:cxn ang="0">
+                <a:pos x="connsiteX66" y="connsiteY66"/>
+              </a:cxn>
+              <a:cxn ang="0">
+                <a:pos x="connsiteX67" y="connsiteY67"/>
+              </a:cxn>
+              <a:cxn ang="0">
+                <a:pos x="connsiteX68" y="connsiteY68"/>
+              </a:cxn>
+              <a:cxn ang="0">
+                <a:pos x="connsiteX69" y="connsiteY69"/>
+              </a:cxn>
+              <a:cxn ang="0">
+                <a:pos x="connsiteX70" y="connsiteY70"/>
+              </a:cxn>
+              <a:cxn ang="0">
+                <a:pos x="connsiteX71" y="connsiteY71"/>
+              </a:cxn>
+              <a:cxn ang="0">
+                <a:pos x="connsiteX72" y="connsiteY72"/>
+              </a:cxn>
+              <a:cxn ang="0">
+                <a:pos x="connsiteX73" y="connsiteY73"/>
+              </a:cxn>
+              <a:cxn ang="0">
+                <a:pos x="connsiteX74" y="connsiteY74"/>
+              </a:cxn>
+              <a:cxn ang="0">
+                <a:pos x="connsiteX75" y="connsiteY75"/>
+              </a:cxn>
+              <a:cxn ang="0">
+                <a:pos x="connsiteX76" y="connsiteY76"/>
+              </a:cxn>
+              <a:cxn ang="0">
+                <a:pos x="connsiteX77" y="connsiteY77"/>
+              </a:cxn>
+              <a:cxn ang="0">
+                <a:pos x="connsiteX78" y="connsiteY78"/>
+              </a:cxn>
+              <a:cxn ang="0">
+                <a:pos x="connsiteX79" y="connsiteY79"/>
+              </a:cxn>
+              <a:cxn ang="0">
+                <a:pos x="connsiteX80" y="connsiteY80"/>
+              </a:cxn>
+              <a:cxn ang="0">
+                <a:pos x="connsiteX81" y="connsiteY81"/>
+              </a:cxn>
+              <a:cxn ang="0">
+                <a:pos x="connsiteX82" y="connsiteY82"/>
+              </a:cxn>
+              <a:cxn ang="0">
+                <a:pos x="connsiteX83" y="connsiteY83"/>
+              </a:cxn>
+              <a:cxn ang="0">
+                <a:pos x="connsiteX84" y="connsiteY84"/>
+              </a:cxn>
+              <a:cxn ang="0">
+                <a:pos x="connsiteX85" y="connsiteY85"/>
+              </a:cxn>
+              <a:cxn ang="0">
+                <a:pos x="connsiteX86" y="connsiteY86"/>
+              </a:cxn>
+              <a:cxn ang="0">
+                <a:pos x="connsiteX87" y="connsiteY87"/>
+              </a:cxn>
+              <a:cxn ang="0">
+                <a:pos x="connsiteX88" y="connsiteY88"/>
+              </a:cxn>
+              <a:cxn ang="0">
+                <a:pos x="connsiteX89" y="connsiteY89"/>
+              </a:cxn>
+              <a:cxn ang="0">
+                <a:pos x="connsiteX90" y="connsiteY90"/>
+              </a:cxn>
+              <a:cxn ang="0">
+                <a:pos x="connsiteX91" y="connsiteY91"/>
+              </a:cxn>
+              <a:cxn ang="0">
+                <a:pos x="connsiteX92" y="connsiteY92"/>
+              </a:cxn>
+              <a:cxn ang="0">
+                <a:pos x="connsiteX93" y="connsiteY93"/>
+              </a:cxn>
+              <a:cxn ang="0">
+                <a:pos x="connsiteX94" y="connsiteY94"/>
+              </a:cxn>
+              <a:cxn ang="0">
+                <a:pos x="connsiteX95" y="connsiteY95"/>
+              </a:cxn>
+              <a:cxn ang="0">
+                <a:pos x="connsiteX96" y="connsiteY96"/>
+              </a:cxn>
+              <a:cxn ang="0">
+                <a:pos x="connsiteX97" y="connsiteY97"/>
+              </a:cxn>
+              <a:cxn ang="0">
+                <a:pos x="connsiteX98" y="connsiteY98"/>
+              </a:cxn>
+              <a:cxn ang="0">
+                <a:pos x="connsiteX99" y="connsiteY99"/>
+              </a:cxn>
+              <a:cxn ang="0">
+                <a:pos x="connsiteX100" y="connsiteY100"/>
+              </a:cxn>
+              <a:cxn ang="0">
+                <a:pos x="connsiteX101" y="connsiteY101"/>
+              </a:cxn>
+              <a:cxn ang="0">
+                <a:pos x="connsiteX102" y="connsiteY102"/>
+              </a:cxn>
+              <a:cxn ang="0">
+                <a:pos x="connsiteX103" y="connsiteY103"/>
+              </a:cxn>
+              <a:cxn ang="0">
+                <a:pos x="connsiteX104" y="connsiteY104"/>
+              </a:cxn>
+              <a:cxn ang="0">
+                <a:pos x="connsiteX105" y="connsiteY105"/>
+              </a:cxn>
+              <a:cxn ang="0">
+                <a:pos x="connsiteX106" y="connsiteY106"/>
+              </a:cxn>
+              <a:cxn ang="0">
+                <a:pos x="connsiteX107" y="connsiteY107"/>
+              </a:cxn>
+              <a:cxn ang="0">
+                <a:pos x="connsiteX108" y="connsiteY108"/>
+              </a:cxn>
+              <a:cxn ang="0">
+                <a:pos x="connsiteX109" y="connsiteY109"/>
+              </a:cxn>
+              <a:cxn ang="0">
+                <a:pos x="connsiteX110" y="connsiteY110"/>
+              </a:cxn>
+              <a:cxn ang="0">
+                <a:pos x="connsiteX111" y="connsiteY111"/>
+              </a:cxn>
+              <a:cxn ang="0">
+                <a:pos x="connsiteX112" y="connsiteY112"/>
+              </a:cxn>
+              <a:cxn ang="0">
+                <a:pos x="connsiteX113" y="connsiteY113"/>
+              </a:cxn>
+              <a:cxn ang="0">
+                <a:pos x="connsiteX114" y="connsiteY114"/>
+              </a:cxn>
+              <a:cxn ang="0">
+                <a:pos x="connsiteX115" y="connsiteY115"/>
+              </a:cxn>
+              <a:cxn ang="0">
+                <a:pos x="connsiteX116" y="connsiteY116"/>
+              </a:cxn>
+              <a:cxn ang="0">
+                <a:pos x="connsiteX117" y="connsiteY117"/>
+              </a:cxn>
+              <a:cxn ang="0">
+                <a:pos x="connsiteX118" y="connsiteY118"/>
+              </a:cxn>
+              <a:cxn ang="0">
+                <a:pos x="connsiteX119" y="connsiteY119"/>
+              </a:cxn>
+              <a:cxn ang="0">
+                <a:pos x="connsiteX120" y="connsiteY120"/>
+              </a:cxn>
+              <a:cxn ang="0">
+                <a:pos x="connsiteX121" y="connsiteY121"/>
+              </a:cxn>
+              <a:cxn ang="0">
+                <a:pos x="connsiteX122" y="connsiteY122"/>
+              </a:cxn>
+              <a:cxn ang="0">
+                <a:pos x="connsiteX123" y="connsiteY123"/>
+              </a:cxn>
+              <a:cxn ang="0">
+                <a:pos x="connsiteX124" y="connsiteY124"/>
+              </a:cxn>
+              <a:cxn ang="0">
+                <a:pos x="connsiteX125" y="connsiteY125"/>
+              </a:cxn>
+              <a:cxn ang="0">
+                <a:pos x="connsiteX126" y="connsiteY126"/>
+              </a:cxn>
+              <a:cxn ang="0">
+                <a:pos x="connsiteX127" y="connsiteY127"/>
+              </a:cxn>
+              <a:cxn ang="0">
+                <a:pos x="connsiteX128" y="connsiteY128"/>
+              </a:cxn>
+              <a:cxn ang="0">
+                <a:pos x="connsiteX129" y="connsiteY129"/>
+              </a:cxn>
+              <a:cxn ang="0">
+                <a:pos x="connsiteX130" y="connsiteY130"/>
+              </a:cxn>
+              <a:cxn ang="0">
+                <a:pos x="connsiteX131" y="connsiteY131"/>
+              </a:cxn>
+              <a:cxn ang="0">
+                <a:pos x="connsiteX132" y="connsiteY132"/>
+              </a:cxn>
+              <a:cxn ang="0">
+                <a:pos x="connsiteX133" y="connsiteY133"/>
+              </a:cxn>
+              <a:cxn ang="0">
+                <a:pos x="connsiteX134" y="connsiteY134"/>
+              </a:cxn>
+              <a:cxn ang="0">
+                <a:pos x="connsiteX135" y="connsiteY135"/>
+              </a:cxn>
+              <a:cxn ang="0">
+                <a:pos x="connsiteX136" y="connsiteY136"/>
+              </a:cxn>
+              <a:cxn ang="0">
+                <a:pos x="connsiteX137" y="connsiteY137"/>
+              </a:cxn>
+              <a:cxn ang="0">
+                <a:pos x="connsiteX138" y="connsiteY138"/>
+              </a:cxn>
+              <a:cxn ang="0">
+                <a:pos x="connsiteX139" y="connsiteY139"/>
+              </a:cxn>
+              <a:cxn ang="0">
+                <a:pos x="connsiteX140" y="connsiteY140"/>
+              </a:cxn>
+            </a:cxnLst>
+            <a:rect l="l" t="t" r="r" b="b"/>
+            <a:pathLst>
+              <a:path w="4992864" h="6858000">
+                <a:moveTo>
+                  <a:pt x="0" y="0"/>
+                </a:moveTo>
+                <a:lnTo>
+                  <a:pt x="4813476" y="0"/>
+                </a:lnTo>
+                <a:lnTo>
+                  <a:pt x="4818239" y="66675"/>
+                </a:lnTo>
+                <a:lnTo>
+                  <a:pt x="4826176" y="122237"/>
+                </a:lnTo>
+                <a:lnTo>
+                  <a:pt x="4835701" y="174625"/>
+                </a:lnTo>
+                <a:lnTo>
+                  <a:pt x="4851576" y="217487"/>
+                </a:lnTo>
+                <a:lnTo>
+                  <a:pt x="4867451" y="260350"/>
+                </a:lnTo>
+                <a:lnTo>
+                  <a:pt x="4886501" y="296862"/>
+                </a:lnTo>
+                <a:lnTo>
+                  <a:pt x="4905551" y="334962"/>
+                </a:lnTo>
+                <a:lnTo>
+                  <a:pt x="4923014" y="369887"/>
+                </a:lnTo>
+                <a:lnTo>
+                  <a:pt x="4940476" y="409575"/>
+                </a:lnTo>
+                <a:lnTo>
+                  <a:pt x="4956351" y="450850"/>
+                </a:lnTo>
+                <a:lnTo>
+                  <a:pt x="4970639" y="496887"/>
+                </a:lnTo>
+                <a:lnTo>
+                  <a:pt x="4981751" y="546100"/>
+                </a:lnTo>
+                <a:lnTo>
+                  <a:pt x="4989689" y="606425"/>
+                </a:lnTo>
+                <a:lnTo>
+                  <a:pt x="4992864" y="673100"/>
+                </a:lnTo>
+                <a:lnTo>
+                  <a:pt x="4989689" y="744537"/>
+                </a:lnTo>
+                <a:lnTo>
+                  <a:pt x="4981751" y="801687"/>
+                </a:lnTo>
+                <a:lnTo>
+                  <a:pt x="4970639" y="854075"/>
+                </a:lnTo>
+                <a:lnTo>
+                  <a:pt x="4956351" y="901700"/>
+                </a:lnTo>
+                <a:lnTo>
+                  <a:pt x="4940476" y="942975"/>
+                </a:lnTo>
+                <a:lnTo>
+                  <a:pt x="4921426" y="981075"/>
+                </a:lnTo>
+                <a:lnTo>
+                  <a:pt x="4902376" y="1017587"/>
+                </a:lnTo>
+                <a:lnTo>
+                  <a:pt x="4883326" y="1055687"/>
+                </a:lnTo>
+                <a:lnTo>
+                  <a:pt x="4865864" y="1095375"/>
+                </a:lnTo>
+                <a:lnTo>
+                  <a:pt x="4848401" y="1136650"/>
+                </a:lnTo>
+                <a:lnTo>
+                  <a:pt x="4834114" y="1182687"/>
+                </a:lnTo>
+                <a:lnTo>
+                  <a:pt x="4824589" y="1235075"/>
+                </a:lnTo>
+                <a:lnTo>
+                  <a:pt x="4815064" y="1295400"/>
+                </a:lnTo>
+                <a:lnTo>
+                  <a:pt x="4813476" y="1363662"/>
+                </a:lnTo>
+                <a:lnTo>
+                  <a:pt x="4815064" y="1431925"/>
+                </a:lnTo>
+                <a:lnTo>
+                  <a:pt x="4824589" y="1492250"/>
+                </a:lnTo>
+                <a:lnTo>
+                  <a:pt x="4834114" y="1544637"/>
+                </a:lnTo>
+                <a:lnTo>
+                  <a:pt x="4848401" y="1589087"/>
+                </a:lnTo>
+                <a:lnTo>
+                  <a:pt x="4865864" y="1631950"/>
+                </a:lnTo>
+                <a:lnTo>
+                  <a:pt x="4883326" y="1671637"/>
+                </a:lnTo>
+                <a:lnTo>
+                  <a:pt x="4902376" y="1708150"/>
+                </a:lnTo>
+                <a:lnTo>
+                  <a:pt x="4921426" y="1743075"/>
+                </a:lnTo>
+                <a:lnTo>
+                  <a:pt x="4940476" y="1782762"/>
+                </a:lnTo>
+                <a:lnTo>
+                  <a:pt x="4956351" y="1824037"/>
+                </a:lnTo>
+                <a:lnTo>
+                  <a:pt x="4970639" y="1870075"/>
+                </a:lnTo>
+                <a:lnTo>
+                  <a:pt x="4981751" y="1922462"/>
+                </a:lnTo>
+                <a:lnTo>
+                  <a:pt x="4989689" y="1982787"/>
+                </a:lnTo>
+                <a:lnTo>
+                  <a:pt x="4992864" y="2051050"/>
+                </a:lnTo>
+                <a:lnTo>
+                  <a:pt x="4989689" y="2119312"/>
+                </a:lnTo>
+                <a:lnTo>
+                  <a:pt x="4981751" y="2179637"/>
+                </a:lnTo>
+                <a:lnTo>
+                  <a:pt x="4970639" y="2232025"/>
+                </a:lnTo>
+                <a:lnTo>
+                  <a:pt x="4956351" y="2278062"/>
+                </a:lnTo>
+                <a:lnTo>
+                  <a:pt x="4940476" y="2319337"/>
+                </a:lnTo>
+                <a:lnTo>
+                  <a:pt x="4921426" y="2359025"/>
+                </a:lnTo>
+                <a:lnTo>
+                  <a:pt x="4902376" y="2395537"/>
+                </a:lnTo>
+                <a:lnTo>
+                  <a:pt x="4883326" y="2433637"/>
+                </a:lnTo>
+                <a:lnTo>
+                  <a:pt x="4865864" y="2471737"/>
+                </a:lnTo>
+                <a:lnTo>
+                  <a:pt x="4848401" y="2513012"/>
+                </a:lnTo>
+                <a:lnTo>
+                  <a:pt x="4834114" y="2560637"/>
+                </a:lnTo>
+                <a:lnTo>
+                  <a:pt x="4824589" y="2613025"/>
+                </a:lnTo>
+                <a:lnTo>
+                  <a:pt x="4815064" y="2671762"/>
+                </a:lnTo>
+                <a:lnTo>
+                  <a:pt x="4813476" y="2741612"/>
+                </a:lnTo>
+                <a:lnTo>
+                  <a:pt x="4815064" y="2809875"/>
+                </a:lnTo>
+                <a:lnTo>
+                  <a:pt x="4824589" y="2868612"/>
+                </a:lnTo>
+                <a:lnTo>
+                  <a:pt x="4834114" y="2922587"/>
+                </a:lnTo>
+                <a:lnTo>
+                  <a:pt x="4848401" y="2967037"/>
+                </a:lnTo>
+                <a:lnTo>
+                  <a:pt x="4865864" y="3009900"/>
+                </a:lnTo>
+                <a:lnTo>
+                  <a:pt x="4883326" y="3046412"/>
+                </a:lnTo>
+                <a:lnTo>
+                  <a:pt x="4902376" y="3084512"/>
+                </a:lnTo>
+                <a:lnTo>
+                  <a:pt x="4921426" y="3121025"/>
+                </a:lnTo>
+                <a:lnTo>
+                  <a:pt x="4940476" y="3160712"/>
+                </a:lnTo>
+                <a:lnTo>
+                  <a:pt x="4956351" y="3201987"/>
+                </a:lnTo>
+                <a:lnTo>
+                  <a:pt x="4970639" y="3248025"/>
+                </a:lnTo>
+                <a:lnTo>
+                  <a:pt x="4981751" y="3300412"/>
+                </a:lnTo>
+                <a:lnTo>
+                  <a:pt x="4989689" y="3360737"/>
+                </a:lnTo>
+                <a:lnTo>
+                  <a:pt x="4992864" y="3427412"/>
+                </a:lnTo>
+                <a:lnTo>
+                  <a:pt x="4989689" y="3497262"/>
+                </a:lnTo>
+                <a:lnTo>
+                  <a:pt x="4981751" y="3557587"/>
+                </a:lnTo>
+                <a:lnTo>
+                  <a:pt x="4970639" y="3609975"/>
+                </a:lnTo>
+                <a:lnTo>
+                  <a:pt x="4956351" y="3656012"/>
+                </a:lnTo>
+                <a:lnTo>
+                  <a:pt x="4940476" y="3697287"/>
+                </a:lnTo>
+                <a:lnTo>
+                  <a:pt x="4921426" y="3736975"/>
+                </a:lnTo>
+                <a:lnTo>
+                  <a:pt x="4883326" y="3811587"/>
+                </a:lnTo>
+                <a:lnTo>
+                  <a:pt x="4865864" y="3848100"/>
+                </a:lnTo>
+                <a:lnTo>
+                  <a:pt x="4848401" y="3890962"/>
+                </a:lnTo>
+                <a:lnTo>
+                  <a:pt x="4834114" y="3935412"/>
+                </a:lnTo>
+                <a:lnTo>
+                  <a:pt x="4824589" y="3987800"/>
+                </a:lnTo>
+                <a:lnTo>
+                  <a:pt x="4815064" y="4048125"/>
+                </a:lnTo>
+                <a:lnTo>
+                  <a:pt x="4813476" y="4116387"/>
+                </a:lnTo>
+                <a:lnTo>
+                  <a:pt x="4815064" y="4186237"/>
+                </a:lnTo>
+                <a:lnTo>
+                  <a:pt x="4824589" y="4244975"/>
+                </a:lnTo>
+                <a:lnTo>
+                  <a:pt x="4834114" y="4297362"/>
+                </a:lnTo>
+                <a:lnTo>
+                  <a:pt x="4848401" y="4343400"/>
+                </a:lnTo>
+                <a:lnTo>
+                  <a:pt x="4865864" y="4386262"/>
+                </a:lnTo>
+                <a:lnTo>
+                  <a:pt x="4883326" y="4424362"/>
+                </a:lnTo>
+                <a:lnTo>
+                  <a:pt x="4921426" y="4498975"/>
+                </a:lnTo>
+                <a:lnTo>
+                  <a:pt x="4940476" y="4537075"/>
+                </a:lnTo>
+                <a:lnTo>
+                  <a:pt x="4956351" y="4579937"/>
+                </a:lnTo>
+                <a:lnTo>
+                  <a:pt x="4970639" y="4625975"/>
+                </a:lnTo>
+                <a:lnTo>
+                  <a:pt x="4981751" y="4678362"/>
+                </a:lnTo>
+                <a:lnTo>
+                  <a:pt x="4989689" y="4738687"/>
+                </a:lnTo>
+                <a:lnTo>
+                  <a:pt x="4992864" y="4806950"/>
+                </a:lnTo>
+                <a:lnTo>
+                  <a:pt x="4989689" y="4875212"/>
+                </a:lnTo>
+                <a:lnTo>
+                  <a:pt x="4981751" y="4935537"/>
+                </a:lnTo>
+                <a:lnTo>
+                  <a:pt x="4970639" y="4987925"/>
+                </a:lnTo>
+                <a:lnTo>
+                  <a:pt x="4956351" y="5033962"/>
+                </a:lnTo>
+                <a:lnTo>
+                  <a:pt x="4940476" y="5075237"/>
+                </a:lnTo>
+                <a:lnTo>
+                  <a:pt x="4921426" y="5114925"/>
+                </a:lnTo>
+                <a:lnTo>
+                  <a:pt x="4902376" y="5149850"/>
+                </a:lnTo>
+                <a:lnTo>
+                  <a:pt x="4883326" y="5186362"/>
+                </a:lnTo>
+                <a:lnTo>
+                  <a:pt x="4865864" y="5226050"/>
+                </a:lnTo>
+                <a:lnTo>
+                  <a:pt x="4848401" y="5268912"/>
+                </a:lnTo>
+                <a:lnTo>
+                  <a:pt x="4834114" y="5313362"/>
+                </a:lnTo>
+                <a:lnTo>
+                  <a:pt x="4824589" y="5365750"/>
+                </a:lnTo>
+                <a:lnTo>
+                  <a:pt x="4815064" y="5426075"/>
+                </a:lnTo>
+                <a:lnTo>
+                  <a:pt x="4813476" y="5494337"/>
+                </a:lnTo>
+                <a:lnTo>
+                  <a:pt x="4815064" y="5562600"/>
+                </a:lnTo>
+                <a:lnTo>
+                  <a:pt x="4824589" y="5622925"/>
+                </a:lnTo>
+                <a:lnTo>
+                  <a:pt x="4834114" y="5675312"/>
+                </a:lnTo>
+                <a:lnTo>
+                  <a:pt x="4848401" y="5721350"/>
+                </a:lnTo>
+                <a:lnTo>
+                  <a:pt x="4865864" y="5762625"/>
+                </a:lnTo>
+                <a:lnTo>
+                  <a:pt x="4883326" y="5802312"/>
+                </a:lnTo>
+                <a:lnTo>
+                  <a:pt x="4902376" y="5840412"/>
+                </a:lnTo>
+                <a:lnTo>
+                  <a:pt x="4921426" y="5876925"/>
+                </a:lnTo>
+                <a:lnTo>
+                  <a:pt x="4940476" y="5915025"/>
+                </a:lnTo>
+                <a:lnTo>
+                  <a:pt x="4956351" y="5956300"/>
+                </a:lnTo>
+                <a:lnTo>
+                  <a:pt x="4970639" y="6003925"/>
+                </a:lnTo>
+                <a:lnTo>
+                  <a:pt x="4981751" y="6056312"/>
+                </a:lnTo>
+                <a:lnTo>
+                  <a:pt x="4989689" y="6113462"/>
+                </a:lnTo>
+                <a:lnTo>
+                  <a:pt x="4992864" y="6183312"/>
+                </a:lnTo>
+                <a:lnTo>
+                  <a:pt x="4989689" y="6251575"/>
+                </a:lnTo>
+                <a:lnTo>
+                  <a:pt x="4981751" y="6311900"/>
+                </a:lnTo>
+                <a:lnTo>
+                  <a:pt x="4970639" y="6361112"/>
+                </a:lnTo>
+                <a:lnTo>
+                  <a:pt x="4956351" y="6407150"/>
+                </a:lnTo>
+                <a:lnTo>
+                  <a:pt x="4940476" y="6448425"/>
+                </a:lnTo>
+                <a:lnTo>
+                  <a:pt x="4923014" y="6488112"/>
+                </a:lnTo>
+                <a:lnTo>
+                  <a:pt x="4905551" y="6523037"/>
+                </a:lnTo>
+                <a:lnTo>
+                  <a:pt x="4886501" y="6561137"/>
+                </a:lnTo>
+                <a:lnTo>
+                  <a:pt x="4867451" y="6597650"/>
+                </a:lnTo>
+                <a:lnTo>
+                  <a:pt x="4851576" y="6640512"/>
+                </a:lnTo>
+                <a:lnTo>
+                  <a:pt x="4835701" y="6683375"/>
+                </a:lnTo>
+                <a:lnTo>
+                  <a:pt x="4826176" y="6735762"/>
+                </a:lnTo>
+                <a:lnTo>
+                  <a:pt x="4818239" y="6791325"/>
+                </a:lnTo>
+                <a:lnTo>
+                  <a:pt x="4813476" y="6858000"/>
+                </a:lnTo>
+                <a:lnTo>
+                  <a:pt x="0" y="6858000"/>
+                </a:lnTo>
+                <a:close/>
+              </a:path>
+            </a:pathLst>
+          </a:custGeom>
+          <a:solidFill>
+            <a:schemeClr val="accent1"/>
+          </a:solidFill>
+          <a:ln w="0">
+            <a:noFill/>
+            <a:prstDash val="solid"/>
+            <a:round/>
+            <a:headEnd/>
+            <a:tailEnd/>
+          </a:ln>
+        </p:spPr>
+      </p:sp>
+      <p:sp>
+        <p:nvSpPr>
+          <p:cNvPr id="2" name="Title 1">
+            <a:extLst>
+              <a:ext uri="{FF2B5EF4-FFF2-40B4-BE49-F238E27FC236}">
+                <a16:creationId xmlns:a16="http://schemas.microsoft.com/office/drawing/2014/main" id="{CC3312B6-589C-4558-BE79-C7EF8860040D}"/>
+              </a:ext>
+            </a:extLst>
+          </p:cNvPr>
+          <p:cNvSpPr>
+            <a:spLocks noGrp="1"/>
+          </p:cNvSpPr>
+          <p:nvPr>
+            <p:ph type="title"/>
+          </p:nvPr>
+        </p:nvSpPr>
+        <p:spPr>
+          <a:xfrm>
+            <a:off x="644854" y="643464"/>
+            <a:ext cx="3437290" cy="4374850"/>
+          </a:xfrm>
+        </p:spPr>
+        <p:txBody>
+          <a:bodyPr vert="horz" lIns="91440" tIns="45720" rIns="91440" bIns="45720" rtlCol="0" anchor="ctr">
+            <a:normAutofit/>
+          </a:bodyPr>
+          <a:lstStyle/>
+          <a:p>
+            <a:pPr algn="ctr"/>
+            <a:r>
+              <a:rPr lang="en-US" sz="6000" spc="800"/>
+              <a:t>Abv overall</a:t>
+            </a:r>
+          </a:p>
+        </p:txBody>
+      </p:sp>
+      <p:pic>
+        <p:nvPicPr>
+          <p:cNvPr id="12" name="Picture 11">
+            <a:extLst>
+              <a:ext uri="{FF2B5EF4-FFF2-40B4-BE49-F238E27FC236}">
+                <a16:creationId xmlns:a16="http://schemas.microsoft.com/office/drawing/2014/main" id="{3C7AD996-60B2-4FFA-ABC1-121B31C6719B}"/>
+              </a:ext>
+            </a:extLst>
+          </p:cNvPr>
+          <p:cNvPicPr>
+            <a:picLocks noChangeAspect="1"/>
+          </p:cNvPicPr>
+          <p:nvPr/>
+        </p:nvPicPr>
+        <p:blipFill>
+          <a:blip r:embed="rId2"/>
+          <a:stretch>
+            <a:fillRect/>
+          </a:stretch>
+        </p:blipFill>
+        <p:spPr>
+          <a:xfrm>
+            <a:off x="6724988" y="120211"/>
+            <a:ext cx="5235576" cy="3597071"/>
+          </a:xfrm>
+          <a:prstGeom prst="rect">
+            <a:avLst/>
+          </a:prstGeom>
+        </p:spPr>
+      </p:pic>
+      <p:pic>
+        <p:nvPicPr>
+          <p:cNvPr id="13" name="Picture 12">
+            <a:extLst>
+              <a:ext uri="{FF2B5EF4-FFF2-40B4-BE49-F238E27FC236}">
+                <a16:creationId xmlns:a16="http://schemas.microsoft.com/office/drawing/2014/main" id="{4FF8FEE2-1F96-4133-93C1-7A87FCD97EA3}"/>
+              </a:ext>
+            </a:extLst>
+          </p:cNvPr>
+          <p:cNvPicPr>
+            <a:picLocks noChangeAspect="1"/>
+          </p:cNvPicPr>
+          <p:nvPr/>
+        </p:nvPicPr>
+        <p:blipFill>
+          <a:blip r:embed="rId3"/>
+          <a:stretch>
+            <a:fillRect/>
+          </a:stretch>
+        </p:blipFill>
+        <p:spPr>
+          <a:xfrm>
+            <a:off x="5125071" y="3837493"/>
+            <a:ext cx="3578150" cy="2458347"/>
+          </a:xfrm>
+          <a:prstGeom prst="rect">
+            <a:avLst/>
+          </a:prstGeom>
+        </p:spPr>
+      </p:pic>
+      <p:sp>
+        <p:nvSpPr>
+          <p:cNvPr id="14" name="Explosion: 14 Points 13">
+            <a:extLst>
+              <a:ext uri="{FF2B5EF4-FFF2-40B4-BE49-F238E27FC236}">
+                <a16:creationId xmlns:a16="http://schemas.microsoft.com/office/drawing/2014/main" id="{EE565A33-1AD2-4D91-9C42-57A76E31DA4C}"/>
+              </a:ext>
+            </a:extLst>
+          </p:cNvPr>
+          <p:cNvSpPr/>
+          <p:nvPr/>
+        </p:nvSpPr>
+        <p:spPr>
+          <a:xfrm>
+            <a:off x="7968996" y="4688263"/>
+            <a:ext cx="940315" cy="660102"/>
+          </a:xfrm>
+          <a:prstGeom prst="irregularSeal2">
+            <a:avLst/>
+          </a:prstGeom>
+          <a:noFill/>
+        </p:spPr>
+        <p:style>
+          <a:lnRef idx="2">
+            <a:schemeClr val="accent1">
+              <a:shade val="50000"/>
+            </a:schemeClr>
+          </a:lnRef>
+          <a:fillRef idx="1">
+            <a:schemeClr val="accent1"/>
+          </a:fillRef>
+          <a:effectRef idx="0">
+            <a:schemeClr val="accent1"/>
+          </a:effectRef>
+          <a:fontRef idx="minor">
+            <a:schemeClr val="lt1"/>
+          </a:fontRef>
+        </p:style>
+        <p:txBody>
+          <a:bodyPr rtlCol="0" anchor="ctr"/>
+          <a:lstStyle/>
+          <a:p>
+            <a:pPr algn="ctr"/>
+            <a:endParaRPr lang="en-US"/>
+          </a:p>
+        </p:txBody>
+      </p:sp>
+      <p:sp>
+        <p:nvSpPr>
+          <p:cNvPr id="18" name="Rectangle 17">
+            <a:extLst>
+              <a:ext uri="{FF2B5EF4-FFF2-40B4-BE49-F238E27FC236}">
+                <a16:creationId xmlns:a16="http://schemas.microsoft.com/office/drawing/2014/main" id="{02397270-7279-4C5A-B0E0-CF2BE18F1EB8}"/>
+              </a:ext>
+            </a:extLst>
+          </p:cNvPr>
+          <p:cNvSpPr/>
+          <p:nvPr/>
+        </p:nvSpPr>
+        <p:spPr>
+          <a:xfrm>
+            <a:off x="9132848" y="4841966"/>
+            <a:ext cx="2763061" cy="1297578"/>
+          </a:xfrm>
+          <a:prstGeom prst="rect">
+            <a:avLst/>
+          </a:prstGeom>
+        </p:spPr>
+        <p:style>
+          <a:lnRef idx="2">
+            <a:schemeClr val="accent1">
+              <a:shade val="50000"/>
+            </a:schemeClr>
+          </a:lnRef>
+          <a:fillRef idx="1">
+            <a:schemeClr val="accent1"/>
+          </a:fillRef>
+          <a:effectRef idx="0">
+            <a:schemeClr val="accent1"/>
+          </a:effectRef>
+          <a:fontRef idx="minor">
+            <a:schemeClr val="lt1"/>
+          </a:fontRef>
+        </p:style>
+        <p:txBody>
+          <a:bodyPr rtlCol="0" anchor="ctr"/>
+          <a:lstStyle/>
+          <a:p>
+            <a:pPr marL="285750" indent="-285750" algn="ctr">
+              <a:buFontTx/>
+              <a:buChar char="-"/>
+            </a:pPr>
+            <a:r>
+              <a:rPr lang="en-US" sz="1600" dirty="0"/>
+              <a:t>Belgian Style </a:t>
+            </a:r>
+            <a:r>
+              <a:rPr lang="en-US" sz="1600" dirty="0" err="1"/>
+              <a:t>Quadrupel</a:t>
+            </a:r>
+            <a:r>
+              <a:rPr lang="en-US" sz="1600" dirty="0"/>
+              <a:t> Ale at 12.8%</a:t>
+            </a:r>
+          </a:p>
+          <a:p>
+            <a:pPr marL="285750" indent="-285750" algn="ctr">
+              <a:buFontTx/>
+              <a:buChar char="-"/>
+            </a:pPr>
+            <a:r>
+              <a:rPr lang="en-US" sz="1600" dirty="0"/>
+              <a:t>London Balling at 12.5%</a:t>
+            </a:r>
+          </a:p>
+          <a:p>
+            <a:pPr marL="285750" indent="-285750" algn="ctr">
+              <a:buFontTx/>
+              <a:buChar char="-"/>
+            </a:pPr>
+            <a:r>
+              <a:rPr lang="en-US" sz="1600" dirty="0" err="1"/>
+              <a:t>Csar</a:t>
+            </a:r>
+            <a:r>
+              <a:rPr lang="en-US" sz="1600" dirty="0"/>
+              <a:t> at 12%</a:t>
+            </a:r>
+          </a:p>
+        </p:txBody>
+      </p:sp>
+      <p:cxnSp>
+        <p:nvCxnSpPr>
+          <p:cNvPr id="22" name="Connector: Curved 21">
+            <a:extLst>
+              <a:ext uri="{FF2B5EF4-FFF2-40B4-BE49-F238E27FC236}">
+                <a16:creationId xmlns:a16="http://schemas.microsoft.com/office/drawing/2014/main" id="{17DD14E2-5F52-4EFA-BA91-1DF9F34E580F}"/>
+              </a:ext>
+            </a:extLst>
+          </p:cNvPr>
+          <p:cNvCxnSpPr>
+            <a:cxnSpLocks/>
+          </p:cNvCxnSpPr>
+          <p:nvPr/>
+        </p:nvCxnSpPr>
+        <p:spPr>
+          <a:xfrm>
+            <a:off x="8543109" y="5259977"/>
+            <a:ext cx="487681" cy="357052"/>
+          </a:xfrm>
+          <a:prstGeom prst="curvedConnector3">
+            <a:avLst/>
+          </a:prstGeom>
+          <a:ln>
+            <a:tailEnd type="triangle"/>
+          </a:ln>
+        </p:spPr>
+        <p:style>
+          <a:lnRef idx="3">
+            <a:schemeClr val="accent1"/>
+          </a:lnRef>
+          <a:fillRef idx="0">
+            <a:schemeClr val="accent1"/>
+          </a:fillRef>
+          <a:effectRef idx="2">
+            <a:schemeClr val="accent1"/>
+          </a:effectRef>
+          <a:fontRef idx="minor">
+            <a:schemeClr val="tx1"/>
+          </a:fontRef>
+        </p:style>
+      </p:cxnSp>
+    </p:spTree>
+    <p:extLst>
+      <p:ext uri="{BB962C8B-B14F-4D97-AF65-F5344CB8AC3E}">
+        <p14:creationId xmlns:p14="http://schemas.microsoft.com/office/powerpoint/2010/main" val="754741961"/>
+      </p:ext>
+    </p:extLst>
+  </p:cSld>
+  <p:clrMapOvr>
+    <a:masterClrMapping/>
+  </p:clrMapOvr>
+  <p:timing>
+    <p:tnLst>
+      <p:par>
+        <p:cTn id="1" dur="indefinite" restart="never" nodeType="tmRoot">
+          <p:childTnLst>
+            <p:seq concurrent="1" nextAc="seek">
+              <p:cTn id="2" dur="indefinite" nodeType="mainSeq">
+                <p:childTnLst>
+                  <p:par>
+                    <p:cTn id="3" fill="hold">
+                      <p:stCondLst>
+                        <p:cond delay="indefinite"/>
+                      </p:stCondLst>
+                      <p:childTnLst>
+                        <p:par>
+                          <p:cTn id="4" fill="hold">
+                            <p:stCondLst>
+                              <p:cond delay="0"/>
+                            </p:stCondLst>
+                            <p:childTnLst>
+                              <p:par>
+                                <p:cTn id="5" presetID="16" presetClass="entr" presetSubtype="21" fill="hold" grpId="0" nodeType="clickEffect">
+                                  <p:stCondLst>
+                                    <p:cond delay="0"/>
+                                  </p:stCondLst>
+                                  <p:childTnLst>
+                                    <p:set>
+                                      <p:cBhvr>
+                                        <p:cTn id="6" dur="1" fill="hold">
+                                          <p:stCondLst>
+                                            <p:cond delay="0"/>
+                                          </p:stCondLst>
+                                        </p:cTn>
+                                        <p:tgtEl>
+                                          <p:spTgt spid="14"/>
+                                        </p:tgtEl>
+                                        <p:attrNameLst>
+                                          <p:attrName>style.visibility</p:attrName>
+                                        </p:attrNameLst>
+                                      </p:cBhvr>
+                                      <p:to>
+                                        <p:strVal val="visible"/>
+                                      </p:to>
+                                    </p:set>
+                                    <p:animEffect transition="in" filter="barn(inVertical)">
+                                      <p:cBhvr>
+                                        <p:cTn id="7" dur="500"/>
+                                        <p:tgtEl>
+                                          <p:spTgt spid="14"/>
+                                        </p:tgtEl>
+                                      </p:cBhvr>
+                                    </p:animEffect>
+                                  </p:childTnLst>
+                                </p:cTn>
+                              </p:par>
+                            </p:childTnLst>
+                          </p:cTn>
+                        </p:par>
+                      </p:childTnLst>
+                    </p:cTn>
+                  </p:par>
+                  <p:par>
+                    <p:cTn id="8" fill="hold">
+                      <p:stCondLst>
+                        <p:cond delay="indefinite"/>
+                      </p:stCondLst>
+                      <p:childTnLst>
+                        <p:par>
+                          <p:cTn id="9" fill="hold">
+                            <p:stCondLst>
+                              <p:cond delay="0"/>
+                            </p:stCondLst>
+                            <p:childTnLst>
+                              <p:par>
+                                <p:cTn id="10" presetID="1" presetClass="entr" presetSubtype="0" fill="hold" nodeType="clickEffect">
+                                  <p:stCondLst>
+                                    <p:cond delay="0"/>
+                                  </p:stCondLst>
+                                  <p:childTnLst>
+                                    <p:set>
+                                      <p:cBhvr>
+                                        <p:cTn id="11" dur="1" fill="hold">
+                                          <p:stCondLst>
+                                            <p:cond delay="0"/>
+                                          </p:stCondLst>
+                                        </p:cTn>
+                                        <p:tgtEl>
+                                          <p:spTgt spid="22"/>
+                                        </p:tgtEl>
+                                        <p:attrNameLst>
+                                          <p:attrName>style.visibility</p:attrName>
+                                        </p:attrNameLst>
+                                      </p:cBhvr>
+                                      <p:to>
+                                        <p:strVal val="visible"/>
+                                      </p:to>
+                                    </p:set>
+                                  </p:childTnLst>
+                                </p:cTn>
+                              </p:par>
+                            </p:childTnLst>
+                          </p:cTn>
+                        </p:par>
+                      </p:childTnLst>
+                    </p:cTn>
+                  </p:par>
+                  <p:par>
+                    <p:cTn id="12" fill="hold">
+                      <p:stCondLst>
+                        <p:cond delay="indefinite"/>
+                      </p:stCondLst>
+                      <p:childTnLst>
+                        <p:par>
+                          <p:cTn id="13" fill="hold">
+                            <p:stCondLst>
+                              <p:cond delay="0"/>
+                            </p:stCondLst>
+                            <p:childTnLst>
+                              <p:par>
+                                <p:cTn id="14" presetID="1" presetClass="entr" presetSubtype="0" fill="hold" grpId="0" nodeType="clickEffect">
+                                  <p:stCondLst>
+                                    <p:cond delay="0"/>
+                                  </p:stCondLst>
+                                  <p:childTnLst>
+                                    <p:set>
+                                      <p:cBhvr>
+                                        <p:cTn id="15" dur="1" fill="hold">
+                                          <p:stCondLst>
+                                            <p:cond delay="0"/>
+                                          </p:stCondLst>
+                                        </p:cTn>
+                                        <p:tgtEl>
+                                          <p:spTgt spid="18"/>
+                                        </p:tgtEl>
+                                        <p:attrNameLst>
+                                          <p:attrName>style.visibility</p:attrName>
+                                        </p:attrNameLst>
+                                      </p:cBhvr>
+                                      <p:to>
+                                        <p:strVal val="visible"/>
+                                      </p:to>
+                                    </p:set>
+                                  </p:childTnLst>
+                                </p:cTn>
+                              </p:par>
+                            </p:childTnLst>
+                          </p:cTn>
+                        </p:par>
+                      </p:childTnLst>
+                    </p:cTn>
+                  </p:par>
+                </p:childTnLst>
+              </p:cTn>
+              <p:prevCondLst>
+                <p:cond evt="onPrev" delay="0">
+                  <p:tgtEl>
+                    <p:sldTgt/>
+                  </p:tgtEl>
+                </p:cond>
+              </p:prevCondLst>
+              <p:nextCondLst>
+                <p:cond evt="onNext" delay="0">
+                  <p:tgtEl>
+                    <p:sldTgt/>
+                  </p:tgtEl>
+                </p:cond>
+              </p:nextCondLst>
+            </p:seq>
+          </p:childTnLst>
+        </p:cTn>
+      </p:par>
+    </p:tnLst>
+    <p:bldLst>
+      <p:bldP spid="14" grpId="0" animBg="1"/>
+      <p:bldP spid="18" grpId="0" animBg="1"/>
+    </p:bldLst>
+  </p:timing>
+</p:sld>
+</file>
+
+<file path=ppt/slides/slide9.xml><?xml version="1.0" encoding="utf-8"?>
+<p:sld xmlns:a="http://schemas.openxmlformats.org/drawingml/2006/main" xmlns:r="http://schemas.openxmlformats.org/officeDocument/2006/relationships" xmlns:p="http://schemas.openxmlformats.org/presentationml/2006/main">
+  <p:cSld>
     <p:spTree>
       <p:nvGrpSpPr>
         <p:cNvPr id="1" name=""/>
@@ -13242,7 +16322,7 @@
           <p:cNvPr id="2" name="Title 1">
             <a:extLst>
               <a:ext uri="{FF2B5EF4-FFF2-40B4-BE49-F238E27FC236}">
-                <a16:creationId xmlns:a16="http://schemas.microsoft.com/office/drawing/2014/main" id="{CC3312B6-589C-4558-BE79-C7EF8860040D}"/>
+                <a16:creationId xmlns:a16="http://schemas.microsoft.com/office/drawing/2014/main" id="{D48EB158-C9D6-47C5-AABF-BA03D72DFC9A}"/>
               </a:ext>
             </a:extLst>
           </p:cNvPr>
@@ -13260,17 +16340,17 @@
           <a:p>
             <a:r>
               <a:rPr lang="en-US" dirty="0"/>
-              <a:t>Abv overall</a:t>
+              <a:t>Relationship between bitter &amp; boozy</a:t>
             </a:r>
           </a:p>
         </p:txBody>
       </p:sp>
       <p:sp>
         <p:nvSpPr>
-          <p:cNvPr id="8" name="Content Placeholder 7">
+          <p:cNvPr id="11" name="Text Placeholder 10">
             <a:extLst>
               <a:ext uri="{FF2B5EF4-FFF2-40B4-BE49-F238E27FC236}">
-                <a16:creationId xmlns:a16="http://schemas.microsoft.com/office/drawing/2014/main" id="{DD2D9551-36F9-4BE9-A664-C3076E416664}"/>
+                <a16:creationId xmlns:a16="http://schemas.microsoft.com/office/drawing/2014/main" id="{9C3C278C-10AC-41C2-9073-4DE0E3C14519}"/>
               </a:ext>
             </a:extLst>
           </p:cNvPr>
@@ -13278,7 +16358,7 @@
             <a:spLocks noGrp="1"/>
           </p:cNvSpPr>
           <p:nvPr>
-            <p:ph sz="half" idx="1"/>
+            <p:ph type="body" sz="half" idx="2"/>
           </p:nvPr>
         </p:nvSpPr>
         <p:spPr/>
@@ -13286,45 +16366,62 @@
           <a:bodyPr/>
           <a:lstStyle/>
           <a:p>
+            <a:endParaRPr lang="en-US" dirty="0"/>
+          </a:p>
+          <a:p>
+            <a:endParaRPr lang="en-US" dirty="0"/>
+          </a:p>
+          <a:p>
             <a:r>
               <a:rPr lang="en-US" dirty="0"/>
-              <a:t>Blurb about ABV distribution</a:t>
+              <a:t>In general, there appears to be a relationship between IBU and ABV.</a:t>
+            </a:r>
+          </a:p>
+          <a:p>
+            <a:endParaRPr lang="en-US" dirty="0"/>
+          </a:p>
+          <a:p>
+            <a:r>
+              <a:rPr lang="en-US" dirty="0"/>
+              <a:t>Based on our assessment, we may be able to predict ABV based on IBU along with style and other variables of interest.</a:t>
             </a:r>
           </a:p>
         </p:txBody>
       </p:sp>
-      <p:sp>
-        <p:nvSpPr>
-          <p:cNvPr id="9" name="Content Placeholder 8">
+      <p:pic>
+        <p:nvPicPr>
+          <p:cNvPr id="16" name="Picture 15">
             <a:extLst>
               <a:ext uri="{FF2B5EF4-FFF2-40B4-BE49-F238E27FC236}">
-                <a16:creationId xmlns:a16="http://schemas.microsoft.com/office/drawing/2014/main" id="{BFB31A20-BAFA-42E1-B6C7-074F46433B78}"/>
+                <a16:creationId xmlns:a16="http://schemas.microsoft.com/office/drawing/2014/main" id="{C5CD34EE-38E7-4B7A-BFB2-3678DCCFEA05}"/>
               </a:ext>
             </a:extLst>
           </p:cNvPr>
-          <p:cNvSpPr>
-            <a:spLocks noGrp="1"/>
-          </p:cNvSpPr>
-          <p:nvPr>
-            <p:ph sz="half" idx="2"/>
-          </p:nvPr>
-        </p:nvSpPr>
-        <p:spPr/>
-        <p:txBody>
-          <a:bodyPr/>
-          <a:lstStyle/>
-          <a:p>
-            <a:r>
-              <a:rPr lang="en-US" dirty="0"/>
-              <a:t>Include histogram/box plot</a:t>
-            </a:r>
-          </a:p>
-        </p:txBody>
-      </p:sp>
+          <p:cNvPicPr>
+            <a:picLocks noChangeAspect="1"/>
+          </p:cNvPicPr>
+          <p:nvPr/>
+        </p:nvPicPr>
+        <p:blipFill>
+          <a:blip r:embed="rId2"/>
+          <a:stretch>
+            <a:fillRect/>
+          </a:stretch>
+        </p:blipFill>
+        <p:spPr>
+          <a:xfrm>
+            <a:off x="552755" y="905070"/>
+            <a:ext cx="6602723" cy="4560214"/>
+          </a:xfrm>
+          <a:prstGeom prst="rect">
+            <a:avLst/>
+          </a:prstGeom>
+        </p:spPr>
+      </p:pic>
     </p:spTree>
     <p:extLst>
       <p:ext uri="{BB962C8B-B14F-4D97-AF65-F5344CB8AC3E}">
-        <p14:creationId xmlns:p14="http://schemas.microsoft.com/office/powerpoint/2010/main" val="754741961"/>
+        <p14:creationId xmlns:p14="http://schemas.microsoft.com/office/powerpoint/2010/main" val="662711705"/>
       </p:ext>
     </p:extLst>
   </p:cSld>

--- a/docs/Matt_Farrow_Megan_Ball_DS6306_EDA.pptx
+++ b/docs/Matt_Farrow_Megan_Ball_DS6306_EDA.pptx
@@ -1331,7 +1331,7 @@
           <a:p>
             <a:fld id="{1160EA64-D806-43AC-9DF2-F8C432F32B4C}" type="datetimeFigureOut">
               <a:rPr lang="en-US" smtClean="0"/>
-              <a:t>10/12/2020</a:t>
+              <a:t>10/13/20</a:t>
             </a:fld>
             <a:endParaRPr lang="en-US" dirty="0"/>
           </a:p>
@@ -1570,7 +1570,7 @@
           <a:p>
             <a:fld id="{E9F9C37B-1D36-470B-8223-D6C91242EC14}" type="datetimeFigureOut">
               <a:rPr lang="en-US" smtClean="0"/>
-              <a:t>10/12/2020</a:t>
+              <a:t>10/13/20</a:t>
             </a:fld>
             <a:endParaRPr lang="en-US" dirty="0"/>
           </a:p>
@@ -1750,7 +1750,7 @@
           <a:p>
             <a:fld id="{67C6F52A-A82B-47A2-A83A-8C4C91F2D59F}" type="datetimeFigureOut">
               <a:rPr lang="en-US" smtClean="0"/>
-              <a:t>10/12/2020</a:t>
+              <a:t>10/13/20</a:t>
             </a:fld>
             <a:endParaRPr lang="en-US" dirty="0"/>
           </a:p>
@@ -1920,7 +1920,7 @@
           <a:p>
             <a:fld id="{F070A7B3-6521-4DCA-87E5-044747A908C1}" type="datetimeFigureOut">
               <a:rPr lang="en-US" smtClean="0"/>
-              <a:t>10/12/2020</a:t>
+              <a:t>10/13/20</a:t>
             </a:fld>
             <a:endParaRPr lang="en-US" dirty="0"/>
           </a:p>
@@ -2194,7 +2194,7 @@
           <a:p>
             <a:fld id="{1160EA64-D806-43AC-9DF2-F8C432F32B4C}" type="datetimeFigureOut">
               <a:rPr lang="en-US" smtClean="0"/>
-              <a:t>10/12/2020</a:t>
+              <a:t>10/13/20</a:t>
             </a:fld>
             <a:endParaRPr lang="en-US" dirty="0"/>
           </a:p>
@@ -3396,7 +3396,7 @@
           <a:p>
             <a:fld id="{AB134690-1557-4C89-A502-4959FE7FAD70}" type="datetimeFigureOut">
               <a:rPr lang="en-US" smtClean="0"/>
-              <a:t>10/12/2020</a:t>
+              <a:t>10/13/20</a:t>
             </a:fld>
             <a:endParaRPr lang="en-US" dirty="0"/>
           </a:p>
@@ -3786,7 +3786,7 @@
           <a:p>
             <a:fld id="{1160EA64-D806-43AC-9DF2-F8C432F32B4C}" type="datetimeFigureOut">
               <a:rPr lang="en-US" smtClean="0"/>
-              <a:t>10/12/2020</a:t>
+              <a:t>10/13/20</a:t>
             </a:fld>
             <a:endParaRPr lang="en-US" dirty="0"/>
           </a:p>
@@ -3911,7 +3911,7 @@
           <a:p>
             <a:fld id="{E1037C31-9E7A-4F99-8774-A0E530DE1A42}" type="datetimeFigureOut">
               <a:rPr lang="en-US" smtClean="0"/>
-              <a:t>10/12/2020</a:t>
+              <a:t>10/13/20</a:t>
             </a:fld>
             <a:endParaRPr lang="en-US" dirty="0"/>
           </a:p>
@@ -4006,7 +4006,7 @@
           <a:p>
             <a:fld id="{C278504F-A551-4DE0-9316-4DCD1D8CC752}" type="datetimeFigureOut">
               <a:rPr lang="en-US" smtClean="0"/>
-              <a:t>10/12/2020</a:t>
+              <a:t>10/13/20</a:t>
             </a:fld>
             <a:endParaRPr lang="en-US" dirty="0"/>
           </a:p>
@@ -4769,7 +4769,7 @@
           <a:p>
             <a:fld id="{D1BE4249-C0D0-4B06-8692-E8BB871AF643}" type="datetimeFigureOut">
               <a:rPr lang="en-US" smtClean="0"/>
-              <a:t>10/12/2020</a:t>
+              <a:t>10/13/20</a:t>
             </a:fld>
             <a:endParaRPr lang="en-US" dirty="0"/>
           </a:p>
@@ -5609,7 +5609,7 @@
           <a:p>
             <a:fld id="{042B0DB6-F5C7-45FB-8CF3-31B45F9C2DAC}" type="datetimeFigureOut">
               <a:rPr lang="en-US" smtClean="0"/>
-              <a:t>10/12/2020</a:t>
+              <a:t>10/13/20</a:t>
             </a:fld>
             <a:endParaRPr lang="en-US" dirty="0"/>
           </a:p>
@@ -5836,7 +5836,7 @@
           <a:p>
             <a:fld id="{1160EA64-D806-43AC-9DF2-F8C432F32B4C}" type="datetimeFigureOut">
               <a:rPr lang="en-US" smtClean="0"/>
-              <a:t>10/12/2020</a:t>
+              <a:t>10/13/20</a:t>
             </a:fld>
             <a:endParaRPr lang="en-US" dirty="0"/>
           </a:p>
@@ -7143,7 +7143,7 @@
         <p:spPr>
           <a:xfrm>
             <a:off x="1251678" y="1688757"/>
-            <a:ext cx="1048685" cy="523220"/>
+            <a:ext cx="2076338" cy="523220"/>
           </a:xfrm>
           <a:prstGeom prst="rect">
             <a:avLst/>
@@ -7160,7 +7160,7 @@
               <a:rPr lang="en-US" sz="2800" dirty="0">
                 <a:latin typeface="+mj-lt"/>
               </a:rPr>
-              <a:t>Beers</a:t>
+              <a:t>Beers (2,410)</a:t>
             </a:r>
           </a:p>
         </p:txBody>
@@ -7180,7 +7180,7 @@
         <p:spPr>
           <a:xfrm>
             <a:off x="6647796" y="1688757"/>
-            <a:ext cx="1699504" cy="523220"/>
+            <a:ext cx="2563522" cy="523220"/>
           </a:xfrm>
           <a:prstGeom prst="rect">
             <a:avLst/>
@@ -7197,7 +7197,7 @@
               <a:rPr lang="en-US" sz="2800" dirty="0">
                 <a:latin typeface="+mj-lt"/>
               </a:rPr>
-              <a:t>Breweries</a:t>
+              <a:t>Breweries (558)</a:t>
             </a:r>
           </a:p>
         </p:txBody>

--- a/docs/Matt_Farrow_Megan_Ball_DS6306_EDA.pptx
+++ b/docs/Matt_Farrow_Megan_Ball_DS6306_EDA.pptx
@@ -1331,7 +1331,7 @@
           <a:p>
             <a:fld id="{1160EA64-D806-43AC-9DF2-F8C432F32B4C}" type="datetimeFigureOut">
               <a:rPr lang="en-US" smtClean="0"/>
-              <a:t>10/13/20</a:t>
+              <a:t>10/13/2020</a:t>
             </a:fld>
             <a:endParaRPr lang="en-US" dirty="0"/>
           </a:p>
@@ -1570,7 +1570,7 @@
           <a:p>
             <a:fld id="{E9F9C37B-1D36-470B-8223-D6C91242EC14}" type="datetimeFigureOut">
               <a:rPr lang="en-US" smtClean="0"/>
-              <a:t>10/13/20</a:t>
+              <a:t>10/13/2020</a:t>
             </a:fld>
             <a:endParaRPr lang="en-US" dirty="0"/>
           </a:p>
@@ -1750,7 +1750,7 @@
           <a:p>
             <a:fld id="{67C6F52A-A82B-47A2-A83A-8C4C91F2D59F}" type="datetimeFigureOut">
               <a:rPr lang="en-US" smtClean="0"/>
-              <a:t>10/13/20</a:t>
+              <a:t>10/13/2020</a:t>
             </a:fld>
             <a:endParaRPr lang="en-US" dirty="0"/>
           </a:p>
@@ -1920,7 +1920,7 @@
           <a:p>
             <a:fld id="{F070A7B3-6521-4DCA-87E5-044747A908C1}" type="datetimeFigureOut">
               <a:rPr lang="en-US" smtClean="0"/>
-              <a:t>10/13/20</a:t>
+              <a:t>10/13/2020</a:t>
             </a:fld>
             <a:endParaRPr lang="en-US" dirty="0"/>
           </a:p>
@@ -2194,7 +2194,7 @@
           <a:p>
             <a:fld id="{1160EA64-D806-43AC-9DF2-F8C432F32B4C}" type="datetimeFigureOut">
               <a:rPr lang="en-US" smtClean="0"/>
-              <a:t>10/13/20</a:t>
+              <a:t>10/13/2020</a:t>
             </a:fld>
             <a:endParaRPr lang="en-US" dirty="0"/>
           </a:p>
@@ -3396,7 +3396,7 @@
           <a:p>
             <a:fld id="{AB134690-1557-4C89-A502-4959FE7FAD70}" type="datetimeFigureOut">
               <a:rPr lang="en-US" smtClean="0"/>
-              <a:t>10/13/20</a:t>
+              <a:t>10/13/2020</a:t>
             </a:fld>
             <a:endParaRPr lang="en-US" dirty="0"/>
           </a:p>
@@ -3786,7 +3786,7 @@
           <a:p>
             <a:fld id="{1160EA64-D806-43AC-9DF2-F8C432F32B4C}" type="datetimeFigureOut">
               <a:rPr lang="en-US" smtClean="0"/>
-              <a:t>10/13/20</a:t>
+              <a:t>10/13/2020</a:t>
             </a:fld>
             <a:endParaRPr lang="en-US" dirty="0"/>
           </a:p>
@@ -3911,7 +3911,7 @@
           <a:p>
             <a:fld id="{E1037C31-9E7A-4F99-8774-A0E530DE1A42}" type="datetimeFigureOut">
               <a:rPr lang="en-US" smtClean="0"/>
-              <a:t>10/13/20</a:t>
+              <a:t>10/13/2020</a:t>
             </a:fld>
             <a:endParaRPr lang="en-US" dirty="0"/>
           </a:p>
@@ -4006,7 +4006,7 @@
           <a:p>
             <a:fld id="{C278504F-A551-4DE0-9316-4DCD1D8CC752}" type="datetimeFigureOut">
               <a:rPr lang="en-US" smtClean="0"/>
-              <a:t>10/13/20</a:t>
+              <a:t>10/13/2020</a:t>
             </a:fld>
             <a:endParaRPr lang="en-US" dirty="0"/>
           </a:p>
@@ -4769,7 +4769,7 @@
           <a:p>
             <a:fld id="{D1BE4249-C0D0-4B06-8692-E8BB871AF643}" type="datetimeFigureOut">
               <a:rPr lang="en-US" smtClean="0"/>
-              <a:t>10/13/20</a:t>
+              <a:t>10/13/2020</a:t>
             </a:fld>
             <a:endParaRPr lang="en-US" dirty="0"/>
           </a:p>
@@ -5609,7 +5609,7 @@
           <a:p>
             <a:fld id="{042B0DB6-F5C7-45FB-8CF3-31B45F9C2DAC}" type="datetimeFigureOut">
               <a:rPr lang="en-US" smtClean="0"/>
-              <a:t>10/13/20</a:t>
+              <a:t>10/13/2020</a:t>
             </a:fld>
             <a:endParaRPr lang="en-US" dirty="0"/>
           </a:p>
@@ -5836,7 +5836,7 @@
           <a:p>
             <a:fld id="{1160EA64-D806-43AC-9DF2-F8C432F32B4C}" type="datetimeFigureOut">
               <a:rPr lang="en-US" smtClean="0"/>
-              <a:t>10/13/20</a:t>
+              <a:t>10/13/2020</a:t>
             </a:fld>
             <a:endParaRPr lang="en-US" dirty="0"/>
           </a:p>
@@ -8127,7 +8127,7 @@
           <a:p>
             <a:r>
               <a:rPr lang="en-US" dirty="0"/>
-              <a:t>North Dakota, South Dakota, and West Virginia all tie with only one brewery per ‘state’</a:t>
+              <a:t>North Dakota, South Dakota, and West Virginia all tie with only one brewery per state</a:t>
             </a:r>
           </a:p>
         </p:txBody>
@@ -12312,56 +12312,6 @@
           </a:prstGeom>
         </p:spPr>
       </p:pic>
-      <p:sp>
-        <p:nvSpPr>
-          <p:cNvPr id="6" name="Explosion: 14 Points 5">
-            <a:extLst>
-              <a:ext uri="{FF2B5EF4-FFF2-40B4-BE49-F238E27FC236}">
-                <a16:creationId xmlns:a16="http://schemas.microsoft.com/office/drawing/2014/main" id="{A75D0681-743C-4489-8EC5-50F386A22BE7}"/>
-              </a:ext>
-            </a:extLst>
-          </p:cNvPr>
-          <p:cNvSpPr/>
-          <p:nvPr/>
-        </p:nvSpPr>
-        <p:spPr>
-          <a:xfrm>
-            <a:off x="9244231" y="1446153"/>
-            <a:ext cx="858416" cy="895739"/>
-          </a:xfrm>
-          <a:prstGeom prst="irregularSeal2">
-            <a:avLst/>
-          </a:prstGeom>
-          <a:noFill/>
-          <a:ln>
-            <a:solidFill>
-              <a:schemeClr val="tx1"/>
-            </a:solidFill>
-          </a:ln>
-        </p:spPr>
-        <p:style>
-          <a:lnRef idx="3">
-            <a:schemeClr val="lt1"/>
-          </a:lnRef>
-          <a:fillRef idx="1">
-            <a:schemeClr val="accent2"/>
-          </a:fillRef>
-          <a:effectRef idx="1">
-            <a:schemeClr val="accent2"/>
-          </a:effectRef>
-          <a:fontRef idx="minor">
-            <a:schemeClr val="lt1"/>
-          </a:fontRef>
-        </p:style>
-        <p:txBody>
-          <a:bodyPr rtlCol="0" anchor="ctr"/>
-          <a:lstStyle/>
-          <a:p>
-            <a:pPr algn="ctr"/>
-            <a:endParaRPr lang="en-US"/>
-          </a:p>
-        </p:txBody>
-      </p:sp>
       <p:pic>
         <p:nvPicPr>
           <p:cNvPr id="2" name="Picture 1">
@@ -12392,45 +12342,6 @@
           </a:prstGeom>
         </p:spPr>
       </p:pic>
-      <p:pic>
-        <p:nvPicPr>
-          <p:cNvPr id="13" name="Graphic 12">
-            <a:extLst>
-              <a:ext uri="{FF2B5EF4-FFF2-40B4-BE49-F238E27FC236}">
-                <a16:creationId xmlns:a16="http://schemas.microsoft.com/office/drawing/2014/main" id="{836F8608-9A78-4C36-9A85-D3436AF70A92}"/>
-              </a:ext>
-            </a:extLst>
-          </p:cNvPr>
-          <p:cNvPicPr>
-            <a:picLocks noChangeAspect="1"/>
-          </p:cNvPicPr>
-          <p:nvPr/>
-        </p:nvPicPr>
-        <p:blipFill>
-          <a:blip r:embed="rId4">
-            <a:extLst>
-              <a:ext uri="{96DAC541-7B7A-43D3-8B79-37D633B846F1}">
-                <asvg:svgBlip xmlns:asvg="http://schemas.microsoft.com/office/drawing/2016/SVG/main" r:embed="rId5"/>
-              </a:ext>
-              <a:ext uri="{837473B0-CC2E-450A-ABE3-18F120FF3D39}">
-                <a1611:picAttrSrcUrl xmlns:a1611="http://schemas.microsoft.com/office/drawing/2016/11/main" r:id="rId6"/>
-              </a:ext>
-            </a:extLst>
-          </a:blip>
-          <a:stretch>
-            <a:fillRect/>
-          </a:stretch>
-        </p:blipFill>
-        <p:spPr>
-          <a:xfrm rot="9855852">
-            <a:off x="7515313" y="2512225"/>
-            <a:ext cx="2496113" cy="1441671"/>
-          </a:xfrm>
-          <a:prstGeom prst="rect">
-            <a:avLst/>
-          </a:prstGeom>
-        </p:spPr>
-      </p:pic>
     </p:spTree>
     <p:extLst>
       <p:ext uri="{BB962C8B-B14F-4D97-AF65-F5344CB8AC3E}">
@@ -12441,265 +12352,6 @@
   <p:clrMapOvr>
     <a:masterClrMapping/>
   </p:clrMapOvr>
-  <p:timing>
-    <p:tnLst>
-      <p:par>
-        <p:cTn id="1" dur="indefinite" restart="never" nodeType="tmRoot">
-          <p:childTnLst>
-            <p:seq concurrent="1" nextAc="seek">
-              <p:cTn id="2" dur="indefinite" nodeType="mainSeq">
-                <p:childTnLst>
-                  <p:par>
-                    <p:cTn id="3" fill="hold">
-                      <p:stCondLst>
-                        <p:cond delay="indefinite"/>
-                      </p:stCondLst>
-                      <p:childTnLst>
-                        <p:par>
-                          <p:cTn id="4" fill="hold">
-                            <p:stCondLst>
-                              <p:cond delay="0"/>
-                            </p:stCondLst>
-                            <p:childTnLst>
-                              <p:par>
-                                <p:cTn id="5" presetID="31" presetClass="entr" presetSubtype="0" fill="hold" nodeType="clickEffect">
-                                  <p:stCondLst>
-                                    <p:cond delay="0"/>
-                                  </p:stCondLst>
-                                  <p:childTnLst>
-                                    <p:set>
-                                      <p:cBhvr>
-                                        <p:cTn id="6" dur="1" fill="hold">
-                                          <p:stCondLst>
-                                            <p:cond delay="0"/>
-                                          </p:stCondLst>
-                                        </p:cTn>
-                                        <p:tgtEl>
-                                          <p:spTgt spid="13"/>
-                                        </p:tgtEl>
-                                        <p:attrNameLst>
-                                          <p:attrName>style.visibility</p:attrName>
-                                        </p:attrNameLst>
-                                      </p:cBhvr>
-                                      <p:to>
-                                        <p:strVal val="visible"/>
-                                      </p:to>
-                                    </p:set>
-                                    <p:anim calcmode="lin" valueType="num">
-                                      <p:cBhvr>
-                                        <p:cTn id="7" dur="1000" fill="hold"/>
-                                        <p:tgtEl>
-                                          <p:spTgt spid="13"/>
-                                        </p:tgtEl>
-                                        <p:attrNameLst>
-                                          <p:attrName>ppt_w</p:attrName>
-                                        </p:attrNameLst>
-                                      </p:cBhvr>
-                                      <p:tavLst>
-                                        <p:tav tm="0">
-                                          <p:val>
-                                            <p:fltVal val="0"/>
-                                          </p:val>
-                                        </p:tav>
-                                        <p:tav tm="100000">
-                                          <p:val>
-                                            <p:strVal val="#ppt_w"/>
-                                          </p:val>
-                                        </p:tav>
-                                      </p:tavLst>
-                                    </p:anim>
-                                    <p:anim calcmode="lin" valueType="num">
-                                      <p:cBhvr>
-                                        <p:cTn id="8" dur="1000" fill="hold"/>
-                                        <p:tgtEl>
-                                          <p:spTgt spid="13"/>
-                                        </p:tgtEl>
-                                        <p:attrNameLst>
-                                          <p:attrName>ppt_h</p:attrName>
-                                        </p:attrNameLst>
-                                      </p:cBhvr>
-                                      <p:tavLst>
-                                        <p:tav tm="0">
-                                          <p:val>
-                                            <p:fltVal val="0"/>
-                                          </p:val>
-                                        </p:tav>
-                                        <p:tav tm="100000">
-                                          <p:val>
-                                            <p:strVal val="#ppt_h"/>
-                                          </p:val>
-                                        </p:tav>
-                                      </p:tavLst>
-                                    </p:anim>
-                                    <p:anim calcmode="lin" valueType="num">
-                                      <p:cBhvr>
-                                        <p:cTn id="9" dur="1000" fill="hold"/>
-                                        <p:tgtEl>
-                                          <p:spTgt spid="13"/>
-                                        </p:tgtEl>
-                                        <p:attrNameLst>
-                                          <p:attrName>style.rotation</p:attrName>
-                                        </p:attrNameLst>
-                                      </p:cBhvr>
-                                      <p:tavLst>
-                                        <p:tav tm="0">
-                                          <p:val>
-                                            <p:fltVal val="90"/>
-                                          </p:val>
-                                        </p:tav>
-                                        <p:tav tm="100000">
-                                          <p:val>
-                                            <p:fltVal val="0"/>
-                                          </p:val>
-                                        </p:tav>
-                                      </p:tavLst>
-                                    </p:anim>
-                                    <p:animEffect transition="in" filter="fade">
-                                      <p:cBhvr>
-                                        <p:cTn id="10" dur="1000"/>
-                                        <p:tgtEl>
-                                          <p:spTgt spid="13"/>
-                                        </p:tgtEl>
-                                      </p:cBhvr>
-                                    </p:animEffect>
-                                  </p:childTnLst>
-                                </p:cTn>
-                              </p:par>
-                              <p:par>
-                                <p:cTn id="11" presetID="31" presetClass="entr" presetSubtype="0" fill="hold" grpId="0" nodeType="withEffect">
-                                  <p:stCondLst>
-                                    <p:cond delay="0"/>
-                                  </p:stCondLst>
-                                  <p:childTnLst>
-                                    <p:set>
-                                      <p:cBhvr>
-                                        <p:cTn id="12" dur="1" fill="hold">
-                                          <p:stCondLst>
-                                            <p:cond delay="0"/>
-                                          </p:stCondLst>
-                                        </p:cTn>
-                                        <p:tgtEl>
-                                          <p:spTgt spid="6"/>
-                                        </p:tgtEl>
-                                        <p:attrNameLst>
-                                          <p:attrName>style.visibility</p:attrName>
-                                        </p:attrNameLst>
-                                      </p:cBhvr>
-                                      <p:to>
-                                        <p:strVal val="visible"/>
-                                      </p:to>
-                                    </p:set>
-                                    <p:anim calcmode="lin" valueType="num">
-                                      <p:cBhvr>
-                                        <p:cTn id="13" dur="1000" fill="hold"/>
-                                        <p:tgtEl>
-                                          <p:spTgt spid="6"/>
-                                        </p:tgtEl>
-                                        <p:attrNameLst>
-                                          <p:attrName>ppt_w</p:attrName>
-                                        </p:attrNameLst>
-                                      </p:cBhvr>
-                                      <p:tavLst>
-                                        <p:tav tm="0">
-                                          <p:val>
-                                            <p:fltVal val="0"/>
-                                          </p:val>
-                                        </p:tav>
-                                        <p:tav tm="100000">
-                                          <p:val>
-                                            <p:strVal val="#ppt_w"/>
-                                          </p:val>
-                                        </p:tav>
-                                      </p:tavLst>
-                                    </p:anim>
-                                    <p:anim calcmode="lin" valueType="num">
-                                      <p:cBhvr>
-                                        <p:cTn id="14" dur="1000" fill="hold"/>
-                                        <p:tgtEl>
-                                          <p:spTgt spid="6"/>
-                                        </p:tgtEl>
-                                        <p:attrNameLst>
-                                          <p:attrName>ppt_h</p:attrName>
-                                        </p:attrNameLst>
-                                      </p:cBhvr>
-                                      <p:tavLst>
-                                        <p:tav tm="0">
-                                          <p:val>
-                                            <p:fltVal val="0"/>
-                                          </p:val>
-                                        </p:tav>
-                                        <p:tav tm="100000">
-                                          <p:val>
-                                            <p:strVal val="#ppt_h"/>
-                                          </p:val>
-                                        </p:tav>
-                                      </p:tavLst>
-                                    </p:anim>
-                                    <p:anim calcmode="lin" valueType="num">
-                                      <p:cBhvr>
-                                        <p:cTn id="15" dur="1000" fill="hold"/>
-                                        <p:tgtEl>
-                                          <p:spTgt spid="6"/>
-                                        </p:tgtEl>
-                                        <p:attrNameLst>
-                                          <p:attrName>style.rotation</p:attrName>
-                                        </p:attrNameLst>
-                                      </p:cBhvr>
-                                      <p:tavLst>
-                                        <p:tav tm="0">
-                                          <p:val>
-                                            <p:fltVal val="90"/>
-                                          </p:val>
-                                        </p:tav>
-                                        <p:tav tm="100000">
-                                          <p:val>
-                                            <p:fltVal val="0"/>
-                                          </p:val>
-                                        </p:tav>
-                                      </p:tavLst>
-                                    </p:anim>
-                                    <p:animEffect transition="in" filter="fade">
-                                      <p:cBhvr>
-                                        <p:cTn id="16" dur="1000"/>
-                                        <p:tgtEl>
-                                          <p:spTgt spid="6"/>
-                                        </p:tgtEl>
-                                      </p:cBhvr>
-                                    </p:animEffect>
-                                  </p:childTnLst>
-                                </p:cTn>
-                              </p:par>
-                            </p:childTnLst>
-                          </p:cTn>
-                        </p:par>
-                      </p:childTnLst>
-                    </p:cTn>
-                  </p:par>
-                </p:childTnLst>
-              </p:cTn>
-              <p:prevCondLst>
-                <p:cond evt="onPrev" delay="0">
-                  <p:tgtEl>
-                    <p:sldTgt/>
-                  </p:tgtEl>
-                </p:cond>
-              </p:prevCondLst>
-              <p:nextCondLst>
-                <p:cond evt="onNext" delay="0">
-                  <p:tgtEl>
-                    <p:sldTgt/>
-                  </p:tgtEl>
-                </p:cond>
-              </p:nextCondLst>
-            </p:seq>
-          </p:childTnLst>
-        </p:cTn>
-      </p:par>
-    </p:tnLst>
-    <p:bldLst>
-      <p:bldP spid="6" grpId="0" animBg="1"/>
-    </p:bldLst>
-  </p:timing>
 </p:sld>
 </file>
 

--- a/docs/Matt_Farrow_Megan_Ball_DS6306_EDA.pptx
+++ b/docs/Matt_Farrow_Megan_Ball_DS6306_EDA.pptx
@@ -12,8 +12,10 @@
     <p:sldId id="258" r:id="rId6"/>
     <p:sldId id="263" r:id="rId7"/>
     <p:sldId id="259" r:id="rId8"/>
-    <p:sldId id="260" r:id="rId9"/>
-    <p:sldId id="264" r:id="rId10"/>
+    <p:sldId id="265" r:id="rId9"/>
+    <p:sldId id="260" r:id="rId10"/>
+    <p:sldId id="264" r:id="rId11"/>
+    <p:sldId id="266" r:id="rId12"/>
   </p:sldIdLst>
   <p:sldSz cx="12192000" cy="6858000"/>
   <p:notesSz cx="6858000" cy="9144000"/>
@@ -1331,7 +1333,7 @@
           <a:p>
             <a:fld id="{1160EA64-D806-43AC-9DF2-F8C432F32B4C}" type="datetimeFigureOut">
               <a:rPr lang="en-US" smtClean="0"/>
-              <a:t>10/13/2020</a:t>
+              <a:t>10/19/20</a:t>
             </a:fld>
             <a:endParaRPr lang="en-US" dirty="0"/>
           </a:p>
@@ -1570,7 +1572,7 @@
           <a:p>
             <a:fld id="{E9F9C37B-1D36-470B-8223-D6C91242EC14}" type="datetimeFigureOut">
               <a:rPr lang="en-US" smtClean="0"/>
-              <a:t>10/13/2020</a:t>
+              <a:t>10/19/20</a:t>
             </a:fld>
             <a:endParaRPr lang="en-US" dirty="0"/>
           </a:p>
@@ -1750,7 +1752,7 @@
           <a:p>
             <a:fld id="{67C6F52A-A82B-47A2-A83A-8C4C91F2D59F}" type="datetimeFigureOut">
               <a:rPr lang="en-US" smtClean="0"/>
-              <a:t>10/13/2020</a:t>
+              <a:t>10/19/20</a:t>
             </a:fld>
             <a:endParaRPr lang="en-US" dirty="0"/>
           </a:p>
@@ -1920,7 +1922,7 @@
           <a:p>
             <a:fld id="{F070A7B3-6521-4DCA-87E5-044747A908C1}" type="datetimeFigureOut">
               <a:rPr lang="en-US" smtClean="0"/>
-              <a:t>10/13/2020</a:t>
+              <a:t>10/19/20</a:t>
             </a:fld>
             <a:endParaRPr lang="en-US" dirty="0"/>
           </a:p>
@@ -2194,7 +2196,7 @@
           <a:p>
             <a:fld id="{1160EA64-D806-43AC-9DF2-F8C432F32B4C}" type="datetimeFigureOut">
               <a:rPr lang="en-US" smtClean="0"/>
-              <a:t>10/13/2020</a:t>
+              <a:t>10/19/20</a:t>
             </a:fld>
             <a:endParaRPr lang="en-US" dirty="0"/>
           </a:p>
@@ -3396,7 +3398,7 @@
           <a:p>
             <a:fld id="{AB134690-1557-4C89-A502-4959FE7FAD70}" type="datetimeFigureOut">
               <a:rPr lang="en-US" smtClean="0"/>
-              <a:t>10/13/2020</a:t>
+              <a:t>10/19/20</a:t>
             </a:fld>
             <a:endParaRPr lang="en-US" dirty="0"/>
           </a:p>
@@ -3786,7 +3788,7 @@
           <a:p>
             <a:fld id="{1160EA64-D806-43AC-9DF2-F8C432F32B4C}" type="datetimeFigureOut">
               <a:rPr lang="en-US" smtClean="0"/>
-              <a:t>10/13/2020</a:t>
+              <a:t>10/19/20</a:t>
             </a:fld>
             <a:endParaRPr lang="en-US" dirty="0"/>
           </a:p>
@@ -3911,7 +3913,7 @@
           <a:p>
             <a:fld id="{E1037C31-9E7A-4F99-8774-A0E530DE1A42}" type="datetimeFigureOut">
               <a:rPr lang="en-US" smtClean="0"/>
-              <a:t>10/13/2020</a:t>
+              <a:t>10/19/20</a:t>
             </a:fld>
             <a:endParaRPr lang="en-US" dirty="0"/>
           </a:p>
@@ -4006,7 +4008,7 @@
           <a:p>
             <a:fld id="{C278504F-A551-4DE0-9316-4DCD1D8CC752}" type="datetimeFigureOut">
               <a:rPr lang="en-US" smtClean="0"/>
-              <a:t>10/13/2020</a:t>
+              <a:t>10/19/20</a:t>
             </a:fld>
             <a:endParaRPr lang="en-US" dirty="0"/>
           </a:p>
@@ -4769,7 +4771,7 @@
           <a:p>
             <a:fld id="{D1BE4249-C0D0-4B06-8692-E8BB871AF643}" type="datetimeFigureOut">
               <a:rPr lang="en-US" smtClean="0"/>
-              <a:t>10/13/2020</a:t>
+              <a:t>10/19/20</a:t>
             </a:fld>
             <a:endParaRPr lang="en-US" dirty="0"/>
           </a:p>
@@ -5609,7 +5611,7 @@
           <a:p>
             <a:fld id="{042B0DB6-F5C7-45FB-8CF3-31B45F9C2DAC}" type="datetimeFigureOut">
               <a:rPr lang="en-US" smtClean="0"/>
-              <a:t>10/13/2020</a:t>
+              <a:t>10/19/20</a:t>
             </a:fld>
             <a:endParaRPr lang="en-US" dirty="0"/>
           </a:p>
@@ -5836,7 +5838,7 @@
           <a:p>
             <a:fld id="{1160EA64-D806-43AC-9DF2-F8C432F32B4C}" type="datetimeFigureOut">
               <a:rPr lang="en-US" smtClean="0"/>
-              <a:t>10/13/2020</a:t>
+              <a:t>10/19/20</a:t>
             </a:fld>
             <a:endParaRPr lang="en-US" dirty="0"/>
           </a:p>
@@ -6914,6 +6916,420 @@
 </p:sld>
 </file>
 
+<file path=ppt/slides/slide10.xml><?xml version="1.0" encoding="utf-8"?>
+<p:sld xmlns:a="http://schemas.openxmlformats.org/drawingml/2006/main" xmlns:r="http://schemas.openxmlformats.org/officeDocument/2006/relationships" xmlns:p="http://schemas.openxmlformats.org/presentationml/2006/main">
+  <p:cSld>
+    <p:spTree>
+      <p:nvGrpSpPr>
+        <p:cNvPr id="1" name=""/>
+        <p:cNvGrpSpPr/>
+        <p:nvPr/>
+      </p:nvGrpSpPr>
+      <p:grpSpPr>
+        <a:xfrm>
+          <a:off x="0" y="0"/>
+          <a:ext cx="0" cy="0"/>
+          <a:chOff x="0" y="0"/>
+          <a:chExt cx="0" cy="0"/>
+        </a:xfrm>
+      </p:grpSpPr>
+      <p:sp>
+        <p:nvSpPr>
+          <p:cNvPr id="2" name="Title 1">
+            <a:extLst>
+              <a:ext uri="{FF2B5EF4-FFF2-40B4-BE49-F238E27FC236}">
+                <a16:creationId xmlns:a16="http://schemas.microsoft.com/office/drawing/2014/main" id="{D48EB158-C9D6-47C5-AABF-BA03D72DFC9A}"/>
+              </a:ext>
+            </a:extLst>
+          </p:cNvPr>
+          <p:cNvSpPr>
+            <a:spLocks noGrp="1"/>
+          </p:cNvSpPr>
+          <p:nvPr>
+            <p:ph type="title"/>
+          </p:nvPr>
+        </p:nvSpPr>
+        <p:spPr/>
+        <p:txBody>
+          <a:bodyPr/>
+          <a:lstStyle/>
+          <a:p>
+            <a:r>
+              <a:rPr lang="en-US" dirty="0"/>
+              <a:t>Relationship between bitter &amp; boozy</a:t>
+            </a:r>
+          </a:p>
+        </p:txBody>
+      </p:sp>
+      <p:sp>
+        <p:nvSpPr>
+          <p:cNvPr id="11" name="Text Placeholder 10">
+            <a:extLst>
+              <a:ext uri="{FF2B5EF4-FFF2-40B4-BE49-F238E27FC236}">
+                <a16:creationId xmlns:a16="http://schemas.microsoft.com/office/drawing/2014/main" id="{9C3C278C-10AC-41C2-9073-4DE0E3C14519}"/>
+              </a:ext>
+            </a:extLst>
+          </p:cNvPr>
+          <p:cNvSpPr>
+            <a:spLocks noGrp="1"/>
+          </p:cNvSpPr>
+          <p:nvPr>
+            <p:ph type="body" sz="half" idx="2"/>
+          </p:nvPr>
+        </p:nvSpPr>
+        <p:spPr/>
+        <p:txBody>
+          <a:bodyPr/>
+          <a:lstStyle/>
+          <a:p>
+            <a:endParaRPr lang="en-US" dirty="0"/>
+          </a:p>
+          <a:p>
+            <a:endParaRPr lang="en-US" dirty="0"/>
+          </a:p>
+          <a:p>
+            <a:r>
+              <a:rPr lang="en-US" dirty="0"/>
+              <a:t>In general, there appears to be a relationship between IBU and ABV.</a:t>
+            </a:r>
+          </a:p>
+          <a:p>
+            <a:endParaRPr lang="en-US" dirty="0"/>
+          </a:p>
+          <a:p>
+            <a:r>
+              <a:rPr lang="en-US" dirty="0"/>
+              <a:t>Based on our assessment, we may be able to predict ABV based on IBU along with style and other variables of interest.</a:t>
+            </a:r>
+          </a:p>
+        </p:txBody>
+      </p:sp>
+      <p:sp>
+        <p:nvSpPr>
+          <p:cNvPr id="5" name="TextBox 4">
+            <a:extLst>
+              <a:ext uri="{FF2B5EF4-FFF2-40B4-BE49-F238E27FC236}">
+                <a16:creationId xmlns:a16="http://schemas.microsoft.com/office/drawing/2014/main" id="{27618A4E-9FF7-1C41-92F5-1C0E9DE85F28}"/>
+              </a:ext>
+            </a:extLst>
+          </p:cNvPr>
+          <p:cNvSpPr txBox="1"/>
+          <p:nvPr/>
+        </p:nvSpPr>
+        <p:spPr>
+          <a:xfrm>
+            <a:off x="9667389" y="6604084"/>
+            <a:ext cx="2244524" cy="253916"/>
+          </a:xfrm>
+          <a:prstGeom prst="rect">
+            <a:avLst/>
+          </a:prstGeom>
+          <a:noFill/>
+        </p:spPr>
+        <p:txBody>
+          <a:bodyPr wrap="none" rtlCol="0">
+            <a:spAutoFit/>
+          </a:bodyPr>
+          <a:lstStyle/>
+          <a:p>
+            <a:pPr algn="r"/>
+            <a:r>
+              <a:rPr lang="en-US" sz="1000" dirty="0">
+                <a:solidFill>
+                  <a:schemeClr val="bg1"/>
+                </a:solidFill>
+              </a:rPr>
+              <a:t>Confidential — For Internal Use Only</a:t>
+            </a:r>
+          </a:p>
+        </p:txBody>
+      </p:sp>
+      <p:pic>
+        <p:nvPicPr>
+          <p:cNvPr id="4" name="Picture 3">
+            <a:extLst>
+              <a:ext uri="{FF2B5EF4-FFF2-40B4-BE49-F238E27FC236}">
+                <a16:creationId xmlns:a16="http://schemas.microsoft.com/office/drawing/2014/main" id="{E8F66A1D-45C4-F74F-B243-84CBD704383F}"/>
+              </a:ext>
+            </a:extLst>
+          </p:cNvPr>
+          <p:cNvPicPr>
+            <a:picLocks noChangeAspect="1"/>
+          </p:cNvPicPr>
+          <p:nvPr/>
+        </p:nvPicPr>
+        <p:blipFill>
+          <a:blip r:embed="rId2"/>
+          <a:stretch>
+            <a:fillRect/>
+          </a:stretch>
+        </p:blipFill>
+        <p:spPr>
+          <a:xfrm>
+            <a:off x="280087" y="0"/>
+            <a:ext cx="6858000" cy="6858000"/>
+          </a:xfrm>
+          <a:prstGeom prst="rect">
+            <a:avLst/>
+          </a:prstGeom>
+        </p:spPr>
+      </p:pic>
+    </p:spTree>
+    <p:extLst>
+      <p:ext uri="{BB962C8B-B14F-4D97-AF65-F5344CB8AC3E}">
+        <p14:creationId xmlns:p14="http://schemas.microsoft.com/office/powerpoint/2010/main" val="662711705"/>
+      </p:ext>
+    </p:extLst>
+  </p:cSld>
+  <p:clrMapOvr>
+    <a:masterClrMapping/>
+  </p:clrMapOvr>
+</p:sld>
+</file>
+
+<file path=ppt/slides/slide11.xml><?xml version="1.0" encoding="utf-8"?>
+<p:sld xmlns:a="http://schemas.openxmlformats.org/drawingml/2006/main" xmlns:r="http://schemas.openxmlformats.org/officeDocument/2006/relationships" xmlns:p="http://schemas.openxmlformats.org/presentationml/2006/main">
+  <p:cSld>
+    <p:spTree>
+      <p:nvGrpSpPr>
+        <p:cNvPr id="1" name=""/>
+        <p:cNvGrpSpPr/>
+        <p:nvPr/>
+      </p:nvGrpSpPr>
+      <p:grpSpPr>
+        <a:xfrm>
+          <a:off x="0" y="0"/>
+          <a:ext cx="0" cy="0"/>
+          <a:chOff x="0" y="0"/>
+          <a:chExt cx="0" cy="0"/>
+        </a:xfrm>
+      </p:grpSpPr>
+      <p:pic>
+        <p:nvPicPr>
+          <p:cNvPr id="3" name="Picture 2">
+            <a:extLst>
+              <a:ext uri="{FF2B5EF4-FFF2-40B4-BE49-F238E27FC236}">
+                <a16:creationId xmlns:a16="http://schemas.microsoft.com/office/drawing/2014/main" id="{193C21E6-2E56-C642-B653-F014AFBD0937}"/>
+              </a:ext>
+            </a:extLst>
+          </p:cNvPr>
+          <p:cNvPicPr>
+            <a:picLocks noChangeAspect="1"/>
+          </p:cNvPicPr>
+          <p:nvPr/>
+        </p:nvPicPr>
+        <p:blipFill rotWithShape="1">
+          <a:blip r:embed="rId2"/>
+          <a:srcRect l="3059" t="26067" r="3159" b="22997"/>
+          <a:stretch/>
+        </p:blipFill>
+        <p:spPr>
+          <a:xfrm>
+            <a:off x="2140449" y="1609387"/>
+            <a:ext cx="7911101" cy="4296766"/>
+          </a:xfrm>
+          <a:prstGeom prst="rect">
+            <a:avLst/>
+          </a:prstGeom>
+        </p:spPr>
+      </p:pic>
+      <p:sp>
+        <p:nvSpPr>
+          <p:cNvPr id="4" name="Title 4">
+            <a:extLst>
+              <a:ext uri="{FF2B5EF4-FFF2-40B4-BE49-F238E27FC236}">
+                <a16:creationId xmlns:a16="http://schemas.microsoft.com/office/drawing/2014/main" id="{883C88DB-409A-7A42-8CD4-E37DF76F1BF3}"/>
+              </a:ext>
+            </a:extLst>
+          </p:cNvPr>
+          <p:cNvSpPr txBox="1">
+            <a:spLocks/>
+          </p:cNvSpPr>
+          <p:nvPr/>
+        </p:nvSpPr>
+        <p:spPr>
+          <a:xfrm>
+            <a:off x="1252728" y="381000"/>
+            <a:ext cx="10172700" cy="1493517"/>
+          </a:xfrm>
+          <a:prstGeom prst="rect">
+            <a:avLst/>
+          </a:prstGeom>
+        </p:spPr>
+        <p:txBody>
+          <a:bodyPr/>
+          <a:lstStyle>
+            <a:lvl1pPr algn="l" defTabSz="914400" rtl="0" eaLnBrk="1" latinLnBrk="0" hangingPunct="1">
+              <a:lnSpc>
+                <a:spcPct val="90000"/>
+              </a:lnSpc>
+              <a:spcBef>
+                <a:spcPct val="0"/>
+              </a:spcBef>
+              <a:buNone/>
+              <a:defRPr sz="5100" kern="1200" cap="all" spc="200" baseline="0">
+                <a:solidFill>
+                  <a:schemeClr val="tx2"/>
+                </a:solidFill>
+                <a:latin typeface="+mj-lt"/>
+                <a:ea typeface="+mj-ea"/>
+                <a:cs typeface="+mj-cs"/>
+              </a:defRPr>
+            </a:lvl1pPr>
+          </a:lstStyle>
+          <a:p>
+            <a:pPr algn="ctr"/>
+            <a:r>
+              <a:rPr lang="en-US" sz="4000" dirty="0"/>
+              <a:t>Middle America offers untapped potential for Ipa</a:t>
+            </a:r>
+            <a:r>
+              <a:rPr lang="en-US" sz="2800" dirty="0"/>
+              <a:t>s</a:t>
+            </a:r>
+            <a:endParaRPr lang="en-US" sz="4000" dirty="0"/>
+          </a:p>
+        </p:txBody>
+      </p:sp>
+      <p:sp>
+        <p:nvSpPr>
+          <p:cNvPr id="5" name="Freeform 4">
+            <a:extLst>
+              <a:ext uri="{FF2B5EF4-FFF2-40B4-BE49-F238E27FC236}">
+                <a16:creationId xmlns:a16="http://schemas.microsoft.com/office/drawing/2014/main" id="{B2F618C9-0A43-594B-BA82-A92372DAE689}"/>
+              </a:ext>
+            </a:extLst>
+          </p:cNvPr>
+          <p:cNvSpPr/>
+          <p:nvPr/>
+        </p:nvSpPr>
+        <p:spPr>
+          <a:xfrm>
+            <a:off x="1507788" y="2938409"/>
+            <a:ext cx="3228599" cy="2866490"/>
+          </a:xfrm>
+          <a:custGeom>
+            <a:avLst/>
+            <a:gdLst>
+              <a:gd name="connsiteX0" fmla="*/ 3228599 w 3228599"/>
+              <a:gd name="connsiteY0" fmla="*/ 0 h 2506894"/>
+              <a:gd name="connsiteX1" fmla="*/ 64158 w 3228599"/>
+              <a:gd name="connsiteY1" fmla="*/ 647272 h 2506894"/>
+              <a:gd name="connsiteX2" fmla="*/ 1410073 w 3228599"/>
+              <a:gd name="connsiteY2" fmla="*/ 2506894 h 2506894"/>
+            </a:gdLst>
+            <a:ahLst/>
+            <a:cxnLst>
+              <a:cxn ang="0">
+                <a:pos x="connsiteX0" y="connsiteY0"/>
+              </a:cxn>
+              <a:cxn ang="0">
+                <a:pos x="connsiteX1" y="connsiteY1"/>
+              </a:cxn>
+              <a:cxn ang="0">
+                <a:pos x="connsiteX2" y="connsiteY2"/>
+              </a:cxn>
+            </a:cxnLst>
+            <a:rect l="l" t="t" r="r" b="b"/>
+            <a:pathLst>
+              <a:path w="3228599" h="2506894">
+                <a:moveTo>
+                  <a:pt x="3228599" y="0"/>
+                </a:moveTo>
+                <a:cubicBezTo>
+                  <a:pt x="1797922" y="114728"/>
+                  <a:pt x="367246" y="229456"/>
+                  <a:pt x="64158" y="647272"/>
+                </a:cubicBezTo>
+                <a:cubicBezTo>
+                  <a:pt x="-238930" y="1065088"/>
+                  <a:pt x="585571" y="1785991"/>
+                  <a:pt x="1410073" y="2506894"/>
+                </a:cubicBezTo>
+              </a:path>
+            </a:pathLst>
+          </a:custGeom>
+          <a:noFill/>
+          <a:ln w="57150">
+            <a:solidFill>
+              <a:srgbClr val="044389"/>
+            </a:solidFill>
+            <a:headEnd type="triangle"/>
+          </a:ln>
+        </p:spPr>
+        <p:style>
+          <a:lnRef idx="2">
+            <a:schemeClr val="accent1">
+              <a:shade val="50000"/>
+            </a:schemeClr>
+          </a:lnRef>
+          <a:fillRef idx="1">
+            <a:schemeClr val="accent1"/>
+          </a:fillRef>
+          <a:effectRef idx="0">
+            <a:schemeClr val="accent1"/>
+          </a:effectRef>
+          <a:fontRef idx="minor">
+            <a:schemeClr val="lt1"/>
+          </a:fontRef>
+        </p:style>
+        <p:txBody>
+          <a:bodyPr rtlCol="0" anchor="ctr"/>
+          <a:lstStyle/>
+          <a:p>
+            <a:pPr algn="ctr"/>
+            <a:endParaRPr lang="en-US"/>
+          </a:p>
+        </p:txBody>
+      </p:sp>
+      <p:sp>
+        <p:nvSpPr>
+          <p:cNvPr id="6" name="TextBox 5">
+            <a:extLst>
+              <a:ext uri="{FF2B5EF4-FFF2-40B4-BE49-F238E27FC236}">
+                <a16:creationId xmlns:a16="http://schemas.microsoft.com/office/drawing/2014/main" id="{F803358F-04D6-9541-B201-B4E5F9FF5E5D}"/>
+              </a:ext>
+            </a:extLst>
+          </p:cNvPr>
+          <p:cNvSpPr txBox="1"/>
+          <p:nvPr/>
+        </p:nvSpPr>
+        <p:spPr>
+          <a:xfrm>
+            <a:off x="1335640" y="5951912"/>
+            <a:ext cx="5625258" cy="369332"/>
+          </a:xfrm>
+          <a:prstGeom prst="rect">
+            <a:avLst/>
+          </a:prstGeom>
+          <a:noFill/>
+        </p:spPr>
+        <p:txBody>
+          <a:bodyPr wrap="none" rtlCol="0">
+            <a:spAutoFit/>
+          </a:bodyPr>
+          <a:lstStyle/>
+          <a:p>
+            <a:r>
+              <a:rPr lang="en-US" dirty="0"/>
+              <a:t>Red states have fewer than 10 IPAs available to consumers</a:t>
+            </a:r>
+          </a:p>
+        </p:txBody>
+      </p:sp>
+    </p:spTree>
+    <p:extLst>
+      <p:ext uri="{BB962C8B-B14F-4D97-AF65-F5344CB8AC3E}">
+        <p14:creationId xmlns:p14="http://schemas.microsoft.com/office/powerpoint/2010/main" val="253003441"/>
+      </p:ext>
+    </p:extLst>
+  </p:cSld>
+  <p:clrMapOvr>
+    <a:masterClrMapping/>
+  </p:clrMapOvr>
+</p:sld>
+</file>
+
 <file path=ppt/slides/slide2.xml><?xml version="1.0" encoding="utf-8"?>
 <p:sld xmlns:a="http://schemas.openxmlformats.org/drawingml/2006/main" xmlns:r="http://schemas.openxmlformats.org/officeDocument/2006/relationships" xmlns:p="http://schemas.openxmlformats.org/presentationml/2006/main">
   <p:cSld>
@@ -7202,6 +7618,42 @@
           </a:p>
         </p:txBody>
       </p:sp>
+      <p:sp>
+        <p:nvSpPr>
+          <p:cNvPr id="3" name="TextBox 2">
+            <a:extLst>
+              <a:ext uri="{FF2B5EF4-FFF2-40B4-BE49-F238E27FC236}">
+                <a16:creationId xmlns:a16="http://schemas.microsoft.com/office/drawing/2014/main" id="{11657664-8B3E-AD48-AF81-B2BF46313340}"/>
+              </a:ext>
+            </a:extLst>
+          </p:cNvPr>
+          <p:cNvSpPr txBox="1"/>
+          <p:nvPr/>
+        </p:nvSpPr>
+        <p:spPr>
+          <a:xfrm>
+            <a:off x="9667389" y="6604084"/>
+            <a:ext cx="2244524" cy="253916"/>
+          </a:xfrm>
+          <a:prstGeom prst="rect">
+            <a:avLst/>
+          </a:prstGeom>
+          <a:noFill/>
+        </p:spPr>
+        <p:txBody>
+          <a:bodyPr wrap="none" rtlCol="0">
+            <a:spAutoFit/>
+          </a:bodyPr>
+          <a:lstStyle/>
+          <a:p>
+            <a:pPr algn="r"/>
+            <a:r>
+              <a:rPr lang="en-US" sz="1000" dirty="0"/>
+              <a:t>Confidential — For Internal Use Only</a:t>
+            </a:r>
+          </a:p>
+        </p:txBody>
+      </p:sp>
     </p:spTree>
     <p:extLst>
       <p:ext uri="{BB962C8B-B14F-4D97-AF65-F5344CB8AC3E}">
@@ -7716,6 +8168,42 @@
           <a:p>
             <a:pPr algn="ctr"/>
             <a:endParaRPr lang="en-US"/>
+          </a:p>
+        </p:txBody>
+      </p:sp>
+      <p:sp>
+        <p:nvSpPr>
+          <p:cNvPr id="8" name="TextBox 7">
+            <a:extLst>
+              <a:ext uri="{FF2B5EF4-FFF2-40B4-BE49-F238E27FC236}">
+                <a16:creationId xmlns:a16="http://schemas.microsoft.com/office/drawing/2014/main" id="{D261E038-E48F-854A-9A54-3EA5F0FFB3F7}"/>
+              </a:ext>
+            </a:extLst>
+          </p:cNvPr>
+          <p:cNvSpPr txBox="1"/>
+          <p:nvPr/>
+        </p:nvSpPr>
+        <p:spPr>
+          <a:xfrm>
+            <a:off x="9667389" y="6604084"/>
+            <a:ext cx="2244524" cy="253916"/>
+          </a:xfrm>
+          <a:prstGeom prst="rect">
+            <a:avLst/>
+          </a:prstGeom>
+          <a:noFill/>
+        </p:spPr>
+        <p:txBody>
+          <a:bodyPr wrap="none" rtlCol="0">
+            <a:spAutoFit/>
+          </a:bodyPr>
+          <a:lstStyle/>
+          <a:p>
+            <a:pPr algn="r"/>
+            <a:r>
+              <a:rPr lang="en-US" sz="1000" dirty="0"/>
+              <a:t>Confidential — For Internal Use Only</a:t>
+            </a:r>
           </a:p>
         </p:txBody>
       </p:sp>
@@ -8113,18 +8601,28 @@
           </a:bodyPr>
           <a:lstStyle/>
           <a:p>
+            <a:pPr>
+              <a:lnSpc>
+                <a:spcPct val="130000"/>
+              </a:lnSpc>
+              <a:spcBef>
+                <a:spcPts val="1800"/>
+              </a:spcBef>
+            </a:pPr>
             <a:r>
               <a:rPr lang="en-US" dirty="0"/>
-              <a:t>First – let’s take a look at which states have the highest concentration of breweries</a:t>
+              <a:t>Colorado is a clear outlier with 47 breweries</a:t>
             </a:r>
           </a:p>
           <a:p>
-            <a:r>
-              <a:rPr lang="en-US" dirty="0"/>
-              <a:t>We have a clear outlier in Colorado with a total of 47 breweries!</a:t>
-            </a:r>
-          </a:p>
-          <a:p>
+            <a:pPr>
+              <a:lnSpc>
+                <a:spcPct val="130000"/>
+              </a:lnSpc>
+              <a:spcBef>
+                <a:spcPts val="1800"/>
+              </a:spcBef>
+            </a:pPr>
             <a:r>
               <a:rPr lang="en-US" dirty="0"/>
               <a:t>North Dakota, South Dakota, and West Virginia all tie with only one brewery per state</a:t>
@@ -8132,38 +8630,6 @@
           </a:p>
         </p:txBody>
       </p:sp>
-      <p:pic>
-        <p:nvPicPr>
-          <p:cNvPr id="10" name="Content Placeholder 9">
-            <a:extLst>
-              <a:ext uri="{FF2B5EF4-FFF2-40B4-BE49-F238E27FC236}">
-                <a16:creationId xmlns:a16="http://schemas.microsoft.com/office/drawing/2014/main" id="{D2D24557-9DBB-4A4D-9596-11EB6148ABF7}"/>
-              </a:ext>
-            </a:extLst>
-          </p:cNvPr>
-          <p:cNvPicPr>
-            <a:picLocks noGrp="1" noChangeAspect="1"/>
-          </p:cNvPicPr>
-          <p:nvPr>
-            <p:ph sz="half" idx="2"/>
-          </p:nvPr>
-        </p:nvPicPr>
-        <p:blipFill>
-          <a:blip r:embed="rId2"/>
-          <a:stretch>
-            <a:fillRect/>
-          </a:stretch>
-        </p:blipFill>
-        <p:spPr>
-          <a:xfrm>
-            <a:off x="1663465" y="3730625"/>
-            <a:ext cx="5602203" cy="2975180"/>
-          </a:xfrm>
-          <a:prstGeom prst="rect">
-            <a:avLst/>
-          </a:prstGeom>
-        </p:spPr>
-      </p:pic>
       <p:pic>
         <p:nvPicPr>
           <p:cNvPr id="6" name="Picture 5">
@@ -8179,7 +8645,7 @@
           <p:nvPr/>
         </p:nvPicPr>
         <p:blipFill>
-          <a:blip r:embed="rId3"/>
+          <a:blip r:embed="rId2"/>
           <a:stretch>
             <a:fillRect/>
           </a:stretch>
@@ -8246,6 +8712,100 @@
           </a:p>
         </p:txBody>
       </p:sp>
+      <p:sp>
+        <p:nvSpPr>
+          <p:cNvPr id="7" name="TextBox 6">
+            <a:extLst>
+              <a:ext uri="{FF2B5EF4-FFF2-40B4-BE49-F238E27FC236}">
+                <a16:creationId xmlns:a16="http://schemas.microsoft.com/office/drawing/2014/main" id="{EF8018CE-C344-E242-8897-09330AC29E0E}"/>
+              </a:ext>
+            </a:extLst>
+          </p:cNvPr>
+          <p:cNvSpPr txBox="1"/>
+          <p:nvPr/>
+        </p:nvSpPr>
+        <p:spPr>
+          <a:xfrm>
+            <a:off x="9667389" y="6604084"/>
+            <a:ext cx="2244524" cy="253916"/>
+          </a:xfrm>
+          <a:prstGeom prst="rect">
+            <a:avLst/>
+          </a:prstGeom>
+          <a:noFill/>
+        </p:spPr>
+        <p:txBody>
+          <a:bodyPr wrap="none" rtlCol="0">
+            <a:spAutoFit/>
+          </a:bodyPr>
+          <a:lstStyle/>
+          <a:p>
+            <a:pPr algn="r"/>
+            <a:r>
+              <a:rPr lang="en-US" sz="1000" dirty="0"/>
+              <a:t>Confidential — For Internal Use Only</a:t>
+            </a:r>
+          </a:p>
+        </p:txBody>
+      </p:sp>
+      <p:pic>
+        <p:nvPicPr>
+          <p:cNvPr id="15" name="Picture 14">
+            <a:extLst>
+              <a:ext uri="{FF2B5EF4-FFF2-40B4-BE49-F238E27FC236}">
+                <a16:creationId xmlns:a16="http://schemas.microsoft.com/office/drawing/2014/main" id="{7D9F4736-89C2-1445-89D0-1FFCB365B6EE}"/>
+              </a:ext>
+            </a:extLst>
+          </p:cNvPr>
+          <p:cNvPicPr>
+            <a:picLocks noChangeAspect="1"/>
+          </p:cNvPicPr>
+          <p:nvPr/>
+        </p:nvPicPr>
+        <p:blipFill rotWithShape="1">
+          <a:blip r:embed="rId3"/>
+          <a:srcRect l="2673" t="29189" r="10841" b="24445"/>
+          <a:stretch/>
+        </p:blipFill>
+        <p:spPr>
+          <a:xfrm>
+            <a:off x="1147117" y="2990335"/>
+            <a:ext cx="5931243" cy="3179806"/>
+          </a:xfrm>
+          <a:prstGeom prst="rect">
+            <a:avLst/>
+          </a:prstGeom>
+        </p:spPr>
+      </p:pic>
+      <p:pic>
+        <p:nvPicPr>
+          <p:cNvPr id="17" name="Picture 16">
+            <a:extLst>
+              <a:ext uri="{FF2B5EF4-FFF2-40B4-BE49-F238E27FC236}">
+                <a16:creationId xmlns:a16="http://schemas.microsoft.com/office/drawing/2014/main" id="{612AE178-CBB1-914A-8229-CF80D43F26CB}"/>
+              </a:ext>
+            </a:extLst>
+          </p:cNvPr>
+          <p:cNvPicPr>
+            <a:picLocks noChangeAspect="1"/>
+          </p:cNvPicPr>
+          <p:nvPr/>
+        </p:nvPicPr>
+        <p:blipFill rotWithShape="1">
+          <a:blip r:embed="rId3"/>
+          <a:srcRect l="93123" t="44324" b="37418"/>
+          <a:stretch/>
+        </p:blipFill>
+        <p:spPr>
+          <a:xfrm>
+            <a:off x="6842552" y="4773420"/>
+            <a:ext cx="471616" cy="1252152"/>
+          </a:xfrm>
+          <a:prstGeom prst="rect">
+            <a:avLst/>
+          </a:prstGeom>
+        </p:spPr>
+      </p:pic>
     </p:spTree>
     <p:extLst>
       <p:ext uri="{BB962C8B-B14F-4D97-AF65-F5344CB8AC3E}">
@@ -9530,8 +10090,8 @@
         </p:nvSpPr>
         <p:spPr>
           <a:xfrm>
-            <a:off x="8339328" y="457200"/>
-            <a:ext cx="3090672" cy="1197864"/>
+            <a:off x="8339328" y="457199"/>
+            <a:ext cx="3090672" cy="1197865"/>
           </a:xfrm>
         </p:spPr>
         <p:txBody>
@@ -9546,10 +10106,10 @@
               </a:lnSpc>
             </a:pPr>
             <a:r>
-              <a:rPr lang="en-US" spc="200">
+              <a:rPr lang="en-US" sz="4000" dirty="0">
                 <a:latin typeface="+mj-lt"/>
               </a:rPr>
-              <a:t>Alcohol by volume</a:t>
+              <a:t>ABV for each state</a:t>
             </a:r>
           </a:p>
         </p:txBody>
@@ -9572,8 +10132,8 @@
         </p:nvSpPr>
         <p:spPr>
           <a:xfrm>
-            <a:off x="8339328" y="1655065"/>
-            <a:ext cx="3090672" cy="4224528"/>
+            <a:off x="8339328" y="2112263"/>
+            <a:ext cx="3090672" cy="3767330"/>
           </a:xfrm>
         </p:spPr>
         <p:txBody>
@@ -9584,10 +10144,10 @@
           <a:p>
             <a:pPr indent="-228600">
               <a:lnSpc>
-                <a:spcPct val="110000"/>
+                <a:spcPct val="130000"/>
               </a:lnSpc>
               <a:spcBef>
-                <a:spcPts val="700"/>
+                <a:spcPts val="1800"/>
               </a:spcBef>
             </a:pPr>
             <a:r>
@@ -9602,10 +10162,10 @@
           <a:p>
             <a:pPr indent="-228600">
               <a:lnSpc>
-                <a:spcPct val="110000"/>
+                <a:spcPct val="130000"/>
               </a:lnSpc>
               <a:spcBef>
-                <a:spcPts val="700"/>
+                <a:spcPts val="1800"/>
               </a:spcBef>
             </a:pPr>
             <a:r>
@@ -9619,12 +10179,52 @@
           </a:p>
         </p:txBody>
       </p:sp>
+      <p:sp>
+        <p:nvSpPr>
+          <p:cNvPr id="11" name="TextBox 10">
+            <a:extLst>
+              <a:ext uri="{FF2B5EF4-FFF2-40B4-BE49-F238E27FC236}">
+                <a16:creationId xmlns:a16="http://schemas.microsoft.com/office/drawing/2014/main" id="{8D2F9C33-428F-BB41-B052-9AAF4AA23BF0}"/>
+              </a:ext>
+            </a:extLst>
+          </p:cNvPr>
+          <p:cNvSpPr txBox="1"/>
+          <p:nvPr/>
+        </p:nvSpPr>
+        <p:spPr>
+          <a:xfrm>
+            <a:off x="9667389" y="6604084"/>
+            <a:ext cx="2244524" cy="253916"/>
+          </a:xfrm>
+          <a:prstGeom prst="rect">
+            <a:avLst/>
+          </a:prstGeom>
+          <a:noFill/>
+        </p:spPr>
+        <p:txBody>
+          <a:bodyPr wrap="none" rtlCol="0">
+            <a:spAutoFit/>
+          </a:bodyPr>
+          <a:lstStyle/>
+          <a:p>
+            <a:pPr algn="r"/>
+            <a:r>
+              <a:rPr lang="en-US" sz="1000" dirty="0">
+                <a:solidFill>
+                  <a:schemeClr val="bg1"/>
+                </a:solidFill>
+              </a:rPr>
+              <a:t>Confidential — For Internal Use Only</a:t>
+            </a:r>
+          </a:p>
+        </p:txBody>
+      </p:sp>
       <p:pic>
         <p:nvPicPr>
-          <p:cNvPr id="4" name="Picture 3">
+          <p:cNvPr id="12" name="Picture 11">
             <a:extLst>
               <a:ext uri="{FF2B5EF4-FFF2-40B4-BE49-F238E27FC236}">
-                <a16:creationId xmlns:a16="http://schemas.microsoft.com/office/drawing/2014/main" id="{6E43013F-02F8-4273-989B-531F1EAD2BB3}"/>
+                <a16:creationId xmlns:a16="http://schemas.microsoft.com/office/drawing/2014/main" id="{876833C3-BC55-2F4E-B3E8-77BB4BE2167C}"/>
               </a:ext>
             </a:extLst>
           </p:cNvPr>
@@ -9641,8 +10241,8 @@
         </p:blipFill>
         <p:spPr>
           <a:xfrm>
-            <a:off x="2796708" y="3467213"/>
-            <a:ext cx="4512688" cy="3390787"/>
+            <a:off x="500451" y="4390767"/>
+            <a:ext cx="6569677" cy="1970903"/>
           </a:xfrm>
           <a:prstGeom prst="rect">
             <a:avLst/>
@@ -9651,10 +10251,10 @@
       </p:pic>
       <p:pic>
         <p:nvPicPr>
-          <p:cNvPr id="5" name="Picture 4">
+          <p:cNvPr id="16" name="Picture 15">
             <a:extLst>
               <a:ext uri="{FF2B5EF4-FFF2-40B4-BE49-F238E27FC236}">
-                <a16:creationId xmlns:a16="http://schemas.microsoft.com/office/drawing/2014/main" id="{7F7783B7-6C98-4414-ACC6-18792F1D46C0}"/>
+                <a16:creationId xmlns:a16="http://schemas.microsoft.com/office/drawing/2014/main" id="{44488DA7-4AFE-2947-AA46-2101B12323C2}"/>
               </a:ext>
             </a:extLst>
           </p:cNvPr>
@@ -9663,16 +10263,15 @@
           </p:cNvPicPr>
           <p:nvPr/>
         </p:nvPicPr>
-        <p:blipFill>
+        <p:blipFill rotWithShape="1">
           <a:blip r:embed="rId3"/>
-          <a:stretch>
-            <a:fillRect/>
-          </a:stretch>
+          <a:srcRect t="19775" b="19700"/>
+          <a:stretch/>
         </p:blipFill>
         <p:spPr>
           <a:xfrm>
-            <a:off x="331185" y="89903"/>
-            <a:ext cx="6113158" cy="3499202"/>
+            <a:off x="500963" y="120004"/>
+            <a:ext cx="6858000" cy="4150760"/>
           </a:xfrm>
           <a:prstGeom prst="rect">
             <a:avLst/>
@@ -12210,7 +12809,7 @@
               </a:lnSpc>
             </a:pPr>
             <a:r>
-              <a:rPr lang="en-US" sz="6000" spc="800">
+              <a:rPr lang="en-US" sz="6000" spc="800" dirty="0">
                 <a:solidFill>
                   <a:schemeClr val="tx2"/>
                 </a:solidFill>
@@ -12239,55 +12838,89 @@
         </p:nvSpPr>
         <p:spPr>
           <a:xfrm>
-            <a:off x="644854" y="5338354"/>
-            <a:ext cx="3437290" cy="1076114"/>
+            <a:off x="644854" y="4931596"/>
+            <a:ext cx="3437290" cy="1482872"/>
           </a:xfrm>
         </p:spPr>
         <p:txBody>
           <a:bodyPr vert="horz" lIns="91440" tIns="45720" rIns="91440" bIns="45720" rtlCol="0" anchor="t">
-            <a:normAutofit fontScale="92500" lnSpcReduction="20000"/>
+            <a:normAutofit lnSpcReduction="10000"/>
           </a:bodyPr>
           <a:lstStyle/>
           <a:p>
-            <a:pPr marL="285750" indent="-285750" algn="ctr">
+            <a:pPr algn="ctr">
               <a:lnSpc>
-                <a:spcPct val="100000"/>
+                <a:spcPct val="150000"/>
               </a:lnSpc>
               <a:spcBef>
-                <a:spcPts val="700"/>
+                <a:spcPts val="600"/>
               </a:spcBef>
-              <a:buFont typeface="Arial" panose="020B0604020202020204" pitchFamily="34" charset="0"/>
-              <a:buChar char="•"/>
             </a:pPr>
             <a:r>
-              <a:rPr lang="en-US" b="1" cap="all" spc="400" dirty="0"/>
+              <a:rPr lang="en-US" cap="all" spc="400" dirty="0"/>
               <a:t>West </a:t>
             </a:r>
             <a:r>
-              <a:rPr lang="en-US" b="1" cap="all" spc="400" dirty="0" err="1"/>
+              <a:rPr lang="en-US" cap="all" spc="400" dirty="0" err="1"/>
               <a:t>virginia</a:t>
             </a:r>
             <a:r>
-              <a:rPr lang="en-US" b="1" cap="all" spc="400" dirty="0"/>
+              <a:rPr lang="en-US" cap="all" spc="400" dirty="0"/>
               <a:t> likes their beer very bitter, with the highest </a:t>
             </a:r>
             <a:r>
-              <a:rPr lang="en-US" b="1" cap="all" spc="400" dirty="0" err="1"/>
+              <a:rPr lang="en-US" cap="all" spc="400" dirty="0" err="1"/>
               <a:t>ibu</a:t>
             </a:r>
             <a:r>
-              <a:rPr lang="en-US" b="1" cap="all" spc="400" dirty="0"/>
+              <a:rPr lang="en-US" cap="all" spc="400" dirty="0"/>
               <a:t> at 57.5</a:t>
+            </a:r>
+          </a:p>
+        </p:txBody>
+      </p:sp>
+      <p:sp>
+        <p:nvSpPr>
+          <p:cNvPr id="10" name="TextBox 9">
+            <a:extLst>
+              <a:ext uri="{FF2B5EF4-FFF2-40B4-BE49-F238E27FC236}">
+                <a16:creationId xmlns:a16="http://schemas.microsoft.com/office/drawing/2014/main" id="{11EE3640-FDE7-6C44-8A69-792CD471C28B}"/>
+              </a:ext>
+            </a:extLst>
+          </p:cNvPr>
+          <p:cNvSpPr txBox="1"/>
+          <p:nvPr/>
+        </p:nvSpPr>
+        <p:spPr>
+          <a:xfrm>
+            <a:off x="9667389" y="6604084"/>
+            <a:ext cx="2244524" cy="253916"/>
+          </a:xfrm>
+          <a:prstGeom prst="rect">
+            <a:avLst/>
+          </a:prstGeom>
+          <a:noFill/>
+        </p:spPr>
+        <p:txBody>
+          <a:bodyPr wrap="none" rtlCol="0">
+            <a:spAutoFit/>
+          </a:bodyPr>
+          <a:lstStyle/>
+          <a:p>
+            <a:pPr algn="r"/>
+            <a:r>
+              <a:rPr lang="en-US" sz="1000" dirty="0"/>
+              <a:t>Confidential — For Internal Use Only</a:t>
             </a:r>
           </a:p>
         </p:txBody>
       </p:sp>
       <p:pic>
         <p:nvPicPr>
-          <p:cNvPr id="8" name="Picture 7">
+          <p:cNvPr id="6" name="Picture 5">
             <a:extLst>
               <a:ext uri="{FF2B5EF4-FFF2-40B4-BE49-F238E27FC236}">
-                <a16:creationId xmlns:a16="http://schemas.microsoft.com/office/drawing/2014/main" id="{93748BA1-46E5-4726-A20B-FA45CA7C1172}"/>
+                <a16:creationId xmlns:a16="http://schemas.microsoft.com/office/drawing/2014/main" id="{47722E33-3216-974A-83ED-1CC634E4A2AB}"/>
               </a:ext>
             </a:extLst>
           </p:cNvPr>
@@ -12304,8 +12937,8 @@
         </p:blipFill>
         <p:spPr>
           <a:xfrm>
-            <a:off x="4974329" y="0"/>
-            <a:ext cx="6938785" cy="3971795"/>
+            <a:off x="4973128" y="4332832"/>
+            <a:ext cx="6938785" cy="2081636"/>
           </a:xfrm>
           <a:prstGeom prst="rect">
             <a:avLst/>
@@ -12314,10 +12947,10 @@
       </p:pic>
       <p:pic>
         <p:nvPicPr>
-          <p:cNvPr id="2" name="Picture 1">
+          <p:cNvPr id="9" name="Picture 8">
             <a:extLst>
               <a:ext uri="{FF2B5EF4-FFF2-40B4-BE49-F238E27FC236}">
-                <a16:creationId xmlns:a16="http://schemas.microsoft.com/office/drawing/2014/main" id="{E101020C-1A03-44DE-AD90-9D4B7A7D1099}"/>
+                <a16:creationId xmlns:a16="http://schemas.microsoft.com/office/drawing/2014/main" id="{B396994C-24B6-654B-BA38-BA365224DE54}"/>
               </a:ext>
             </a:extLst>
           </p:cNvPr>
@@ -12326,16 +12959,15 @@
           </p:cNvPicPr>
           <p:nvPr/>
         </p:nvPicPr>
-        <p:blipFill>
+        <p:blipFill rotWithShape="1">
           <a:blip r:embed="rId3"/>
-          <a:stretch>
-            <a:fillRect/>
-          </a:stretch>
+          <a:srcRect t="20375" b="20450"/>
+          <a:stretch/>
         </p:blipFill>
         <p:spPr>
           <a:xfrm>
-            <a:off x="7290584" y="3782389"/>
-            <a:ext cx="4191450" cy="3149412"/>
+            <a:off x="5056834" y="49874"/>
+            <a:ext cx="6858000" cy="4058294"/>
           </a:xfrm>
           <a:prstGeom prst="rect">
             <a:avLst/>
@@ -12356,7 +12988,7 @@
 </file>
 
 <file path=ppt/slides/slide7.xml><?xml version="1.0" encoding="utf-8"?>
-<p:sld xmlns:a="http://schemas.openxmlformats.org/drawingml/2006/main" xmlns:r="http://schemas.openxmlformats.org/officeDocument/2006/relationships" xmlns:p="http://schemas.openxmlformats.org/presentationml/2006/main">
+<p:sld xmlns:a="http://schemas.openxmlformats.org/drawingml/2006/main" xmlns:r="http://schemas.openxmlformats.org/officeDocument/2006/relationships" xmlns:p="http://schemas.openxmlformats.org/presentationml/2006/main" show="0">
   <p:cSld>
     <p:spTree>
       <p:nvGrpSpPr>
@@ -12609,6 +13241,42 @@
             <a:r>
               <a:rPr lang="en-US" dirty="0"/>
               <a:t>Astoria Brewing Co., Astoria, OR</a:t>
+            </a:r>
+          </a:p>
+        </p:txBody>
+      </p:sp>
+      <p:sp>
+        <p:nvSpPr>
+          <p:cNvPr id="10" name="TextBox 9">
+            <a:extLst>
+              <a:ext uri="{FF2B5EF4-FFF2-40B4-BE49-F238E27FC236}">
+                <a16:creationId xmlns:a16="http://schemas.microsoft.com/office/drawing/2014/main" id="{9A4080B4-9544-2B4D-9F00-6D8EBB37C802}"/>
+              </a:ext>
+            </a:extLst>
+          </p:cNvPr>
+          <p:cNvSpPr txBox="1"/>
+          <p:nvPr/>
+        </p:nvSpPr>
+        <p:spPr>
+          <a:xfrm>
+            <a:off x="9667389" y="6604084"/>
+            <a:ext cx="2244524" cy="253916"/>
+          </a:xfrm>
+          <a:prstGeom prst="rect">
+            <a:avLst/>
+          </a:prstGeom>
+          <a:noFill/>
+        </p:spPr>
+        <p:txBody>
+          <a:bodyPr wrap="none" rtlCol="0">
+            <a:spAutoFit/>
+          </a:bodyPr>
+          <a:lstStyle/>
+          <a:p>
+            <a:pPr algn="r"/>
+            <a:r>
+              <a:rPr lang="en-US" sz="1000" dirty="0"/>
+              <a:t>Confidential — For Internal Use Only</a:t>
             </a:r>
           </a:p>
         </p:txBody>
@@ -13011,6 +13679,600 @@
 </file>
 
 <file path=ppt/slides/slide8.xml><?xml version="1.0" encoding="utf-8"?>
+<p:sld xmlns:a="http://schemas.openxmlformats.org/drawingml/2006/main" xmlns:r="http://schemas.openxmlformats.org/officeDocument/2006/relationships" xmlns:p="http://schemas.openxmlformats.org/presentationml/2006/main">
+  <p:cSld>
+    <p:spTree>
+      <p:nvGrpSpPr>
+        <p:cNvPr id="1" name=""/>
+        <p:cNvGrpSpPr/>
+        <p:nvPr/>
+      </p:nvGrpSpPr>
+      <p:grpSpPr>
+        <a:xfrm>
+          <a:off x="0" y="0"/>
+          <a:ext cx="0" cy="0"/>
+          <a:chOff x="0" y="0"/>
+          <a:chExt cx="0" cy="0"/>
+        </a:xfrm>
+      </p:grpSpPr>
+      <p:sp>
+        <p:nvSpPr>
+          <p:cNvPr id="5" name="Title 4">
+            <a:extLst>
+              <a:ext uri="{FF2B5EF4-FFF2-40B4-BE49-F238E27FC236}">
+                <a16:creationId xmlns:a16="http://schemas.microsoft.com/office/drawing/2014/main" id="{B8132E9D-BFE1-46A0-9A17-5C94C1892823}"/>
+              </a:ext>
+            </a:extLst>
+          </p:cNvPr>
+          <p:cNvSpPr>
+            <a:spLocks noGrp="1"/>
+          </p:cNvSpPr>
+          <p:nvPr>
+            <p:ph type="title"/>
+          </p:nvPr>
+        </p:nvSpPr>
+        <p:spPr/>
+        <p:txBody>
+          <a:bodyPr/>
+          <a:lstStyle/>
+          <a:p>
+            <a:pPr algn="ctr"/>
+            <a:r>
+              <a:rPr lang="en-US" dirty="0"/>
+              <a:t>Which state has the beer with highest abv? </a:t>
+            </a:r>
+            <a:r>
+              <a:rPr lang="en-US" dirty="0" err="1"/>
+              <a:t>Ibu</a:t>
+            </a:r>
+            <a:r>
+              <a:rPr lang="en-US" dirty="0"/>
+              <a:t>?</a:t>
+            </a:r>
+          </a:p>
+        </p:txBody>
+      </p:sp>
+      <p:sp>
+        <p:nvSpPr>
+          <p:cNvPr id="6" name="Text Placeholder 5">
+            <a:extLst>
+              <a:ext uri="{FF2B5EF4-FFF2-40B4-BE49-F238E27FC236}">
+                <a16:creationId xmlns:a16="http://schemas.microsoft.com/office/drawing/2014/main" id="{A5304EE2-5635-49E0-A79C-FA4AF1EB80CD}"/>
+              </a:ext>
+            </a:extLst>
+          </p:cNvPr>
+          <p:cNvSpPr>
+            <a:spLocks noGrp="1"/>
+          </p:cNvSpPr>
+          <p:nvPr>
+            <p:ph type="body" idx="1"/>
+          </p:nvPr>
+        </p:nvSpPr>
+        <p:spPr>
+          <a:xfrm>
+            <a:off x="1251678" y="1946991"/>
+            <a:ext cx="4800600" cy="432025"/>
+          </a:xfrm>
+        </p:spPr>
+        <p:txBody>
+          <a:bodyPr/>
+          <a:lstStyle/>
+          <a:p>
+            <a:pPr algn="ctr"/>
+            <a:r>
+              <a:rPr lang="en-US" dirty="0"/>
+              <a:t>Most alcoholic – </a:t>
+            </a:r>
+            <a:r>
+              <a:rPr lang="en-US" dirty="0">
+                <a:solidFill>
+                  <a:srgbClr val="C00000"/>
+                </a:solidFill>
+              </a:rPr>
+              <a:t>12.8%</a:t>
+            </a:r>
+          </a:p>
+        </p:txBody>
+      </p:sp>
+      <p:sp>
+        <p:nvSpPr>
+          <p:cNvPr id="8" name="Text Placeholder 7">
+            <a:extLst>
+              <a:ext uri="{FF2B5EF4-FFF2-40B4-BE49-F238E27FC236}">
+                <a16:creationId xmlns:a16="http://schemas.microsoft.com/office/drawing/2014/main" id="{31775982-443D-4D42-B9FC-C878058CAA29}"/>
+              </a:ext>
+            </a:extLst>
+          </p:cNvPr>
+          <p:cNvSpPr>
+            <a:spLocks noGrp="1"/>
+          </p:cNvSpPr>
+          <p:nvPr>
+            <p:ph type="body" sz="quarter" idx="3"/>
+          </p:nvPr>
+        </p:nvSpPr>
+        <p:spPr>
+          <a:xfrm>
+            <a:off x="6634162" y="1946991"/>
+            <a:ext cx="4800600" cy="432025"/>
+          </a:xfrm>
+        </p:spPr>
+        <p:txBody>
+          <a:bodyPr/>
+          <a:lstStyle/>
+          <a:p>
+            <a:pPr algn="ctr"/>
+            <a:r>
+              <a:rPr lang="en-US" dirty="0"/>
+              <a:t>Most bitter – </a:t>
+            </a:r>
+            <a:r>
+              <a:rPr lang="en-US" dirty="0">
+                <a:solidFill>
+                  <a:srgbClr val="C00000"/>
+                </a:solidFill>
+              </a:rPr>
+              <a:t>138 IBU</a:t>
+            </a:r>
+          </a:p>
+        </p:txBody>
+      </p:sp>
+      <p:sp>
+        <p:nvSpPr>
+          <p:cNvPr id="2" name="TextBox 1">
+            <a:extLst>
+              <a:ext uri="{FF2B5EF4-FFF2-40B4-BE49-F238E27FC236}">
+                <a16:creationId xmlns:a16="http://schemas.microsoft.com/office/drawing/2014/main" id="{8EAB9A6E-7374-44DB-88F6-0FAA28381BC2}"/>
+              </a:ext>
+            </a:extLst>
+          </p:cNvPr>
+          <p:cNvSpPr txBox="1"/>
+          <p:nvPr/>
+        </p:nvSpPr>
+        <p:spPr>
+          <a:xfrm>
+            <a:off x="2316705" y="5835562"/>
+            <a:ext cx="2670547" cy="954107"/>
+          </a:xfrm>
+          <a:prstGeom prst="rect">
+            <a:avLst/>
+          </a:prstGeom>
+          <a:noFill/>
+        </p:spPr>
+        <p:txBody>
+          <a:bodyPr wrap="square" rtlCol="0">
+            <a:spAutoFit/>
+          </a:bodyPr>
+          <a:lstStyle/>
+          <a:p>
+            <a:pPr algn="ctr"/>
+            <a:r>
+              <a:rPr lang="en-US" sz="1400" b="1" dirty="0"/>
+              <a:t>Lee Hill Series Vol. 5</a:t>
+            </a:r>
+          </a:p>
+          <a:p>
+            <a:pPr algn="ctr"/>
+            <a:r>
+              <a:rPr lang="en-US" sz="1400" dirty="0"/>
+              <a:t>Belgian Style </a:t>
+            </a:r>
+            <a:r>
+              <a:rPr lang="en-US" sz="1400" dirty="0" err="1"/>
+              <a:t>Quadrupel</a:t>
+            </a:r>
+            <a:r>
+              <a:rPr lang="en-US" sz="1400" dirty="0"/>
+              <a:t> Ale</a:t>
+            </a:r>
+          </a:p>
+          <a:p>
+            <a:pPr algn="ctr"/>
+            <a:r>
+              <a:rPr lang="en-US" sz="1400" dirty="0"/>
+              <a:t>Upslope Brewing Co.</a:t>
+            </a:r>
+          </a:p>
+          <a:p>
+            <a:pPr algn="ctr"/>
+            <a:r>
+              <a:rPr lang="en-US" sz="1400" dirty="0"/>
+              <a:t>Boulder, CO</a:t>
+            </a:r>
+          </a:p>
+        </p:txBody>
+      </p:sp>
+      <p:sp>
+        <p:nvSpPr>
+          <p:cNvPr id="9" name="TextBox 8">
+            <a:extLst>
+              <a:ext uri="{FF2B5EF4-FFF2-40B4-BE49-F238E27FC236}">
+                <a16:creationId xmlns:a16="http://schemas.microsoft.com/office/drawing/2014/main" id="{85E7F0ED-8977-4206-B68E-3DF0B363820E}"/>
+              </a:ext>
+            </a:extLst>
+          </p:cNvPr>
+          <p:cNvSpPr txBox="1"/>
+          <p:nvPr/>
+        </p:nvSpPr>
+        <p:spPr>
+          <a:xfrm>
+            <a:off x="7874171" y="5835562"/>
+            <a:ext cx="2320583" cy="738664"/>
+          </a:xfrm>
+          <a:prstGeom prst="rect">
+            <a:avLst/>
+          </a:prstGeom>
+          <a:noFill/>
+        </p:spPr>
+        <p:txBody>
+          <a:bodyPr wrap="square" rtlCol="0">
+            <a:spAutoFit/>
+          </a:bodyPr>
+          <a:lstStyle/>
+          <a:p>
+            <a:pPr algn="ctr"/>
+            <a:r>
+              <a:rPr lang="en-US" sz="1400" b="1" dirty="0"/>
+              <a:t>Bitter Bitch Imperial IPA</a:t>
+            </a:r>
+          </a:p>
+          <a:p>
+            <a:pPr algn="ctr"/>
+            <a:r>
+              <a:rPr lang="en-US" sz="1400" dirty="0"/>
+              <a:t>Astoria Brewing Co.</a:t>
+            </a:r>
+          </a:p>
+          <a:p>
+            <a:pPr algn="ctr"/>
+            <a:r>
+              <a:rPr lang="en-US" sz="1400" dirty="0"/>
+              <a:t>Astoria, OR</a:t>
+            </a:r>
+          </a:p>
+        </p:txBody>
+      </p:sp>
+      <p:sp>
+        <p:nvSpPr>
+          <p:cNvPr id="10" name="TextBox 9">
+            <a:extLst>
+              <a:ext uri="{FF2B5EF4-FFF2-40B4-BE49-F238E27FC236}">
+                <a16:creationId xmlns:a16="http://schemas.microsoft.com/office/drawing/2014/main" id="{9A4080B4-9544-2B4D-9F00-6D8EBB37C802}"/>
+              </a:ext>
+            </a:extLst>
+          </p:cNvPr>
+          <p:cNvSpPr txBox="1"/>
+          <p:nvPr/>
+        </p:nvSpPr>
+        <p:spPr>
+          <a:xfrm>
+            <a:off x="9667389" y="6604084"/>
+            <a:ext cx="2244524" cy="253916"/>
+          </a:xfrm>
+          <a:prstGeom prst="rect">
+            <a:avLst/>
+          </a:prstGeom>
+          <a:noFill/>
+        </p:spPr>
+        <p:txBody>
+          <a:bodyPr wrap="none" rtlCol="0">
+            <a:spAutoFit/>
+          </a:bodyPr>
+          <a:lstStyle/>
+          <a:p>
+            <a:pPr algn="r"/>
+            <a:r>
+              <a:rPr lang="en-US" sz="1000" dirty="0"/>
+              <a:t>Confidential — For Internal Use Only</a:t>
+            </a:r>
+          </a:p>
+        </p:txBody>
+      </p:sp>
+      <p:pic>
+        <p:nvPicPr>
+          <p:cNvPr id="15" name="Picture 14">
+            <a:extLst>
+              <a:ext uri="{FF2B5EF4-FFF2-40B4-BE49-F238E27FC236}">
+                <a16:creationId xmlns:a16="http://schemas.microsoft.com/office/drawing/2014/main" id="{BA1660E4-92D6-CD41-9C09-2E8403674B6F}"/>
+              </a:ext>
+            </a:extLst>
+          </p:cNvPr>
+          <p:cNvPicPr>
+            <a:picLocks noChangeAspect="1"/>
+          </p:cNvPicPr>
+          <p:nvPr/>
+        </p:nvPicPr>
+        <p:blipFill>
+          <a:blip r:embed="rId2"/>
+          <a:stretch>
+            <a:fillRect/>
+          </a:stretch>
+        </p:blipFill>
+        <p:spPr>
+          <a:xfrm>
+            <a:off x="2893938" y="2336553"/>
+            <a:ext cx="1516081" cy="3546389"/>
+          </a:xfrm>
+          <a:prstGeom prst="rect">
+            <a:avLst/>
+          </a:prstGeom>
+        </p:spPr>
+      </p:pic>
+      <p:pic>
+        <p:nvPicPr>
+          <p:cNvPr id="19" name="Picture 18">
+            <a:extLst>
+              <a:ext uri="{FF2B5EF4-FFF2-40B4-BE49-F238E27FC236}">
+                <a16:creationId xmlns:a16="http://schemas.microsoft.com/office/drawing/2014/main" id="{991FCD68-1007-5841-8F32-3FD67731CB24}"/>
+              </a:ext>
+            </a:extLst>
+          </p:cNvPr>
+          <p:cNvPicPr>
+            <a:picLocks noChangeAspect="1"/>
+          </p:cNvPicPr>
+          <p:nvPr/>
+        </p:nvPicPr>
+        <p:blipFill>
+          <a:blip r:embed="rId3"/>
+          <a:stretch>
+            <a:fillRect/>
+          </a:stretch>
+        </p:blipFill>
+        <p:spPr>
+          <a:xfrm>
+            <a:off x="7601360" y="2676645"/>
+            <a:ext cx="2866204" cy="2866204"/>
+          </a:xfrm>
+          <a:prstGeom prst="rect">
+            <a:avLst/>
+          </a:prstGeom>
+        </p:spPr>
+      </p:pic>
+    </p:spTree>
+    <p:extLst>
+      <p:ext uri="{BB962C8B-B14F-4D97-AF65-F5344CB8AC3E}">
+        <p14:creationId xmlns:p14="http://schemas.microsoft.com/office/powerpoint/2010/main" val="3674204221"/>
+      </p:ext>
+    </p:extLst>
+  </p:cSld>
+  <p:clrMapOvr>
+    <a:masterClrMapping/>
+  </p:clrMapOvr>
+  <p:timing>
+    <p:tnLst>
+      <p:par>
+        <p:cTn id="1" dur="indefinite" restart="never" nodeType="tmRoot">
+          <p:childTnLst>
+            <p:seq concurrent="1" nextAc="seek">
+              <p:cTn id="2" dur="indefinite" nodeType="mainSeq">
+                <p:childTnLst>
+                  <p:par>
+                    <p:cTn id="3" fill="hold">
+                      <p:stCondLst>
+                        <p:cond delay="indefinite"/>
+                      </p:stCondLst>
+                      <p:childTnLst>
+                        <p:par>
+                          <p:cTn id="4" fill="hold">
+                            <p:stCondLst>
+                              <p:cond delay="0"/>
+                            </p:stCondLst>
+                            <p:childTnLst>
+                              <p:par>
+                                <p:cTn id="5" presetID="42" presetClass="entr" presetSubtype="0" fill="hold" grpId="0" nodeType="clickEffect">
+                                  <p:stCondLst>
+                                    <p:cond delay="0"/>
+                                  </p:stCondLst>
+                                  <p:childTnLst>
+                                    <p:set>
+                                      <p:cBhvr>
+                                        <p:cTn id="6" dur="1" fill="hold">
+                                          <p:stCondLst>
+                                            <p:cond delay="0"/>
+                                          </p:stCondLst>
+                                        </p:cTn>
+                                        <p:tgtEl>
+                                          <p:spTgt spid="2"/>
+                                        </p:tgtEl>
+                                        <p:attrNameLst>
+                                          <p:attrName>style.visibility</p:attrName>
+                                        </p:attrNameLst>
+                                      </p:cBhvr>
+                                      <p:to>
+                                        <p:strVal val="visible"/>
+                                      </p:to>
+                                    </p:set>
+                                    <p:animEffect transition="in" filter="fade">
+                                      <p:cBhvr>
+                                        <p:cTn id="7" dur="1000"/>
+                                        <p:tgtEl>
+                                          <p:spTgt spid="2"/>
+                                        </p:tgtEl>
+                                      </p:cBhvr>
+                                    </p:animEffect>
+                                    <p:anim calcmode="lin" valueType="num">
+                                      <p:cBhvr>
+                                        <p:cTn id="8" dur="1000" fill="hold"/>
+                                        <p:tgtEl>
+                                          <p:spTgt spid="2"/>
+                                        </p:tgtEl>
+                                        <p:attrNameLst>
+                                          <p:attrName>ppt_x</p:attrName>
+                                        </p:attrNameLst>
+                                      </p:cBhvr>
+                                      <p:tavLst>
+                                        <p:tav tm="0">
+                                          <p:val>
+                                            <p:strVal val="#ppt_x"/>
+                                          </p:val>
+                                        </p:tav>
+                                        <p:tav tm="100000">
+                                          <p:val>
+                                            <p:strVal val="#ppt_x"/>
+                                          </p:val>
+                                        </p:tav>
+                                      </p:tavLst>
+                                    </p:anim>
+                                    <p:anim calcmode="lin" valueType="num">
+                                      <p:cBhvr>
+                                        <p:cTn id="9" dur="1000" fill="hold"/>
+                                        <p:tgtEl>
+                                          <p:spTgt spid="2"/>
+                                        </p:tgtEl>
+                                        <p:attrNameLst>
+                                          <p:attrName>ppt_y</p:attrName>
+                                        </p:attrNameLst>
+                                      </p:cBhvr>
+                                      <p:tavLst>
+                                        <p:tav tm="0">
+                                          <p:val>
+                                            <p:strVal val="#ppt_y+.1"/>
+                                          </p:val>
+                                        </p:tav>
+                                        <p:tav tm="100000">
+                                          <p:val>
+                                            <p:strVal val="#ppt_y"/>
+                                          </p:val>
+                                        </p:tav>
+                                      </p:tavLst>
+                                    </p:anim>
+                                  </p:childTnLst>
+                                </p:cTn>
+                              </p:par>
+                            </p:childTnLst>
+                          </p:cTn>
+                        </p:par>
+                      </p:childTnLst>
+                    </p:cTn>
+                  </p:par>
+                  <p:par>
+                    <p:cTn id="10" fill="hold">
+                      <p:stCondLst>
+                        <p:cond delay="indefinite"/>
+                      </p:stCondLst>
+                      <p:childTnLst>
+                        <p:par>
+                          <p:cTn id="11" fill="hold">
+                            <p:stCondLst>
+                              <p:cond delay="0"/>
+                            </p:stCondLst>
+                            <p:childTnLst>
+                              <p:par>
+                                <p:cTn id="12" presetID="42" presetClass="entr" presetSubtype="0" fill="hold" grpId="0" nodeType="clickEffect">
+                                  <p:stCondLst>
+                                    <p:cond delay="0"/>
+                                  </p:stCondLst>
+                                  <p:childTnLst>
+                                    <p:set>
+                                      <p:cBhvr>
+                                        <p:cTn id="13" dur="1" fill="hold">
+                                          <p:stCondLst>
+                                            <p:cond delay="0"/>
+                                          </p:stCondLst>
+                                        </p:cTn>
+                                        <p:tgtEl>
+                                          <p:spTgt spid="9"/>
+                                        </p:tgtEl>
+                                        <p:attrNameLst>
+                                          <p:attrName>style.visibility</p:attrName>
+                                        </p:attrNameLst>
+                                      </p:cBhvr>
+                                      <p:to>
+                                        <p:strVal val="visible"/>
+                                      </p:to>
+                                    </p:set>
+                                    <p:animEffect transition="in" filter="fade">
+                                      <p:cBhvr>
+                                        <p:cTn id="14" dur="1000"/>
+                                        <p:tgtEl>
+                                          <p:spTgt spid="9"/>
+                                        </p:tgtEl>
+                                      </p:cBhvr>
+                                    </p:animEffect>
+                                    <p:anim calcmode="lin" valueType="num">
+                                      <p:cBhvr>
+                                        <p:cTn id="15" dur="1000" fill="hold"/>
+                                        <p:tgtEl>
+                                          <p:spTgt spid="9"/>
+                                        </p:tgtEl>
+                                        <p:attrNameLst>
+                                          <p:attrName>ppt_x</p:attrName>
+                                        </p:attrNameLst>
+                                      </p:cBhvr>
+                                      <p:tavLst>
+                                        <p:tav tm="0">
+                                          <p:val>
+                                            <p:strVal val="#ppt_x"/>
+                                          </p:val>
+                                        </p:tav>
+                                        <p:tav tm="100000">
+                                          <p:val>
+                                            <p:strVal val="#ppt_x"/>
+                                          </p:val>
+                                        </p:tav>
+                                      </p:tavLst>
+                                    </p:anim>
+                                    <p:anim calcmode="lin" valueType="num">
+                                      <p:cBhvr>
+                                        <p:cTn id="16" dur="1000" fill="hold"/>
+                                        <p:tgtEl>
+                                          <p:spTgt spid="9"/>
+                                        </p:tgtEl>
+                                        <p:attrNameLst>
+                                          <p:attrName>ppt_y</p:attrName>
+                                        </p:attrNameLst>
+                                      </p:cBhvr>
+                                      <p:tavLst>
+                                        <p:tav tm="0">
+                                          <p:val>
+                                            <p:strVal val="#ppt_y+.1"/>
+                                          </p:val>
+                                        </p:tav>
+                                        <p:tav tm="100000">
+                                          <p:val>
+                                            <p:strVal val="#ppt_y"/>
+                                          </p:val>
+                                        </p:tav>
+                                      </p:tavLst>
+                                    </p:anim>
+                                  </p:childTnLst>
+                                </p:cTn>
+                              </p:par>
+                            </p:childTnLst>
+                          </p:cTn>
+                        </p:par>
+                      </p:childTnLst>
+                    </p:cTn>
+                  </p:par>
+                </p:childTnLst>
+              </p:cTn>
+              <p:prevCondLst>
+                <p:cond evt="onPrev" delay="0">
+                  <p:tgtEl>
+                    <p:sldTgt/>
+                  </p:tgtEl>
+                </p:cond>
+              </p:prevCondLst>
+              <p:nextCondLst>
+                <p:cond evt="onNext" delay="0">
+                  <p:tgtEl>
+                    <p:sldTgt/>
+                  </p:tgtEl>
+                </p:cond>
+              </p:nextCondLst>
+            </p:seq>
+          </p:childTnLst>
+        </p:cTn>
+      </p:par>
+    </p:tnLst>
+    <p:bldLst>
+      <p:bldP spid="2" grpId="0"/>
+      <p:bldP spid="9" grpId="0"/>
+    </p:bldLst>
+  </p:timing>
+</p:sld>
+</file>
+
+<file path=ppt/slides/slide9.xml><?xml version="1.0" encoding="utf-8"?>
 <p:sld xmlns:a="http://schemas.openxmlformats.org/drawingml/2006/main" xmlns:r="http://schemas.openxmlformats.org/officeDocument/2006/relationships" xmlns:p="http://schemas.openxmlformats.org/presentationml/2006/main">
   <p:cSld>
     <p:bg>
@@ -15651,8 +16913,8 @@
         </p:nvSpPr>
         <p:spPr>
           <a:xfrm>
-            <a:off x="9132848" y="4841966"/>
-            <a:ext cx="2763061" cy="1297578"/>
+            <a:off x="9132848" y="5018314"/>
+            <a:ext cx="2988411" cy="1121229"/>
           </a:xfrm>
           <a:prstGeom prst="rect">
             <a:avLst/>
@@ -15678,46 +16940,112 @@
           <a:bodyPr rtlCol="0" anchor="ctr"/>
           <a:lstStyle/>
           <a:p>
-            <a:pPr marL="285750" indent="-285750" algn="ctr">
-              <a:buFontTx/>
-              <a:buChar char="-"/>
+            <a:pPr>
+              <a:lnSpc>
+                <a:spcPct val="150000"/>
+              </a:lnSpc>
             </a:pPr>
             <a:r>
-              <a:rPr lang="en-US" sz="1600" dirty="0"/>
+              <a:rPr lang="en-US" sz="1600" dirty="0">
+                <a:solidFill>
+                  <a:srgbClr val="044389"/>
+                </a:solidFill>
+              </a:rPr>
               <a:t>Belgian Style </a:t>
             </a:r>
             <a:r>
-              <a:rPr lang="en-US" sz="1600" dirty="0" err="1"/>
+              <a:rPr lang="en-US" sz="1600" dirty="0" err="1">
+                <a:solidFill>
+                  <a:srgbClr val="044389"/>
+                </a:solidFill>
+              </a:rPr>
               <a:t>Quadrupel</a:t>
             </a:r>
             <a:r>
-              <a:rPr lang="en-US" sz="1600" dirty="0"/>
-              <a:t> Ale at 12.8%</a:t>
+              <a:rPr lang="en-US" sz="1600" dirty="0">
+                <a:solidFill>
+                  <a:srgbClr val="044389"/>
+                </a:solidFill>
+              </a:rPr>
+              <a:t> Ale </a:t>
             </a:r>
+            <a:r>
+              <a:rPr lang="en-US" sz="1200" dirty="0">
+                <a:solidFill>
+                  <a:srgbClr val="044389"/>
+                </a:solidFill>
+              </a:rPr>
+              <a:t>(12.8%)</a:t>
+            </a:r>
+            <a:endParaRPr lang="en-US" sz="1600" dirty="0">
+              <a:solidFill>
+                <a:srgbClr val="044389"/>
+              </a:solidFill>
+            </a:endParaRPr>
           </a:p>
           <a:p>
-            <a:pPr marL="285750" indent="-285750" algn="ctr">
-              <a:buFontTx/>
-              <a:buChar char="-"/>
+            <a:pPr>
+              <a:lnSpc>
+                <a:spcPct val="150000"/>
+              </a:lnSpc>
             </a:pPr>
             <a:r>
-              <a:rPr lang="en-US" sz="1600" dirty="0"/>
-              <a:t>London Balling at 12.5%</a:t>
+              <a:rPr lang="en-US" sz="1600" dirty="0">
+                <a:solidFill>
+                  <a:srgbClr val="044389"/>
+                </a:solidFill>
+              </a:rPr>
+              <a:t>London Balling </a:t>
             </a:r>
+            <a:r>
+              <a:rPr lang="en-US" sz="1200" dirty="0">
+                <a:solidFill>
+                  <a:srgbClr val="044389"/>
+                </a:solidFill>
+              </a:rPr>
+              <a:t>(12.5%)</a:t>
+            </a:r>
+            <a:endParaRPr lang="en-US" sz="1600" dirty="0">
+              <a:solidFill>
+                <a:srgbClr val="044389"/>
+              </a:solidFill>
+            </a:endParaRPr>
           </a:p>
           <a:p>
-            <a:pPr marL="285750" indent="-285750" algn="ctr">
-              <a:buFontTx/>
-              <a:buChar char="-"/>
+            <a:pPr>
+              <a:lnSpc>
+                <a:spcPct val="150000"/>
+              </a:lnSpc>
             </a:pPr>
             <a:r>
-              <a:rPr lang="en-US" sz="1600" dirty="0" err="1"/>
+              <a:rPr lang="en-US" sz="1600" dirty="0" err="1">
+                <a:solidFill>
+                  <a:srgbClr val="044389"/>
+                </a:solidFill>
+              </a:rPr>
               <a:t>Csar</a:t>
             </a:r>
             <a:r>
-              <a:rPr lang="en-US" sz="1600" dirty="0"/>
-              <a:t> at 12%</a:t>
+              <a:rPr lang="en-US" sz="1600" dirty="0">
+                <a:solidFill>
+                  <a:srgbClr val="044389"/>
+                </a:solidFill>
+              </a:rPr>
+              <a:t> </a:t>
             </a:r>
+            <a:r>
+              <a:rPr lang="en-US" sz="1200" dirty="0">
+                <a:solidFill>
+                  <a:srgbClr val="044389"/>
+                </a:solidFill>
+              </a:rPr>
+              <a:t>(12%)</a:t>
+            </a:r>
+            <a:endParaRPr lang="en-US" sz="1600" dirty="0">
+              <a:solidFill>
+                <a:srgbClr val="044389"/>
+              </a:solidFill>
+            </a:endParaRPr>
           </a:p>
         </p:txBody>
       </p:sp>
@@ -15762,6 +17090,42 @@
           </a:fontRef>
         </p:style>
       </p:cxnSp>
+      <p:sp>
+        <p:nvSpPr>
+          <p:cNvPr id="16" name="TextBox 15">
+            <a:extLst>
+              <a:ext uri="{FF2B5EF4-FFF2-40B4-BE49-F238E27FC236}">
+                <a16:creationId xmlns:a16="http://schemas.microsoft.com/office/drawing/2014/main" id="{EA666200-FAF1-524F-8C43-2AF6D2E83554}"/>
+              </a:ext>
+            </a:extLst>
+          </p:cNvPr>
+          <p:cNvSpPr txBox="1"/>
+          <p:nvPr/>
+        </p:nvSpPr>
+        <p:spPr>
+          <a:xfrm>
+            <a:off x="9667389" y="6604084"/>
+            <a:ext cx="2244524" cy="253916"/>
+          </a:xfrm>
+          <a:prstGeom prst="rect">
+            <a:avLst/>
+          </a:prstGeom>
+          <a:noFill/>
+        </p:spPr>
+        <p:txBody>
+          <a:bodyPr wrap="none" rtlCol="0">
+            <a:spAutoFit/>
+          </a:bodyPr>
+          <a:lstStyle/>
+          <a:p>
+            <a:pPr algn="r"/>
+            <a:r>
+              <a:rPr lang="en-US" sz="1000" dirty="0"/>
+              <a:t>Confidential — For Internal Use Only</a:t>
+            </a:r>
+          </a:p>
+        </p:txBody>
+      </p:sp>
     </p:spTree>
     <p:extLst>
       <p:ext uri="{BB962C8B-B14F-4D97-AF65-F5344CB8AC3E}">
@@ -15949,137 +17313,6 @@
       <p:bldP spid="18" grpId="0" animBg="1"/>
     </p:bldLst>
   </p:timing>
-</p:sld>
-</file>
-
-<file path=ppt/slides/slide9.xml><?xml version="1.0" encoding="utf-8"?>
-<p:sld xmlns:a="http://schemas.openxmlformats.org/drawingml/2006/main" xmlns:r="http://schemas.openxmlformats.org/officeDocument/2006/relationships" xmlns:p="http://schemas.openxmlformats.org/presentationml/2006/main">
-  <p:cSld>
-    <p:spTree>
-      <p:nvGrpSpPr>
-        <p:cNvPr id="1" name=""/>
-        <p:cNvGrpSpPr/>
-        <p:nvPr/>
-      </p:nvGrpSpPr>
-      <p:grpSpPr>
-        <a:xfrm>
-          <a:off x="0" y="0"/>
-          <a:ext cx="0" cy="0"/>
-          <a:chOff x="0" y="0"/>
-          <a:chExt cx="0" cy="0"/>
-        </a:xfrm>
-      </p:grpSpPr>
-      <p:sp>
-        <p:nvSpPr>
-          <p:cNvPr id="2" name="Title 1">
-            <a:extLst>
-              <a:ext uri="{FF2B5EF4-FFF2-40B4-BE49-F238E27FC236}">
-                <a16:creationId xmlns:a16="http://schemas.microsoft.com/office/drawing/2014/main" id="{D48EB158-C9D6-47C5-AABF-BA03D72DFC9A}"/>
-              </a:ext>
-            </a:extLst>
-          </p:cNvPr>
-          <p:cNvSpPr>
-            <a:spLocks noGrp="1"/>
-          </p:cNvSpPr>
-          <p:nvPr>
-            <p:ph type="title"/>
-          </p:nvPr>
-        </p:nvSpPr>
-        <p:spPr/>
-        <p:txBody>
-          <a:bodyPr/>
-          <a:lstStyle/>
-          <a:p>
-            <a:r>
-              <a:rPr lang="en-US" dirty="0"/>
-              <a:t>Relationship between bitter &amp; boozy</a:t>
-            </a:r>
-          </a:p>
-        </p:txBody>
-      </p:sp>
-      <p:sp>
-        <p:nvSpPr>
-          <p:cNvPr id="11" name="Text Placeholder 10">
-            <a:extLst>
-              <a:ext uri="{FF2B5EF4-FFF2-40B4-BE49-F238E27FC236}">
-                <a16:creationId xmlns:a16="http://schemas.microsoft.com/office/drawing/2014/main" id="{9C3C278C-10AC-41C2-9073-4DE0E3C14519}"/>
-              </a:ext>
-            </a:extLst>
-          </p:cNvPr>
-          <p:cNvSpPr>
-            <a:spLocks noGrp="1"/>
-          </p:cNvSpPr>
-          <p:nvPr>
-            <p:ph type="body" sz="half" idx="2"/>
-          </p:nvPr>
-        </p:nvSpPr>
-        <p:spPr/>
-        <p:txBody>
-          <a:bodyPr/>
-          <a:lstStyle/>
-          <a:p>
-            <a:endParaRPr lang="en-US" dirty="0"/>
-          </a:p>
-          <a:p>
-            <a:endParaRPr lang="en-US" dirty="0"/>
-          </a:p>
-          <a:p>
-            <a:r>
-              <a:rPr lang="en-US" dirty="0"/>
-              <a:t>In general, there appears to be a relationship between IBU and ABV.</a:t>
-            </a:r>
-          </a:p>
-          <a:p>
-            <a:endParaRPr lang="en-US" dirty="0"/>
-          </a:p>
-          <a:p>
-            <a:r>
-              <a:rPr lang="en-US" dirty="0"/>
-              <a:t>Based on our assessment, we may be able to predict ABV based on IBU along with style and other variables of interest.</a:t>
-            </a:r>
-          </a:p>
-        </p:txBody>
-      </p:sp>
-      <p:pic>
-        <p:nvPicPr>
-          <p:cNvPr id="16" name="Picture 15">
-            <a:extLst>
-              <a:ext uri="{FF2B5EF4-FFF2-40B4-BE49-F238E27FC236}">
-                <a16:creationId xmlns:a16="http://schemas.microsoft.com/office/drawing/2014/main" id="{C5CD34EE-38E7-4B7A-BFB2-3678DCCFEA05}"/>
-              </a:ext>
-            </a:extLst>
-          </p:cNvPr>
-          <p:cNvPicPr>
-            <a:picLocks noChangeAspect="1"/>
-          </p:cNvPicPr>
-          <p:nvPr/>
-        </p:nvPicPr>
-        <p:blipFill>
-          <a:blip r:embed="rId2"/>
-          <a:stretch>
-            <a:fillRect/>
-          </a:stretch>
-        </p:blipFill>
-        <p:spPr>
-          <a:xfrm>
-            <a:off x="552755" y="905070"/>
-            <a:ext cx="6602723" cy="4560214"/>
-          </a:xfrm>
-          <a:prstGeom prst="rect">
-            <a:avLst/>
-          </a:prstGeom>
-        </p:spPr>
-      </p:pic>
-    </p:spTree>
-    <p:extLst>
-      <p:ext uri="{BB962C8B-B14F-4D97-AF65-F5344CB8AC3E}">
-        <p14:creationId xmlns:p14="http://schemas.microsoft.com/office/powerpoint/2010/main" val="662711705"/>
-      </p:ext>
-    </p:extLst>
-  </p:cSld>
-  <p:clrMapOvr>
-    <a:masterClrMapping/>
-  </p:clrMapOvr>
 </p:sld>
 </file>
 

--- a/docs/Matt_Farrow_Megan_Ball_DS6306_EDA.pptx
+++ b/docs/Matt_Farrow_Megan_Ball_DS6306_EDA.pptx
@@ -11,10 +11,10 @@
     <p:sldId id="257" r:id="rId5"/>
     <p:sldId id="258" r:id="rId6"/>
     <p:sldId id="263" r:id="rId7"/>
-    <p:sldId id="259" r:id="rId8"/>
-    <p:sldId id="265" r:id="rId9"/>
-    <p:sldId id="260" r:id="rId10"/>
-    <p:sldId id="264" r:id="rId11"/>
+    <p:sldId id="265" r:id="rId8"/>
+    <p:sldId id="260" r:id="rId9"/>
+    <p:sldId id="264" r:id="rId10"/>
+    <p:sldId id="267" r:id="rId11"/>
     <p:sldId id="266" r:id="rId12"/>
   </p:sldIdLst>
   <p:sldSz cx="12192000" cy="6858000"/>
@@ -1333,7 +1333,7 @@
           <a:p>
             <a:fld id="{1160EA64-D806-43AC-9DF2-F8C432F32B4C}" type="datetimeFigureOut">
               <a:rPr lang="en-US" smtClean="0"/>
-              <a:t>10/19/20</a:t>
+              <a:t>10/20/2020</a:t>
             </a:fld>
             <a:endParaRPr lang="en-US" dirty="0"/>
           </a:p>
@@ -1572,7 +1572,7 @@
           <a:p>
             <a:fld id="{E9F9C37B-1D36-470B-8223-D6C91242EC14}" type="datetimeFigureOut">
               <a:rPr lang="en-US" smtClean="0"/>
-              <a:t>10/19/20</a:t>
+              <a:t>10/20/2020</a:t>
             </a:fld>
             <a:endParaRPr lang="en-US" dirty="0"/>
           </a:p>
@@ -1752,7 +1752,7 @@
           <a:p>
             <a:fld id="{67C6F52A-A82B-47A2-A83A-8C4C91F2D59F}" type="datetimeFigureOut">
               <a:rPr lang="en-US" smtClean="0"/>
-              <a:t>10/19/20</a:t>
+              <a:t>10/20/2020</a:t>
             </a:fld>
             <a:endParaRPr lang="en-US" dirty="0"/>
           </a:p>
@@ -1922,7 +1922,7 @@
           <a:p>
             <a:fld id="{F070A7B3-6521-4DCA-87E5-044747A908C1}" type="datetimeFigureOut">
               <a:rPr lang="en-US" smtClean="0"/>
-              <a:t>10/19/20</a:t>
+              <a:t>10/20/2020</a:t>
             </a:fld>
             <a:endParaRPr lang="en-US" dirty="0"/>
           </a:p>
@@ -1957,7 +1957,12 @@
             <p:ph type="sldNum" sz="quarter" idx="12"/>
           </p:nvPr>
         </p:nvSpPr>
-        <p:spPr/>
+        <p:spPr>
+          <a:xfrm>
+            <a:off x="8610601" y="6550429"/>
+            <a:ext cx="2819399" cy="171046"/>
+          </a:xfrm>
+        </p:spPr>
         <p:txBody>
           <a:bodyPr/>
           <a:lstStyle/>
@@ -2196,7 +2201,7 @@
           <a:p>
             <a:fld id="{1160EA64-D806-43AC-9DF2-F8C432F32B4C}" type="datetimeFigureOut">
               <a:rPr lang="en-US" smtClean="0"/>
-              <a:t>10/19/20</a:t>
+              <a:t>10/20/2020</a:t>
             </a:fld>
             <a:endParaRPr lang="en-US" dirty="0"/>
           </a:p>
@@ -3214,6 +3219,46 @@
           </p:spPr>
         </p:sp>
       </p:grpSp>
+      <p:sp>
+        <p:nvSpPr>
+          <p:cNvPr id="10" name="TextBox 9">
+            <a:extLst>
+              <a:ext uri="{FF2B5EF4-FFF2-40B4-BE49-F238E27FC236}">
+                <a16:creationId xmlns:a16="http://schemas.microsoft.com/office/drawing/2014/main" id="{D10328F6-806E-44E5-B961-49F1FBE8B988}"/>
+              </a:ext>
+            </a:extLst>
+          </p:cNvPr>
+          <p:cNvSpPr txBox="1"/>
+          <p:nvPr userDrawn="1"/>
+        </p:nvSpPr>
+        <p:spPr>
+          <a:xfrm>
+            <a:off x="9875433" y="6604084"/>
+            <a:ext cx="2244524" cy="253916"/>
+          </a:xfrm>
+          <a:prstGeom prst="rect">
+            <a:avLst/>
+          </a:prstGeom>
+          <a:noFill/>
+        </p:spPr>
+        <p:txBody>
+          <a:bodyPr wrap="none" rtlCol="0">
+            <a:spAutoFit/>
+          </a:bodyPr>
+          <a:lstStyle/>
+          <a:p>
+            <a:pPr algn="r"/>
+            <a:r>
+              <a:rPr lang="en-US" sz="1000" dirty="0">
+                <a:solidFill>
+                  <a:schemeClr val="tx1"/>
+                </a:solidFill>
+              </a:rPr>
+              <a:t>Confidential — For Internal Use Only</a:t>
+            </a:r>
+          </a:p>
+        </p:txBody>
+      </p:sp>
     </p:spTree>
     <p:extLst>
       <p:ext uri="{BB962C8B-B14F-4D97-AF65-F5344CB8AC3E}">
@@ -3398,7 +3443,7 @@
           <a:p>
             <a:fld id="{AB134690-1557-4C89-A502-4959FE7FAD70}" type="datetimeFigureOut">
               <a:rPr lang="en-US" smtClean="0"/>
-              <a:t>10/19/20</a:t>
+              <a:t>10/20/2020</a:t>
             </a:fld>
             <a:endParaRPr lang="en-US" dirty="0"/>
           </a:p>
@@ -3788,7 +3833,7 @@
           <a:p>
             <a:fld id="{1160EA64-D806-43AC-9DF2-F8C432F32B4C}" type="datetimeFigureOut">
               <a:rPr lang="en-US" smtClean="0"/>
-              <a:t>10/19/20</a:t>
+              <a:t>10/20/2020</a:t>
             </a:fld>
             <a:endParaRPr lang="en-US" dirty="0"/>
           </a:p>
@@ -3913,7 +3958,7 @@
           <a:p>
             <a:fld id="{E1037C31-9E7A-4F99-8774-A0E530DE1A42}" type="datetimeFigureOut">
               <a:rPr lang="en-US" smtClean="0"/>
-              <a:t>10/19/20</a:t>
+              <a:t>10/20/2020</a:t>
             </a:fld>
             <a:endParaRPr lang="en-US" dirty="0"/>
           </a:p>
@@ -4008,7 +4053,7 @@
           <a:p>
             <a:fld id="{C278504F-A551-4DE0-9316-4DCD1D8CC752}" type="datetimeFigureOut">
               <a:rPr lang="en-US" smtClean="0"/>
-              <a:t>10/19/20</a:t>
+              <a:t>10/20/2020</a:t>
             </a:fld>
             <a:endParaRPr lang="en-US" dirty="0"/>
           </a:p>
@@ -4771,7 +4816,7 @@
           <a:p>
             <a:fld id="{D1BE4249-C0D0-4B06-8692-E8BB871AF643}" type="datetimeFigureOut">
               <a:rPr lang="en-US" smtClean="0"/>
-              <a:t>10/19/20</a:t>
+              <a:t>10/20/2020</a:t>
             </a:fld>
             <a:endParaRPr lang="en-US" dirty="0"/>
           </a:p>
@@ -4866,6 +4911,46 @@
             <a:schemeClr val="lt1"/>
           </a:fontRef>
         </p:style>
+      </p:sp>
+      <p:sp>
+        <p:nvSpPr>
+          <p:cNvPr id="10" name="TextBox 9">
+            <a:extLst>
+              <a:ext uri="{FF2B5EF4-FFF2-40B4-BE49-F238E27FC236}">
+                <a16:creationId xmlns:a16="http://schemas.microsoft.com/office/drawing/2014/main" id="{DE20C618-87D4-42DC-8E21-BD98288E6F65}"/>
+              </a:ext>
+            </a:extLst>
+          </p:cNvPr>
+          <p:cNvSpPr txBox="1"/>
+          <p:nvPr userDrawn="1"/>
+        </p:nvSpPr>
+        <p:spPr>
+          <a:xfrm>
+            <a:off x="9947476" y="6594517"/>
+            <a:ext cx="2244524" cy="253916"/>
+          </a:xfrm>
+          <a:prstGeom prst="rect">
+            <a:avLst/>
+          </a:prstGeom>
+          <a:noFill/>
+        </p:spPr>
+        <p:txBody>
+          <a:bodyPr wrap="none" rtlCol="0">
+            <a:spAutoFit/>
+          </a:bodyPr>
+          <a:lstStyle/>
+          <a:p>
+            <a:pPr algn="r"/>
+            <a:r>
+              <a:rPr lang="en-US" sz="1000" dirty="0">
+                <a:solidFill>
+                  <a:schemeClr val="bg1"/>
+                </a:solidFill>
+              </a:rPr>
+              <a:t>Confidential — For Internal Use Only</a:t>
+            </a:r>
+          </a:p>
+        </p:txBody>
       </p:sp>
     </p:spTree>
     <p:extLst>
@@ -5611,7 +5696,7 @@
           <a:p>
             <a:fld id="{042B0DB6-F5C7-45FB-8CF3-31B45F9C2DAC}" type="datetimeFigureOut">
               <a:rPr lang="en-US" smtClean="0"/>
-              <a:t>10/19/20</a:t>
+              <a:t>10/20/2020</a:t>
             </a:fld>
             <a:endParaRPr lang="en-US" dirty="0"/>
           </a:p>
@@ -5666,6 +5751,46 @@
               <a:t>‹#›</a:t>
             </a:fld>
             <a:endParaRPr lang="en-US" dirty="0"/>
+          </a:p>
+        </p:txBody>
+      </p:sp>
+      <p:sp>
+        <p:nvSpPr>
+          <p:cNvPr id="10" name="TextBox 9">
+            <a:extLst>
+              <a:ext uri="{FF2B5EF4-FFF2-40B4-BE49-F238E27FC236}">
+                <a16:creationId xmlns:a16="http://schemas.microsoft.com/office/drawing/2014/main" id="{95A7ACDC-AA76-4C68-86FF-E2AAB474C1EE}"/>
+              </a:ext>
+            </a:extLst>
+          </p:cNvPr>
+          <p:cNvSpPr txBox="1"/>
+          <p:nvPr userDrawn="1"/>
+        </p:nvSpPr>
+        <p:spPr>
+          <a:xfrm>
+            <a:off x="9947476" y="6594517"/>
+            <a:ext cx="2244524" cy="253916"/>
+          </a:xfrm>
+          <a:prstGeom prst="rect">
+            <a:avLst/>
+          </a:prstGeom>
+          <a:noFill/>
+        </p:spPr>
+        <p:txBody>
+          <a:bodyPr wrap="none" rtlCol="0">
+            <a:spAutoFit/>
+          </a:bodyPr>
+          <a:lstStyle/>
+          <a:p>
+            <a:pPr algn="r"/>
+            <a:r>
+              <a:rPr lang="en-US" sz="1000" dirty="0">
+                <a:solidFill>
+                  <a:schemeClr val="bg1"/>
+                </a:solidFill>
+              </a:rPr>
+              <a:t>Confidential — For Internal Use Only</a:t>
+            </a:r>
           </a:p>
         </p:txBody>
       </p:sp>
@@ -5838,7 +5963,7 @@
           <a:p>
             <a:fld id="{1160EA64-D806-43AC-9DF2-F8C432F32B4C}" type="datetimeFigureOut">
               <a:rPr lang="en-US" smtClean="0"/>
-              <a:t>10/19/20</a:t>
+              <a:t>10/20/2020</a:t>
             </a:fld>
             <a:endParaRPr lang="en-US" dirty="0"/>
           </a:p>
@@ -6426,6 +6551,46 @@
             <a:schemeClr val="lt1"/>
           </a:fontRef>
         </p:style>
+      </p:sp>
+      <p:sp>
+        <p:nvSpPr>
+          <p:cNvPr id="10" name="TextBox 9">
+            <a:extLst>
+              <a:ext uri="{FF2B5EF4-FFF2-40B4-BE49-F238E27FC236}">
+                <a16:creationId xmlns:a16="http://schemas.microsoft.com/office/drawing/2014/main" id="{A6D0A5E7-EC3B-4B5D-BD85-D433FC22A6E0}"/>
+              </a:ext>
+            </a:extLst>
+          </p:cNvPr>
+          <p:cNvSpPr txBox="1"/>
+          <p:nvPr userDrawn="1"/>
+        </p:nvSpPr>
+        <p:spPr>
+          <a:xfrm>
+            <a:off x="9642677" y="6604084"/>
+            <a:ext cx="2244524" cy="253916"/>
+          </a:xfrm>
+          <a:prstGeom prst="rect">
+            <a:avLst/>
+          </a:prstGeom>
+          <a:noFill/>
+        </p:spPr>
+        <p:txBody>
+          <a:bodyPr wrap="none" rtlCol="0">
+            <a:spAutoFit/>
+          </a:bodyPr>
+          <a:lstStyle/>
+          <a:p>
+            <a:pPr algn="r"/>
+            <a:r>
+              <a:rPr lang="en-US" sz="1000" dirty="0">
+                <a:solidFill>
+                  <a:schemeClr val="tx1"/>
+                </a:solidFill>
+              </a:rPr>
+              <a:t>Confidential — For Internal Use Only</a:t>
+            </a:r>
+          </a:p>
+        </p:txBody>
       </p:sp>
     </p:spTree>
     <p:extLst>
@@ -6938,7 +7103,7 @@
           <p:cNvPr id="2" name="Title 1">
             <a:extLst>
               <a:ext uri="{FF2B5EF4-FFF2-40B4-BE49-F238E27FC236}">
-                <a16:creationId xmlns:a16="http://schemas.microsoft.com/office/drawing/2014/main" id="{D48EB158-C9D6-47C5-AABF-BA03D72DFC9A}"/>
+                <a16:creationId xmlns:a16="http://schemas.microsoft.com/office/drawing/2014/main" id="{081755DB-4C92-47D3-9796-BD93773B435D}"/>
               </a:ext>
             </a:extLst>
           </p:cNvPr>
@@ -6956,17 +7121,25 @@
           <a:p>
             <a:r>
               <a:rPr lang="en-US" dirty="0"/>
-              <a:t>Relationship between bitter &amp; boozy</a:t>
+              <a:t>Can we guess which is an </a:t>
+            </a:r>
+            <a:r>
+              <a:rPr lang="en-US" dirty="0" err="1"/>
+              <a:t>ipa</a:t>
+            </a:r>
+            <a:r>
+              <a:rPr lang="en-US" dirty="0"/>
+              <a:t>?</a:t>
             </a:r>
           </a:p>
         </p:txBody>
       </p:sp>
       <p:sp>
         <p:nvSpPr>
-          <p:cNvPr id="11" name="Text Placeholder 10">
+          <p:cNvPr id="3" name="Content Placeholder 2">
             <a:extLst>
               <a:ext uri="{FF2B5EF4-FFF2-40B4-BE49-F238E27FC236}">
-                <a16:creationId xmlns:a16="http://schemas.microsoft.com/office/drawing/2014/main" id="{9C3C278C-10AC-41C2-9073-4DE0E3C14519}"/>
+                <a16:creationId xmlns:a16="http://schemas.microsoft.com/office/drawing/2014/main" id="{00850E0A-A54A-4858-82DC-0ABB91E44245}"/>
               </a:ext>
             </a:extLst>
           </p:cNvPr>
@@ -6974,7 +7147,7 @@
             <a:spLocks noGrp="1"/>
           </p:cNvSpPr>
           <p:nvPr>
-            <p:ph type="body" sz="half" idx="2"/>
+            <p:ph sz="half" idx="1"/>
           </p:nvPr>
         </p:nvSpPr>
         <p:spPr/>
@@ -6982,108 +7155,767 @@
           <a:bodyPr/>
           <a:lstStyle/>
           <a:p>
-            <a:endParaRPr lang="en-US" dirty="0"/>
-          </a:p>
-          <a:p>
-            <a:endParaRPr lang="en-US" dirty="0"/>
+            <a:r>
+              <a:rPr lang="en-US" dirty="0"/>
+              <a:t>Based on a beer’s IBU and ABV, we can predict if a beer will be an IPA or other type of ale with an overall accuracy of </a:t>
+            </a:r>
+            <a:r>
+              <a:rPr lang="en-US" dirty="0">
+                <a:solidFill>
+                  <a:srgbClr val="00B050"/>
+                </a:solidFill>
+              </a:rPr>
+              <a:t>89%</a:t>
+            </a:r>
           </a:p>
           <a:p>
             <a:r>
               <a:rPr lang="en-US" dirty="0"/>
-              <a:t>In general, there appears to be a relationship between IBU and ABV.</a:t>
+              <a:t>Our model correctly predicted 107 out of 116 as Ales (</a:t>
             </a:r>
-          </a:p>
-          <a:p>
-            <a:endParaRPr lang="en-US" dirty="0"/>
+            <a:r>
+              <a:rPr lang="en-US" dirty="0">
+                <a:solidFill>
+                  <a:srgbClr val="00B050"/>
+                </a:solidFill>
+              </a:rPr>
+              <a:t>92%</a:t>
+            </a:r>
+            <a:r>
+              <a:rPr lang="en-US" dirty="0"/>
+              <a:t>) and 117 out of 135 as IPAs (</a:t>
+            </a:r>
+            <a:r>
+              <a:rPr lang="en-US" dirty="0">
+                <a:solidFill>
+                  <a:srgbClr val="00B050"/>
+                </a:solidFill>
+              </a:rPr>
+              <a:t>87%</a:t>
+            </a:r>
+            <a:r>
+              <a:rPr lang="en-US" dirty="0"/>
+              <a:t>)</a:t>
+            </a:r>
           </a:p>
           <a:p>
             <a:r>
               <a:rPr lang="en-US" dirty="0"/>
-              <a:t>Based on our assessment, we may be able to predict ABV based on IBU along with style and other variables of interest.</a:t>
+              <a:t>To further improve our predictions, we can research the true IBU and ABV values instead of using imputation</a:t>
             </a:r>
           </a:p>
         </p:txBody>
       </p:sp>
-      <p:sp>
-        <p:nvSpPr>
-          <p:cNvPr id="5" name="TextBox 4">
+      <p:graphicFrame>
+        <p:nvGraphicFramePr>
+          <p:cNvPr id="5" name="Table 5">
             <a:extLst>
               <a:ext uri="{FF2B5EF4-FFF2-40B4-BE49-F238E27FC236}">
-                <a16:creationId xmlns:a16="http://schemas.microsoft.com/office/drawing/2014/main" id="{27618A4E-9FF7-1C41-92F5-1C0E9DE85F28}"/>
+                <a16:creationId xmlns:a16="http://schemas.microsoft.com/office/drawing/2014/main" id="{FD7F5F50-DBF3-459E-8FC9-43349DD9938D}"/>
               </a:ext>
             </a:extLst>
           </p:cNvPr>
-          <p:cNvSpPr txBox="1"/>
-          <p:nvPr/>
-        </p:nvSpPr>
-        <p:spPr>
-          <a:xfrm>
-            <a:off x="9667389" y="6604084"/>
-            <a:ext cx="2244524" cy="253916"/>
-          </a:xfrm>
-          <a:prstGeom prst="rect">
-            <a:avLst/>
-          </a:prstGeom>
-          <a:noFill/>
-        </p:spPr>
-        <p:txBody>
-          <a:bodyPr wrap="none" rtlCol="0">
-            <a:spAutoFit/>
-          </a:bodyPr>
-          <a:lstStyle/>
-          <a:p>
-            <a:pPr algn="r"/>
-            <a:r>
-              <a:rPr lang="en-US" sz="1000" dirty="0">
-                <a:solidFill>
-                  <a:schemeClr val="bg1"/>
-                </a:solidFill>
-              </a:rPr>
-              <a:t>Confidential — For Internal Use Only</a:t>
-            </a:r>
-          </a:p>
-        </p:txBody>
-      </p:sp>
-      <p:pic>
-        <p:nvPicPr>
-          <p:cNvPr id="4" name="Picture 3">
-            <a:extLst>
-              <a:ext uri="{FF2B5EF4-FFF2-40B4-BE49-F238E27FC236}">
-                <a16:creationId xmlns:a16="http://schemas.microsoft.com/office/drawing/2014/main" id="{E8F66A1D-45C4-F74F-B243-84CBD704383F}"/>
-              </a:ext>
-            </a:extLst>
-          </p:cNvPr>
-          <p:cNvPicPr>
-            <a:picLocks noChangeAspect="1"/>
-          </p:cNvPicPr>
-          <p:nvPr/>
-        </p:nvPicPr>
-        <p:blipFill>
-          <a:blip r:embed="rId2"/>
-          <a:stretch>
-            <a:fillRect/>
-          </a:stretch>
-        </p:blipFill>
-        <p:spPr>
-          <a:xfrm>
-            <a:off x="280087" y="0"/>
-            <a:ext cx="6858000" cy="6858000"/>
-          </a:xfrm>
-          <a:prstGeom prst="rect">
-            <a:avLst/>
-          </a:prstGeom>
-        </p:spPr>
-      </p:pic>
+          <p:cNvGraphicFramePr>
+            <a:graphicFrameLocks noGrp="1"/>
+          </p:cNvGraphicFramePr>
+          <p:nvPr>
+            <p:ph sz="half" idx="2"/>
+            <p:extLst>
+              <p:ext uri="{D42A27DB-BD31-4B8C-83A1-F6EECF244321}">
+                <p14:modId xmlns:p14="http://schemas.microsoft.com/office/powerpoint/2010/main" val="1103749854"/>
+              </p:ext>
+            </p:extLst>
+          </p:nvPr>
+        </p:nvGraphicFramePr>
+        <p:xfrm>
+          <a:off x="7455544" y="2898396"/>
+          <a:ext cx="3777315" cy="1483360"/>
+        </p:xfrm>
+        <a:graphic>
+          <a:graphicData uri="http://schemas.openxmlformats.org/drawingml/2006/table">
+            <a:tbl>
+              <a:tblPr bandRow="1">
+                <a:tableStyleId>{5C22544A-7EE6-4342-B048-85BDC9FD1C3A}</a:tableStyleId>
+              </a:tblPr>
+              <a:tblGrid>
+                <a:gridCol w="1562623">
+                  <a:extLst>
+                    <a:ext uri="{9D8B030D-6E8A-4147-A177-3AD203B41FA5}">
+                      <a16:colId xmlns:a16="http://schemas.microsoft.com/office/drawing/2014/main" val="1788895646"/>
+                    </a:ext>
+                  </a:extLst>
+                </a:gridCol>
+                <a:gridCol w="981510">
+                  <a:extLst>
+                    <a:ext uri="{9D8B030D-6E8A-4147-A177-3AD203B41FA5}">
+                      <a16:colId xmlns:a16="http://schemas.microsoft.com/office/drawing/2014/main" val="2240837180"/>
+                    </a:ext>
+                  </a:extLst>
+                </a:gridCol>
+                <a:gridCol w="1233182">
+                  <a:extLst>
+                    <a:ext uri="{9D8B030D-6E8A-4147-A177-3AD203B41FA5}">
+                      <a16:colId xmlns:a16="http://schemas.microsoft.com/office/drawing/2014/main" val="3083942509"/>
+                    </a:ext>
+                  </a:extLst>
+                </a:gridCol>
+              </a:tblGrid>
+              <a:tr h="370840">
+                <a:tc>
+                  <a:txBody>
+                    <a:bodyPr/>
+                    <a:lstStyle/>
+                    <a:p>
+                      <a:endParaRPr lang="en-US" dirty="0"/>
+                    </a:p>
+                  </a:txBody>
+                  <a:tcPr/>
+                </a:tc>
+                <a:tc gridSpan="2">
+                  <a:txBody>
+                    <a:bodyPr/>
+                    <a:lstStyle/>
+                    <a:p>
+                      <a:pPr algn="ctr"/>
+                      <a:r>
+                        <a:rPr lang="en-US" b="1" dirty="0"/>
+                        <a:t>Reference</a:t>
+                      </a:r>
+                    </a:p>
+                  </a:txBody>
+                  <a:tcPr/>
+                </a:tc>
+                <a:tc hMerge="1">
+                  <a:txBody>
+                    <a:bodyPr/>
+                    <a:lstStyle/>
+                    <a:p>
+                      <a:endParaRPr lang="en-US" dirty="0"/>
+                    </a:p>
+                  </a:txBody>
+                  <a:tcPr/>
+                </a:tc>
+                <a:extLst>
+                  <a:ext uri="{0D108BD9-81ED-4DB2-BD59-A6C34878D82A}">
+                    <a16:rowId xmlns:a16="http://schemas.microsoft.com/office/drawing/2014/main" val="2636997357"/>
+                  </a:ext>
+                </a:extLst>
+              </a:tr>
+              <a:tr h="370840">
+                <a:tc>
+                  <a:txBody>
+                    <a:bodyPr/>
+                    <a:lstStyle/>
+                    <a:p>
+                      <a:r>
+                        <a:rPr lang="en-US" b="1" i="1" dirty="0"/>
+                        <a:t>Prediction</a:t>
+                      </a:r>
+                    </a:p>
+                  </a:txBody>
+                  <a:tcPr/>
+                </a:tc>
+                <a:tc>
+                  <a:txBody>
+                    <a:bodyPr/>
+                    <a:lstStyle/>
+                    <a:p>
+                      <a:r>
+                        <a:rPr lang="en-US" b="1" i="1" dirty="0"/>
+                        <a:t>Ale</a:t>
+                      </a:r>
+                    </a:p>
+                  </a:txBody>
+                  <a:tcPr/>
+                </a:tc>
+                <a:tc>
+                  <a:txBody>
+                    <a:bodyPr/>
+                    <a:lstStyle/>
+                    <a:p>
+                      <a:r>
+                        <a:rPr lang="en-US" b="1" i="1" dirty="0"/>
+                        <a:t>IPA</a:t>
+                      </a:r>
+                    </a:p>
+                  </a:txBody>
+                  <a:tcPr/>
+                </a:tc>
+                <a:extLst>
+                  <a:ext uri="{0D108BD9-81ED-4DB2-BD59-A6C34878D82A}">
+                    <a16:rowId xmlns:a16="http://schemas.microsoft.com/office/drawing/2014/main" val="3618131846"/>
+                  </a:ext>
+                </a:extLst>
+              </a:tr>
+              <a:tr h="370840">
+                <a:tc>
+                  <a:txBody>
+                    <a:bodyPr/>
+                    <a:lstStyle/>
+                    <a:p>
+                      <a:pPr algn="r"/>
+                      <a:r>
+                        <a:rPr lang="en-US" b="1" i="1" dirty="0"/>
+                        <a:t>Ale</a:t>
+                      </a:r>
+                    </a:p>
+                  </a:txBody>
+                  <a:tcPr/>
+                </a:tc>
+                <a:tc>
+                  <a:txBody>
+                    <a:bodyPr/>
+                    <a:lstStyle/>
+                    <a:p>
+                      <a:pPr algn="ctr"/>
+                      <a:r>
+                        <a:rPr lang="en-US" dirty="0">
+                          <a:solidFill>
+                            <a:srgbClr val="00B050"/>
+                          </a:solidFill>
+                        </a:rPr>
+                        <a:t>107</a:t>
+                      </a:r>
+                    </a:p>
+                  </a:txBody>
+                  <a:tcPr/>
+                </a:tc>
+                <a:tc>
+                  <a:txBody>
+                    <a:bodyPr/>
+                    <a:lstStyle/>
+                    <a:p>
+                      <a:pPr algn="ctr"/>
+                      <a:r>
+                        <a:rPr lang="en-US" dirty="0">
+                          <a:solidFill>
+                            <a:srgbClr val="FF0000"/>
+                          </a:solidFill>
+                        </a:rPr>
+                        <a:t>18</a:t>
+                      </a:r>
+                    </a:p>
+                  </a:txBody>
+                  <a:tcPr/>
+                </a:tc>
+                <a:extLst>
+                  <a:ext uri="{0D108BD9-81ED-4DB2-BD59-A6C34878D82A}">
+                    <a16:rowId xmlns:a16="http://schemas.microsoft.com/office/drawing/2014/main" val="788288703"/>
+                  </a:ext>
+                </a:extLst>
+              </a:tr>
+              <a:tr h="370840">
+                <a:tc>
+                  <a:txBody>
+                    <a:bodyPr/>
+                    <a:lstStyle/>
+                    <a:p>
+                      <a:pPr algn="r"/>
+                      <a:r>
+                        <a:rPr lang="en-US" b="1" i="1" dirty="0"/>
+                        <a:t>IPA</a:t>
+                      </a:r>
+                    </a:p>
+                  </a:txBody>
+                  <a:tcPr/>
+                </a:tc>
+                <a:tc>
+                  <a:txBody>
+                    <a:bodyPr/>
+                    <a:lstStyle/>
+                    <a:p>
+                      <a:pPr algn="ctr"/>
+                      <a:r>
+                        <a:rPr lang="en-US" dirty="0">
+                          <a:solidFill>
+                            <a:srgbClr val="FF0000"/>
+                          </a:solidFill>
+                        </a:rPr>
+                        <a:t>9</a:t>
+                      </a:r>
+                    </a:p>
+                  </a:txBody>
+                  <a:tcPr/>
+                </a:tc>
+                <a:tc>
+                  <a:txBody>
+                    <a:bodyPr/>
+                    <a:lstStyle/>
+                    <a:p>
+                      <a:pPr algn="ctr"/>
+                      <a:r>
+                        <a:rPr lang="en-US" dirty="0">
+                          <a:solidFill>
+                            <a:srgbClr val="00B050"/>
+                          </a:solidFill>
+                        </a:rPr>
+                        <a:t>117</a:t>
+                      </a:r>
+                    </a:p>
+                  </a:txBody>
+                  <a:tcPr/>
+                </a:tc>
+                <a:extLst>
+                  <a:ext uri="{0D108BD9-81ED-4DB2-BD59-A6C34878D82A}">
+                    <a16:rowId xmlns:a16="http://schemas.microsoft.com/office/drawing/2014/main" val="2272126955"/>
+                  </a:ext>
+                </a:extLst>
+              </a:tr>
+            </a:tbl>
+          </a:graphicData>
+        </a:graphic>
+      </p:graphicFrame>
     </p:spTree>
     <p:extLst>
       <p:ext uri="{BB962C8B-B14F-4D97-AF65-F5344CB8AC3E}">
-        <p14:creationId xmlns:p14="http://schemas.microsoft.com/office/powerpoint/2010/main" val="662711705"/>
+        <p14:creationId xmlns:p14="http://schemas.microsoft.com/office/powerpoint/2010/main" val="1073061227"/>
       </p:ext>
     </p:extLst>
   </p:cSld>
   <p:clrMapOvr>
     <a:masterClrMapping/>
   </p:clrMapOvr>
+  <p:timing>
+    <p:tnLst>
+      <p:par>
+        <p:cTn id="1" dur="indefinite" restart="never" nodeType="tmRoot">
+          <p:childTnLst>
+            <p:seq concurrent="1" nextAc="seek">
+              <p:cTn id="2" dur="indefinite" nodeType="mainSeq">
+                <p:childTnLst>
+                  <p:par>
+                    <p:cTn id="3" fill="hold">
+                      <p:stCondLst>
+                        <p:cond delay="indefinite"/>
+                      </p:stCondLst>
+                      <p:childTnLst>
+                        <p:par>
+                          <p:cTn id="4" fill="hold">
+                            <p:stCondLst>
+                              <p:cond delay="0"/>
+                            </p:stCondLst>
+                            <p:childTnLst>
+                              <p:par>
+                                <p:cTn id="5" presetID="2" presetClass="entr" presetSubtype="4" fill="hold" grpId="0" nodeType="clickEffect">
+                                  <p:stCondLst>
+                                    <p:cond delay="0"/>
+                                  </p:stCondLst>
+                                  <p:childTnLst>
+                                    <p:set>
+                                      <p:cBhvr>
+                                        <p:cTn id="6" dur="1" fill="hold">
+                                          <p:stCondLst>
+                                            <p:cond delay="0"/>
+                                          </p:stCondLst>
+                                        </p:cTn>
+                                        <p:tgtEl>
+                                          <p:spTgt spid="3">
+                                            <p:txEl>
+                                              <p:pRg st="0" end="0"/>
+                                            </p:txEl>
+                                          </p:spTgt>
+                                        </p:tgtEl>
+                                        <p:attrNameLst>
+                                          <p:attrName>style.visibility</p:attrName>
+                                        </p:attrNameLst>
+                                      </p:cBhvr>
+                                      <p:to>
+                                        <p:strVal val="visible"/>
+                                      </p:to>
+                                    </p:set>
+                                    <p:anim calcmode="lin" valueType="num">
+                                      <p:cBhvr additive="base">
+                                        <p:cTn id="7" dur="500" fill="hold"/>
+                                        <p:tgtEl>
+                                          <p:spTgt spid="3">
+                                            <p:txEl>
+                                              <p:pRg st="0" end="0"/>
+                                            </p:txEl>
+                                          </p:spTgt>
+                                        </p:tgtEl>
+                                        <p:attrNameLst>
+                                          <p:attrName>ppt_x</p:attrName>
+                                        </p:attrNameLst>
+                                      </p:cBhvr>
+                                      <p:tavLst>
+                                        <p:tav tm="0">
+                                          <p:val>
+                                            <p:strVal val="#ppt_x"/>
+                                          </p:val>
+                                        </p:tav>
+                                        <p:tav tm="100000">
+                                          <p:val>
+                                            <p:strVal val="#ppt_x"/>
+                                          </p:val>
+                                        </p:tav>
+                                      </p:tavLst>
+                                    </p:anim>
+                                    <p:anim calcmode="lin" valueType="num">
+                                      <p:cBhvr additive="base">
+                                        <p:cTn id="8" dur="500" fill="hold"/>
+                                        <p:tgtEl>
+                                          <p:spTgt spid="3">
+                                            <p:txEl>
+                                              <p:pRg st="0" end="0"/>
+                                            </p:txEl>
+                                          </p:spTgt>
+                                        </p:tgtEl>
+                                        <p:attrNameLst>
+                                          <p:attrName>ppt_y</p:attrName>
+                                        </p:attrNameLst>
+                                      </p:cBhvr>
+                                      <p:tavLst>
+                                        <p:tav tm="0">
+                                          <p:val>
+                                            <p:strVal val="1+#ppt_h/2"/>
+                                          </p:val>
+                                        </p:tav>
+                                        <p:tav tm="100000">
+                                          <p:val>
+                                            <p:strVal val="#ppt_y"/>
+                                          </p:val>
+                                        </p:tav>
+                                      </p:tavLst>
+                                    </p:anim>
+                                  </p:childTnLst>
+                                </p:cTn>
+                              </p:par>
+                            </p:childTnLst>
+                          </p:cTn>
+                        </p:par>
+                      </p:childTnLst>
+                    </p:cTn>
+                  </p:par>
+                  <p:par>
+                    <p:cTn id="9" fill="hold">
+                      <p:stCondLst>
+                        <p:cond delay="indefinite"/>
+                      </p:stCondLst>
+                      <p:childTnLst>
+                        <p:par>
+                          <p:cTn id="10" fill="hold">
+                            <p:stCondLst>
+                              <p:cond delay="0"/>
+                            </p:stCondLst>
+                            <p:childTnLst>
+                              <p:par>
+                                <p:cTn id="11" presetID="42" presetClass="entr" presetSubtype="0" fill="hold" nodeType="clickEffect">
+                                  <p:stCondLst>
+                                    <p:cond delay="0"/>
+                                  </p:stCondLst>
+                                  <p:childTnLst>
+                                    <p:set>
+                                      <p:cBhvr>
+                                        <p:cTn id="12" dur="1" fill="hold">
+                                          <p:stCondLst>
+                                            <p:cond delay="0"/>
+                                          </p:stCondLst>
+                                        </p:cTn>
+                                        <p:tgtEl>
+                                          <p:spTgt spid="5"/>
+                                        </p:tgtEl>
+                                        <p:attrNameLst>
+                                          <p:attrName>style.visibility</p:attrName>
+                                        </p:attrNameLst>
+                                      </p:cBhvr>
+                                      <p:to>
+                                        <p:strVal val="visible"/>
+                                      </p:to>
+                                    </p:set>
+                                    <p:animEffect transition="in" filter="fade">
+                                      <p:cBhvr>
+                                        <p:cTn id="13" dur="1000"/>
+                                        <p:tgtEl>
+                                          <p:spTgt spid="5"/>
+                                        </p:tgtEl>
+                                      </p:cBhvr>
+                                    </p:animEffect>
+                                    <p:anim calcmode="lin" valueType="num">
+                                      <p:cBhvr>
+                                        <p:cTn id="14" dur="1000" fill="hold"/>
+                                        <p:tgtEl>
+                                          <p:spTgt spid="5"/>
+                                        </p:tgtEl>
+                                        <p:attrNameLst>
+                                          <p:attrName>ppt_x</p:attrName>
+                                        </p:attrNameLst>
+                                      </p:cBhvr>
+                                      <p:tavLst>
+                                        <p:tav tm="0">
+                                          <p:val>
+                                            <p:strVal val="#ppt_x"/>
+                                          </p:val>
+                                        </p:tav>
+                                        <p:tav tm="100000">
+                                          <p:val>
+                                            <p:strVal val="#ppt_x"/>
+                                          </p:val>
+                                        </p:tav>
+                                      </p:tavLst>
+                                    </p:anim>
+                                    <p:anim calcmode="lin" valueType="num">
+                                      <p:cBhvr>
+                                        <p:cTn id="15" dur="1000" fill="hold"/>
+                                        <p:tgtEl>
+                                          <p:spTgt spid="5"/>
+                                        </p:tgtEl>
+                                        <p:attrNameLst>
+                                          <p:attrName>ppt_y</p:attrName>
+                                        </p:attrNameLst>
+                                      </p:cBhvr>
+                                      <p:tavLst>
+                                        <p:tav tm="0">
+                                          <p:val>
+                                            <p:strVal val="#ppt_y+.1"/>
+                                          </p:val>
+                                        </p:tav>
+                                        <p:tav tm="100000">
+                                          <p:val>
+                                            <p:strVal val="#ppt_y"/>
+                                          </p:val>
+                                        </p:tav>
+                                      </p:tavLst>
+                                    </p:anim>
+                                  </p:childTnLst>
+                                </p:cTn>
+                              </p:par>
+                            </p:childTnLst>
+                          </p:cTn>
+                        </p:par>
+                      </p:childTnLst>
+                    </p:cTn>
+                  </p:par>
+                  <p:par>
+                    <p:cTn id="16" fill="hold">
+                      <p:stCondLst>
+                        <p:cond delay="indefinite"/>
+                      </p:stCondLst>
+                      <p:childTnLst>
+                        <p:par>
+                          <p:cTn id="17" fill="hold">
+                            <p:stCondLst>
+                              <p:cond delay="0"/>
+                            </p:stCondLst>
+                            <p:childTnLst>
+                              <p:par>
+                                <p:cTn id="18" presetID="2" presetClass="entr" presetSubtype="4" fill="hold" grpId="0" nodeType="clickEffect">
+                                  <p:stCondLst>
+                                    <p:cond delay="0"/>
+                                  </p:stCondLst>
+                                  <p:childTnLst>
+                                    <p:set>
+                                      <p:cBhvr>
+                                        <p:cTn id="19" dur="1" fill="hold">
+                                          <p:stCondLst>
+                                            <p:cond delay="0"/>
+                                          </p:stCondLst>
+                                        </p:cTn>
+                                        <p:tgtEl>
+                                          <p:spTgt spid="3">
+                                            <p:txEl>
+                                              <p:pRg st="1" end="1"/>
+                                            </p:txEl>
+                                          </p:spTgt>
+                                        </p:tgtEl>
+                                        <p:attrNameLst>
+                                          <p:attrName>style.visibility</p:attrName>
+                                        </p:attrNameLst>
+                                      </p:cBhvr>
+                                      <p:to>
+                                        <p:strVal val="visible"/>
+                                      </p:to>
+                                    </p:set>
+                                    <p:anim calcmode="lin" valueType="num">
+                                      <p:cBhvr additive="base">
+                                        <p:cTn id="20" dur="500" fill="hold"/>
+                                        <p:tgtEl>
+                                          <p:spTgt spid="3">
+                                            <p:txEl>
+                                              <p:pRg st="1" end="1"/>
+                                            </p:txEl>
+                                          </p:spTgt>
+                                        </p:tgtEl>
+                                        <p:attrNameLst>
+                                          <p:attrName>ppt_x</p:attrName>
+                                        </p:attrNameLst>
+                                      </p:cBhvr>
+                                      <p:tavLst>
+                                        <p:tav tm="0">
+                                          <p:val>
+                                            <p:strVal val="#ppt_x"/>
+                                          </p:val>
+                                        </p:tav>
+                                        <p:tav tm="100000">
+                                          <p:val>
+                                            <p:strVal val="#ppt_x"/>
+                                          </p:val>
+                                        </p:tav>
+                                      </p:tavLst>
+                                    </p:anim>
+                                    <p:anim calcmode="lin" valueType="num">
+                                      <p:cBhvr additive="base">
+                                        <p:cTn id="21" dur="500" fill="hold"/>
+                                        <p:tgtEl>
+                                          <p:spTgt spid="3">
+                                            <p:txEl>
+                                              <p:pRg st="1" end="1"/>
+                                            </p:txEl>
+                                          </p:spTgt>
+                                        </p:tgtEl>
+                                        <p:attrNameLst>
+                                          <p:attrName>ppt_y</p:attrName>
+                                        </p:attrNameLst>
+                                      </p:cBhvr>
+                                      <p:tavLst>
+                                        <p:tav tm="0">
+                                          <p:val>
+                                            <p:strVal val="1+#ppt_h/2"/>
+                                          </p:val>
+                                        </p:tav>
+                                        <p:tav tm="100000">
+                                          <p:val>
+                                            <p:strVal val="#ppt_y"/>
+                                          </p:val>
+                                        </p:tav>
+                                      </p:tavLst>
+                                    </p:anim>
+                                  </p:childTnLst>
+                                </p:cTn>
+                              </p:par>
+                            </p:childTnLst>
+                          </p:cTn>
+                        </p:par>
+                      </p:childTnLst>
+                    </p:cTn>
+                  </p:par>
+                  <p:par>
+                    <p:cTn id="22" fill="hold">
+                      <p:stCondLst>
+                        <p:cond delay="indefinite"/>
+                      </p:stCondLst>
+                      <p:childTnLst>
+                        <p:par>
+                          <p:cTn id="23" fill="hold">
+                            <p:stCondLst>
+                              <p:cond delay="0"/>
+                            </p:stCondLst>
+                            <p:childTnLst>
+                              <p:par>
+                                <p:cTn id="24" presetID="2" presetClass="entr" presetSubtype="4" fill="hold" grpId="0" nodeType="clickEffect">
+                                  <p:stCondLst>
+                                    <p:cond delay="0"/>
+                                  </p:stCondLst>
+                                  <p:childTnLst>
+                                    <p:set>
+                                      <p:cBhvr>
+                                        <p:cTn id="25" dur="1" fill="hold">
+                                          <p:stCondLst>
+                                            <p:cond delay="0"/>
+                                          </p:stCondLst>
+                                        </p:cTn>
+                                        <p:tgtEl>
+                                          <p:spTgt spid="3">
+                                            <p:txEl>
+                                              <p:pRg st="2" end="2"/>
+                                            </p:txEl>
+                                          </p:spTgt>
+                                        </p:tgtEl>
+                                        <p:attrNameLst>
+                                          <p:attrName>style.visibility</p:attrName>
+                                        </p:attrNameLst>
+                                      </p:cBhvr>
+                                      <p:to>
+                                        <p:strVal val="visible"/>
+                                      </p:to>
+                                    </p:set>
+                                    <p:anim calcmode="lin" valueType="num">
+                                      <p:cBhvr additive="base">
+                                        <p:cTn id="26" dur="500" fill="hold"/>
+                                        <p:tgtEl>
+                                          <p:spTgt spid="3">
+                                            <p:txEl>
+                                              <p:pRg st="2" end="2"/>
+                                            </p:txEl>
+                                          </p:spTgt>
+                                        </p:tgtEl>
+                                        <p:attrNameLst>
+                                          <p:attrName>ppt_x</p:attrName>
+                                        </p:attrNameLst>
+                                      </p:cBhvr>
+                                      <p:tavLst>
+                                        <p:tav tm="0">
+                                          <p:val>
+                                            <p:strVal val="#ppt_x"/>
+                                          </p:val>
+                                        </p:tav>
+                                        <p:tav tm="100000">
+                                          <p:val>
+                                            <p:strVal val="#ppt_x"/>
+                                          </p:val>
+                                        </p:tav>
+                                      </p:tavLst>
+                                    </p:anim>
+                                    <p:anim calcmode="lin" valueType="num">
+                                      <p:cBhvr additive="base">
+                                        <p:cTn id="27" dur="500" fill="hold"/>
+                                        <p:tgtEl>
+                                          <p:spTgt spid="3">
+                                            <p:txEl>
+                                              <p:pRg st="2" end="2"/>
+                                            </p:txEl>
+                                          </p:spTgt>
+                                        </p:tgtEl>
+                                        <p:attrNameLst>
+                                          <p:attrName>ppt_y</p:attrName>
+                                        </p:attrNameLst>
+                                      </p:cBhvr>
+                                      <p:tavLst>
+                                        <p:tav tm="0">
+                                          <p:val>
+                                            <p:strVal val="1+#ppt_h/2"/>
+                                          </p:val>
+                                        </p:tav>
+                                        <p:tav tm="100000">
+                                          <p:val>
+                                            <p:strVal val="#ppt_y"/>
+                                          </p:val>
+                                        </p:tav>
+                                      </p:tavLst>
+                                    </p:anim>
+                                  </p:childTnLst>
+                                </p:cTn>
+                              </p:par>
+                            </p:childTnLst>
+                          </p:cTn>
+                        </p:par>
+                      </p:childTnLst>
+                    </p:cTn>
+                  </p:par>
+                </p:childTnLst>
+              </p:cTn>
+              <p:prevCondLst>
+                <p:cond evt="onPrev" delay="0">
+                  <p:tgtEl>
+                    <p:sldTgt/>
+                  </p:tgtEl>
+                </p:cond>
+              </p:prevCondLst>
+              <p:nextCondLst>
+                <p:cond evt="onNext" delay="0">
+                  <p:tgtEl>
+                    <p:sldTgt/>
+                  </p:tgtEl>
+                </p:cond>
+              </p:nextCondLst>
+            </p:seq>
+          </p:childTnLst>
+        </p:cTn>
+      </p:par>
+    </p:tnLst>
+    <p:bldLst>
+      <p:bldP spid="3" grpId="0" uiExpand="1" build="p"/>
+    </p:bldLst>
+  </p:timing>
 </p:sld>
 </file>
 
@@ -7296,8 +8128,8 @@
         </p:nvSpPr>
         <p:spPr>
           <a:xfrm>
-            <a:off x="1335640" y="5951912"/>
-            <a:ext cx="5625258" cy="369332"/>
+            <a:off x="1252728" y="5906153"/>
+            <a:ext cx="5687776" cy="369332"/>
           </a:xfrm>
           <a:prstGeom prst="rect">
             <a:avLst/>
@@ -7312,7 +8144,7 @@
           <a:p>
             <a:r>
               <a:rPr lang="en-US" dirty="0"/>
-              <a:t>Red states have fewer than 10 IPAs available to consumers</a:t>
+              <a:t>Red states have fewer than 10 IPAs available to consumers!</a:t>
             </a:r>
           </a:p>
         </p:txBody>
@@ -7618,42 +8450,6 @@
           </a:p>
         </p:txBody>
       </p:sp>
-      <p:sp>
-        <p:nvSpPr>
-          <p:cNvPr id="3" name="TextBox 2">
-            <a:extLst>
-              <a:ext uri="{FF2B5EF4-FFF2-40B4-BE49-F238E27FC236}">
-                <a16:creationId xmlns:a16="http://schemas.microsoft.com/office/drawing/2014/main" id="{11657664-8B3E-AD48-AF81-B2BF46313340}"/>
-              </a:ext>
-            </a:extLst>
-          </p:cNvPr>
-          <p:cNvSpPr txBox="1"/>
-          <p:nvPr/>
-        </p:nvSpPr>
-        <p:spPr>
-          <a:xfrm>
-            <a:off x="9667389" y="6604084"/>
-            <a:ext cx="2244524" cy="253916"/>
-          </a:xfrm>
-          <a:prstGeom prst="rect">
-            <a:avLst/>
-          </a:prstGeom>
-          <a:noFill/>
-        </p:spPr>
-        <p:txBody>
-          <a:bodyPr wrap="none" rtlCol="0">
-            <a:spAutoFit/>
-          </a:bodyPr>
-          <a:lstStyle/>
-          <a:p>
-            <a:pPr algn="r"/>
-            <a:r>
-              <a:rPr lang="en-US" sz="1000" dirty="0"/>
-              <a:t>Confidential — For Internal Use Only</a:t>
-            </a:r>
-          </a:p>
-        </p:txBody>
-      </p:sp>
     </p:spTree>
     <p:extLst>
       <p:ext uri="{BB962C8B-B14F-4D97-AF65-F5344CB8AC3E}">
@@ -7726,7 +8522,7 @@
         </p:nvSpPr>
         <p:spPr>
           <a:xfrm>
-            <a:off x="1449859" y="1771136"/>
+            <a:off x="1005243" y="1369636"/>
             <a:ext cx="3010761" cy="461665"/>
           </a:xfrm>
           <a:prstGeom prst="rect">
@@ -7763,7 +8559,7 @@
         </p:nvSpPr>
         <p:spPr>
           <a:xfrm>
-            <a:off x="3991232" y="3059668"/>
+            <a:off x="4144878" y="2934995"/>
             <a:ext cx="4488473" cy="461665"/>
           </a:xfrm>
           <a:prstGeom prst="rect">
@@ -7800,7 +8596,7 @@
         </p:nvSpPr>
         <p:spPr>
           <a:xfrm>
-            <a:off x="7046031" y="4290985"/>
+            <a:off x="7540981" y="4493822"/>
             <a:ext cx="4148893" cy="830997"/>
           </a:xfrm>
           <a:prstGeom prst="rect">
@@ -7847,7 +8643,7 @@
         </p:nvSpPr>
         <p:spPr>
           <a:xfrm>
-            <a:off x="2031926" y="2248930"/>
+            <a:off x="1994121" y="2015330"/>
             <a:ext cx="1922236" cy="1150498"/>
           </a:xfrm>
           <a:custGeom>
@@ -8026,7 +8822,7 @@
         </p:nvSpPr>
         <p:spPr>
           <a:xfrm>
-            <a:off x="8517924" y="3081341"/>
+            <a:off x="8861872" y="3051039"/>
             <a:ext cx="1690142" cy="1152908"/>
           </a:xfrm>
           <a:custGeom>
@@ -8168,42 +8964,6 @@
           <a:p>
             <a:pPr algn="ctr"/>
             <a:endParaRPr lang="en-US"/>
-          </a:p>
-        </p:txBody>
-      </p:sp>
-      <p:sp>
-        <p:nvSpPr>
-          <p:cNvPr id="8" name="TextBox 7">
-            <a:extLst>
-              <a:ext uri="{FF2B5EF4-FFF2-40B4-BE49-F238E27FC236}">
-                <a16:creationId xmlns:a16="http://schemas.microsoft.com/office/drawing/2014/main" id="{D261E038-E48F-854A-9A54-3EA5F0FFB3F7}"/>
-              </a:ext>
-            </a:extLst>
-          </p:cNvPr>
-          <p:cNvSpPr txBox="1"/>
-          <p:nvPr/>
-        </p:nvSpPr>
-        <p:spPr>
-          <a:xfrm>
-            <a:off x="9667389" y="6604084"/>
-            <a:ext cx="2244524" cy="253916"/>
-          </a:xfrm>
-          <a:prstGeom prst="rect">
-            <a:avLst/>
-          </a:prstGeom>
-          <a:noFill/>
-        </p:spPr>
-        <p:txBody>
-          <a:bodyPr wrap="none" rtlCol="0">
-            <a:spAutoFit/>
-          </a:bodyPr>
-          <a:lstStyle/>
-          <a:p>
-            <a:pPr algn="r"/>
-            <a:r>
-              <a:rPr lang="en-US" sz="1000" dirty="0"/>
-              <a:t>Confidential — For Internal Use Only</a:t>
-            </a:r>
           </a:p>
         </p:txBody>
       </p:sp>
@@ -8709,42 +9469,6 @@
           <a:p>
             <a:pPr algn="ctr"/>
             <a:endParaRPr lang="en-US"/>
-          </a:p>
-        </p:txBody>
-      </p:sp>
-      <p:sp>
-        <p:nvSpPr>
-          <p:cNvPr id="7" name="TextBox 6">
-            <a:extLst>
-              <a:ext uri="{FF2B5EF4-FFF2-40B4-BE49-F238E27FC236}">
-                <a16:creationId xmlns:a16="http://schemas.microsoft.com/office/drawing/2014/main" id="{EF8018CE-C344-E242-8897-09330AC29E0E}"/>
-              </a:ext>
-            </a:extLst>
-          </p:cNvPr>
-          <p:cNvSpPr txBox="1"/>
-          <p:nvPr/>
-        </p:nvSpPr>
-        <p:spPr>
-          <a:xfrm>
-            <a:off x="9667389" y="6604084"/>
-            <a:ext cx="2244524" cy="253916"/>
-          </a:xfrm>
-          <a:prstGeom prst="rect">
-            <a:avLst/>
-          </a:prstGeom>
-          <a:noFill/>
-        </p:spPr>
-        <p:txBody>
-          <a:bodyPr wrap="none" rtlCol="0">
-            <a:spAutoFit/>
-          </a:bodyPr>
-          <a:lstStyle/>
-          <a:p>
-            <a:pPr algn="r"/>
-            <a:r>
-              <a:rPr lang="en-US" sz="1000" dirty="0"/>
-              <a:t>Confidential — For Internal Use Only</a:t>
-            </a:r>
           </a:p>
         </p:txBody>
       </p:sp>
@@ -12844,7 +13568,7 @@
         </p:spPr>
         <p:txBody>
           <a:bodyPr vert="horz" lIns="91440" tIns="45720" rIns="91440" bIns="45720" rtlCol="0" anchor="t">
-            <a:normAutofit lnSpcReduction="10000"/>
+            <a:normAutofit/>
           </a:bodyPr>
           <a:lstStyle/>
           <a:p>
@@ -12858,24 +13582,13 @@
             </a:pPr>
             <a:r>
               <a:rPr lang="en-US" cap="all" spc="400" dirty="0"/>
-              <a:t>West </a:t>
+              <a:t>Wide range of bitterness in beers across </a:t>
             </a:r>
             <a:r>
               <a:rPr lang="en-US" cap="all" spc="400" dirty="0" err="1"/>
-              <a:t>virginia</a:t>
+              <a:t>america</a:t>
             </a:r>
-            <a:r>
-              <a:rPr lang="en-US" cap="all" spc="400" dirty="0"/>
-              <a:t> likes their beer very bitter, with the highest </a:t>
-            </a:r>
-            <a:r>
-              <a:rPr lang="en-US" cap="all" spc="400" dirty="0" err="1"/>
-              <a:t>ibu</a:t>
-            </a:r>
-            <a:r>
-              <a:rPr lang="en-US" cap="all" spc="400" dirty="0"/>
-              <a:t> at 57.5</a:t>
-            </a:r>
+            <a:endParaRPr lang="en-US" cap="all" spc="400" dirty="0"/>
           </a:p>
         </p:txBody>
       </p:sp>
@@ -12974,317 +13687,599 @@
           </a:prstGeom>
         </p:spPr>
       </p:pic>
-    </p:spTree>
-    <p:extLst>
-      <p:ext uri="{BB962C8B-B14F-4D97-AF65-F5344CB8AC3E}">
-        <p14:creationId xmlns:p14="http://schemas.microsoft.com/office/powerpoint/2010/main" val="3585262055"/>
-      </p:ext>
-    </p:extLst>
-  </p:cSld>
-  <p:clrMapOvr>
-    <a:masterClrMapping/>
-  </p:clrMapOvr>
-</p:sld>
-</file>
-
-<file path=ppt/slides/slide7.xml><?xml version="1.0" encoding="utf-8"?>
-<p:sld xmlns:a="http://schemas.openxmlformats.org/drawingml/2006/main" xmlns:r="http://schemas.openxmlformats.org/officeDocument/2006/relationships" xmlns:p="http://schemas.openxmlformats.org/presentationml/2006/main" show="0">
-  <p:cSld>
-    <p:spTree>
-      <p:nvGrpSpPr>
-        <p:cNvPr id="1" name=""/>
-        <p:cNvGrpSpPr/>
-        <p:nvPr/>
-      </p:nvGrpSpPr>
-      <p:grpSpPr>
-        <a:xfrm>
-          <a:off x="0" y="0"/>
-          <a:ext cx="0" cy="0"/>
-          <a:chOff x="0" y="0"/>
-          <a:chExt cx="0" cy="0"/>
-        </a:xfrm>
-      </p:grpSpPr>
-      <p:sp>
-        <p:nvSpPr>
-          <p:cNvPr id="5" name="Title 4">
+      <p:graphicFrame>
+        <p:nvGraphicFramePr>
+          <p:cNvPr id="2" name="Table 4">
             <a:extLst>
               <a:ext uri="{FF2B5EF4-FFF2-40B4-BE49-F238E27FC236}">
-                <a16:creationId xmlns:a16="http://schemas.microsoft.com/office/drawing/2014/main" id="{B8132E9D-BFE1-46A0-9A17-5C94C1892823}"/>
+                <a16:creationId xmlns:a16="http://schemas.microsoft.com/office/drawing/2014/main" id="{46530005-75D0-4636-A47B-B79724FA1964}"/>
               </a:ext>
             </a:extLst>
           </p:cNvPr>
-          <p:cNvSpPr>
-            <a:spLocks noGrp="1"/>
-          </p:cNvSpPr>
+          <p:cNvGraphicFramePr>
+            <a:graphicFrameLocks noGrp="1"/>
+          </p:cNvGraphicFramePr>
           <p:nvPr>
-            <p:ph type="title"/>
+            <p:extLst>
+              <p:ext uri="{D42A27DB-BD31-4B8C-83A1-F6EECF244321}">
+                <p14:modId xmlns:p14="http://schemas.microsoft.com/office/powerpoint/2010/main" val="3035493494"/>
+              </p:ext>
+            </p:extLst>
           </p:nvPr>
-        </p:nvSpPr>
-        <p:spPr/>
-        <p:txBody>
-          <a:bodyPr/>
-          <a:lstStyle/>
-          <a:p>
-            <a:pPr algn="ctr"/>
-            <a:r>
-              <a:rPr lang="en-US" dirty="0"/>
-              <a:t>Which state has the beer with highest abv? </a:t>
-            </a:r>
-            <a:r>
-              <a:rPr lang="en-US" dirty="0" err="1"/>
-              <a:t>Ibu</a:t>
-            </a:r>
-            <a:r>
-              <a:rPr lang="en-US" dirty="0"/>
-              <a:t>?</a:t>
-            </a:r>
-          </a:p>
-        </p:txBody>
-      </p:sp>
-      <p:sp>
-        <p:nvSpPr>
-          <p:cNvPr id="6" name="Text Placeholder 5">
+        </p:nvGraphicFramePr>
+        <p:xfrm>
+          <a:off x="6880644" y="1392797"/>
+          <a:ext cx="2624083" cy="1123675"/>
+        </p:xfrm>
+        <a:graphic>
+          <a:graphicData uri="http://schemas.openxmlformats.org/drawingml/2006/table">
+            <a:tbl>
+              <a:tblPr firstRow="1" bandRow="1">
+                <a:tableStyleId>{5C22544A-7EE6-4342-B048-85BDC9FD1C3A}</a:tableStyleId>
+              </a:tblPr>
+              <a:tblGrid>
+                <a:gridCol w="904104">
+                  <a:extLst>
+                    <a:ext uri="{9D8B030D-6E8A-4147-A177-3AD203B41FA5}">
+                      <a16:colId xmlns:a16="http://schemas.microsoft.com/office/drawing/2014/main" val="523023496"/>
+                    </a:ext>
+                  </a:extLst>
+                </a:gridCol>
+                <a:gridCol w="1182847">
+                  <a:extLst>
+                    <a:ext uri="{9D8B030D-6E8A-4147-A177-3AD203B41FA5}">
+                      <a16:colId xmlns:a16="http://schemas.microsoft.com/office/drawing/2014/main" val="4032791898"/>
+                    </a:ext>
+                  </a:extLst>
+                </a:gridCol>
+                <a:gridCol w="537132">
+                  <a:extLst>
+                    <a:ext uri="{9D8B030D-6E8A-4147-A177-3AD203B41FA5}">
+                      <a16:colId xmlns:a16="http://schemas.microsoft.com/office/drawing/2014/main" val="2558428076"/>
+                    </a:ext>
+                  </a:extLst>
+                </a:gridCol>
+              </a:tblGrid>
+              <a:tr h="270235">
+                <a:tc>
+                  <a:txBody>
+                    <a:bodyPr/>
+                    <a:lstStyle/>
+                    <a:p>
+                      <a:r>
+                        <a:rPr lang="en-US" sz="1100" dirty="0"/>
+                        <a:t>Brewery</a:t>
+                      </a:r>
+                    </a:p>
+                  </a:txBody>
+                  <a:tcPr/>
+                </a:tc>
+                <a:tc>
+                  <a:txBody>
+                    <a:bodyPr/>
+                    <a:lstStyle/>
+                    <a:p>
+                      <a:r>
+                        <a:rPr lang="en-US" sz="1100" dirty="0"/>
+                        <a:t>Beer</a:t>
+                      </a:r>
+                    </a:p>
+                  </a:txBody>
+                  <a:tcPr/>
+                </a:tc>
+                <a:tc>
+                  <a:txBody>
+                    <a:bodyPr/>
+                    <a:lstStyle/>
+                    <a:p>
+                      <a:r>
+                        <a:rPr lang="en-US" sz="1100" dirty="0"/>
+                        <a:t>IBU</a:t>
+                      </a:r>
+                    </a:p>
+                  </a:txBody>
+                  <a:tcPr/>
+                </a:tc>
+                <a:extLst>
+                  <a:ext uri="{0D108BD9-81ED-4DB2-BD59-A6C34878D82A}">
+                    <a16:rowId xmlns:a16="http://schemas.microsoft.com/office/drawing/2014/main" val="4284120431"/>
+                  </a:ext>
+                </a:extLst>
+              </a:tr>
+              <a:tr h="370840">
+                <a:tc rowSpan="2">
+                  <a:txBody>
+                    <a:bodyPr/>
+                    <a:lstStyle/>
+                    <a:p>
+                      <a:r>
+                        <a:rPr lang="en-US" sz="1100" b="0" i="0" kern="1200" dirty="0">
+                          <a:solidFill>
+                            <a:schemeClr val="dk1"/>
+                          </a:solidFill>
+                          <a:effectLst/>
+                          <a:latin typeface="+mn-lt"/>
+                          <a:ea typeface="+mn-ea"/>
+                          <a:cs typeface="+mn-cs"/>
+                        </a:rPr>
+                        <a:t>Greenbrier Valley Brewing Company</a:t>
+                      </a:r>
+                      <a:endParaRPr lang="en-US" sz="1100" dirty="0"/>
+                    </a:p>
+                  </a:txBody>
+                  <a:tcPr/>
+                </a:tc>
+                <a:tc>
+                  <a:txBody>
+                    <a:bodyPr/>
+                    <a:lstStyle/>
+                    <a:p>
+                      <a:r>
+                        <a:rPr lang="en-US" sz="1100" b="0" i="0" kern="1200" dirty="0">
+                          <a:solidFill>
+                            <a:schemeClr val="dk1"/>
+                          </a:solidFill>
+                          <a:effectLst/>
+                          <a:latin typeface="+mn-lt"/>
+                          <a:ea typeface="+mn-ea"/>
+                          <a:cs typeface="+mn-cs"/>
+                        </a:rPr>
+                        <a:t>Wild Trail Pale Ale</a:t>
+                      </a:r>
+                      <a:endParaRPr lang="en-US" sz="1100" dirty="0"/>
+                    </a:p>
+                  </a:txBody>
+                  <a:tcPr/>
+                </a:tc>
+                <a:tc>
+                  <a:txBody>
+                    <a:bodyPr/>
+                    <a:lstStyle/>
+                    <a:p>
+                      <a:r>
+                        <a:rPr lang="en-US" sz="1100" dirty="0"/>
+                        <a:t>44</a:t>
+                      </a:r>
+                    </a:p>
+                  </a:txBody>
+                  <a:tcPr/>
+                </a:tc>
+                <a:extLst>
+                  <a:ext uri="{0D108BD9-81ED-4DB2-BD59-A6C34878D82A}">
+                    <a16:rowId xmlns:a16="http://schemas.microsoft.com/office/drawing/2014/main" val="3374550465"/>
+                  </a:ext>
+                </a:extLst>
+              </a:tr>
+              <a:tr h="370840">
+                <a:tc vMerge="1">
+                  <a:txBody>
+                    <a:bodyPr/>
+                    <a:lstStyle/>
+                    <a:p>
+                      <a:endParaRPr lang="en-US" sz="1100" dirty="0"/>
+                    </a:p>
+                  </a:txBody>
+                  <a:tcPr/>
+                </a:tc>
+                <a:tc>
+                  <a:txBody>
+                    <a:bodyPr/>
+                    <a:lstStyle/>
+                    <a:p>
+                      <a:r>
+                        <a:rPr lang="en-US" sz="1100" b="0" i="0" kern="1200" dirty="0" err="1">
+                          <a:solidFill>
+                            <a:schemeClr val="dk1"/>
+                          </a:solidFill>
+                          <a:effectLst/>
+                          <a:latin typeface="+mn-lt"/>
+                          <a:ea typeface="+mn-ea"/>
+                          <a:cs typeface="+mn-cs"/>
+                        </a:rPr>
+                        <a:t>Mothman</a:t>
+                      </a:r>
+                      <a:r>
+                        <a:rPr lang="en-US" sz="1100" b="0" i="0" kern="1200" dirty="0">
+                          <a:solidFill>
+                            <a:schemeClr val="dk1"/>
+                          </a:solidFill>
+                          <a:effectLst/>
+                          <a:latin typeface="+mn-lt"/>
+                          <a:ea typeface="+mn-ea"/>
+                          <a:cs typeface="+mn-cs"/>
+                        </a:rPr>
+                        <a:t> Black IPA</a:t>
+                      </a:r>
+                      <a:endParaRPr lang="en-US" sz="1100" dirty="0"/>
+                    </a:p>
+                  </a:txBody>
+                  <a:tcPr/>
+                </a:tc>
+                <a:tc>
+                  <a:txBody>
+                    <a:bodyPr/>
+                    <a:lstStyle/>
+                    <a:p>
+                      <a:r>
+                        <a:rPr lang="en-US" sz="1100" dirty="0"/>
+                        <a:t>71</a:t>
+                      </a:r>
+                    </a:p>
+                  </a:txBody>
+                  <a:tcPr/>
+                </a:tc>
+                <a:extLst>
+                  <a:ext uri="{0D108BD9-81ED-4DB2-BD59-A6C34878D82A}">
+                    <a16:rowId xmlns:a16="http://schemas.microsoft.com/office/drawing/2014/main" val="1129414793"/>
+                  </a:ext>
+                </a:extLst>
+              </a:tr>
+            </a:tbl>
+          </a:graphicData>
+        </a:graphic>
+      </p:graphicFrame>
+      <p:cxnSp>
+        <p:nvCxnSpPr>
+          <p:cNvPr id="8" name="Straight Arrow Connector 7">
             <a:extLst>
               <a:ext uri="{FF2B5EF4-FFF2-40B4-BE49-F238E27FC236}">
-                <a16:creationId xmlns:a16="http://schemas.microsoft.com/office/drawing/2014/main" id="{A5304EE2-5635-49E0-A79C-FA4AF1EB80CD}"/>
+                <a16:creationId xmlns:a16="http://schemas.microsoft.com/office/drawing/2014/main" id="{E70F12D8-2054-43BE-A36E-E59E3CC10628}"/>
               </a:ext>
             </a:extLst>
           </p:cNvPr>
-          <p:cNvSpPr>
-            <a:spLocks noGrp="1"/>
-          </p:cNvSpPr>
-          <p:nvPr>
-            <p:ph type="body" idx="1"/>
-          </p:nvPr>
-        </p:nvSpPr>
-        <p:spPr/>
-        <p:txBody>
-          <a:bodyPr/>
-          <a:lstStyle/>
-          <a:p>
-            <a:r>
-              <a:rPr lang="en-US" dirty="0"/>
-              <a:t>Most alcoholic – 12.8%</a:t>
-            </a:r>
-          </a:p>
-        </p:txBody>
-      </p:sp>
-      <p:pic>
-        <p:nvPicPr>
-          <p:cNvPr id="13" name="Content Placeholder 12" descr="A close up of a bottle and a glass of wine&#10;&#10;Description automatically generated">
+          <p:cNvCxnSpPr>
+            <a:cxnSpLocks/>
+          </p:cNvCxnSpPr>
+          <p:nvPr/>
+        </p:nvCxnSpPr>
+        <p:spPr>
+          <a:xfrm>
+            <a:off x="9504728" y="1954635"/>
+            <a:ext cx="511727" cy="216101"/>
+          </a:xfrm>
+          <a:prstGeom prst="straightConnector1">
+            <a:avLst/>
+          </a:prstGeom>
+          <a:ln>
+            <a:tailEnd type="triangle"/>
+          </a:ln>
+        </p:spPr>
+        <p:style>
+          <a:lnRef idx="3">
+            <a:schemeClr val="accent1"/>
+          </a:lnRef>
+          <a:fillRef idx="0">
+            <a:schemeClr val="accent1"/>
+          </a:fillRef>
+          <a:effectRef idx="2">
+            <a:schemeClr val="accent1"/>
+          </a:effectRef>
+          <a:fontRef idx="minor">
+            <a:schemeClr val="tx1"/>
+          </a:fontRef>
+        </p:style>
+      </p:cxnSp>
+      <p:graphicFrame>
+        <p:nvGraphicFramePr>
+          <p:cNvPr id="17" name="Table 4">
             <a:extLst>
               <a:ext uri="{FF2B5EF4-FFF2-40B4-BE49-F238E27FC236}">
-                <a16:creationId xmlns:a16="http://schemas.microsoft.com/office/drawing/2014/main" id="{AF68A6ED-61F6-407F-B850-B5B0F7D84CF2}"/>
+                <a16:creationId xmlns:a16="http://schemas.microsoft.com/office/drawing/2014/main" id="{BEAC7FCF-5C49-4C34-A86A-44590E40C0E0}"/>
               </a:ext>
             </a:extLst>
           </p:cNvPr>
-          <p:cNvPicPr>
-            <a:picLocks noGrp="1" noChangeAspect="1"/>
-          </p:cNvPicPr>
+          <p:cNvGraphicFramePr>
+            <a:graphicFrameLocks noGrp="1"/>
+          </p:cNvGraphicFramePr>
           <p:nvPr>
-            <p:ph sz="half" idx="2"/>
+            <p:extLst>
+              <p:ext uri="{D42A27DB-BD31-4B8C-83A1-F6EECF244321}">
+                <p14:modId xmlns:p14="http://schemas.microsoft.com/office/powerpoint/2010/main" val="176718348"/>
+              </p:ext>
+            </p:extLst>
           </p:nvPr>
-        </p:nvPicPr>
-        <p:blipFill>
-          <a:blip r:embed="rId2"/>
-          <a:stretch>
-            <a:fillRect/>
-          </a:stretch>
-        </p:blipFill>
-        <p:spPr>
-          <a:xfrm>
-            <a:off x="1660525" y="2909888"/>
-            <a:ext cx="3994149" cy="2995612"/>
-          </a:xfrm>
-        </p:spPr>
-      </p:pic>
-      <p:sp>
-        <p:nvSpPr>
-          <p:cNvPr id="8" name="Text Placeholder 7">
+        </p:nvGraphicFramePr>
+        <p:xfrm>
+          <a:off x="9153981" y="2984493"/>
+          <a:ext cx="2624083" cy="1458955"/>
+        </p:xfrm>
+        <a:graphic>
+          <a:graphicData uri="http://schemas.openxmlformats.org/drawingml/2006/table">
+            <a:tbl>
+              <a:tblPr firstRow="1" bandRow="1">
+                <a:tableStyleId>{5C22544A-7EE6-4342-B048-85BDC9FD1C3A}</a:tableStyleId>
+              </a:tblPr>
+              <a:tblGrid>
+                <a:gridCol w="904104">
+                  <a:extLst>
+                    <a:ext uri="{9D8B030D-6E8A-4147-A177-3AD203B41FA5}">
+                      <a16:colId xmlns:a16="http://schemas.microsoft.com/office/drawing/2014/main" val="523023496"/>
+                    </a:ext>
+                  </a:extLst>
+                </a:gridCol>
+                <a:gridCol w="1182847">
+                  <a:extLst>
+                    <a:ext uri="{9D8B030D-6E8A-4147-A177-3AD203B41FA5}">
+                      <a16:colId xmlns:a16="http://schemas.microsoft.com/office/drawing/2014/main" val="4032791898"/>
+                    </a:ext>
+                  </a:extLst>
+                </a:gridCol>
+                <a:gridCol w="537132">
+                  <a:extLst>
+                    <a:ext uri="{9D8B030D-6E8A-4147-A177-3AD203B41FA5}">
+                      <a16:colId xmlns:a16="http://schemas.microsoft.com/office/drawing/2014/main" val="2558428076"/>
+                    </a:ext>
+                  </a:extLst>
+                </a:gridCol>
+              </a:tblGrid>
+              <a:tr h="270235">
+                <a:tc>
+                  <a:txBody>
+                    <a:bodyPr/>
+                    <a:lstStyle/>
+                    <a:p>
+                      <a:r>
+                        <a:rPr lang="en-US" sz="1100" dirty="0"/>
+                        <a:t>Brewery</a:t>
+                      </a:r>
+                    </a:p>
+                  </a:txBody>
+                  <a:tcPr/>
+                </a:tc>
+                <a:tc>
+                  <a:txBody>
+                    <a:bodyPr/>
+                    <a:lstStyle/>
+                    <a:p>
+                      <a:r>
+                        <a:rPr lang="en-US" sz="1100" dirty="0"/>
+                        <a:t>Beer</a:t>
+                      </a:r>
+                    </a:p>
+                  </a:txBody>
+                  <a:tcPr/>
+                </a:tc>
+                <a:tc>
+                  <a:txBody>
+                    <a:bodyPr/>
+                    <a:lstStyle/>
+                    <a:p>
+                      <a:r>
+                        <a:rPr lang="en-US" sz="1100" dirty="0"/>
+                        <a:t>IBU</a:t>
+                      </a:r>
+                    </a:p>
+                  </a:txBody>
+                  <a:tcPr/>
+                </a:tc>
+                <a:extLst>
+                  <a:ext uri="{0D108BD9-81ED-4DB2-BD59-A6C34878D82A}">
+                    <a16:rowId xmlns:a16="http://schemas.microsoft.com/office/drawing/2014/main" val="4284120431"/>
+                  </a:ext>
+                </a:extLst>
+              </a:tr>
+              <a:tr h="370840">
+                <a:tc>
+                  <a:txBody>
+                    <a:bodyPr/>
+                    <a:lstStyle/>
+                    <a:p>
+                      <a:r>
+                        <a:rPr lang="en-US" sz="1100" b="0" i="0" kern="1200" dirty="0">
+                          <a:solidFill>
+                            <a:schemeClr val="dk1"/>
+                          </a:solidFill>
+                          <a:effectLst/>
+                          <a:latin typeface="+mn-lt"/>
+                          <a:ea typeface="+mn-ea"/>
+                          <a:cs typeface="+mn-cs"/>
+                        </a:rPr>
+                        <a:t>Iron Hill Brewery &amp; Restaurant</a:t>
+                      </a:r>
+                      <a:endParaRPr lang="en-US" sz="1100" dirty="0"/>
+                    </a:p>
+                  </a:txBody>
+                  <a:tcPr/>
+                </a:tc>
+                <a:tc>
+                  <a:txBody>
+                    <a:bodyPr/>
+                    <a:lstStyle/>
+                    <a:p>
+                      <a:r>
+                        <a:rPr lang="en-US" sz="1100" b="0" i="0" kern="1200" dirty="0">
+                          <a:solidFill>
+                            <a:schemeClr val="dk1"/>
+                          </a:solidFill>
+                          <a:effectLst/>
+                          <a:latin typeface="+mn-lt"/>
+                          <a:ea typeface="+mn-ea"/>
+                          <a:cs typeface="+mn-cs"/>
+                        </a:rPr>
+                        <a:t>Appreciation Ale</a:t>
+                      </a:r>
+                      <a:endParaRPr lang="en-US" sz="1100" dirty="0"/>
+                    </a:p>
+                  </a:txBody>
+                  <a:tcPr/>
+                </a:tc>
+                <a:tc>
+                  <a:txBody>
+                    <a:bodyPr/>
+                    <a:lstStyle/>
+                    <a:p>
+                      <a:r>
+                        <a:rPr lang="en-US" sz="1100" dirty="0"/>
+                        <a:t>68*</a:t>
+                      </a:r>
+                    </a:p>
+                  </a:txBody>
+                  <a:tcPr/>
+                </a:tc>
+                <a:extLst>
+                  <a:ext uri="{0D108BD9-81ED-4DB2-BD59-A6C34878D82A}">
+                    <a16:rowId xmlns:a16="http://schemas.microsoft.com/office/drawing/2014/main" val="3374550465"/>
+                  </a:ext>
+                </a:extLst>
+              </a:tr>
+              <a:tr h="370840">
+                <a:tc>
+                  <a:txBody>
+                    <a:bodyPr/>
+                    <a:lstStyle/>
+                    <a:p>
+                      <a:r>
+                        <a:rPr lang="en-US" sz="1100" b="0" i="0" kern="1200" dirty="0">
+                          <a:solidFill>
+                            <a:schemeClr val="dk1"/>
+                          </a:solidFill>
+                          <a:effectLst/>
+                          <a:latin typeface="+mn-lt"/>
+                          <a:ea typeface="+mn-ea"/>
+                          <a:cs typeface="+mn-cs"/>
+                        </a:rPr>
+                        <a:t>Twin Lakes Brewing Company</a:t>
+                      </a:r>
+                      <a:endParaRPr lang="en-US" sz="1100" dirty="0"/>
+                    </a:p>
+                  </a:txBody>
+                  <a:tcPr/>
+                </a:tc>
+                <a:tc>
+                  <a:txBody>
+                    <a:bodyPr/>
+                    <a:lstStyle/>
+                    <a:p>
+                      <a:r>
+                        <a:rPr lang="en-US" sz="1100" b="0" i="0" kern="1200" dirty="0">
+                          <a:solidFill>
+                            <a:schemeClr val="dk1"/>
+                          </a:solidFill>
+                          <a:effectLst/>
+                          <a:latin typeface="+mn-lt"/>
+                          <a:ea typeface="+mn-ea"/>
+                          <a:cs typeface="+mn-cs"/>
+                        </a:rPr>
+                        <a:t>Greenville Pale Ale</a:t>
+                      </a:r>
+                      <a:endParaRPr lang="en-US" sz="1100" dirty="0"/>
+                    </a:p>
+                  </a:txBody>
+                  <a:tcPr/>
+                </a:tc>
+                <a:tc>
+                  <a:txBody>
+                    <a:bodyPr/>
+                    <a:lstStyle/>
+                    <a:p>
+                      <a:r>
+                        <a:rPr lang="en-US" sz="1100" dirty="0"/>
+                        <a:t>52</a:t>
+                      </a:r>
+                    </a:p>
+                  </a:txBody>
+                  <a:tcPr/>
+                </a:tc>
+                <a:extLst>
+                  <a:ext uri="{0D108BD9-81ED-4DB2-BD59-A6C34878D82A}">
+                    <a16:rowId xmlns:a16="http://schemas.microsoft.com/office/drawing/2014/main" val="1129414793"/>
+                  </a:ext>
+                </a:extLst>
+              </a:tr>
+            </a:tbl>
+          </a:graphicData>
+        </a:graphic>
+      </p:graphicFrame>
+      <p:cxnSp>
+        <p:nvCxnSpPr>
+          <p:cNvPr id="18" name="Straight Arrow Connector 17">
             <a:extLst>
               <a:ext uri="{FF2B5EF4-FFF2-40B4-BE49-F238E27FC236}">
-                <a16:creationId xmlns:a16="http://schemas.microsoft.com/office/drawing/2014/main" id="{31775982-443D-4D42-B9FC-C878058CAA29}"/>
+                <a16:creationId xmlns:a16="http://schemas.microsoft.com/office/drawing/2014/main" id="{10E4BFB7-2022-4DC2-A109-451CE9E2D3CC}"/>
               </a:ext>
             </a:extLst>
           </p:cNvPr>
-          <p:cNvSpPr>
-            <a:spLocks noGrp="1"/>
-          </p:cNvSpPr>
-          <p:nvPr>
-            <p:ph type="body" sz="quarter" idx="3"/>
-          </p:nvPr>
-        </p:nvSpPr>
-        <p:spPr/>
-        <p:txBody>
-          <a:bodyPr/>
-          <a:lstStyle/>
-          <a:p>
-            <a:r>
-              <a:rPr lang="en-US" dirty="0"/>
-              <a:t>Most bitter – 138 IBU</a:t>
-            </a:r>
-          </a:p>
-        </p:txBody>
-      </p:sp>
-      <p:pic>
-        <p:nvPicPr>
-          <p:cNvPr id="11" name="Content Placeholder 10" descr="A bottle of beer&#10;&#10;Description automatically generated">
+          <p:cNvCxnSpPr>
+            <a:cxnSpLocks/>
+          </p:cNvCxnSpPr>
+          <p:nvPr/>
+        </p:nvCxnSpPr>
+        <p:spPr>
+          <a:xfrm flipH="1" flipV="1">
+            <a:off x="10757504" y="2170736"/>
+            <a:ext cx="176169" cy="813758"/>
+          </a:xfrm>
+          <a:prstGeom prst="straightConnector1">
+            <a:avLst/>
+          </a:prstGeom>
+          <a:ln>
+            <a:tailEnd type="triangle"/>
+          </a:ln>
+        </p:spPr>
+        <p:style>
+          <a:lnRef idx="3">
+            <a:schemeClr val="accent1"/>
+          </a:lnRef>
+          <a:fillRef idx="0">
+            <a:schemeClr val="accent1"/>
+          </a:fillRef>
+          <a:effectRef idx="2">
+            <a:schemeClr val="accent1"/>
+          </a:effectRef>
+          <a:fontRef idx="minor">
+            <a:schemeClr val="tx1"/>
+          </a:fontRef>
+        </p:style>
+      </p:cxnSp>
+      <p:sp>
+        <p:nvSpPr>
+          <p:cNvPr id="15" name="Explosion: 8 Points 14">
             <a:extLst>
               <a:ext uri="{FF2B5EF4-FFF2-40B4-BE49-F238E27FC236}">
-                <a16:creationId xmlns:a16="http://schemas.microsoft.com/office/drawing/2014/main" id="{58BFCF83-C4B3-4A90-829F-5ACD65DB2948}"/>
+                <a16:creationId xmlns:a16="http://schemas.microsoft.com/office/drawing/2014/main" id="{6274B8E1-7DC4-4B53-A201-CFCBEBA3C6FB}"/>
               </a:ext>
             </a:extLst>
           </p:cNvPr>
-          <p:cNvPicPr>
-            <a:picLocks noGrp="1" noChangeAspect="1"/>
-          </p:cNvPicPr>
-          <p:nvPr>
-            <p:ph sz="quarter" idx="4"/>
-          </p:nvPr>
-        </p:nvPicPr>
-        <p:blipFill>
-          <a:blip r:embed="rId3"/>
-          <a:stretch>
-            <a:fillRect/>
-          </a:stretch>
-        </p:blipFill>
-        <p:spPr>
-          <a:xfrm>
-            <a:off x="7911108" y="2909888"/>
-            <a:ext cx="2246709" cy="2995612"/>
-          </a:xfrm>
-        </p:spPr>
-      </p:pic>
-      <p:sp>
-        <p:nvSpPr>
-          <p:cNvPr id="2" name="TextBox 1">
-            <a:extLst>
-              <a:ext uri="{FF2B5EF4-FFF2-40B4-BE49-F238E27FC236}">
-                <a16:creationId xmlns:a16="http://schemas.microsoft.com/office/drawing/2014/main" id="{8EAB9A6E-7374-44DB-88F6-0FAA28381BC2}"/>
-              </a:ext>
-            </a:extLst>
-          </p:cNvPr>
-          <p:cNvSpPr txBox="1"/>
+          <p:cNvSpPr/>
           <p:nvPr/>
         </p:nvSpPr>
         <p:spPr>
           <a:xfrm>
-            <a:off x="1110343" y="6092890"/>
-            <a:ext cx="4985657" cy="646331"/>
+            <a:off x="7779493" y="0"/>
+            <a:ext cx="1761688" cy="2281805"/>
           </a:xfrm>
-          <a:prstGeom prst="rect">
+          <a:prstGeom prst="irregularSeal1">
             <a:avLst/>
           </a:prstGeom>
           <a:noFill/>
         </p:spPr>
+        <p:style>
+          <a:lnRef idx="2">
+            <a:schemeClr val="accent5"/>
+          </a:lnRef>
+          <a:fillRef idx="1">
+            <a:schemeClr val="lt1"/>
+          </a:fillRef>
+          <a:effectRef idx="0">
+            <a:schemeClr val="accent5"/>
+          </a:effectRef>
+          <a:fontRef idx="minor">
+            <a:schemeClr val="dk1"/>
+          </a:fontRef>
+        </p:style>
         <p:txBody>
-          <a:bodyPr wrap="square" rtlCol="0">
-            <a:spAutoFit/>
-          </a:bodyPr>
+          <a:bodyPr rtlCol="0" anchor="ctr"/>
           <a:lstStyle/>
           <a:p>
-            <a:r>
-              <a:rPr lang="en-US" dirty="0"/>
-              <a:t>Lee Hill Series Vol. 5 - Belgian Style </a:t>
-            </a:r>
-            <a:r>
-              <a:rPr lang="en-US" dirty="0" err="1"/>
-              <a:t>Quadrupel</a:t>
-            </a:r>
-            <a:r>
-              <a:rPr lang="en-US" dirty="0"/>
-              <a:t> Ale</a:t>
-            </a:r>
-          </a:p>
-          <a:p>
-            <a:r>
-              <a:rPr lang="en-US" dirty="0"/>
-              <a:t>Upslope Brewing Co., Boulder, CO</a:t>
-            </a:r>
-          </a:p>
-        </p:txBody>
-      </p:sp>
-      <p:sp>
-        <p:nvSpPr>
-          <p:cNvPr id="9" name="TextBox 8">
-            <a:extLst>
-              <a:ext uri="{FF2B5EF4-FFF2-40B4-BE49-F238E27FC236}">
-                <a16:creationId xmlns:a16="http://schemas.microsoft.com/office/drawing/2014/main" id="{85E7F0ED-8977-4206-B68E-3DF0B363820E}"/>
-              </a:ext>
-            </a:extLst>
-          </p:cNvPr>
-          <p:cNvSpPr txBox="1"/>
-          <p:nvPr/>
-        </p:nvSpPr>
-        <p:spPr>
-          <a:xfrm>
-            <a:off x="6881097" y="6092890"/>
-            <a:ext cx="4544331" cy="646331"/>
-          </a:xfrm>
-          <a:prstGeom prst="rect">
-            <a:avLst/>
-          </a:prstGeom>
-          <a:noFill/>
-        </p:spPr>
-        <p:txBody>
-          <a:bodyPr wrap="square" rtlCol="0">
-            <a:spAutoFit/>
-          </a:bodyPr>
-          <a:lstStyle/>
-          <a:p>
-            <a:r>
-              <a:rPr lang="en-US" dirty="0"/>
-              <a:t>Bitter Bitch Imperial IPA</a:t>
-            </a:r>
-          </a:p>
-          <a:p>
-            <a:r>
-              <a:rPr lang="en-US" dirty="0"/>
-              <a:t>Astoria Brewing Co., Astoria, OR</a:t>
-            </a:r>
-          </a:p>
-        </p:txBody>
-      </p:sp>
-      <p:sp>
-        <p:nvSpPr>
-          <p:cNvPr id="10" name="TextBox 9">
-            <a:extLst>
-              <a:ext uri="{FF2B5EF4-FFF2-40B4-BE49-F238E27FC236}">
-                <a16:creationId xmlns:a16="http://schemas.microsoft.com/office/drawing/2014/main" id="{9A4080B4-9544-2B4D-9F00-6D8EBB37C802}"/>
-              </a:ext>
-            </a:extLst>
-          </p:cNvPr>
-          <p:cNvSpPr txBox="1"/>
-          <p:nvPr/>
-        </p:nvSpPr>
-        <p:spPr>
-          <a:xfrm>
-            <a:off x="9667389" y="6604084"/>
-            <a:ext cx="2244524" cy="253916"/>
-          </a:xfrm>
-          <a:prstGeom prst="rect">
-            <a:avLst/>
-          </a:prstGeom>
-          <a:noFill/>
-        </p:spPr>
-        <p:txBody>
-          <a:bodyPr wrap="none" rtlCol="0">
-            <a:spAutoFit/>
-          </a:bodyPr>
-          <a:lstStyle/>
-          <a:p>
-            <a:pPr algn="r"/>
-            <a:r>
-              <a:rPr lang="en-US" sz="1000" dirty="0"/>
-              <a:t>Confidential — For Internal Use Only</a:t>
-            </a:r>
+            <a:pPr algn="ctr"/>
+            <a:endParaRPr lang="en-US"/>
           </a:p>
         </p:txBody>
       </p:sp>
     </p:spTree>
     <p:extLst>
       <p:ext uri="{BB962C8B-B14F-4D97-AF65-F5344CB8AC3E}">
-        <p14:creationId xmlns:p14="http://schemas.microsoft.com/office/powerpoint/2010/main" val="3269686685"/>
+        <p14:creationId xmlns:p14="http://schemas.microsoft.com/office/powerpoint/2010/main" val="3585262055"/>
       </p:ext>
     </p:extLst>
   </p:cSld>
@@ -13312,7 +14307,7 @@
                             </p:stCondLst>
                             <p:childTnLst>
                               <p:par>
-                                <p:cTn id="5" presetID="14" presetClass="entr" presetSubtype="10" fill="hold" nodeType="clickEffect">
+                                <p:cTn id="5" presetID="2" presetClass="entr" presetSubtype="4" fill="hold" nodeType="clickEffect">
                                   <p:stCondLst>
                                     <p:cond delay="0"/>
                                   </p:stCondLst>
@@ -13325,7 +14320,7 @@
                                           </p:stCondLst>
                                         </p:cTn>
                                         <p:tgtEl>
-                                          <p:spTgt spid="13"/>
+                                          <p:spTgt spid="8"/>
                                         </p:tgtEl>
                                         <p:attrNameLst>
                                           <p:attrName>style.visibility</p:attrName>
@@ -13335,44 +14330,64 @@
                                         <p:strVal val="visible"/>
                                       </p:to>
                                     </p:set>
-                                    <p:animEffect transition="in" filter="randombar(horizontal)">
-                                      <p:cBhvr>
-                                        <p:cTn id="7" dur="500"/>
+                                    <p:anim calcmode="lin" valueType="num">
+                                      <p:cBhvr additive="base">
+                                        <p:cTn id="7" dur="500" fill="hold"/>
                                         <p:tgtEl>
-                                          <p:spTgt spid="13"/>
+                                          <p:spTgt spid="8"/>
                                         </p:tgtEl>
+                                        <p:attrNameLst>
+                                          <p:attrName>ppt_x</p:attrName>
+                                        </p:attrNameLst>
                                       </p:cBhvr>
-                                    </p:animEffect>
+                                      <p:tavLst>
+                                        <p:tav tm="0">
+                                          <p:val>
+                                            <p:strVal val="#ppt_x"/>
+                                          </p:val>
+                                        </p:tav>
+                                        <p:tav tm="100000">
+                                          <p:val>
+                                            <p:strVal val="#ppt_x"/>
+                                          </p:val>
+                                        </p:tav>
+                                      </p:tavLst>
+                                    </p:anim>
+                                    <p:anim calcmode="lin" valueType="num">
+                                      <p:cBhvr additive="base">
+                                        <p:cTn id="8" dur="500" fill="hold"/>
+                                        <p:tgtEl>
+                                          <p:spTgt spid="8"/>
+                                        </p:tgtEl>
+                                        <p:attrNameLst>
+                                          <p:attrName>ppt_y</p:attrName>
+                                        </p:attrNameLst>
+                                      </p:cBhvr>
+                                      <p:tavLst>
+                                        <p:tav tm="0">
+                                          <p:val>
+                                            <p:strVal val="1+#ppt_h/2"/>
+                                          </p:val>
+                                        </p:tav>
+                                        <p:tav tm="100000">
+                                          <p:val>
+                                            <p:strVal val="#ppt_y"/>
+                                          </p:val>
+                                        </p:tav>
+                                      </p:tavLst>
+                                    </p:anim>
                                   </p:childTnLst>
                                 </p:cTn>
                               </p:par>
-                            </p:childTnLst>
-                          </p:cTn>
-                        </p:par>
-                      </p:childTnLst>
-                    </p:cTn>
-                  </p:par>
-                  <p:par>
-                    <p:cTn id="8" fill="hold">
-                      <p:stCondLst>
-                        <p:cond delay="indefinite"/>
-                      </p:stCondLst>
-                      <p:childTnLst>
-                        <p:par>
-                          <p:cTn id="9" fill="hold">
-                            <p:stCondLst>
-                              <p:cond delay="0"/>
-                            </p:stCondLst>
-                            <p:childTnLst>
                               <p:par>
-                                <p:cTn id="10" presetID="42" presetClass="entr" presetSubtype="0" fill="hold" grpId="0" nodeType="clickEffect">
+                                <p:cTn id="9" presetID="2" presetClass="entr" presetSubtype="4" fill="hold" nodeType="withEffect">
                                   <p:stCondLst>
                                     <p:cond delay="0"/>
                                   </p:stCondLst>
                                   <p:childTnLst>
                                     <p:set>
                                       <p:cBhvr>
-                                        <p:cTn id="11" dur="1" fill="hold">
+                                        <p:cTn id="10" dur="1" fill="hold">
                                           <p:stCondLst>
                                             <p:cond delay="0"/>
                                           </p:stCondLst>
@@ -13388,17 +14403,9 @@
                                         <p:strVal val="visible"/>
                                       </p:to>
                                     </p:set>
-                                    <p:animEffect transition="in" filter="fade">
-                                      <p:cBhvr>
-                                        <p:cTn id="12" dur="1000"/>
-                                        <p:tgtEl>
-                                          <p:spTgt spid="2"/>
-                                        </p:tgtEl>
-                                      </p:cBhvr>
-                                    </p:animEffect>
                                     <p:anim calcmode="lin" valueType="num">
-                                      <p:cBhvr>
-                                        <p:cTn id="13" dur="1000" fill="hold"/>
+                                      <p:cBhvr additive="base">
+                                        <p:cTn id="11" dur="500" fill="hold"/>
                                         <p:tgtEl>
                                           <p:spTgt spid="2"/>
                                         </p:tgtEl>
@@ -13420,8 +14427,8 @@
                                       </p:tavLst>
                                     </p:anim>
                                     <p:anim calcmode="lin" valueType="num">
-                                      <p:cBhvr>
-                                        <p:cTn id="14" dur="1000" fill="hold"/>
+                                      <p:cBhvr additive="base">
+                                        <p:cTn id="12" dur="500" fill="hold"/>
                                         <p:tgtEl>
                                           <p:spTgt spid="2"/>
                                         </p:tgtEl>
@@ -13432,7 +14439,7 @@
                                       <p:tavLst>
                                         <p:tav tm="0">
                                           <p:val>
-                                            <p:strVal val="#ppt_y+.1"/>
+                                            <p:strVal val="1+#ppt_h/2"/>
                                           </p:val>
                                         </p:tav>
                                         <p:tav tm="100000">
@@ -13452,32 +14459,120 @@
                     </p:cTn>
                   </p:par>
                   <p:par>
-                    <p:cTn id="15" fill="hold">
+                    <p:cTn id="13" fill="hold">
                       <p:stCondLst>
                         <p:cond delay="indefinite"/>
                       </p:stCondLst>
                       <p:childTnLst>
                         <p:par>
-                          <p:cTn id="16" fill="hold">
+                          <p:cTn id="14" fill="hold">
                             <p:stCondLst>
                               <p:cond delay="0"/>
                             </p:stCondLst>
                             <p:childTnLst>
                               <p:par>
-                                <p:cTn id="17" presetID="53" presetClass="entr" presetSubtype="16" fill="hold" nodeType="clickEffect">
+                                <p:cTn id="15" presetID="16" presetClass="entr" presetSubtype="21" fill="hold" nodeType="clickEffect">
                                   <p:stCondLst>
                                     <p:cond delay="0"/>
                                   </p:stCondLst>
                                   <p:childTnLst>
                                     <p:set>
                                       <p:cBhvr>
-                                        <p:cTn id="18" dur="1" fill="hold">
+                                        <p:cTn id="16" dur="1" fill="hold">
                                           <p:stCondLst>
                                             <p:cond delay="0"/>
                                           </p:stCondLst>
                                         </p:cTn>
                                         <p:tgtEl>
-                                          <p:spTgt spid="11"/>
+                                          <p:spTgt spid="17"/>
+                                        </p:tgtEl>
+                                        <p:attrNameLst>
+                                          <p:attrName>style.visibility</p:attrName>
+                                        </p:attrNameLst>
+                                      </p:cBhvr>
+                                      <p:to>
+                                        <p:strVal val="visible"/>
+                                      </p:to>
+                                    </p:set>
+                                    <p:animEffect transition="in" filter="barn(inVertical)">
+                                      <p:cBhvr>
+                                        <p:cTn id="17" dur="500"/>
+                                        <p:tgtEl>
+                                          <p:spTgt spid="17"/>
+                                        </p:tgtEl>
+                                      </p:cBhvr>
+                                    </p:animEffect>
+                                  </p:childTnLst>
+                                </p:cTn>
+                              </p:par>
+                              <p:par>
+                                <p:cTn id="18" presetID="16" presetClass="entr" presetSubtype="21" fill="hold" nodeType="withEffect">
+                                  <p:stCondLst>
+                                    <p:cond delay="0"/>
+                                  </p:stCondLst>
+                                  <p:childTnLst>
+                                    <p:set>
+                                      <p:cBhvr>
+                                        <p:cTn id="19" dur="1" fill="hold">
+                                          <p:stCondLst>
+                                            <p:cond delay="0"/>
+                                          </p:stCondLst>
+                                        </p:cTn>
+                                        <p:tgtEl>
+                                          <p:spTgt spid="18"/>
+                                        </p:tgtEl>
+                                        <p:attrNameLst>
+                                          <p:attrName>style.visibility</p:attrName>
+                                        </p:attrNameLst>
+                                      </p:cBhvr>
+                                      <p:to>
+                                        <p:strVal val="visible"/>
+                                      </p:to>
+                                    </p:set>
+                                    <p:animEffect transition="in" filter="barn(inVertical)">
+                                      <p:cBhvr>
+                                        <p:cTn id="20" dur="500"/>
+                                        <p:tgtEl>
+                                          <p:spTgt spid="18"/>
+                                        </p:tgtEl>
+                                      </p:cBhvr>
+                                    </p:animEffect>
+                                  </p:childTnLst>
+                                </p:cTn>
+                              </p:par>
+                            </p:childTnLst>
+                          </p:cTn>
+                        </p:par>
+                      </p:childTnLst>
+                    </p:cTn>
+                  </p:par>
+                  <p:par>
+                    <p:cTn id="21" fill="hold">
+                      <p:stCondLst>
+                        <p:cond delay="indefinite"/>
+                      </p:stCondLst>
+                      <p:childTnLst>
+                        <p:par>
+                          <p:cTn id="22" fill="hold">
+                            <p:stCondLst>
+                              <p:cond delay="0"/>
+                            </p:stCondLst>
+                            <p:childTnLst>
+                              <p:par>
+                                <p:cTn id="23" presetID="31" presetClass="entr" presetSubtype="0" fill="hold" grpId="0" nodeType="clickEffect">
+                                  <p:stCondLst>
+                                    <p:cond delay="0"/>
+                                  </p:stCondLst>
+                                  <p:childTnLst>
+                                    <p:set>
+                                      <p:cBhvr>
+                                        <p:cTn id="24" dur="1" fill="hold">
+                                          <p:stCondLst>
+                                            <p:cond delay="0"/>
+                                          </p:stCondLst>
+                                        </p:cTn>
+                                        <p:tgtEl>
+                                          <p:spTgt spid="15"/>
                                         </p:tgtEl>
                                         <p:attrNameLst>
                                           <p:attrName>style.visibility</p:attrName>
@@ -13489,9 +14584,9 @@
                                     </p:set>
                                     <p:anim calcmode="lin" valueType="num">
                                       <p:cBhvr>
-                                        <p:cTn id="19" dur="500" fill="hold"/>
+                                        <p:cTn id="25" dur="1000" fill="hold"/>
                                         <p:tgtEl>
-                                          <p:spTgt spid="11"/>
+                                          <p:spTgt spid="15"/>
                                         </p:tgtEl>
                                         <p:attrNameLst>
                                           <p:attrName>ppt_w</p:attrName>
@@ -13512,9 +14607,9 @@
                                     </p:anim>
                                     <p:anim calcmode="lin" valueType="num">
                                       <p:cBhvr>
-                                        <p:cTn id="20" dur="500" fill="hold"/>
+                                        <p:cTn id="26" dur="1000" fill="hold"/>
                                         <p:tgtEl>
-                                          <p:spTgt spid="11"/>
+                                          <p:spTgt spid="15"/>
                                         </p:tgtEl>
                                         <p:attrNameLst>
                                           <p:attrName>ppt_h</p:attrName>
@@ -13533,11 +14628,34 @@
                                         </p:tav>
                                       </p:tavLst>
                                     </p:anim>
+                                    <p:anim calcmode="lin" valueType="num">
+                                      <p:cBhvr>
+                                        <p:cTn id="27" dur="1000" fill="hold"/>
+                                        <p:tgtEl>
+                                          <p:spTgt spid="15"/>
+                                        </p:tgtEl>
+                                        <p:attrNameLst>
+                                          <p:attrName>style.rotation</p:attrName>
+                                        </p:attrNameLst>
+                                      </p:cBhvr>
+                                      <p:tavLst>
+                                        <p:tav tm="0">
+                                          <p:val>
+                                            <p:fltVal val="90"/>
+                                          </p:val>
+                                        </p:tav>
+                                        <p:tav tm="100000">
+                                          <p:val>
+                                            <p:fltVal val="0"/>
+                                          </p:val>
+                                        </p:tav>
+                                      </p:tavLst>
+                                    </p:anim>
                                     <p:animEffect transition="in" filter="fade">
                                       <p:cBhvr>
-                                        <p:cTn id="21" dur="500"/>
+                                        <p:cTn id="28" dur="1000"/>
                                         <p:tgtEl>
-                                          <p:spTgt spid="11"/>
+                                          <p:spTgt spid="15"/>
                                         </p:tgtEl>
                                       </p:cBhvr>
                                     </p:animEffect>
@@ -13551,95 +14669,122 @@
                     </p:cTn>
                   </p:par>
                   <p:par>
-                    <p:cTn id="22" fill="hold">
+                    <p:cTn id="29" fill="hold">
                       <p:stCondLst>
                         <p:cond delay="indefinite"/>
                       </p:stCondLst>
                       <p:childTnLst>
                         <p:par>
-                          <p:cTn id="23" fill="hold">
+                          <p:cTn id="30" fill="hold">
                             <p:stCondLst>
                               <p:cond delay="0"/>
                             </p:stCondLst>
                             <p:childTnLst>
                               <p:par>
-                                <p:cTn id="24" presetID="42" presetClass="entr" presetSubtype="0" fill="hold" grpId="0" nodeType="clickEffect">
+                                <p:cTn id="31" presetID="1" presetClass="exit" presetSubtype="0" fill="hold" nodeType="clickEffect">
                                   <p:stCondLst>
                                     <p:cond delay="0"/>
                                   </p:stCondLst>
                                   <p:childTnLst>
                                     <p:set>
                                       <p:cBhvr>
-                                        <p:cTn id="25" dur="1" fill="hold">
+                                        <p:cTn id="32" dur="1" fill="hold">
                                           <p:stCondLst>
                                             <p:cond delay="0"/>
                                           </p:stCondLst>
                                         </p:cTn>
                                         <p:tgtEl>
-                                          <p:spTgt spid="9"/>
+                                          <p:spTgt spid="8"/>
                                         </p:tgtEl>
                                         <p:attrNameLst>
                                           <p:attrName>style.visibility</p:attrName>
                                         </p:attrNameLst>
                                       </p:cBhvr>
                                       <p:to>
-                                        <p:strVal val="visible"/>
+                                        <p:strVal val="hidden"/>
                                       </p:to>
                                     </p:set>
-                                    <p:animEffect transition="in" filter="fade">
+                                  </p:childTnLst>
+                                </p:cTn>
+                              </p:par>
+                              <p:par>
+                                <p:cTn id="33" presetID="1" presetClass="exit" presetSubtype="0" fill="hold" nodeType="withEffect">
+                                  <p:stCondLst>
+                                    <p:cond delay="0"/>
+                                  </p:stCondLst>
+                                  <p:childTnLst>
+                                    <p:set>
                                       <p:cBhvr>
-                                        <p:cTn id="26" dur="1000"/>
+                                        <p:cTn id="34" dur="1" fill="hold">
+                                          <p:stCondLst>
+                                            <p:cond delay="0"/>
+                                          </p:stCondLst>
+                                        </p:cTn>
                                         <p:tgtEl>
-                                          <p:spTgt spid="9"/>
-                                        </p:tgtEl>
-                                      </p:cBhvr>
-                                    </p:animEffect>
-                                    <p:anim calcmode="lin" valueType="num">
-                                      <p:cBhvr>
-                                        <p:cTn id="27" dur="1000" fill="hold"/>
-                                        <p:tgtEl>
-                                          <p:spTgt spid="9"/>
+                                          <p:spTgt spid="2"/>
                                         </p:tgtEl>
                                         <p:attrNameLst>
-                                          <p:attrName>ppt_x</p:attrName>
+                                          <p:attrName>style.visibility</p:attrName>
                                         </p:attrNameLst>
                                       </p:cBhvr>
-                                      <p:tavLst>
-                                        <p:tav tm="0">
-                                          <p:val>
-                                            <p:strVal val="#ppt_x"/>
-                                          </p:val>
-                                        </p:tav>
-                                        <p:tav tm="100000">
-                                          <p:val>
-                                            <p:strVal val="#ppt_x"/>
-                                          </p:val>
-                                        </p:tav>
-                                      </p:tavLst>
-                                    </p:anim>
-                                    <p:anim calcmode="lin" valueType="num">
+                                      <p:to>
+                                        <p:strVal val="hidden"/>
+                                      </p:to>
+                                    </p:set>
+                                  </p:childTnLst>
+                                </p:cTn>
+                              </p:par>
+                              <p:par>
+                                <p:cTn id="35" presetID="1" presetClass="exit" presetSubtype="0" fill="hold" nodeType="withEffect">
+                                  <p:stCondLst>
+                                    <p:cond delay="0"/>
+                                  </p:stCondLst>
+                                  <p:childTnLst>
+                                    <p:set>
                                       <p:cBhvr>
-                                        <p:cTn id="28" dur="1000" fill="hold"/>
+                                        <p:cTn id="36" dur="1" fill="hold">
+                                          <p:stCondLst>
+                                            <p:cond delay="0"/>
+                                          </p:stCondLst>
+                                        </p:cTn>
                                         <p:tgtEl>
-                                          <p:spTgt spid="9"/>
+                                          <p:spTgt spid="17"/>
                                         </p:tgtEl>
                                         <p:attrNameLst>
-                                          <p:attrName>ppt_y</p:attrName>
+                                          <p:attrName>style.visibility</p:attrName>
                                         </p:attrNameLst>
                                       </p:cBhvr>
-                                      <p:tavLst>
-                                        <p:tav tm="0">
-                                          <p:val>
-                                            <p:strVal val="#ppt_y+.1"/>
-                                          </p:val>
-                                        </p:tav>
-                                        <p:tav tm="100000">
-                                          <p:val>
-                                            <p:strVal val="#ppt_y"/>
-                                          </p:val>
-                                        </p:tav>
-                                      </p:tavLst>
-                                    </p:anim>
+                                      <p:to>
+                                        <p:strVal val="hidden"/>
+                                      </p:to>
+                                    </p:set>
+                                  </p:childTnLst>
+                                </p:cTn>
+                              </p:par>
+                              <p:par>
+                                <p:cTn id="37" presetID="1" presetClass="exit" presetSubtype="0" fill="hold" nodeType="withEffect">
+                                  <p:stCondLst>
+                                    <p:cond delay="0"/>
+                                  </p:stCondLst>
+                                  <p:childTnLst>
+                                    <p:set>
+                                      <p:cBhvr>
+                                        <p:cTn id="38" dur="1" fill="hold">
+                                          <p:stCondLst>
+                                            <p:cond delay="0"/>
+                                          </p:stCondLst>
+                                        </p:cTn>
+                                        <p:tgtEl>
+                                          <p:spTgt spid="18"/>
+                                        </p:tgtEl>
+                                        <p:attrNameLst>
+                                          <p:attrName>style.visibility</p:attrName>
+                                        </p:attrNameLst>
+                                      </p:cBhvr>
+                                      <p:to>
+                                        <p:strVal val="hidden"/>
+                                      </p:to>
+                                    </p:set>
                                   </p:childTnLst>
                                 </p:cTn>
                               </p:par>
@@ -13671,14 +14816,13 @@
       </p:par>
     </p:tnLst>
     <p:bldLst>
-      <p:bldP spid="2" grpId="0"/>
-      <p:bldP spid="9" grpId="0"/>
+      <p:bldP spid="15" grpId="0" animBg="1"/>
     </p:bldLst>
   </p:timing>
 </p:sld>
 </file>
 
-<file path=ppt/slides/slide8.xml><?xml version="1.0" encoding="utf-8"?>
+<file path=ppt/slides/slide7.xml><?xml version="1.0" encoding="utf-8"?>
 <p:sld xmlns:a="http://schemas.openxmlformats.org/drawingml/2006/main" xmlns:r="http://schemas.openxmlformats.org/officeDocument/2006/relationships" xmlns:p="http://schemas.openxmlformats.org/presentationml/2006/main">
   <p:cSld>
     <p:spTree>
@@ -13931,42 +15075,6 @@
           </a:p>
         </p:txBody>
       </p:sp>
-      <p:sp>
-        <p:nvSpPr>
-          <p:cNvPr id="10" name="TextBox 9">
-            <a:extLst>
-              <a:ext uri="{FF2B5EF4-FFF2-40B4-BE49-F238E27FC236}">
-                <a16:creationId xmlns:a16="http://schemas.microsoft.com/office/drawing/2014/main" id="{9A4080B4-9544-2B4D-9F00-6D8EBB37C802}"/>
-              </a:ext>
-            </a:extLst>
-          </p:cNvPr>
-          <p:cNvSpPr txBox="1"/>
-          <p:nvPr/>
-        </p:nvSpPr>
-        <p:spPr>
-          <a:xfrm>
-            <a:off x="9667389" y="6604084"/>
-            <a:ext cx="2244524" cy="253916"/>
-          </a:xfrm>
-          <a:prstGeom prst="rect">
-            <a:avLst/>
-          </a:prstGeom>
-          <a:noFill/>
-        </p:spPr>
-        <p:txBody>
-          <a:bodyPr wrap="none" rtlCol="0">
-            <a:spAutoFit/>
-          </a:bodyPr>
-          <a:lstStyle/>
-          <a:p>
-            <a:pPr algn="r"/>
-            <a:r>
-              <a:rPr lang="en-US" sz="1000" dirty="0"/>
-              <a:t>Confidential — For Internal Use Only</a:t>
-            </a:r>
-          </a:p>
-        </p:txBody>
-      </p:sp>
       <p:pic>
         <p:nvPicPr>
           <p:cNvPr id="15" name="Picture 14">
@@ -14058,7 +15166,7 @@
                             </p:stCondLst>
                             <p:childTnLst>
                               <p:par>
-                                <p:cTn id="5" presetID="42" presetClass="entr" presetSubtype="0" fill="hold" grpId="0" nodeType="clickEffect">
+                                <p:cTn id="5" presetID="1" presetClass="entr" presetSubtype="0" fill="hold" nodeType="clickEffect">
                                   <p:stCondLst>
                                     <p:cond delay="0"/>
                                   </p:stCondLst>
@@ -14066,6 +15174,51 @@
                                     <p:set>
                                       <p:cBhvr>
                                         <p:cTn id="6" dur="1" fill="hold">
+                                          <p:stCondLst>
+                                            <p:cond delay="0"/>
+                                          </p:stCondLst>
+                                        </p:cTn>
+                                        <p:tgtEl>
+                                          <p:spTgt spid="15"/>
+                                        </p:tgtEl>
+                                        <p:attrNameLst>
+                                          <p:attrName>style.visibility</p:attrName>
+                                        </p:attrNameLst>
+                                      </p:cBhvr>
+                                      <p:to>
+                                        <p:strVal val="visible"/>
+                                      </p:to>
+                                    </p:set>
+                                  </p:childTnLst>
+                                </p:cTn>
+                              </p:par>
+                            </p:childTnLst>
+                          </p:cTn>
+                        </p:par>
+                      </p:childTnLst>
+                    </p:cTn>
+                  </p:par>
+                  <p:par>
+                    <p:cTn id="7" fill="hold">
+                      <p:stCondLst>
+                        <p:cond delay="indefinite"/>
+                      </p:stCondLst>
+                      <p:childTnLst>
+                        <p:par>
+                          <p:cTn id="8" fill="hold">
+                            <p:stCondLst>
+                              <p:cond delay="0"/>
+                            </p:stCondLst>
+                            <p:childTnLst>
+                              <p:par>
+                                <p:cTn id="9" presetID="42" presetClass="entr" presetSubtype="0" fill="hold" grpId="0" nodeType="clickEffect">
+                                  <p:stCondLst>
+                                    <p:cond delay="0"/>
+                                  </p:stCondLst>
+                                  <p:childTnLst>
+                                    <p:set>
+                                      <p:cBhvr>
+                                        <p:cTn id="10" dur="1" fill="hold">
                                           <p:stCondLst>
                                             <p:cond delay="0"/>
                                           </p:stCondLst>
@@ -14083,7 +15236,7 @@
                                     </p:set>
                                     <p:animEffect transition="in" filter="fade">
                                       <p:cBhvr>
-                                        <p:cTn id="7" dur="1000"/>
+                                        <p:cTn id="11" dur="1000"/>
                                         <p:tgtEl>
                                           <p:spTgt spid="2"/>
                                         </p:tgtEl>
@@ -14091,7 +15244,7 @@
                                     </p:animEffect>
                                     <p:anim calcmode="lin" valueType="num">
                                       <p:cBhvr>
-                                        <p:cTn id="8" dur="1000" fill="hold"/>
+                                        <p:cTn id="12" dur="1000" fill="hold"/>
                                         <p:tgtEl>
                                           <p:spTgt spid="2"/>
                                         </p:tgtEl>
@@ -14114,7 +15267,7 @@
                                     </p:anim>
                                     <p:anim calcmode="lin" valueType="num">
                                       <p:cBhvr>
-                                        <p:cTn id="9" dur="1000" fill="hold"/>
+                                        <p:cTn id="13" dur="1000" fill="hold"/>
                                         <p:tgtEl>
                                           <p:spTgt spid="2"/>
                                         </p:tgtEl>
@@ -14145,26 +15298,71 @@
                     </p:cTn>
                   </p:par>
                   <p:par>
-                    <p:cTn id="10" fill="hold">
+                    <p:cTn id="14" fill="hold">
                       <p:stCondLst>
                         <p:cond delay="indefinite"/>
                       </p:stCondLst>
                       <p:childTnLst>
                         <p:par>
-                          <p:cTn id="11" fill="hold">
+                          <p:cTn id="15" fill="hold">
                             <p:stCondLst>
                               <p:cond delay="0"/>
                             </p:stCondLst>
                             <p:childTnLst>
                               <p:par>
-                                <p:cTn id="12" presetID="42" presetClass="entr" presetSubtype="0" fill="hold" grpId="0" nodeType="clickEffect">
+                                <p:cTn id="16" presetID="1" presetClass="entr" presetSubtype="0" fill="hold" nodeType="clickEffect">
                                   <p:stCondLst>
                                     <p:cond delay="0"/>
                                   </p:stCondLst>
                                   <p:childTnLst>
                                     <p:set>
                                       <p:cBhvr>
-                                        <p:cTn id="13" dur="1" fill="hold">
+                                        <p:cTn id="17" dur="1" fill="hold">
+                                          <p:stCondLst>
+                                            <p:cond delay="0"/>
+                                          </p:stCondLst>
+                                        </p:cTn>
+                                        <p:tgtEl>
+                                          <p:spTgt spid="19"/>
+                                        </p:tgtEl>
+                                        <p:attrNameLst>
+                                          <p:attrName>style.visibility</p:attrName>
+                                        </p:attrNameLst>
+                                      </p:cBhvr>
+                                      <p:to>
+                                        <p:strVal val="visible"/>
+                                      </p:to>
+                                    </p:set>
+                                  </p:childTnLst>
+                                </p:cTn>
+                              </p:par>
+                            </p:childTnLst>
+                          </p:cTn>
+                        </p:par>
+                      </p:childTnLst>
+                    </p:cTn>
+                  </p:par>
+                  <p:par>
+                    <p:cTn id="18" fill="hold">
+                      <p:stCondLst>
+                        <p:cond delay="indefinite"/>
+                      </p:stCondLst>
+                      <p:childTnLst>
+                        <p:par>
+                          <p:cTn id="19" fill="hold">
+                            <p:stCondLst>
+                              <p:cond delay="0"/>
+                            </p:stCondLst>
+                            <p:childTnLst>
+                              <p:par>
+                                <p:cTn id="20" presetID="42" presetClass="entr" presetSubtype="0" fill="hold" grpId="0" nodeType="clickEffect">
+                                  <p:stCondLst>
+                                    <p:cond delay="0"/>
+                                  </p:stCondLst>
+                                  <p:childTnLst>
+                                    <p:set>
+                                      <p:cBhvr>
+                                        <p:cTn id="21" dur="1" fill="hold">
                                           <p:stCondLst>
                                             <p:cond delay="0"/>
                                           </p:stCondLst>
@@ -14182,7 +15380,7 @@
                                     </p:set>
                                     <p:animEffect transition="in" filter="fade">
                                       <p:cBhvr>
-                                        <p:cTn id="14" dur="1000"/>
+                                        <p:cTn id="22" dur="1000"/>
                                         <p:tgtEl>
                                           <p:spTgt spid="9"/>
                                         </p:tgtEl>
@@ -14190,7 +15388,7 @@
                                     </p:animEffect>
                                     <p:anim calcmode="lin" valueType="num">
                                       <p:cBhvr>
-                                        <p:cTn id="15" dur="1000" fill="hold"/>
+                                        <p:cTn id="23" dur="1000" fill="hold"/>
                                         <p:tgtEl>
                                           <p:spTgt spid="9"/>
                                         </p:tgtEl>
@@ -14213,7 +15411,7 @@
                                     </p:anim>
                                     <p:anim calcmode="lin" valueType="num">
                                       <p:cBhvr>
-                                        <p:cTn id="16" dur="1000" fill="hold"/>
+                                        <p:cTn id="24" dur="1000" fill="hold"/>
                                         <p:tgtEl>
                                           <p:spTgt spid="9"/>
                                         </p:tgtEl>
@@ -14272,7 +15470,7 @@
 </p:sld>
 </file>
 
-<file path=ppt/slides/slide9.xml><?xml version="1.0" encoding="utf-8"?>
+<file path=ppt/slides/slide8.xml><?xml version="1.0" encoding="utf-8"?>
 <p:sld xmlns:a="http://schemas.openxmlformats.org/drawingml/2006/main" xmlns:r="http://schemas.openxmlformats.org/officeDocument/2006/relationships" xmlns:p="http://schemas.openxmlformats.org/presentationml/2006/main">
   <p:cSld>
     <p:bg>
@@ -17316,6 +18514,137 @@
 </p:sld>
 </file>
 
+<file path=ppt/slides/slide9.xml><?xml version="1.0" encoding="utf-8"?>
+<p:sld xmlns:a="http://schemas.openxmlformats.org/drawingml/2006/main" xmlns:r="http://schemas.openxmlformats.org/officeDocument/2006/relationships" xmlns:p="http://schemas.openxmlformats.org/presentationml/2006/main">
+  <p:cSld>
+    <p:spTree>
+      <p:nvGrpSpPr>
+        <p:cNvPr id="1" name=""/>
+        <p:cNvGrpSpPr/>
+        <p:nvPr/>
+      </p:nvGrpSpPr>
+      <p:grpSpPr>
+        <a:xfrm>
+          <a:off x="0" y="0"/>
+          <a:ext cx="0" cy="0"/>
+          <a:chOff x="0" y="0"/>
+          <a:chExt cx="0" cy="0"/>
+        </a:xfrm>
+      </p:grpSpPr>
+      <p:sp>
+        <p:nvSpPr>
+          <p:cNvPr id="2" name="Title 1">
+            <a:extLst>
+              <a:ext uri="{FF2B5EF4-FFF2-40B4-BE49-F238E27FC236}">
+                <a16:creationId xmlns:a16="http://schemas.microsoft.com/office/drawing/2014/main" id="{D48EB158-C9D6-47C5-AABF-BA03D72DFC9A}"/>
+              </a:ext>
+            </a:extLst>
+          </p:cNvPr>
+          <p:cNvSpPr>
+            <a:spLocks noGrp="1"/>
+          </p:cNvSpPr>
+          <p:nvPr>
+            <p:ph type="title"/>
+          </p:nvPr>
+        </p:nvSpPr>
+        <p:spPr/>
+        <p:txBody>
+          <a:bodyPr/>
+          <a:lstStyle/>
+          <a:p>
+            <a:r>
+              <a:rPr lang="en-US" dirty="0"/>
+              <a:t>Relationship between bitter &amp; boozy</a:t>
+            </a:r>
+          </a:p>
+        </p:txBody>
+      </p:sp>
+      <p:sp>
+        <p:nvSpPr>
+          <p:cNvPr id="11" name="Text Placeholder 10">
+            <a:extLst>
+              <a:ext uri="{FF2B5EF4-FFF2-40B4-BE49-F238E27FC236}">
+                <a16:creationId xmlns:a16="http://schemas.microsoft.com/office/drawing/2014/main" id="{9C3C278C-10AC-41C2-9073-4DE0E3C14519}"/>
+              </a:ext>
+            </a:extLst>
+          </p:cNvPr>
+          <p:cNvSpPr>
+            <a:spLocks noGrp="1"/>
+          </p:cNvSpPr>
+          <p:nvPr>
+            <p:ph type="body" sz="half" idx="2"/>
+          </p:nvPr>
+        </p:nvSpPr>
+        <p:spPr/>
+        <p:txBody>
+          <a:bodyPr/>
+          <a:lstStyle/>
+          <a:p>
+            <a:endParaRPr lang="en-US" dirty="0"/>
+          </a:p>
+          <a:p>
+            <a:endParaRPr lang="en-US" dirty="0"/>
+          </a:p>
+          <a:p>
+            <a:r>
+              <a:rPr lang="en-US" dirty="0"/>
+              <a:t>In general, there appears to be a relationship between IBU and ABV.</a:t>
+            </a:r>
+          </a:p>
+          <a:p>
+            <a:endParaRPr lang="en-US" dirty="0"/>
+          </a:p>
+          <a:p>
+            <a:r>
+              <a:rPr lang="en-US" dirty="0"/>
+              <a:t>Based on our assessment, we may be able to predict ABV based on IBU along with style and other variables of interest in future analyses</a:t>
+            </a:r>
+          </a:p>
+        </p:txBody>
+      </p:sp>
+      <p:pic>
+        <p:nvPicPr>
+          <p:cNvPr id="4" name="Picture 3">
+            <a:extLst>
+              <a:ext uri="{FF2B5EF4-FFF2-40B4-BE49-F238E27FC236}">
+                <a16:creationId xmlns:a16="http://schemas.microsoft.com/office/drawing/2014/main" id="{E8F66A1D-45C4-F74F-B243-84CBD704383F}"/>
+              </a:ext>
+            </a:extLst>
+          </p:cNvPr>
+          <p:cNvPicPr>
+            <a:picLocks noChangeAspect="1"/>
+          </p:cNvPicPr>
+          <p:nvPr/>
+        </p:nvPicPr>
+        <p:blipFill>
+          <a:blip r:embed="rId2"/>
+          <a:stretch>
+            <a:fillRect/>
+          </a:stretch>
+        </p:blipFill>
+        <p:spPr>
+          <a:xfrm>
+            <a:off x="280087" y="0"/>
+            <a:ext cx="6858000" cy="6858000"/>
+          </a:xfrm>
+          <a:prstGeom prst="rect">
+            <a:avLst/>
+          </a:prstGeom>
+        </p:spPr>
+      </p:pic>
+    </p:spTree>
+    <p:extLst>
+      <p:ext uri="{BB962C8B-B14F-4D97-AF65-F5344CB8AC3E}">
+        <p14:creationId xmlns:p14="http://schemas.microsoft.com/office/powerpoint/2010/main" val="662711705"/>
+      </p:ext>
+    </p:extLst>
+  </p:cSld>
+  <p:clrMapOvr>
+    <a:masterClrMapping/>
+  </p:clrMapOvr>
+</p:sld>
+</file>
+
 <file path=ppt/theme/theme1.xml><?xml version="1.0" encoding="utf-8"?>
 <a:theme xmlns:a="http://schemas.openxmlformats.org/drawingml/2006/main" name="Badge">
   <a:themeElements>

--- a/docs/Matt_Farrow_Megan_Ball_DS6306_EDA.pptx
+++ b/docs/Matt_Farrow_Megan_Ball_DS6306_EDA.pptx
@@ -4,6 +4,9 @@
   <p:sldMasterIdLst>
     <p:sldMasterId id="2147483936" r:id="rId1"/>
   </p:sldMasterIdLst>
+  <p:notesMasterIdLst>
+    <p:notesMasterId r:id="rId14"/>
+  </p:notesMasterIdLst>
   <p:sldIdLst>
     <p:sldId id="256" r:id="rId2"/>
     <p:sldId id="261" r:id="rId3"/>
@@ -16,6 +19,7 @@
     <p:sldId id="264" r:id="rId10"/>
     <p:sldId id="267" r:id="rId11"/>
     <p:sldId id="266" r:id="rId12"/>
+    <p:sldId id="268" r:id="rId13"/>
   </p:sldIdLst>
   <p:sldSz cx="12192000" cy="6858000"/>
   <p:notesSz cx="6858000" cy="9144000"/>
@@ -122,6 +126,1279 @@
 </p:presentation>
 </file>
 
+<file path=ppt/notesMasters/notesMaster1.xml><?xml version="1.0" encoding="utf-8"?>
+<p:notesMaster xmlns:a="http://schemas.openxmlformats.org/drawingml/2006/main" xmlns:r="http://schemas.openxmlformats.org/officeDocument/2006/relationships" xmlns:p="http://schemas.openxmlformats.org/presentationml/2006/main">
+  <p:cSld>
+    <p:bg>
+      <p:bgRef idx="1001">
+        <a:schemeClr val="bg1"/>
+      </p:bgRef>
+    </p:bg>
+    <p:spTree>
+      <p:nvGrpSpPr>
+        <p:cNvPr id="1" name=""/>
+        <p:cNvGrpSpPr/>
+        <p:nvPr/>
+      </p:nvGrpSpPr>
+      <p:grpSpPr>
+        <a:xfrm>
+          <a:off x="0" y="0"/>
+          <a:ext cx="0" cy="0"/>
+          <a:chOff x="0" y="0"/>
+          <a:chExt cx="0" cy="0"/>
+        </a:xfrm>
+      </p:grpSpPr>
+      <p:sp>
+        <p:nvSpPr>
+          <p:cNvPr id="2" name="Header Placeholder 1"/>
+          <p:cNvSpPr>
+            <a:spLocks noGrp="1"/>
+          </p:cNvSpPr>
+          <p:nvPr>
+            <p:ph type="hdr" sz="quarter"/>
+          </p:nvPr>
+        </p:nvSpPr>
+        <p:spPr>
+          <a:xfrm>
+            <a:off x="0" y="0"/>
+            <a:ext cx="2971800" cy="458788"/>
+          </a:xfrm>
+          <a:prstGeom prst="rect">
+            <a:avLst/>
+          </a:prstGeom>
+        </p:spPr>
+        <p:txBody>
+          <a:bodyPr vert="horz" lIns="91440" tIns="45720" rIns="91440" bIns="45720" rtlCol="0"/>
+          <a:lstStyle>
+            <a:lvl1pPr algn="l">
+              <a:defRPr sz="1200"/>
+            </a:lvl1pPr>
+          </a:lstStyle>
+          <a:p>
+            <a:endParaRPr lang="en-US"/>
+          </a:p>
+        </p:txBody>
+      </p:sp>
+      <p:sp>
+        <p:nvSpPr>
+          <p:cNvPr id="3" name="Date Placeholder 2"/>
+          <p:cNvSpPr>
+            <a:spLocks noGrp="1"/>
+          </p:cNvSpPr>
+          <p:nvPr>
+            <p:ph type="dt" idx="1"/>
+          </p:nvPr>
+        </p:nvSpPr>
+        <p:spPr>
+          <a:xfrm>
+            <a:off x="3884613" y="0"/>
+            <a:ext cx="2971800" cy="458788"/>
+          </a:xfrm>
+          <a:prstGeom prst="rect">
+            <a:avLst/>
+          </a:prstGeom>
+        </p:spPr>
+        <p:txBody>
+          <a:bodyPr vert="horz" lIns="91440" tIns="45720" rIns="91440" bIns="45720" rtlCol="0"/>
+          <a:lstStyle>
+            <a:lvl1pPr algn="r">
+              <a:defRPr sz="1200"/>
+            </a:lvl1pPr>
+          </a:lstStyle>
+          <a:p>
+            <a:fld id="{D2CA87CE-F84F-4AF2-818A-19E94485B64A}" type="datetimeFigureOut">
+              <a:rPr lang="en-US" smtClean="0"/>
+              <a:t>10/22/2020</a:t>
+            </a:fld>
+            <a:endParaRPr lang="en-US"/>
+          </a:p>
+        </p:txBody>
+      </p:sp>
+      <p:sp>
+        <p:nvSpPr>
+          <p:cNvPr id="4" name="Slide Image Placeholder 3"/>
+          <p:cNvSpPr>
+            <a:spLocks noGrp="1" noRot="1" noChangeAspect="1"/>
+          </p:cNvSpPr>
+          <p:nvPr>
+            <p:ph type="sldImg" idx="2"/>
+          </p:nvPr>
+        </p:nvSpPr>
+        <p:spPr>
+          <a:xfrm>
+            <a:off x="685800" y="1143000"/>
+            <a:ext cx="5486400" cy="3086100"/>
+          </a:xfrm>
+          <a:prstGeom prst="rect">
+            <a:avLst/>
+          </a:prstGeom>
+          <a:noFill/>
+          <a:ln w="12700">
+            <a:solidFill>
+              <a:prstClr val="black"/>
+            </a:solidFill>
+          </a:ln>
+        </p:spPr>
+        <p:txBody>
+          <a:bodyPr vert="horz" lIns="91440" tIns="45720" rIns="91440" bIns="45720" rtlCol="0" anchor="ctr"/>
+          <a:lstStyle/>
+          <a:p>
+            <a:endParaRPr lang="en-US"/>
+          </a:p>
+        </p:txBody>
+      </p:sp>
+      <p:sp>
+        <p:nvSpPr>
+          <p:cNvPr id="5" name="Notes Placeholder 4"/>
+          <p:cNvSpPr>
+            <a:spLocks noGrp="1"/>
+          </p:cNvSpPr>
+          <p:nvPr>
+            <p:ph type="body" sz="quarter" idx="3"/>
+          </p:nvPr>
+        </p:nvSpPr>
+        <p:spPr>
+          <a:xfrm>
+            <a:off x="685800" y="4400550"/>
+            <a:ext cx="5486400" cy="3600450"/>
+          </a:xfrm>
+          <a:prstGeom prst="rect">
+            <a:avLst/>
+          </a:prstGeom>
+        </p:spPr>
+        <p:txBody>
+          <a:bodyPr vert="horz" lIns="91440" tIns="45720" rIns="91440" bIns="45720" rtlCol="0"/>
+          <a:lstStyle/>
+          <a:p>
+            <a:pPr lvl="0"/>
+            <a:r>
+              <a:rPr lang="en-US"/>
+              <a:t>Click to edit Master text styles</a:t>
+            </a:r>
+          </a:p>
+          <a:p>
+            <a:pPr lvl="1"/>
+            <a:r>
+              <a:rPr lang="en-US"/>
+              <a:t>Second level</a:t>
+            </a:r>
+          </a:p>
+          <a:p>
+            <a:pPr lvl="2"/>
+            <a:r>
+              <a:rPr lang="en-US"/>
+              <a:t>Third level</a:t>
+            </a:r>
+          </a:p>
+          <a:p>
+            <a:pPr lvl="3"/>
+            <a:r>
+              <a:rPr lang="en-US"/>
+              <a:t>Fourth level</a:t>
+            </a:r>
+          </a:p>
+          <a:p>
+            <a:pPr lvl="4"/>
+            <a:r>
+              <a:rPr lang="en-US"/>
+              <a:t>Fifth level</a:t>
+            </a:r>
+          </a:p>
+        </p:txBody>
+      </p:sp>
+      <p:sp>
+        <p:nvSpPr>
+          <p:cNvPr id="6" name="Footer Placeholder 5"/>
+          <p:cNvSpPr>
+            <a:spLocks noGrp="1"/>
+          </p:cNvSpPr>
+          <p:nvPr>
+            <p:ph type="ftr" sz="quarter" idx="4"/>
+          </p:nvPr>
+        </p:nvSpPr>
+        <p:spPr>
+          <a:xfrm>
+            <a:off x="0" y="8685213"/>
+            <a:ext cx="2971800" cy="458787"/>
+          </a:xfrm>
+          <a:prstGeom prst="rect">
+            <a:avLst/>
+          </a:prstGeom>
+        </p:spPr>
+        <p:txBody>
+          <a:bodyPr vert="horz" lIns="91440" tIns="45720" rIns="91440" bIns="45720" rtlCol="0" anchor="b"/>
+          <a:lstStyle>
+            <a:lvl1pPr algn="l">
+              <a:defRPr sz="1200"/>
+            </a:lvl1pPr>
+          </a:lstStyle>
+          <a:p>
+            <a:endParaRPr lang="en-US"/>
+          </a:p>
+        </p:txBody>
+      </p:sp>
+      <p:sp>
+        <p:nvSpPr>
+          <p:cNvPr id="7" name="Slide Number Placeholder 6"/>
+          <p:cNvSpPr>
+            <a:spLocks noGrp="1"/>
+          </p:cNvSpPr>
+          <p:nvPr>
+            <p:ph type="sldNum" sz="quarter" idx="5"/>
+          </p:nvPr>
+        </p:nvSpPr>
+        <p:spPr>
+          <a:xfrm>
+            <a:off x="3884613" y="8685213"/>
+            <a:ext cx="2971800" cy="458787"/>
+          </a:xfrm>
+          <a:prstGeom prst="rect">
+            <a:avLst/>
+          </a:prstGeom>
+        </p:spPr>
+        <p:txBody>
+          <a:bodyPr vert="horz" lIns="91440" tIns="45720" rIns="91440" bIns="45720" rtlCol="0" anchor="b"/>
+          <a:lstStyle>
+            <a:lvl1pPr algn="r">
+              <a:defRPr sz="1200"/>
+            </a:lvl1pPr>
+          </a:lstStyle>
+          <a:p>
+            <a:fld id="{32006B2F-F6AB-4B17-97B4-0DA336E1011C}" type="slidenum">
+              <a:rPr lang="en-US" smtClean="0"/>
+              <a:t>‹#›</a:t>
+            </a:fld>
+            <a:endParaRPr lang="en-US"/>
+          </a:p>
+        </p:txBody>
+      </p:sp>
+    </p:spTree>
+    <p:extLst>
+      <p:ext uri="{BB962C8B-B14F-4D97-AF65-F5344CB8AC3E}">
+        <p14:creationId xmlns:p14="http://schemas.microsoft.com/office/powerpoint/2010/main" val="2348881143"/>
+      </p:ext>
+    </p:extLst>
+  </p:cSld>
+  <p:clrMap bg1="lt1" tx1="dk1" bg2="lt2" tx2="dk2" accent1="accent1" accent2="accent2" accent3="accent3" accent4="accent4" accent5="accent5" accent6="accent6" hlink="hlink" folHlink="folHlink"/>
+  <p:notesStyle>
+    <a:lvl1pPr marL="0" algn="l" defTabSz="914400" rtl="0" eaLnBrk="1" latinLnBrk="0" hangingPunct="1">
+      <a:defRPr sz="1200" kern="1200">
+        <a:solidFill>
+          <a:schemeClr val="tx1"/>
+        </a:solidFill>
+        <a:latin typeface="+mn-lt"/>
+        <a:ea typeface="+mn-ea"/>
+        <a:cs typeface="+mn-cs"/>
+      </a:defRPr>
+    </a:lvl1pPr>
+    <a:lvl2pPr marL="457200" algn="l" defTabSz="914400" rtl="0" eaLnBrk="1" latinLnBrk="0" hangingPunct="1">
+      <a:defRPr sz="1200" kern="1200">
+        <a:solidFill>
+          <a:schemeClr val="tx1"/>
+        </a:solidFill>
+        <a:latin typeface="+mn-lt"/>
+        <a:ea typeface="+mn-ea"/>
+        <a:cs typeface="+mn-cs"/>
+      </a:defRPr>
+    </a:lvl2pPr>
+    <a:lvl3pPr marL="914400" algn="l" defTabSz="914400" rtl="0" eaLnBrk="1" latinLnBrk="0" hangingPunct="1">
+      <a:defRPr sz="1200" kern="1200">
+        <a:solidFill>
+          <a:schemeClr val="tx1"/>
+        </a:solidFill>
+        <a:latin typeface="+mn-lt"/>
+        <a:ea typeface="+mn-ea"/>
+        <a:cs typeface="+mn-cs"/>
+      </a:defRPr>
+    </a:lvl3pPr>
+    <a:lvl4pPr marL="1371600" algn="l" defTabSz="914400" rtl="0" eaLnBrk="1" latinLnBrk="0" hangingPunct="1">
+      <a:defRPr sz="1200" kern="1200">
+        <a:solidFill>
+          <a:schemeClr val="tx1"/>
+        </a:solidFill>
+        <a:latin typeface="+mn-lt"/>
+        <a:ea typeface="+mn-ea"/>
+        <a:cs typeface="+mn-cs"/>
+      </a:defRPr>
+    </a:lvl4pPr>
+    <a:lvl5pPr marL="1828800" algn="l" defTabSz="914400" rtl="0" eaLnBrk="1" latinLnBrk="0" hangingPunct="1">
+      <a:defRPr sz="1200" kern="1200">
+        <a:solidFill>
+          <a:schemeClr val="tx1"/>
+        </a:solidFill>
+        <a:latin typeface="+mn-lt"/>
+        <a:ea typeface="+mn-ea"/>
+        <a:cs typeface="+mn-cs"/>
+      </a:defRPr>
+    </a:lvl5pPr>
+    <a:lvl6pPr marL="2286000" algn="l" defTabSz="914400" rtl="0" eaLnBrk="1" latinLnBrk="0" hangingPunct="1">
+      <a:defRPr sz="1200" kern="1200">
+        <a:solidFill>
+          <a:schemeClr val="tx1"/>
+        </a:solidFill>
+        <a:latin typeface="+mn-lt"/>
+        <a:ea typeface="+mn-ea"/>
+        <a:cs typeface="+mn-cs"/>
+      </a:defRPr>
+    </a:lvl6pPr>
+    <a:lvl7pPr marL="2743200" algn="l" defTabSz="914400" rtl="0" eaLnBrk="1" latinLnBrk="0" hangingPunct="1">
+      <a:defRPr sz="1200" kern="1200">
+        <a:solidFill>
+          <a:schemeClr val="tx1"/>
+        </a:solidFill>
+        <a:latin typeface="+mn-lt"/>
+        <a:ea typeface="+mn-ea"/>
+        <a:cs typeface="+mn-cs"/>
+      </a:defRPr>
+    </a:lvl7pPr>
+    <a:lvl8pPr marL="3200400" algn="l" defTabSz="914400" rtl="0" eaLnBrk="1" latinLnBrk="0" hangingPunct="1">
+      <a:defRPr sz="1200" kern="1200">
+        <a:solidFill>
+          <a:schemeClr val="tx1"/>
+        </a:solidFill>
+        <a:latin typeface="+mn-lt"/>
+        <a:ea typeface="+mn-ea"/>
+        <a:cs typeface="+mn-cs"/>
+      </a:defRPr>
+    </a:lvl8pPr>
+    <a:lvl9pPr marL="3657600" algn="l" defTabSz="914400" rtl="0" eaLnBrk="1" latinLnBrk="0" hangingPunct="1">
+      <a:defRPr sz="1200" kern="1200">
+        <a:solidFill>
+          <a:schemeClr val="tx1"/>
+        </a:solidFill>
+        <a:latin typeface="+mn-lt"/>
+        <a:ea typeface="+mn-ea"/>
+        <a:cs typeface="+mn-cs"/>
+      </a:defRPr>
+    </a:lvl9pPr>
+  </p:notesStyle>
+</p:notesMaster>
+</file>
+
+<file path=ppt/notesSlides/notesSlide1.xml><?xml version="1.0" encoding="utf-8"?>
+<p:notes xmlns:a="http://schemas.openxmlformats.org/drawingml/2006/main" xmlns:r="http://schemas.openxmlformats.org/officeDocument/2006/relationships" xmlns:p="http://schemas.openxmlformats.org/presentationml/2006/main">
+  <p:cSld>
+    <p:spTree>
+      <p:nvGrpSpPr>
+        <p:cNvPr id="1" name=""/>
+        <p:cNvGrpSpPr/>
+        <p:nvPr/>
+      </p:nvGrpSpPr>
+      <p:grpSpPr>
+        <a:xfrm>
+          <a:off x="0" y="0"/>
+          <a:ext cx="0" cy="0"/>
+          <a:chOff x="0" y="0"/>
+          <a:chExt cx="0" cy="0"/>
+        </a:xfrm>
+      </p:grpSpPr>
+      <p:sp>
+        <p:nvSpPr>
+          <p:cNvPr id="2" name="Slide Image Placeholder 1"/>
+          <p:cNvSpPr>
+            <a:spLocks noGrp="1" noRot="1" noChangeAspect="1"/>
+          </p:cNvSpPr>
+          <p:nvPr>
+            <p:ph type="sldImg"/>
+          </p:nvPr>
+        </p:nvSpPr>
+        <p:spPr/>
+      </p:sp>
+      <p:sp>
+        <p:nvSpPr>
+          <p:cNvPr id="3" name="Notes Placeholder 2"/>
+          <p:cNvSpPr>
+            <a:spLocks noGrp="1"/>
+          </p:cNvSpPr>
+          <p:nvPr>
+            <p:ph type="body" idx="1"/>
+          </p:nvPr>
+        </p:nvSpPr>
+        <p:spPr/>
+        <p:txBody>
+          <a:bodyPr/>
+          <a:lstStyle/>
+          <a:p>
+            <a:endParaRPr lang="en-US"/>
+          </a:p>
+        </p:txBody>
+      </p:sp>
+      <p:sp>
+        <p:nvSpPr>
+          <p:cNvPr id="4" name="Slide Number Placeholder 3"/>
+          <p:cNvSpPr>
+            <a:spLocks noGrp="1"/>
+          </p:cNvSpPr>
+          <p:nvPr>
+            <p:ph type="sldNum" sz="quarter" idx="5"/>
+          </p:nvPr>
+        </p:nvSpPr>
+        <p:spPr/>
+        <p:txBody>
+          <a:bodyPr/>
+          <a:lstStyle/>
+          <a:p>
+            <a:fld id="{32006B2F-F6AB-4B17-97B4-0DA336E1011C}" type="slidenum">
+              <a:rPr lang="en-US" smtClean="0"/>
+              <a:t>1</a:t>
+            </a:fld>
+            <a:endParaRPr lang="en-US"/>
+          </a:p>
+        </p:txBody>
+      </p:sp>
+    </p:spTree>
+    <p:extLst>
+      <p:ext uri="{BB962C8B-B14F-4D97-AF65-F5344CB8AC3E}">
+        <p14:creationId xmlns:p14="http://schemas.microsoft.com/office/powerpoint/2010/main" val="2350979267"/>
+      </p:ext>
+    </p:extLst>
+  </p:cSld>
+  <p:clrMapOvr>
+    <a:masterClrMapping/>
+  </p:clrMapOvr>
+</p:notes>
+</file>
+
+<file path=ppt/notesSlides/notesSlide10.xml><?xml version="1.0" encoding="utf-8"?>
+<p:notes xmlns:a="http://schemas.openxmlformats.org/drawingml/2006/main" xmlns:r="http://schemas.openxmlformats.org/officeDocument/2006/relationships" xmlns:p="http://schemas.openxmlformats.org/presentationml/2006/main">
+  <p:cSld>
+    <p:spTree>
+      <p:nvGrpSpPr>
+        <p:cNvPr id="1" name=""/>
+        <p:cNvGrpSpPr/>
+        <p:nvPr/>
+      </p:nvGrpSpPr>
+      <p:grpSpPr>
+        <a:xfrm>
+          <a:off x="0" y="0"/>
+          <a:ext cx="0" cy="0"/>
+          <a:chOff x="0" y="0"/>
+          <a:chExt cx="0" cy="0"/>
+        </a:xfrm>
+      </p:grpSpPr>
+      <p:sp>
+        <p:nvSpPr>
+          <p:cNvPr id="2" name="Slide Image Placeholder 1"/>
+          <p:cNvSpPr>
+            <a:spLocks noGrp="1" noRot="1" noChangeAspect="1"/>
+          </p:cNvSpPr>
+          <p:nvPr>
+            <p:ph type="sldImg"/>
+          </p:nvPr>
+        </p:nvSpPr>
+        <p:spPr/>
+      </p:sp>
+      <p:sp>
+        <p:nvSpPr>
+          <p:cNvPr id="3" name="Notes Placeholder 2"/>
+          <p:cNvSpPr>
+            <a:spLocks noGrp="1"/>
+          </p:cNvSpPr>
+          <p:nvPr>
+            <p:ph type="body" idx="1"/>
+          </p:nvPr>
+        </p:nvSpPr>
+        <p:spPr/>
+        <p:txBody>
+          <a:bodyPr/>
+          <a:lstStyle/>
+          <a:p>
+            <a:endParaRPr lang="en-US"/>
+          </a:p>
+        </p:txBody>
+      </p:sp>
+      <p:sp>
+        <p:nvSpPr>
+          <p:cNvPr id="4" name="Slide Number Placeholder 3"/>
+          <p:cNvSpPr>
+            <a:spLocks noGrp="1"/>
+          </p:cNvSpPr>
+          <p:nvPr>
+            <p:ph type="sldNum" sz="quarter" idx="5"/>
+          </p:nvPr>
+        </p:nvSpPr>
+        <p:spPr/>
+        <p:txBody>
+          <a:bodyPr/>
+          <a:lstStyle/>
+          <a:p>
+            <a:fld id="{32006B2F-F6AB-4B17-97B4-0DA336E1011C}" type="slidenum">
+              <a:rPr lang="en-US" smtClean="0"/>
+              <a:t>10</a:t>
+            </a:fld>
+            <a:endParaRPr lang="en-US"/>
+          </a:p>
+        </p:txBody>
+      </p:sp>
+    </p:spTree>
+    <p:extLst>
+      <p:ext uri="{BB962C8B-B14F-4D97-AF65-F5344CB8AC3E}">
+        <p14:creationId xmlns:p14="http://schemas.microsoft.com/office/powerpoint/2010/main" val="1274882189"/>
+      </p:ext>
+    </p:extLst>
+  </p:cSld>
+  <p:clrMapOvr>
+    <a:masterClrMapping/>
+  </p:clrMapOvr>
+</p:notes>
+</file>
+
+<file path=ppt/notesSlides/notesSlide11.xml><?xml version="1.0" encoding="utf-8"?>
+<p:notes xmlns:a="http://schemas.openxmlformats.org/drawingml/2006/main" xmlns:r="http://schemas.openxmlformats.org/officeDocument/2006/relationships" xmlns:p="http://schemas.openxmlformats.org/presentationml/2006/main">
+  <p:cSld>
+    <p:spTree>
+      <p:nvGrpSpPr>
+        <p:cNvPr id="1" name=""/>
+        <p:cNvGrpSpPr/>
+        <p:nvPr/>
+      </p:nvGrpSpPr>
+      <p:grpSpPr>
+        <a:xfrm>
+          <a:off x="0" y="0"/>
+          <a:ext cx="0" cy="0"/>
+          <a:chOff x="0" y="0"/>
+          <a:chExt cx="0" cy="0"/>
+        </a:xfrm>
+      </p:grpSpPr>
+      <p:sp>
+        <p:nvSpPr>
+          <p:cNvPr id="2" name="Slide Image Placeholder 1"/>
+          <p:cNvSpPr>
+            <a:spLocks noGrp="1" noRot="1" noChangeAspect="1"/>
+          </p:cNvSpPr>
+          <p:nvPr>
+            <p:ph type="sldImg"/>
+          </p:nvPr>
+        </p:nvSpPr>
+        <p:spPr/>
+      </p:sp>
+      <p:sp>
+        <p:nvSpPr>
+          <p:cNvPr id="3" name="Notes Placeholder 2"/>
+          <p:cNvSpPr>
+            <a:spLocks noGrp="1"/>
+          </p:cNvSpPr>
+          <p:nvPr>
+            <p:ph type="body" idx="1"/>
+          </p:nvPr>
+        </p:nvSpPr>
+        <p:spPr/>
+        <p:txBody>
+          <a:bodyPr/>
+          <a:lstStyle/>
+          <a:p>
+            <a:endParaRPr lang="en-US"/>
+          </a:p>
+        </p:txBody>
+      </p:sp>
+      <p:sp>
+        <p:nvSpPr>
+          <p:cNvPr id="4" name="Slide Number Placeholder 3"/>
+          <p:cNvSpPr>
+            <a:spLocks noGrp="1"/>
+          </p:cNvSpPr>
+          <p:nvPr>
+            <p:ph type="sldNum" sz="quarter" idx="5"/>
+          </p:nvPr>
+        </p:nvSpPr>
+        <p:spPr/>
+        <p:txBody>
+          <a:bodyPr/>
+          <a:lstStyle/>
+          <a:p>
+            <a:fld id="{32006B2F-F6AB-4B17-97B4-0DA336E1011C}" type="slidenum">
+              <a:rPr lang="en-US" smtClean="0"/>
+              <a:t>11</a:t>
+            </a:fld>
+            <a:endParaRPr lang="en-US"/>
+          </a:p>
+        </p:txBody>
+      </p:sp>
+    </p:spTree>
+    <p:extLst>
+      <p:ext uri="{BB962C8B-B14F-4D97-AF65-F5344CB8AC3E}">
+        <p14:creationId xmlns:p14="http://schemas.microsoft.com/office/powerpoint/2010/main" val="3320091625"/>
+      </p:ext>
+    </p:extLst>
+  </p:cSld>
+  <p:clrMapOvr>
+    <a:masterClrMapping/>
+  </p:clrMapOvr>
+</p:notes>
+</file>
+
+<file path=ppt/notesSlides/notesSlide2.xml><?xml version="1.0" encoding="utf-8"?>
+<p:notes xmlns:a="http://schemas.openxmlformats.org/drawingml/2006/main" xmlns:r="http://schemas.openxmlformats.org/officeDocument/2006/relationships" xmlns:p="http://schemas.openxmlformats.org/presentationml/2006/main">
+  <p:cSld>
+    <p:spTree>
+      <p:nvGrpSpPr>
+        <p:cNvPr id="1" name=""/>
+        <p:cNvGrpSpPr/>
+        <p:nvPr/>
+      </p:nvGrpSpPr>
+      <p:grpSpPr>
+        <a:xfrm>
+          <a:off x="0" y="0"/>
+          <a:ext cx="0" cy="0"/>
+          <a:chOff x="0" y="0"/>
+          <a:chExt cx="0" cy="0"/>
+        </a:xfrm>
+      </p:grpSpPr>
+      <p:sp>
+        <p:nvSpPr>
+          <p:cNvPr id="2" name="Slide Image Placeholder 1"/>
+          <p:cNvSpPr>
+            <a:spLocks noGrp="1" noRot="1" noChangeAspect="1"/>
+          </p:cNvSpPr>
+          <p:nvPr>
+            <p:ph type="sldImg"/>
+          </p:nvPr>
+        </p:nvSpPr>
+        <p:spPr/>
+      </p:sp>
+      <p:sp>
+        <p:nvSpPr>
+          <p:cNvPr id="3" name="Notes Placeholder 2"/>
+          <p:cNvSpPr>
+            <a:spLocks noGrp="1"/>
+          </p:cNvSpPr>
+          <p:nvPr>
+            <p:ph type="body" idx="1"/>
+          </p:nvPr>
+        </p:nvSpPr>
+        <p:spPr/>
+        <p:txBody>
+          <a:bodyPr/>
+          <a:lstStyle/>
+          <a:p>
+            <a:endParaRPr lang="en-US"/>
+          </a:p>
+        </p:txBody>
+      </p:sp>
+      <p:sp>
+        <p:nvSpPr>
+          <p:cNvPr id="4" name="Slide Number Placeholder 3"/>
+          <p:cNvSpPr>
+            <a:spLocks noGrp="1"/>
+          </p:cNvSpPr>
+          <p:nvPr>
+            <p:ph type="sldNum" sz="quarter" idx="5"/>
+          </p:nvPr>
+        </p:nvSpPr>
+        <p:spPr/>
+        <p:txBody>
+          <a:bodyPr/>
+          <a:lstStyle/>
+          <a:p>
+            <a:fld id="{32006B2F-F6AB-4B17-97B4-0DA336E1011C}" type="slidenum">
+              <a:rPr lang="en-US" smtClean="0"/>
+              <a:t>2</a:t>
+            </a:fld>
+            <a:endParaRPr lang="en-US"/>
+          </a:p>
+        </p:txBody>
+      </p:sp>
+    </p:spTree>
+    <p:extLst>
+      <p:ext uri="{BB962C8B-B14F-4D97-AF65-F5344CB8AC3E}">
+        <p14:creationId xmlns:p14="http://schemas.microsoft.com/office/powerpoint/2010/main" val="1990240346"/>
+      </p:ext>
+    </p:extLst>
+  </p:cSld>
+  <p:clrMapOvr>
+    <a:masterClrMapping/>
+  </p:clrMapOvr>
+</p:notes>
+</file>
+
+<file path=ppt/notesSlides/notesSlide3.xml><?xml version="1.0" encoding="utf-8"?>
+<p:notes xmlns:a="http://schemas.openxmlformats.org/drawingml/2006/main" xmlns:r="http://schemas.openxmlformats.org/officeDocument/2006/relationships" xmlns:p="http://schemas.openxmlformats.org/presentationml/2006/main">
+  <p:cSld>
+    <p:spTree>
+      <p:nvGrpSpPr>
+        <p:cNvPr id="1" name=""/>
+        <p:cNvGrpSpPr/>
+        <p:nvPr/>
+      </p:nvGrpSpPr>
+      <p:grpSpPr>
+        <a:xfrm>
+          <a:off x="0" y="0"/>
+          <a:ext cx="0" cy="0"/>
+          <a:chOff x="0" y="0"/>
+          <a:chExt cx="0" cy="0"/>
+        </a:xfrm>
+      </p:grpSpPr>
+      <p:sp>
+        <p:nvSpPr>
+          <p:cNvPr id="2" name="Slide Image Placeholder 1"/>
+          <p:cNvSpPr>
+            <a:spLocks noGrp="1" noRot="1" noChangeAspect="1"/>
+          </p:cNvSpPr>
+          <p:nvPr>
+            <p:ph type="sldImg"/>
+          </p:nvPr>
+        </p:nvSpPr>
+        <p:spPr/>
+      </p:sp>
+      <p:sp>
+        <p:nvSpPr>
+          <p:cNvPr id="3" name="Notes Placeholder 2"/>
+          <p:cNvSpPr>
+            <a:spLocks noGrp="1"/>
+          </p:cNvSpPr>
+          <p:nvPr>
+            <p:ph type="body" idx="1"/>
+          </p:nvPr>
+        </p:nvSpPr>
+        <p:spPr/>
+        <p:txBody>
+          <a:bodyPr/>
+          <a:lstStyle/>
+          <a:p>
+            <a:endParaRPr lang="en-US"/>
+          </a:p>
+        </p:txBody>
+      </p:sp>
+      <p:sp>
+        <p:nvSpPr>
+          <p:cNvPr id="4" name="Slide Number Placeholder 3"/>
+          <p:cNvSpPr>
+            <a:spLocks noGrp="1"/>
+          </p:cNvSpPr>
+          <p:nvPr>
+            <p:ph type="sldNum" sz="quarter" idx="5"/>
+          </p:nvPr>
+        </p:nvSpPr>
+        <p:spPr/>
+        <p:txBody>
+          <a:bodyPr/>
+          <a:lstStyle/>
+          <a:p>
+            <a:fld id="{32006B2F-F6AB-4B17-97B4-0DA336E1011C}" type="slidenum">
+              <a:rPr lang="en-US" smtClean="0"/>
+              <a:t>3</a:t>
+            </a:fld>
+            <a:endParaRPr lang="en-US"/>
+          </a:p>
+        </p:txBody>
+      </p:sp>
+    </p:spTree>
+    <p:extLst>
+      <p:ext uri="{BB962C8B-B14F-4D97-AF65-F5344CB8AC3E}">
+        <p14:creationId xmlns:p14="http://schemas.microsoft.com/office/powerpoint/2010/main" val="3081472107"/>
+      </p:ext>
+    </p:extLst>
+  </p:cSld>
+  <p:clrMapOvr>
+    <a:masterClrMapping/>
+  </p:clrMapOvr>
+</p:notes>
+</file>
+
+<file path=ppt/notesSlides/notesSlide4.xml><?xml version="1.0" encoding="utf-8"?>
+<p:notes xmlns:a="http://schemas.openxmlformats.org/drawingml/2006/main" xmlns:r="http://schemas.openxmlformats.org/officeDocument/2006/relationships" xmlns:p="http://schemas.openxmlformats.org/presentationml/2006/main">
+  <p:cSld>
+    <p:spTree>
+      <p:nvGrpSpPr>
+        <p:cNvPr id="1" name=""/>
+        <p:cNvGrpSpPr/>
+        <p:nvPr/>
+      </p:nvGrpSpPr>
+      <p:grpSpPr>
+        <a:xfrm>
+          <a:off x="0" y="0"/>
+          <a:ext cx="0" cy="0"/>
+          <a:chOff x="0" y="0"/>
+          <a:chExt cx="0" cy="0"/>
+        </a:xfrm>
+      </p:grpSpPr>
+      <p:sp>
+        <p:nvSpPr>
+          <p:cNvPr id="2" name="Slide Image Placeholder 1"/>
+          <p:cNvSpPr>
+            <a:spLocks noGrp="1" noRot="1" noChangeAspect="1"/>
+          </p:cNvSpPr>
+          <p:nvPr>
+            <p:ph type="sldImg"/>
+          </p:nvPr>
+        </p:nvSpPr>
+        <p:spPr/>
+      </p:sp>
+      <p:sp>
+        <p:nvSpPr>
+          <p:cNvPr id="3" name="Notes Placeholder 2"/>
+          <p:cNvSpPr>
+            <a:spLocks noGrp="1"/>
+          </p:cNvSpPr>
+          <p:nvPr>
+            <p:ph type="body" idx="1"/>
+          </p:nvPr>
+        </p:nvSpPr>
+        <p:spPr/>
+        <p:txBody>
+          <a:bodyPr/>
+          <a:lstStyle/>
+          <a:p>
+            <a:endParaRPr lang="en-US"/>
+          </a:p>
+        </p:txBody>
+      </p:sp>
+      <p:sp>
+        <p:nvSpPr>
+          <p:cNvPr id="4" name="Slide Number Placeholder 3"/>
+          <p:cNvSpPr>
+            <a:spLocks noGrp="1"/>
+          </p:cNvSpPr>
+          <p:nvPr>
+            <p:ph type="sldNum" sz="quarter" idx="5"/>
+          </p:nvPr>
+        </p:nvSpPr>
+        <p:spPr/>
+        <p:txBody>
+          <a:bodyPr/>
+          <a:lstStyle/>
+          <a:p>
+            <a:fld id="{32006B2F-F6AB-4B17-97B4-0DA336E1011C}" type="slidenum">
+              <a:rPr lang="en-US" smtClean="0"/>
+              <a:t>4</a:t>
+            </a:fld>
+            <a:endParaRPr lang="en-US"/>
+          </a:p>
+        </p:txBody>
+      </p:sp>
+    </p:spTree>
+    <p:extLst>
+      <p:ext uri="{BB962C8B-B14F-4D97-AF65-F5344CB8AC3E}">
+        <p14:creationId xmlns:p14="http://schemas.microsoft.com/office/powerpoint/2010/main" val="1650733387"/>
+      </p:ext>
+    </p:extLst>
+  </p:cSld>
+  <p:clrMapOvr>
+    <a:masterClrMapping/>
+  </p:clrMapOvr>
+</p:notes>
+</file>
+
+<file path=ppt/notesSlides/notesSlide5.xml><?xml version="1.0" encoding="utf-8"?>
+<p:notes xmlns:a="http://schemas.openxmlformats.org/drawingml/2006/main" xmlns:r="http://schemas.openxmlformats.org/officeDocument/2006/relationships" xmlns:p="http://schemas.openxmlformats.org/presentationml/2006/main">
+  <p:cSld>
+    <p:spTree>
+      <p:nvGrpSpPr>
+        <p:cNvPr id="1" name=""/>
+        <p:cNvGrpSpPr/>
+        <p:nvPr/>
+      </p:nvGrpSpPr>
+      <p:grpSpPr>
+        <a:xfrm>
+          <a:off x="0" y="0"/>
+          <a:ext cx="0" cy="0"/>
+          <a:chOff x="0" y="0"/>
+          <a:chExt cx="0" cy="0"/>
+        </a:xfrm>
+      </p:grpSpPr>
+      <p:sp>
+        <p:nvSpPr>
+          <p:cNvPr id="2" name="Slide Image Placeholder 1"/>
+          <p:cNvSpPr>
+            <a:spLocks noGrp="1" noRot="1" noChangeAspect="1"/>
+          </p:cNvSpPr>
+          <p:nvPr>
+            <p:ph type="sldImg"/>
+          </p:nvPr>
+        </p:nvSpPr>
+        <p:spPr/>
+      </p:sp>
+      <p:sp>
+        <p:nvSpPr>
+          <p:cNvPr id="3" name="Notes Placeholder 2"/>
+          <p:cNvSpPr>
+            <a:spLocks noGrp="1"/>
+          </p:cNvSpPr>
+          <p:nvPr>
+            <p:ph type="body" idx="1"/>
+          </p:nvPr>
+        </p:nvSpPr>
+        <p:spPr/>
+        <p:txBody>
+          <a:bodyPr/>
+          <a:lstStyle/>
+          <a:p>
+            <a:endParaRPr lang="en-US"/>
+          </a:p>
+        </p:txBody>
+      </p:sp>
+      <p:sp>
+        <p:nvSpPr>
+          <p:cNvPr id="4" name="Slide Number Placeholder 3"/>
+          <p:cNvSpPr>
+            <a:spLocks noGrp="1"/>
+          </p:cNvSpPr>
+          <p:nvPr>
+            <p:ph type="sldNum" sz="quarter" idx="5"/>
+          </p:nvPr>
+        </p:nvSpPr>
+        <p:spPr/>
+        <p:txBody>
+          <a:bodyPr/>
+          <a:lstStyle/>
+          <a:p>
+            <a:fld id="{32006B2F-F6AB-4B17-97B4-0DA336E1011C}" type="slidenum">
+              <a:rPr lang="en-US" smtClean="0"/>
+              <a:t>5</a:t>
+            </a:fld>
+            <a:endParaRPr lang="en-US"/>
+          </a:p>
+        </p:txBody>
+      </p:sp>
+    </p:spTree>
+    <p:extLst>
+      <p:ext uri="{BB962C8B-B14F-4D97-AF65-F5344CB8AC3E}">
+        <p14:creationId xmlns:p14="http://schemas.microsoft.com/office/powerpoint/2010/main" val="3847816598"/>
+      </p:ext>
+    </p:extLst>
+  </p:cSld>
+  <p:clrMapOvr>
+    <a:masterClrMapping/>
+  </p:clrMapOvr>
+</p:notes>
+</file>
+
+<file path=ppt/notesSlides/notesSlide6.xml><?xml version="1.0" encoding="utf-8"?>
+<p:notes xmlns:a="http://schemas.openxmlformats.org/drawingml/2006/main" xmlns:r="http://schemas.openxmlformats.org/officeDocument/2006/relationships" xmlns:p="http://schemas.openxmlformats.org/presentationml/2006/main">
+  <p:cSld>
+    <p:spTree>
+      <p:nvGrpSpPr>
+        <p:cNvPr id="1" name=""/>
+        <p:cNvGrpSpPr/>
+        <p:nvPr/>
+      </p:nvGrpSpPr>
+      <p:grpSpPr>
+        <a:xfrm>
+          <a:off x="0" y="0"/>
+          <a:ext cx="0" cy="0"/>
+          <a:chOff x="0" y="0"/>
+          <a:chExt cx="0" cy="0"/>
+        </a:xfrm>
+      </p:grpSpPr>
+      <p:sp>
+        <p:nvSpPr>
+          <p:cNvPr id="2" name="Slide Image Placeholder 1"/>
+          <p:cNvSpPr>
+            <a:spLocks noGrp="1" noRot="1" noChangeAspect="1"/>
+          </p:cNvSpPr>
+          <p:nvPr>
+            <p:ph type="sldImg"/>
+          </p:nvPr>
+        </p:nvSpPr>
+        <p:spPr/>
+      </p:sp>
+      <p:sp>
+        <p:nvSpPr>
+          <p:cNvPr id="3" name="Notes Placeholder 2"/>
+          <p:cNvSpPr>
+            <a:spLocks noGrp="1"/>
+          </p:cNvSpPr>
+          <p:nvPr>
+            <p:ph type="body" idx="1"/>
+          </p:nvPr>
+        </p:nvSpPr>
+        <p:spPr/>
+        <p:txBody>
+          <a:bodyPr/>
+          <a:lstStyle/>
+          <a:p>
+            <a:endParaRPr lang="en-US"/>
+          </a:p>
+        </p:txBody>
+      </p:sp>
+      <p:sp>
+        <p:nvSpPr>
+          <p:cNvPr id="4" name="Slide Number Placeholder 3"/>
+          <p:cNvSpPr>
+            <a:spLocks noGrp="1"/>
+          </p:cNvSpPr>
+          <p:nvPr>
+            <p:ph type="sldNum" sz="quarter" idx="5"/>
+          </p:nvPr>
+        </p:nvSpPr>
+        <p:spPr/>
+        <p:txBody>
+          <a:bodyPr/>
+          <a:lstStyle/>
+          <a:p>
+            <a:fld id="{32006B2F-F6AB-4B17-97B4-0DA336E1011C}" type="slidenum">
+              <a:rPr lang="en-US" smtClean="0"/>
+              <a:t>6</a:t>
+            </a:fld>
+            <a:endParaRPr lang="en-US"/>
+          </a:p>
+        </p:txBody>
+      </p:sp>
+    </p:spTree>
+    <p:extLst>
+      <p:ext uri="{BB962C8B-B14F-4D97-AF65-F5344CB8AC3E}">
+        <p14:creationId xmlns:p14="http://schemas.microsoft.com/office/powerpoint/2010/main" val="347405287"/>
+      </p:ext>
+    </p:extLst>
+  </p:cSld>
+  <p:clrMapOvr>
+    <a:masterClrMapping/>
+  </p:clrMapOvr>
+</p:notes>
+</file>
+
+<file path=ppt/notesSlides/notesSlide7.xml><?xml version="1.0" encoding="utf-8"?>
+<p:notes xmlns:a="http://schemas.openxmlformats.org/drawingml/2006/main" xmlns:r="http://schemas.openxmlformats.org/officeDocument/2006/relationships" xmlns:p="http://schemas.openxmlformats.org/presentationml/2006/main">
+  <p:cSld>
+    <p:spTree>
+      <p:nvGrpSpPr>
+        <p:cNvPr id="1" name=""/>
+        <p:cNvGrpSpPr/>
+        <p:nvPr/>
+      </p:nvGrpSpPr>
+      <p:grpSpPr>
+        <a:xfrm>
+          <a:off x="0" y="0"/>
+          <a:ext cx="0" cy="0"/>
+          <a:chOff x="0" y="0"/>
+          <a:chExt cx="0" cy="0"/>
+        </a:xfrm>
+      </p:grpSpPr>
+      <p:sp>
+        <p:nvSpPr>
+          <p:cNvPr id="2" name="Slide Image Placeholder 1"/>
+          <p:cNvSpPr>
+            <a:spLocks noGrp="1" noRot="1" noChangeAspect="1"/>
+          </p:cNvSpPr>
+          <p:nvPr>
+            <p:ph type="sldImg"/>
+          </p:nvPr>
+        </p:nvSpPr>
+        <p:spPr/>
+      </p:sp>
+      <p:sp>
+        <p:nvSpPr>
+          <p:cNvPr id="3" name="Notes Placeholder 2"/>
+          <p:cNvSpPr>
+            <a:spLocks noGrp="1"/>
+          </p:cNvSpPr>
+          <p:nvPr>
+            <p:ph type="body" idx="1"/>
+          </p:nvPr>
+        </p:nvSpPr>
+        <p:spPr/>
+        <p:txBody>
+          <a:bodyPr/>
+          <a:lstStyle/>
+          <a:p>
+            <a:endParaRPr lang="en-US"/>
+          </a:p>
+        </p:txBody>
+      </p:sp>
+      <p:sp>
+        <p:nvSpPr>
+          <p:cNvPr id="4" name="Slide Number Placeholder 3"/>
+          <p:cNvSpPr>
+            <a:spLocks noGrp="1"/>
+          </p:cNvSpPr>
+          <p:nvPr>
+            <p:ph type="sldNum" sz="quarter" idx="5"/>
+          </p:nvPr>
+        </p:nvSpPr>
+        <p:spPr/>
+        <p:txBody>
+          <a:bodyPr/>
+          <a:lstStyle/>
+          <a:p>
+            <a:fld id="{32006B2F-F6AB-4B17-97B4-0DA336E1011C}" type="slidenum">
+              <a:rPr lang="en-US" smtClean="0"/>
+              <a:t>7</a:t>
+            </a:fld>
+            <a:endParaRPr lang="en-US"/>
+          </a:p>
+        </p:txBody>
+      </p:sp>
+    </p:spTree>
+    <p:extLst>
+      <p:ext uri="{BB962C8B-B14F-4D97-AF65-F5344CB8AC3E}">
+        <p14:creationId xmlns:p14="http://schemas.microsoft.com/office/powerpoint/2010/main" val="2166478381"/>
+      </p:ext>
+    </p:extLst>
+  </p:cSld>
+  <p:clrMapOvr>
+    <a:masterClrMapping/>
+  </p:clrMapOvr>
+</p:notes>
+</file>
+
+<file path=ppt/notesSlides/notesSlide8.xml><?xml version="1.0" encoding="utf-8"?>
+<p:notes xmlns:a="http://schemas.openxmlformats.org/drawingml/2006/main" xmlns:r="http://schemas.openxmlformats.org/officeDocument/2006/relationships" xmlns:p="http://schemas.openxmlformats.org/presentationml/2006/main">
+  <p:cSld>
+    <p:spTree>
+      <p:nvGrpSpPr>
+        <p:cNvPr id="1" name=""/>
+        <p:cNvGrpSpPr/>
+        <p:nvPr/>
+      </p:nvGrpSpPr>
+      <p:grpSpPr>
+        <a:xfrm>
+          <a:off x="0" y="0"/>
+          <a:ext cx="0" cy="0"/>
+          <a:chOff x="0" y="0"/>
+          <a:chExt cx="0" cy="0"/>
+        </a:xfrm>
+      </p:grpSpPr>
+      <p:sp>
+        <p:nvSpPr>
+          <p:cNvPr id="2" name="Slide Image Placeholder 1"/>
+          <p:cNvSpPr>
+            <a:spLocks noGrp="1" noRot="1" noChangeAspect="1"/>
+          </p:cNvSpPr>
+          <p:nvPr>
+            <p:ph type="sldImg"/>
+          </p:nvPr>
+        </p:nvSpPr>
+        <p:spPr/>
+      </p:sp>
+      <p:sp>
+        <p:nvSpPr>
+          <p:cNvPr id="3" name="Notes Placeholder 2"/>
+          <p:cNvSpPr>
+            <a:spLocks noGrp="1"/>
+          </p:cNvSpPr>
+          <p:nvPr>
+            <p:ph type="body" idx="1"/>
+          </p:nvPr>
+        </p:nvSpPr>
+        <p:spPr/>
+        <p:txBody>
+          <a:bodyPr/>
+          <a:lstStyle/>
+          <a:p>
+            <a:endParaRPr lang="en-US"/>
+          </a:p>
+        </p:txBody>
+      </p:sp>
+      <p:sp>
+        <p:nvSpPr>
+          <p:cNvPr id="4" name="Slide Number Placeholder 3"/>
+          <p:cNvSpPr>
+            <a:spLocks noGrp="1"/>
+          </p:cNvSpPr>
+          <p:nvPr>
+            <p:ph type="sldNum" sz="quarter" idx="5"/>
+          </p:nvPr>
+        </p:nvSpPr>
+        <p:spPr/>
+        <p:txBody>
+          <a:bodyPr/>
+          <a:lstStyle/>
+          <a:p>
+            <a:fld id="{32006B2F-F6AB-4B17-97B4-0DA336E1011C}" type="slidenum">
+              <a:rPr lang="en-US" smtClean="0"/>
+              <a:t>8</a:t>
+            </a:fld>
+            <a:endParaRPr lang="en-US"/>
+          </a:p>
+        </p:txBody>
+      </p:sp>
+    </p:spTree>
+    <p:extLst>
+      <p:ext uri="{BB962C8B-B14F-4D97-AF65-F5344CB8AC3E}">
+        <p14:creationId xmlns:p14="http://schemas.microsoft.com/office/powerpoint/2010/main" val="1726925841"/>
+      </p:ext>
+    </p:extLst>
+  </p:cSld>
+  <p:clrMapOvr>
+    <a:masterClrMapping/>
+  </p:clrMapOvr>
+</p:notes>
+</file>
+
+<file path=ppt/notesSlides/notesSlide9.xml><?xml version="1.0" encoding="utf-8"?>
+<p:notes xmlns:a="http://schemas.openxmlformats.org/drawingml/2006/main" xmlns:r="http://schemas.openxmlformats.org/officeDocument/2006/relationships" xmlns:p="http://schemas.openxmlformats.org/presentationml/2006/main">
+  <p:cSld>
+    <p:spTree>
+      <p:nvGrpSpPr>
+        <p:cNvPr id="1" name=""/>
+        <p:cNvGrpSpPr/>
+        <p:nvPr/>
+      </p:nvGrpSpPr>
+      <p:grpSpPr>
+        <a:xfrm>
+          <a:off x="0" y="0"/>
+          <a:ext cx="0" cy="0"/>
+          <a:chOff x="0" y="0"/>
+          <a:chExt cx="0" cy="0"/>
+        </a:xfrm>
+      </p:grpSpPr>
+      <p:sp>
+        <p:nvSpPr>
+          <p:cNvPr id="2" name="Slide Image Placeholder 1"/>
+          <p:cNvSpPr>
+            <a:spLocks noGrp="1" noRot="1" noChangeAspect="1"/>
+          </p:cNvSpPr>
+          <p:nvPr>
+            <p:ph type="sldImg"/>
+          </p:nvPr>
+        </p:nvSpPr>
+        <p:spPr/>
+      </p:sp>
+      <p:sp>
+        <p:nvSpPr>
+          <p:cNvPr id="3" name="Notes Placeholder 2"/>
+          <p:cNvSpPr>
+            <a:spLocks noGrp="1"/>
+          </p:cNvSpPr>
+          <p:nvPr>
+            <p:ph type="body" idx="1"/>
+          </p:nvPr>
+        </p:nvSpPr>
+        <p:spPr/>
+        <p:txBody>
+          <a:bodyPr/>
+          <a:lstStyle/>
+          <a:p>
+            <a:endParaRPr lang="en-US"/>
+          </a:p>
+        </p:txBody>
+      </p:sp>
+      <p:sp>
+        <p:nvSpPr>
+          <p:cNvPr id="4" name="Slide Number Placeholder 3"/>
+          <p:cNvSpPr>
+            <a:spLocks noGrp="1"/>
+          </p:cNvSpPr>
+          <p:nvPr>
+            <p:ph type="sldNum" sz="quarter" idx="5"/>
+          </p:nvPr>
+        </p:nvSpPr>
+        <p:spPr/>
+        <p:txBody>
+          <a:bodyPr/>
+          <a:lstStyle/>
+          <a:p>
+            <a:fld id="{32006B2F-F6AB-4B17-97B4-0DA336E1011C}" type="slidenum">
+              <a:rPr lang="en-US" smtClean="0"/>
+              <a:t>9</a:t>
+            </a:fld>
+            <a:endParaRPr lang="en-US"/>
+          </a:p>
+        </p:txBody>
+      </p:sp>
+    </p:spTree>
+    <p:extLst>
+      <p:ext uri="{BB962C8B-B14F-4D97-AF65-F5344CB8AC3E}">
+        <p14:creationId xmlns:p14="http://schemas.microsoft.com/office/powerpoint/2010/main" val="1151975257"/>
+      </p:ext>
+    </p:extLst>
+  </p:cSld>
+  <p:clrMapOvr>
+    <a:masterClrMapping/>
+  </p:clrMapOvr>
+</p:notes>
+</file>
+
 <file path=ppt/slideLayouts/slideLayout1.xml><?xml version="1.0" encoding="utf-8"?>
 <p:sldLayout xmlns:a="http://schemas.openxmlformats.org/drawingml/2006/main" xmlns:r="http://schemas.openxmlformats.org/officeDocument/2006/relationships" xmlns:p="http://schemas.openxmlformats.org/presentationml/2006/main" showMasterSp="0" type="title" preserve="1">
   <p:cSld name="Title Slide">
@@ -1333,7 +2610,7 @@
           <a:p>
             <a:fld id="{1160EA64-D806-43AC-9DF2-F8C432F32B4C}" type="datetimeFigureOut">
               <a:rPr lang="en-US" smtClean="0"/>
-              <a:t>10/20/2020</a:t>
+              <a:t>10/21/2020</a:t>
             </a:fld>
             <a:endParaRPr lang="en-US" dirty="0"/>
           </a:p>
@@ -1572,7 +2849,7 @@
           <a:p>
             <a:fld id="{E9F9C37B-1D36-470B-8223-D6C91242EC14}" type="datetimeFigureOut">
               <a:rPr lang="en-US" smtClean="0"/>
-              <a:t>10/20/2020</a:t>
+              <a:t>10/21/2020</a:t>
             </a:fld>
             <a:endParaRPr lang="en-US" dirty="0"/>
           </a:p>
@@ -1752,7 +3029,7 @@
           <a:p>
             <a:fld id="{67C6F52A-A82B-47A2-A83A-8C4C91F2D59F}" type="datetimeFigureOut">
               <a:rPr lang="en-US" smtClean="0"/>
-              <a:t>10/20/2020</a:t>
+              <a:t>10/21/2020</a:t>
             </a:fld>
             <a:endParaRPr lang="en-US" dirty="0"/>
           </a:p>
@@ -1922,7 +3199,7 @@
           <a:p>
             <a:fld id="{F070A7B3-6521-4DCA-87E5-044747A908C1}" type="datetimeFigureOut">
               <a:rPr lang="en-US" smtClean="0"/>
-              <a:t>10/20/2020</a:t>
+              <a:t>10/21/2020</a:t>
             </a:fld>
             <a:endParaRPr lang="en-US" dirty="0"/>
           </a:p>
@@ -2201,7 +3478,7 @@
           <a:p>
             <a:fld id="{1160EA64-D806-43AC-9DF2-F8C432F32B4C}" type="datetimeFigureOut">
               <a:rPr lang="en-US" smtClean="0"/>
-              <a:t>10/20/2020</a:t>
+              <a:t>10/21/2020</a:t>
             </a:fld>
             <a:endParaRPr lang="en-US" dirty="0"/>
           </a:p>
@@ -3443,7 +4720,7 @@
           <a:p>
             <a:fld id="{AB134690-1557-4C89-A502-4959FE7FAD70}" type="datetimeFigureOut">
               <a:rPr lang="en-US" smtClean="0"/>
-              <a:t>10/20/2020</a:t>
+              <a:t>10/21/2020</a:t>
             </a:fld>
             <a:endParaRPr lang="en-US" dirty="0"/>
           </a:p>
@@ -3833,7 +5110,7 @@
           <a:p>
             <a:fld id="{1160EA64-D806-43AC-9DF2-F8C432F32B4C}" type="datetimeFigureOut">
               <a:rPr lang="en-US" smtClean="0"/>
-              <a:t>10/20/2020</a:t>
+              <a:t>10/21/2020</a:t>
             </a:fld>
             <a:endParaRPr lang="en-US" dirty="0"/>
           </a:p>
@@ -3958,7 +5235,7 @@
           <a:p>
             <a:fld id="{E1037C31-9E7A-4F99-8774-A0E530DE1A42}" type="datetimeFigureOut">
               <a:rPr lang="en-US" smtClean="0"/>
-              <a:t>10/20/2020</a:t>
+              <a:t>10/21/2020</a:t>
             </a:fld>
             <a:endParaRPr lang="en-US" dirty="0"/>
           </a:p>
@@ -4053,7 +5330,7 @@
           <a:p>
             <a:fld id="{C278504F-A551-4DE0-9316-4DCD1D8CC752}" type="datetimeFigureOut">
               <a:rPr lang="en-US" smtClean="0"/>
-              <a:t>10/20/2020</a:t>
+              <a:t>10/21/2020</a:t>
             </a:fld>
             <a:endParaRPr lang="en-US" dirty="0"/>
           </a:p>
@@ -4816,7 +6093,7 @@
           <a:p>
             <a:fld id="{D1BE4249-C0D0-4B06-8692-E8BB871AF643}" type="datetimeFigureOut">
               <a:rPr lang="en-US" smtClean="0"/>
-              <a:t>10/20/2020</a:t>
+              <a:t>10/21/2020</a:t>
             </a:fld>
             <a:endParaRPr lang="en-US" dirty="0"/>
           </a:p>
@@ -5696,7 +6973,7 @@
           <a:p>
             <a:fld id="{042B0DB6-F5C7-45FB-8CF3-31B45F9C2DAC}" type="datetimeFigureOut">
               <a:rPr lang="en-US" smtClean="0"/>
-              <a:t>10/20/2020</a:t>
+              <a:t>10/21/2020</a:t>
             </a:fld>
             <a:endParaRPr lang="en-US" dirty="0"/>
           </a:p>
@@ -5963,7 +7240,7 @@
           <a:p>
             <a:fld id="{1160EA64-D806-43AC-9DF2-F8C432F32B4C}" type="datetimeFigureOut">
               <a:rPr lang="en-US" smtClean="0"/>
-              <a:t>10/20/2020</a:t>
+              <a:t>10/21/2020</a:t>
             </a:fld>
             <a:endParaRPr lang="en-US" dirty="0"/>
           </a:p>
@@ -7951,7 +9228,7 @@
           <p:nvPr/>
         </p:nvPicPr>
         <p:blipFill rotWithShape="1">
-          <a:blip r:embed="rId2"/>
+          <a:blip r:embed="rId3"/>
           <a:srcRect l="3059" t="26067" r="3159" b="22997"/>
           <a:stretch/>
         </p:blipFill>
@@ -8153,6 +9430,141 @@
     <p:extLst>
       <p:ext uri="{BB962C8B-B14F-4D97-AF65-F5344CB8AC3E}">
         <p14:creationId xmlns:p14="http://schemas.microsoft.com/office/powerpoint/2010/main" val="253003441"/>
+      </p:ext>
+    </p:extLst>
+  </p:cSld>
+  <p:clrMapOvr>
+    <a:masterClrMapping/>
+  </p:clrMapOvr>
+</p:sld>
+</file>
+
+<file path=ppt/slides/slide12.xml><?xml version="1.0" encoding="utf-8"?>
+<p:sld xmlns:a="http://schemas.openxmlformats.org/drawingml/2006/main" xmlns:r="http://schemas.openxmlformats.org/officeDocument/2006/relationships" xmlns:p="http://schemas.openxmlformats.org/presentationml/2006/main">
+  <p:cSld>
+    <p:spTree>
+      <p:nvGrpSpPr>
+        <p:cNvPr id="1" name=""/>
+        <p:cNvGrpSpPr/>
+        <p:nvPr/>
+      </p:nvGrpSpPr>
+      <p:grpSpPr>
+        <a:xfrm>
+          <a:off x="0" y="0"/>
+          <a:ext cx="0" cy="0"/>
+          <a:chOff x="0" y="0"/>
+          <a:chExt cx="0" cy="0"/>
+        </a:xfrm>
+      </p:grpSpPr>
+      <p:sp>
+        <p:nvSpPr>
+          <p:cNvPr id="2" name="Title 1">
+            <a:extLst>
+              <a:ext uri="{FF2B5EF4-FFF2-40B4-BE49-F238E27FC236}">
+                <a16:creationId xmlns:a16="http://schemas.microsoft.com/office/drawing/2014/main" id="{B894C693-689E-4E71-82D3-B7300243B086}"/>
+              </a:ext>
+            </a:extLst>
+          </p:cNvPr>
+          <p:cNvSpPr>
+            <a:spLocks noGrp="1"/>
+          </p:cNvSpPr>
+          <p:nvPr>
+            <p:ph type="title"/>
+          </p:nvPr>
+        </p:nvSpPr>
+        <p:spPr/>
+        <p:txBody>
+          <a:bodyPr/>
+          <a:lstStyle/>
+          <a:p>
+            <a:r>
+              <a:rPr lang="en-US" dirty="0"/>
+              <a:t>More Opportunity </a:t>
+            </a:r>
+          </a:p>
+        </p:txBody>
+      </p:sp>
+      <p:sp>
+        <p:nvSpPr>
+          <p:cNvPr id="14" name="Text Placeholder 13">
+            <a:extLst>
+              <a:ext uri="{FF2B5EF4-FFF2-40B4-BE49-F238E27FC236}">
+                <a16:creationId xmlns:a16="http://schemas.microsoft.com/office/drawing/2014/main" id="{E4CBE667-A361-44D8-861B-B5EE534881E9}"/>
+              </a:ext>
+            </a:extLst>
+          </p:cNvPr>
+          <p:cNvSpPr>
+            <a:spLocks noGrp="1"/>
+          </p:cNvSpPr>
+          <p:nvPr>
+            <p:ph type="body" sz="half" idx="2"/>
+          </p:nvPr>
+        </p:nvSpPr>
+        <p:spPr/>
+        <p:txBody>
+          <a:bodyPr/>
+          <a:lstStyle/>
+          <a:p>
+            <a:r>
+              <a:rPr lang="en-US" dirty="0"/>
+              <a:t>Aside from distribution, there is also opportunity for new beer styles</a:t>
+            </a:r>
+          </a:p>
+          <a:p>
+            <a:r>
+              <a:rPr lang="en-US" dirty="0"/>
+              <a:t>These fifteen styles are the least popular canned beers and offer opportunity for new markets</a:t>
+            </a:r>
+          </a:p>
+        </p:txBody>
+      </p:sp>
+      <p:pic>
+        <p:nvPicPr>
+          <p:cNvPr id="17" name="Picture 16">
+            <a:extLst>
+              <a:ext uri="{FF2B5EF4-FFF2-40B4-BE49-F238E27FC236}">
+                <a16:creationId xmlns:a16="http://schemas.microsoft.com/office/drawing/2014/main" id="{9D507C87-71EA-4877-A589-897A98CD66B4}"/>
+              </a:ext>
+            </a:extLst>
+          </p:cNvPr>
+          <p:cNvPicPr>
+            <a:picLocks noChangeAspect="1"/>
+          </p:cNvPicPr>
+          <p:nvPr/>
+        </p:nvPicPr>
+        <p:blipFill>
+          <a:blip r:embed="rId2"/>
+          <a:stretch>
+            <a:fillRect/>
+          </a:stretch>
+        </p:blipFill>
+        <p:spPr>
+          <a:xfrm>
+            <a:off x="2013522" y="192024"/>
+            <a:ext cx="3469165" cy="6473952"/>
+          </a:xfrm>
+          <a:prstGeom prst="rect">
+            <a:avLst/>
+          </a:prstGeom>
+          <a:ln w="127000" cap="sq">
+            <a:solidFill>
+              <a:schemeClr val="accent2"/>
+            </a:solidFill>
+            <a:miter lim="800000"/>
+          </a:ln>
+          <a:effectLst>
+            <a:outerShdw blurRad="57150" dist="50800" dir="2700000" algn="tl" rotWithShape="0">
+              <a:srgbClr val="000000">
+                <a:alpha val="40000"/>
+              </a:srgbClr>
+            </a:outerShdw>
+          </a:effectLst>
+        </p:spPr>
+      </p:pic>
+    </p:spTree>
+    <p:extLst>
+      <p:ext uri="{BB962C8B-B14F-4D97-AF65-F5344CB8AC3E}">
+        <p14:creationId xmlns:p14="http://schemas.microsoft.com/office/powerpoint/2010/main" val="3360338449"/>
       </p:ext>
     </p:extLst>
   </p:cSld>
@@ -9405,7 +10817,7 @@
           <p:nvPr/>
         </p:nvPicPr>
         <p:blipFill>
-          <a:blip r:embed="rId2"/>
+          <a:blip r:embed="rId3"/>
           <a:stretch>
             <a:fillRect/>
           </a:stretch>
@@ -9487,7 +10899,7 @@
           <p:nvPr/>
         </p:nvPicPr>
         <p:blipFill rotWithShape="1">
-          <a:blip r:embed="rId3"/>
+          <a:blip r:embed="rId4"/>
           <a:srcRect l="2673" t="29189" r="10841" b="24445"/>
           <a:stretch/>
         </p:blipFill>
@@ -9516,7 +10928,7 @@
           <p:nvPr/>
         </p:nvPicPr>
         <p:blipFill rotWithShape="1">
-          <a:blip r:embed="rId3"/>
+          <a:blip r:embed="rId4"/>
           <a:srcRect l="93123" t="44324" b="37418"/>
           <a:stretch/>
         </p:blipFill>
@@ -10048,6 +11460,13 @@
             <a:tailEnd/>
           </a:ln>
         </p:spPr>
+        <p:txBody>
+          <a:bodyPr/>
+          <a:lstStyle/>
+          <a:p>
+            <a:endParaRPr lang="en-US"/>
+          </a:p>
+        </p:txBody>
       </p:sp>
       <p:sp>
         <p:nvSpPr>
@@ -10103,6 +11522,13 @@
             <a:schemeClr val="lt1"/>
           </a:fontRef>
         </p:style>
+        <p:txBody>
+          <a:bodyPr/>
+          <a:lstStyle/>
+          <a:p>
+            <a:endParaRPr lang="en-US"/>
+          </a:p>
+        </p:txBody>
       </p:sp>
       <p:sp useBgFill="1">
         <p:nvSpPr>
@@ -10317,6 +11743,13 @@
             <a:schemeClr val="lt1"/>
           </a:fontRef>
         </p:style>
+        <p:txBody>
+          <a:bodyPr/>
+          <a:lstStyle/>
+          <a:p>
+            <a:endParaRPr lang="en-US"/>
+          </a:p>
+        </p:txBody>
       </p:sp>
       <p:sp>
         <p:nvSpPr>
@@ -10795,6 +12228,13 @@
             <a:tailEnd/>
           </a:ln>
         </p:spPr>
+        <p:txBody>
+          <a:bodyPr/>
+          <a:lstStyle/>
+          <a:p>
+            <a:endParaRPr lang="en-US"/>
+          </a:p>
+        </p:txBody>
       </p:sp>
       <p:sp>
         <p:nvSpPr>
@@ -10958,7 +12398,7 @@
           <p:nvPr/>
         </p:nvPicPr>
         <p:blipFill>
-          <a:blip r:embed="rId2"/>
+          <a:blip r:embed="rId3"/>
           <a:stretch>
             <a:fillRect/>
           </a:stretch>
@@ -10988,7 +12428,7 @@
           <p:nvPr/>
         </p:nvPicPr>
         <p:blipFill rotWithShape="1">
-          <a:blip r:embed="rId3"/>
+          <a:blip r:embed="rId4"/>
           <a:srcRect t="19775" b="19700"/>
           <a:stretch/>
         </p:blipFill>
@@ -12102,6 +13542,13 @@
             <a:tailEnd/>
           </a:ln>
         </p:spPr>
+        <p:txBody>
+          <a:bodyPr/>
+          <a:lstStyle/>
+          <a:p>
+            <a:endParaRPr lang="en-US"/>
+          </a:p>
+        </p:txBody>
       </p:sp>
       <p:sp>
         <p:nvSpPr>
@@ -12157,6 +13604,13 @@
             <a:schemeClr val="lt1"/>
           </a:fontRef>
         </p:style>
+        <p:txBody>
+          <a:bodyPr/>
+          <a:lstStyle/>
+          <a:p>
+            <a:endParaRPr lang="en-US"/>
+          </a:p>
+        </p:txBody>
       </p:sp>
       <p:sp useBgFill="1">
         <p:nvSpPr>
@@ -13498,6 +14952,13 @@
             <a:tailEnd/>
           </a:ln>
         </p:spPr>
+        <p:txBody>
+          <a:bodyPr/>
+          <a:lstStyle/>
+          <a:p>
+            <a:endParaRPr lang="en-US"/>
+          </a:p>
+        </p:txBody>
       </p:sp>
       <p:sp>
         <p:nvSpPr>
@@ -13643,7 +15104,7 @@
           <p:nvPr/>
         </p:nvPicPr>
         <p:blipFill>
-          <a:blip r:embed="rId2"/>
+          <a:blip r:embed="rId3"/>
           <a:stretch>
             <a:fillRect/>
           </a:stretch>
@@ -13673,7 +15134,7 @@
           <p:nvPr/>
         </p:nvPicPr>
         <p:blipFill rotWithShape="1">
-          <a:blip r:embed="rId3"/>
+          <a:blip r:embed="rId4"/>
           <a:srcRect t="20375" b="20450"/>
           <a:stretch/>
         </p:blipFill>
@@ -15090,7 +16551,7 @@
           <p:nvPr/>
         </p:nvPicPr>
         <p:blipFill>
-          <a:blip r:embed="rId2"/>
+          <a:blip r:embed="rId3"/>
           <a:stretch>
             <a:fillRect/>
           </a:stretch>
@@ -15120,7 +16581,7 @@
           <p:nvPr/>
         </p:nvPicPr>
         <p:blipFill>
-          <a:blip r:embed="rId3"/>
+          <a:blip r:embed="rId4"/>
           <a:stretch>
             <a:fillRect/>
           </a:stretch>
@@ -16557,6 +18018,13 @@
             <a:tailEnd/>
           </a:ln>
         </p:spPr>
+        <p:txBody>
+          <a:bodyPr/>
+          <a:lstStyle/>
+          <a:p>
+            <a:endParaRPr lang="en-US"/>
+          </a:p>
+        </p:txBody>
       </p:sp>
       <p:sp>
         <p:nvSpPr>
@@ -16612,6 +18080,13 @@
             <a:schemeClr val="lt1"/>
           </a:fontRef>
         </p:style>
+        <p:txBody>
+          <a:bodyPr/>
+          <a:lstStyle/>
+          <a:p>
+            <a:endParaRPr lang="en-US"/>
+          </a:p>
+        </p:txBody>
       </p:sp>
       <p:sp useBgFill="1">
         <p:nvSpPr>
@@ -17953,6 +19428,13 @@
             <a:tailEnd/>
           </a:ln>
         </p:spPr>
+        <p:txBody>
+          <a:bodyPr/>
+          <a:lstStyle/>
+          <a:p>
+            <a:endParaRPr lang="en-US"/>
+          </a:p>
+        </p:txBody>
       </p:sp>
       <p:sp>
         <p:nvSpPr>
@@ -18005,7 +19487,7 @@
           <p:nvPr/>
         </p:nvPicPr>
         <p:blipFill>
-          <a:blip r:embed="rId2"/>
+          <a:blip r:embed="rId3"/>
           <a:stretch>
             <a:fillRect/>
           </a:stretch>
@@ -18035,7 +19517,7 @@
           <p:nvPr/>
         </p:nvPicPr>
         <p:blipFill>
-          <a:blip r:embed="rId3"/>
+          <a:blip r:embed="rId4"/>
           <a:stretch>
             <a:fillRect/>
           </a:stretch>
@@ -18617,7 +20099,7 @@
           <p:nvPr/>
         </p:nvPicPr>
         <p:blipFill>
-          <a:blip r:embed="rId2"/>
+          <a:blip r:embed="rId3"/>
           <a:stretch>
             <a:fillRect/>
           </a:stretch>
@@ -18903,4 +20385,299 @@
     </a:ext>
   </a:extLst>
 </a:theme>
+</file>
+
+<file path=ppt/theme/theme2.xml><?xml version="1.0" encoding="utf-8"?>
+<a:theme xmlns:a="http://schemas.openxmlformats.org/drawingml/2006/main" name="Office Theme">
+  <a:themeElements>
+    <a:clrScheme name="Office">
+      <a:dk1>
+        <a:sysClr val="windowText" lastClr="000000"/>
+      </a:dk1>
+      <a:lt1>
+        <a:sysClr val="window" lastClr="FFFFFF"/>
+      </a:lt1>
+      <a:dk2>
+        <a:srgbClr val="44546A"/>
+      </a:dk2>
+      <a:lt2>
+        <a:srgbClr val="E7E6E6"/>
+      </a:lt2>
+      <a:accent1>
+        <a:srgbClr val="4472C4"/>
+      </a:accent1>
+      <a:accent2>
+        <a:srgbClr val="ED7D31"/>
+      </a:accent2>
+      <a:accent3>
+        <a:srgbClr val="A5A5A5"/>
+      </a:accent3>
+      <a:accent4>
+        <a:srgbClr val="FFC000"/>
+      </a:accent4>
+      <a:accent5>
+        <a:srgbClr val="5B9BD5"/>
+      </a:accent5>
+      <a:accent6>
+        <a:srgbClr val="70AD47"/>
+      </a:accent6>
+      <a:hlink>
+        <a:srgbClr val="0563C1"/>
+      </a:hlink>
+      <a:folHlink>
+        <a:srgbClr val="954F72"/>
+      </a:folHlink>
+    </a:clrScheme>
+    <a:fontScheme name="Office">
+      <a:majorFont>
+        <a:latin typeface="Calibri Light" panose="020F0302020204030204"/>
+        <a:ea typeface=""/>
+        <a:cs typeface=""/>
+        <a:font script="Jpan" typeface="游ゴシック Light"/>
+        <a:font script="Hang" typeface="맑은 고딕"/>
+        <a:font script="Hans" typeface="等线 Light"/>
+        <a:font script="Hant" typeface="新細明體"/>
+        <a:font script="Arab" typeface="Times New Roman"/>
+        <a:font script="Hebr" typeface="Times New Roman"/>
+        <a:font script="Thai" typeface="Angsana New"/>
+        <a:font script="Ethi" typeface="Nyala"/>
+        <a:font script="Beng" typeface="Vrinda"/>
+        <a:font script="Gujr" typeface="Shruti"/>
+        <a:font script="Khmr" typeface="MoolBoran"/>
+        <a:font script="Knda" typeface="Tunga"/>
+        <a:font script="Guru" typeface="Raavi"/>
+        <a:font script="Cans" typeface="Euphemia"/>
+        <a:font script="Cher" typeface="Plantagenet Cherokee"/>
+        <a:font script="Yiii" typeface="Microsoft Yi Baiti"/>
+        <a:font script="Tibt" typeface="Microsoft Himalaya"/>
+        <a:font script="Thaa" typeface="MV Boli"/>
+        <a:font script="Deva" typeface="Mangal"/>
+        <a:font script="Telu" typeface="Gautami"/>
+        <a:font script="Taml" typeface="Latha"/>
+        <a:font script="Syrc" typeface="Estrangelo Edessa"/>
+        <a:font script="Orya" typeface="Kalinga"/>
+        <a:font script="Mlym" typeface="Kartika"/>
+        <a:font script="Laoo" typeface="DokChampa"/>
+        <a:font script="Sinh" typeface="Iskoola Pota"/>
+        <a:font script="Mong" typeface="Mongolian Baiti"/>
+        <a:font script="Viet" typeface="Times New Roman"/>
+        <a:font script="Uigh" typeface="Microsoft Uighur"/>
+        <a:font script="Geor" typeface="Sylfaen"/>
+        <a:font script="Armn" typeface="Arial"/>
+        <a:font script="Bugi" typeface="Leelawadee UI"/>
+        <a:font script="Bopo" typeface="Microsoft JhengHei"/>
+        <a:font script="Java" typeface="Javanese Text"/>
+        <a:font script="Lisu" typeface="Segoe UI"/>
+        <a:font script="Mymr" typeface="Myanmar Text"/>
+        <a:font script="Nkoo" typeface="Ebrima"/>
+        <a:font script="Olck" typeface="Nirmala UI"/>
+        <a:font script="Osma" typeface="Ebrima"/>
+        <a:font script="Phag" typeface="Phagspa"/>
+        <a:font script="Syrn" typeface="Estrangelo Edessa"/>
+        <a:font script="Syrj" typeface="Estrangelo Edessa"/>
+        <a:font script="Syre" typeface="Estrangelo Edessa"/>
+        <a:font script="Sora" typeface="Nirmala UI"/>
+        <a:font script="Tale" typeface="Microsoft Tai Le"/>
+        <a:font script="Talu" typeface="Microsoft New Tai Lue"/>
+        <a:font script="Tfng" typeface="Ebrima"/>
+      </a:majorFont>
+      <a:minorFont>
+        <a:latin typeface="Calibri" panose="020F0502020204030204"/>
+        <a:ea typeface=""/>
+        <a:cs typeface=""/>
+        <a:font script="Jpan" typeface="游ゴシック"/>
+        <a:font script="Hang" typeface="맑은 고딕"/>
+        <a:font script="Hans" typeface="等线"/>
+        <a:font script="Hant" typeface="新細明體"/>
+        <a:font script="Arab" typeface="Arial"/>
+        <a:font script="Hebr" typeface="Arial"/>
+        <a:font script="Thai" typeface="Cordia New"/>
+        <a:font script="Ethi" typeface="Nyala"/>
+        <a:font script="Beng" typeface="Vrinda"/>
+        <a:font script="Gujr" typeface="Shruti"/>
+        <a:font script="Khmr" typeface="DaunPenh"/>
+        <a:font script="Knda" typeface="Tunga"/>
+        <a:font script="Guru" typeface="Raavi"/>
+        <a:font script="Cans" typeface="Euphemia"/>
+        <a:font script="Cher" typeface="Plantagenet Cherokee"/>
+        <a:font script="Yiii" typeface="Microsoft Yi Baiti"/>
+        <a:font script="Tibt" typeface="Microsoft Himalaya"/>
+        <a:font script="Thaa" typeface="MV Boli"/>
+        <a:font script="Deva" typeface="Mangal"/>
+        <a:font script="Telu" typeface="Gautami"/>
+        <a:font script="Taml" typeface="Latha"/>
+        <a:font script="Syrc" typeface="Estrangelo Edessa"/>
+        <a:font script="Orya" typeface="Kalinga"/>
+        <a:font script="Mlym" typeface="Kartika"/>
+        <a:font script="Laoo" typeface="DokChampa"/>
+        <a:font script="Sinh" typeface="Iskoola Pota"/>
+        <a:font script="Mong" typeface="Mongolian Baiti"/>
+        <a:font script="Viet" typeface="Arial"/>
+        <a:font script="Uigh" typeface="Microsoft Uighur"/>
+        <a:font script="Geor" typeface="Sylfaen"/>
+        <a:font script="Armn" typeface="Arial"/>
+        <a:font script="Bugi" typeface="Leelawadee UI"/>
+        <a:font script="Bopo" typeface="Microsoft JhengHei"/>
+        <a:font script="Java" typeface="Javanese Text"/>
+        <a:font script="Lisu" typeface="Segoe UI"/>
+        <a:font script="Mymr" typeface="Myanmar Text"/>
+        <a:font script="Nkoo" typeface="Ebrima"/>
+        <a:font script="Olck" typeface="Nirmala UI"/>
+        <a:font script="Osma" typeface="Ebrima"/>
+        <a:font script="Phag" typeface="Phagspa"/>
+        <a:font script="Syrn" typeface="Estrangelo Edessa"/>
+        <a:font script="Syrj" typeface="Estrangelo Edessa"/>
+        <a:font script="Syre" typeface="Estrangelo Edessa"/>
+        <a:font script="Sora" typeface="Nirmala UI"/>
+        <a:font script="Tale" typeface="Microsoft Tai Le"/>
+        <a:font script="Talu" typeface="Microsoft New Tai Lue"/>
+        <a:font script="Tfng" typeface="Ebrima"/>
+      </a:minorFont>
+    </a:fontScheme>
+    <a:fmtScheme name="Office">
+      <a:fillStyleLst>
+        <a:solidFill>
+          <a:schemeClr val="phClr"/>
+        </a:solidFill>
+        <a:gradFill rotWithShape="1">
+          <a:gsLst>
+            <a:gs pos="0">
+              <a:schemeClr val="phClr">
+                <a:lumMod val="110000"/>
+                <a:satMod val="105000"/>
+                <a:tint val="67000"/>
+              </a:schemeClr>
+            </a:gs>
+            <a:gs pos="50000">
+              <a:schemeClr val="phClr">
+                <a:lumMod val="105000"/>
+                <a:satMod val="103000"/>
+                <a:tint val="73000"/>
+              </a:schemeClr>
+            </a:gs>
+            <a:gs pos="100000">
+              <a:schemeClr val="phClr">
+                <a:lumMod val="105000"/>
+                <a:satMod val="109000"/>
+                <a:tint val="81000"/>
+              </a:schemeClr>
+            </a:gs>
+          </a:gsLst>
+          <a:lin ang="5400000" scaled="0"/>
+        </a:gradFill>
+        <a:gradFill rotWithShape="1">
+          <a:gsLst>
+            <a:gs pos="0">
+              <a:schemeClr val="phClr">
+                <a:satMod val="103000"/>
+                <a:lumMod val="102000"/>
+                <a:tint val="94000"/>
+              </a:schemeClr>
+            </a:gs>
+            <a:gs pos="50000">
+              <a:schemeClr val="phClr">
+                <a:satMod val="110000"/>
+                <a:lumMod val="100000"/>
+                <a:shade val="100000"/>
+              </a:schemeClr>
+            </a:gs>
+            <a:gs pos="100000">
+              <a:schemeClr val="phClr">
+                <a:lumMod val="99000"/>
+                <a:satMod val="120000"/>
+                <a:shade val="78000"/>
+              </a:schemeClr>
+            </a:gs>
+          </a:gsLst>
+          <a:lin ang="5400000" scaled="0"/>
+        </a:gradFill>
+      </a:fillStyleLst>
+      <a:lnStyleLst>
+        <a:ln w="6350" cap="flat" cmpd="sng" algn="ctr">
+          <a:solidFill>
+            <a:schemeClr val="phClr"/>
+          </a:solidFill>
+          <a:prstDash val="solid"/>
+          <a:miter lim="800000"/>
+        </a:ln>
+        <a:ln w="12700" cap="flat" cmpd="sng" algn="ctr">
+          <a:solidFill>
+            <a:schemeClr val="phClr"/>
+          </a:solidFill>
+          <a:prstDash val="solid"/>
+          <a:miter lim="800000"/>
+        </a:ln>
+        <a:ln w="19050" cap="flat" cmpd="sng" algn="ctr">
+          <a:solidFill>
+            <a:schemeClr val="phClr"/>
+          </a:solidFill>
+          <a:prstDash val="solid"/>
+          <a:miter lim="800000"/>
+        </a:ln>
+      </a:lnStyleLst>
+      <a:effectStyleLst>
+        <a:effectStyle>
+          <a:effectLst/>
+        </a:effectStyle>
+        <a:effectStyle>
+          <a:effectLst/>
+        </a:effectStyle>
+        <a:effectStyle>
+          <a:effectLst>
+            <a:outerShdw blurRad="57150" dist="19050" dir="5400000" algn="ctr" rotWithShape="0">
+              <a:srgbClr val="000000">
+                <a:alpha val="63000"/>
+              </a:srgbClr>
+            </a:outerShdw>
+          </a:effectLst>
+        </a:effectStyle>
+      </a:effectStyleLst>
+      <a:bgFillStyleLst>
+        <a:solidFill>
+          <a:schemeClr val="phClr"/>
+        </a:solidFill>
+        <a:solidFill>
+          <a:schemeClr val="phClr">
+            <a:tint val="95000"/>
+            <a:satMod val="170000"/>
+          </a:schemeClr>
+        </a:solidFill>
+        <a:gradFill rotWithShape="1">
+          <a:gsLst>
+            <a:gs pos="0">
+              <a:schemeClr val="phClr">
+                <a:tint val="93000"/>
+                <a:satMod val="150000"/>
+                <a:shade val="98000"/>
+                <a:lumMod val="102000"/>
+              </a:schemeClr>
+            </a:gs>
+            <a:gs pos="50000">
+              <a:schemeClr val="phClr">
+                <a:tint val="98000"/>
+                <a:satMod val="130000"/>
+                <a:shade val="90000"/>
+                <a:lumMod val="103000"/>
+              </a:schemeClr>
+            </a:gs>
+            <a:gs pos="100000">
+              <a:schemeClr val="phClr">
+                <a:shade val="63000"/>
+                <a:satMod val="120000"/>
+              </a:schemeClr>
+            </a:gs>
+          </a:gsLst>
+          <a:lin ang="5400000" scaled="0"/>
+        </a:gradFill>
+      </a:bgFillStyleLst>
+    </a:fmtScheme>
+  </a:themeElements>
+  <a:objectDefaults/>
+  <a:extraClrSchemeLst/>
+  <a:extLst>
+    <a:ext uri="{05A4C25C-085E-4340-85A3-A5531E510DB2}">
+      <thm15:themeFamily xmlns:thm15="http://schemas.microsoft.com/office/thememl/2012/main" name="Office Theme" id="{62F939B6-93AF-4DB8-9C6B-D6C7DFDC589F}" vid="{4A3C46E8-61CC-4603-A589-7422A47A8E4A}"/>
+    </a:ext>
+  </a:extLst>
+</a:theme>
 </file>